--- a/a_asset/n_01_uiux요구분석/n_01_UIUX요구분석_샘플_다나와.pptx
+++ b/a_asset/n_01_uiux요구분석/n_01_UIUX요구분석_샘플_다나와.pptx
@@ -2358,7 +2358,7 @@
       <dgm:spPr/>
     </dgm:pt>
     <dgm:pt modelId="{B292DB37-5DAC-4239-B187-DFD8D1E45EBC}" type="pres">
-      <dgm:prSet presAssocID="{28926570-D9F9-446E-A6FE-D0A1CA8563C3}" presName="tx2" presStyleLbl="revTx" presStyleIdx="1" presStyleCnt="6" custScaleY="67816"/>
+      <dgm:prSet presAssocID="{28926570-D9F9-446E-A6FE-D0A1CA8563C3}" presName="tx2" presStyleLbl="revTx" presStyleIdx="1" presStyleCnt="6" custScaleY="23565"/>
       <dgm:spPr/>
     </dgm:pt>
     <dgm:pt modelId="{AD57E317-9AA0-4DC4-A66B-22B937972D83}" type="pres">
@@ -2382,7 +2382,7 @@
       <dgm:spPr/>
     </dgm:pt>
     <dgm:pt modelId="{10968B22-FB99-41A1-9693-4805EB3AA705}" type="pres">
-      <dgm:prSet presAssocID="{711F28F9-5C6A-452F-B6B7-51D365DA9BE5}" presName="tx2" presStyleLbl="revTx" presStyleIdx="2" presStyleCnt="6" custScaleY="67816"/>
+      <dgm:prSet presAssocID="{711F28F9-5C6A-452F-B6B7-51D365DA9BE5}" presName="tx2" presStyleLbl="revTx" presStyleIdx="2" presStyleCnt="6" custScaleY="23877"/>
       <dgm:spPr/>
     </dgm:pt>
     <dgm:pt modelId="{DB348B1C-28E3-4DE7-9791-71B6F7233EF7}" type="pres">
@@ -2406,7 +2406,7 @@
       <dgm:spPr/>
     </dgm:pt>
     <dgm:pt modelId="{9C8F1E3E-C216-4424-9670-DF95234C16C6}" type="pres">
-      <dgm:prSet presAssocID="{36EE2512-896A-411B-8C18-A9209D8B8486}" presName="tx2" presStyleLbl="revTx" presStyleIdx="3" presStyleCnt="6" custScaleY="67816"/>
+      <dgm:prSet presAssocID="{36EE2512-896A-411B-8C18-A9209D8B8486}" presName="tx2" presStyleLbl="revTx" presStyleIdx="3" presStyleCnt="6" custScaleY="31197"/>
       <dgm:spPr/>
     </dgm:pt>
     <dgm:pt modelId="{C20FBA09-16C5-4ED9-B82C-AC601DAFD6F4}" type="pres">
@@ -2430,7 +2430,7 @@
       <dgm:spPr/>
     </dgm:pt>
     <dgm:pt modelId="{81DFE6F8-DD24-492B-83E1-0830D2F01B2A}" type="pres">
-      <dgm:prSet presAssocID="{48B20F56-5579-43A5-B7FC-B6921DBCF66B}" presName="tx2" presStyleLbl="revTx" presStyleIdx="4" presStyleCnt="6" custScaleY="67816"/>
+      <dgm:prSet presAssocID="{48B20F56-5579-43A5-B7FC-B6921DBCF66B}" presName="tx2" presStyleLbl="revTx" presStyleIdx="4" presStyleCnt="6" custScaleY="37236"/>
       <dgm:spPr/>
     </dgm:pt>
     <dgm:pt modelId="{FE4C7192-2E36-4DBC-80C2-DFB3BB155973}" type="pres">
@@ -3574,7 +3574,7 @@
       </dsp:nvSpPr>
       <dsp:spPr>
         <a:xfrm>
-          <a:off x="0" y="1699"/>
+          <a:off x="0" y="0"/>
           <a:ext cx="9684201" cy="0"/>
         </a:xfrm>
         <a:prstGeom prst="line">
@@ -3624,8 +3624,8 @@
       </dsp:nvSpPr>
       <dsp:spPr>
         <a:xfrm>
-          <a:off x="0" y="1699"/>
-          <a:ext cx="1936840" cy="3477479"/>
+          <a:off x="0" y="0"/>
+          <a:ext cx="1936840" cy="3480879"/>
         </a:xfrm>
         <a:prstGeom prst="rect">
           <a:avLst/>
@@ -3673,8 +3673,8 @@
         </a:p>
       </dsp:txBody>
       <dsp:txXfrm>
-        <a:off x="0" y="1699"/>
-        <a:ext cx="1936840" cy="3477479"/>
+        <a:off x="0" y="0"/>
+        <a:ext cx="1936840" cy="3480879"/>
       </dsp:txXfrm>
     </dsp:sp>
     <dsp:sp modelId="{B292DB37-5DAC-4239-B187-DFD8D1E45EBC}">
@@ -3684,8 +3684,8 @@
       </dsp:nvSpPr>
       <dsp:spPr>
         <a:xfrm>
-          <a:off x="2082103" y="48733"/>
-          <a:ext cx="7602097" cy="637935"/>
+          <a:off x="2082103" y="81413"/>
+          <a:ext cx="7602097" cy="383700"/>
         </a:xfrm>
         <a:prstGeom prst="rect">
           <a:avLst/>
@@ -3771,8 +3771,8 @@
         </a:p>
       </dsp:txBody>
       <dsp:txXfrm>
-        <a:off x="2082103" y="48733"/>
-        <a:ext cx="7602097" cy="637935"/>
+        <a:off x="2082103" y="81413"/>
+        <a:ext cx="7602097" cy="383700"/>
       </dsp:txXfrm>
     </dsp:sp>
     <dsp:sp modelId="{4110832E-0718-476E-A490-037F526FEE32}">
@@ -3782,7 +3782,7 @@
       </dsp:nvSpPr>
       <dsp:spPr>
         <a:xfrm>
-          <a:off x="1936840" y="686669"/>
+          <a:off x="1936840" y="465113"/>
           <a:ext cx="7747360" cy="0"/>
         </a:xfrm>
         <a:prstGeom prst="line">
@@ -3831,8 +3831,8 @@
       </dsp:nvSpPr>
       <dsp:spPr>
         <a:xfrm>
-          <a:off x="2082103" y="733703"/>
-          <a:ext cx="7602097" cy="637935"/>
+          <a:off x="2082103" y="546526"/>
+          <a:ext cx="7602097" cy="388780"/>
         </a:xfrm>
         <a:prstGeom prst="rect">
           <a:avLst/>
@@ -3918,8 +3918,8 @@
         </a:p>
       </dsp:txBody>
       <dsp:txXfrm>
-        <a:off x="2082103" y="733703"/>
-        <a:ext cx="7602097" cy="637935"/>
+        <a:off x="2082103" y="546526"/>
+        <a:ext cx="7602097" cy="388780"/>
       </dsp:txXfrm>
     </dsp:sp>
     <dsp:sp modelId="{AD911FAF-521A-4820-A828-D3E3718C95AE}">
@@ -3929,7 +3929,7 @@
       </dsp:nvSpPr>
       <dsp:spPr>
         <a:xfrm>
-          <a:off x="1936840" y="1371638"/>
+          <a:off x="1936840" y="935306"/>
           <a:ext cx="7747360" cy="0"/>
         </a:xfrm>
         <a:prstGeom prst="line">
@@ -3978,8 +3978,8 @@
       </dsp:nvSpPr>
       <dsp:spPr>
         <a:xfrm>
-          <a:off x="2082103" y="1418672"/>
-          <a:ext cx="7602097" cy="637935"/>
+          <a:off x="2082103" y="1016719"/>
+          <a:ext cx="7602097" cy="507969"/>
         </a:xfrm>
         <a:prstGeom prst="rect">
           <a:avLst/>
@@ -4103,8 +4103,8 @@
         </a:p>
       </dsp:txBody>
       <dsp:txXfrm>
-        <a:off x="2082103" y="1418672"/>
-        <a:ext cx="7602097" cy="637935"/>
+        <a:off x="2082103" y="1016719"/>
+        <a:ext cx="7602097" cy="507969"/>
       </dsp:txXfrm>
     </dsp:sp>
     <dsp:sp modelId="{CF05C026-DB91-43DB-A06E-46B09EDF745D}">
@@ -4114,7 +4114,7 @@
       </dsp:nvSpPr>
       <dsp:spPr>
         <a:xfrm>
-          <a:off x="1936840" y="2056608"/>
+          <a:off x="1936840" y="1524688"/>
           <a:ext cx="7747360" cy="0"/>
         </a:xfrm>
         <a:prstGeom prst="line">
@@ -4163,8 +4163,8 @@
       </dsp:nvSpPr>
       <dsp:spPr>
         <a:xfrm>
-          <a:off x="2082103" y="2103642"/>
-          <a:ext cx="7602097" cy="637935"/>
+          <a:off x="2082103" y="1606102"/>
+          <a:ext cx="7602097" cy="606299"/>
         </a:xfrm>
         <a:prstGeom prst="rect">
           <a:avLst/>
@@ -4268,8 +4268,8 @@
         </a:p>
       </dsp:txBody>
       <dsp:txXfrm>
-        <a:off x="2082103" y="2103642"/>
-        <a:ext cx="7602097" cy="637935"/>
+        <a:off x="2082103" y="1606102"/>
+        <a:ext cx="7602097" cy="606299"/>
       </dsp:txXfrm>
     </dsp:sp>
     <dsp:sp modelId="{D235D982-58AD-4B15-9D8D-F549E4F32805}">
@@ -4279,7 +4279,7 @@
       </dsp:nvSpPr>
       <dsp:spPr>
         <a:xfrm>
-          <a:off x="1936840" y="2741577"/>
+          <a:off x="1936840" y="2212401"/>
           <a:ext cx="7747360" cy="0"/>
         </a:xfrm>
         <a:prstGeom prst="line">
@@ -4328,8 +4328,8 @@
       </dsp:nvSpPr>
       <dsp:spPr>
         <a:xfrm>
-          <a:off x="2082103" y="2788611"/>
-          <a:ext cx="7602097" cy="637935"/>
+          <a:off x="2082103" y="2293815"/>
+          <a:ext cx="7602097" cy="1104222"/>
         </a:xfrm>
         <a:prstGeom prst="rect">
           <a:avLst/>
@@ -4589,8 +4589,8 @@
         </a:p>
       </dsp:txBody>
       <dsp:txXfrm>
-        <a:off x="2082103" y="2788611"/>
-        <a:ext cx="7602097" cy="637935"/>
+        <a:off x="2082103" y="2293815"/>
+        <a:ext cx="7602097" cy="1104222"/>
       </dsp:txXfrm>
     </dsp:sp>
     <dsp:sp modelId="{D0A004F4-AD23-44AD-ADB5-BAD672B8AB1E}">
@@ -4600,7 +4600,7 @@
       </dsp:nvSpPr>
       <dsp:spPr>
         <a:xfrm>
-          <a:off x="1936840" y="3426547"/>
+          <a:off x="1936840" y="3398037"/>
           <a:ext cx="7747360" cy="0"/>
         </a:xfrm>
         <a:prstGeom prst="line">
@@ -9276,7 +9276,7 @@
             <a:fld id="{6921685B-8A46-4547-B47D-D09C9DEE3113}" type="datetimeFigureOut">
               <a:rPr lang="ko-KR" altLang="en-US" smtClean="0"/>
               <a:pPr/>
-              <a:t>2021-09-03</a:t>
+              <a:t>2021-09-06</a:t>
             </a:fld>
             <a:endParaRPr lang="ko-KR" altLang="en-US" dirty="0"/>
           </a:p>
@@ -12042,7 +12042,7 @@
           <a:p>
             <a:fld id="{305352ED-F847-431A-9C4E-9984B483267A}" type="datetimeFigureOut">
               <a:rPr lang="ko-KR" altLang="en-US" smtClean="0"/>
-              <a:t>2021-09-03</a:t>
+              <a:t>2021-09-06</a:t>
             </a:fld>
             <a:endParaRPr lang="ko-KR" altLang="en-US"/>
           </a:p>
@@ -13008,7 +13008,7 @@
           <p:nvPr>
             <p:extLst>
               <p:ext uri="{D42A27DB-BD31-4B8C-83A1-F6EECF244321}">
-                <p14:modId xmlns:p14="http://schemas.microsoft.com/office/powerpoint/2010/main" val="1402558534"/>
+                <p14:modId xmlns:p14="http://schemas.microsoft.com/office/powerpoint/2010/main" val="122783923"/>
               </p:ext>
             </p:extLst>
           </p:nvPr>
@@ -13091,7 +13091,130 @@
                           <a:latin typeface="맑은 고딕" panose="020B0503020000020004" pitchFamily="50" charset="-127"/>
                           <a:ea typeface="맑은 고딕" panose="020B0503020000020004" pitchFamily="50" charset="-127"/>
                         </a:rPr>
-                        <a:t>요구사항 요약</a:t>
+                        <a:t>사이트를 기존과 다르게 정리되어 찾기 편하고</a:t>
+                      </a:r>
+                      <a:r>
+                        <a:rPr lang="en-US" altLang="ko-KR" sz="1500" b="0" kern="0" spc="0" dirty="0">
+                          <a:solidFill>
+                            <a:srgbClr val="191919"/>
+                          </a:solidFill>
+                          <a:effectLst/>
+                          <a:latin typeface="맑은 고딕" panose="020B0503020000020004" pitchFamily="50" charset="-127"/>
+                          <a:ea typeface="맑은 고딕" panose="020B0503020000020004" pitchFamily="50" charset="-127"/>
+                        </a:rPr>
+                        <a:t>, </a:t>
+                      </a:r>
+                      <a:r>
+                        <a:rPr lang="ko-KR" altLang="en-US" sz="1500" b="0" kern="0" spc="0" dirty="0">
+                          <a:solidFill>
+                            <a:srgbClr val="191919"/>
+                          </a:solidFill>
+                          <a:effectLst/>
+                          <a:latin typeface="맑은 고딕" panose="020B0503020000020004" pitchFamily="50" charset="-127"/>
+                          <a:ea typeface="맑은 고딕" panose="020B0503020000020004" pitchFamily="50" charset="-127"/>
+                        </a:rPr>
+                        <a:t>검색 및 조건을 쉽게 인식할 수 </a:t>
+                      </a:r>
+                      <a:r>
+                        <a:rPr lang="ko-KR" altLang="en-US" sz="1500" b="0" kern="0" spc="0" dirty="0" err="1">
+                          <a:solidFill>
+                            <a:srgbClr val="191919"/>
+                          </a:solidFill>
+                          <a:effectLst/>
+                          <a:latin typeface="맑은 고딕" panose="020B0503020000020004" pitchFamily="50" charset="-127"/>
+                          <a:ea typeface="맑은 고딕" panose="020B0503020000020004" pitchFamily="50" charset="-127"/>
+                        </a:rPr>
+                        <a:t>있도록하며</a:t>
+                      </a:r>
+                      <a:r>
+                        <a:rPr lang="en-US" altLang="ko-KR" sz="1500" b="0" kern="0" spc="0" dirty="0">
+                          <a:solidFill>
+                            <a:srgbClr val="191919"/>
+                          </a:solidFill>
+                          <a:effectLst/>
+                          <a:latin typeface="맑은 고딕" panose="020B0503020000020004" pitchFamily="50" charset="-127"/>
+                          <a:ea typeface="맑은 고딕" panose="020B0503020000020004" pitchFamily="50" charset="-127"/>
+                        </a:rPr>
+                        <a:t>,</a:t>
+                      </a:r>
+                    </a:p>
+                    <a:p>
+                      <a:pPr marL="0" marR="0" indent="0" algn="l" fontAlgn="base" latinLnBrk="0">
+                        <a:lnSpc>
+                          <a:spcPct val="130000"/>
+                        </a:lnSpc>
+                        <a:spcBef>
+                          <a:spcPts val="0"/>
+                        </a:spcBef>
+                        <a:spcAft>
+                          <a:spcPts val="0"/>
+                        </a:spcAft>
+                      </a:pPr>
+                      <a:r>
+                        <a:rPr lang="ko-KR" altLang="en-US" sz="1500" b="0" kern="0" spc="0" dirty="0">
+                          <a:solidFill>
+                            <a:srgbClr val="191919"/>
+                          </a:solidFill>
+                          <a:effectLst/>
+                          <a:latin typeface="맑은 고딕" panose="020B0503020000020004" pitchFamily="50" charset="-127"/>
+                          <a:ea typeface="맑은 고딕" panose="020B0503020000020004" pitchFamily="50" charset="-127"/>
+                        </a:rPr>
+                        <a:t>다양한 </a:t>
+                      </a:r>
+                      <a:r>
+                        <a:rPr lang="ko-KR" altLang="en-US" sz="1500" b="0" kern="0" spc="0" dirty="0" err="1">
+                          <a:solidFill>
+                            <a:srgbClr val="191919"/>
+                          </a:solidFill>
+                          <a:effectLst/>
+                          <a:latin typeface="맑은 고딕" panose="020B0503020000020004" pitchFamily="50" charset="-127"/>
+                          <a:ea typeface="맑은 고딕" panose="020B0503020000020004" pitchFamily="50" charset="-127"/>
+                        </a:rPr>
+                        <a:t>인플루언서들의</a:t>
+                      </a:r>
+                      <a:r>
+                        <a:rPr lang="ko-KR" altLang="en-US" sz="1500" b="0" kern="0" spc="0" dirty="0">
+                          <a:solidFill>
+                            <a:srgbClr val="191919"/>
+                          </a:solidFill>
+                          <a:effectLst/>
+                          <a:latin typeface="맑은 고딕" panose="020B0503020000020004" pitchFamily="50" charset="-127"/>
+                          <a:ea typeface="맑은 고딕" panose="020B0503020000020004" pitchFamily="50" charset="-127"/>
+                        </a:rPr>
+                        <a:t> 추천상품을 별도로 </a:t>
+                      </a:r>
+                      <a:r>
+                        <a:rPr lang="ko-KR" altLang="en-US" sz="1500" b="0" kern="0" spc="0" dirty="0" err="1">
+                          <a:solidFill>
+                            <a:srgbClr val="191919"/>
+                          </a:solidFill>
+                          <a:effectLst/>
+                          <a:latin typeface="맑은 고딕" panose="020B0503020000020004" pitchFamily="50" charset="-127"/>
+                          <a:ea typeface="맑은 고딕" panose="020B0503020000020004" pitchFamily="50" charset="-127"/>
+                        </a:rPr>
+                        <a:t>카데고리로</a:t>
+                      </a:r>
+                      <a:r>
+                        <a:rPr lang="ko-KR" altLang="en-US" sz="1500" b="0" kern="0" spc="0" dirty="0">
+                          <a:solidFill>
+                            <a:srgbClr val="191919"/>
+                          </a:solidFill>
+                          <a:effectLst/>
+                          <a:latin typeface="맑은 고딕" panose="020B0503020000020004" pitchFamily="50" charset="-127"/>
+                          <a:ea typeface="맑은 고딕" panose="020B0503020000020004" pitchFamily="50" charset="-127"/>
+                        </a:rPr>
+                        <a:t> 분류하여 홍보 가능하도록 처리</a:t>
+                      </a:r>
+                      <a:r>
+                        <a:rPr lang="en-US" altLang="ko-KR" sz="1500" b="0" kern="0" spc="0" dirty="0">
+                          <a:solidFill>
+                            <a:srgbClr val="191919"/>
+                          </a:solidFill>
+                          <a:effectLst/>
+                          <a:latin typeface="맑은 고딕" panose="020B0503020000020004" pitchFamily="50" charset="-127"/>
+                          <a:ea typeface="맑은 고딕" panose="020B0503020000020004" pitchFamily="50" charset="-127"/>
+                        </a:rPr>
+                        <a:t>.</a:t>
                       </a:r>
                       <a:endParaRPr lang="ko-KR" altLang="en-US" sz="1500" b="0" kern="0" spc="0" dirty="0">
                         <a:solidFill>
@@ -13704,7 +13827,7 @@
         </p:nvSpPr>
         <p:spPr>
           <a:xfrm>
-            <a:off x="4497752" y="2333725"/>
+            <a:off x="4482512" y="2250016"/>
             <a:ext cx="685688" cy="276999"/>
           </a:xfrm>
           <a:prstGeom prst="rect">
@@ -13733,6 +13856,1161 @@
           </a:p>
         </p:txBody>
       </p:sp>
+      <p:sp>
+        <p:nvSpPr>
+          <p:cNvPr id="10" name="TextBox 9">
+            <a:extLst>
+              <a:ext uri="{FF2B5EF4-FFF2-40B4-BE49-F238E27FC236}">
+                <a16:creationId xmlns:a16="http://schemas.microsoft.com/office/drawing/2014/main" id="{A037253E-7E84-4C7E-9540-EE8644C0119A}"/>
+              </a:ext>
+            </a:extLst>
+          </p:cNvPr>
+          <p:cNvSpPr txBox="1"/>
+          <p:nvPr/>
+        </p:nvSpPr>
+        <p:spPr>
+          <a:xfrm>
+            <a:off x="1458687" y="2676736"/>
+            <a:ext cx="685688" cy="276999"/>
+          </a:xfrm>
+          <a:prstGeom prst="rect">
+            <a:avLst/>
+          </a:prstGeom>
+          <a:noFill/>
+        </p:spPr>
+        <p:txBody>
+          <a:bodyPr wrap="square">
+            <a:spAutoFit/>
+          </a:bodyPr>
+          <a:lstStyle/>
+          <a:p>
+            <a:pPr algn="ctr"/>
+            <a:r>
+              <a:rPr lang="en-US" altLang="ko-KR" sz="1200" kern="0" dirty="0">
+                <a:solidFill>
+                  <a:schemeClr val="tx1">
+                    <a:lumMod val="85000"/>
+                    <a:lumOff val="15000"/>
+                  </a:schemeClr>
+                </a:solidFill>
+                <a:latin typeface="맑은 고딕" panose="020B0503020000020004" pitchFamily="50" charset="-127"/>
+                <a:ea typeface="맑은 고딕" panose="020B0503020000020004" pitchFamily="50" charset="-127"/>
+              </a:rPr>
+              <a:t>IT</a:t>
+            </a:r>
+            <a:endParaRPr lang="ko-KR" altLang="en-US" sz="1200" dirty="0">
+              <a:solidFill>
+                <a:schemeClr val="tx1">
+                  <a:lumMod val="85000"/>
+                  <a:lumOff val="15000"/>
+                </a:schemeClr>
+              </a:solidFill>
+            </a:endParaRPr>
+          </a:p>
+        </p:txBody>
+      </p:sp>
+      <p:sp>
+        <p:nvSpPr>
+          <p:cNvPr id="11" name="TextBox 10">
+            <a:extLst>
+              <a:ext uri="{FF2B5EF4-FFF2-40B4-BE49-F238E27FC236}">
+                <a16:creationId xmlns:a16="http://schemas.microsoft.com/office/drawing/2014/main" id="{A6FC0DE1-A807-428E-BA96-4DF5C18AD313}"/>
+              </a:ext>
+            </a:extLst>
+          </p:cNvPr>
+          <p:cNvSpPr txBox="1"/>
+          <p:nvPr/>
+        </p:nvSpPr>
+        <p:spPr>
+          <a:xfrm>
+            <a:off x="2342967" y="2681531"/>
+            <a:ext cx="685688" cy="276999"/>
+          </a:xfrm>
+          <a:prstGeom prst="rect">
+            <a:avLst/>
+          </a:prstGeom>
+          <a:noFill/>
+        </p:spPr>
+        <p:txBody>
+          <a:bodyPr wrap="square">
+            <a:spAutoFit/>
+          </a:bodyPr>
+          <a:lstStyle/>
+          <a:p>
+            <a:pPr algn="ctr"/>
+            <a:r>
+              <a:rPr lang="ko-KR" altLang="en-US" sz="1200" kern="0">
+                <a:solidFill>
+                  <a:schemeClr val="tx1">
+                    <a:lumMod val="85000"/>
+                    <a:lumOff val="15000"/>
+                  </a:schemeClr>
+                </a:solidFill>
+                <a:latin typeface="맑은 고딕" panose="020B0503020000020004" pitchFamily="50" charset="-127"/>
+                <a:ea typeface="맑은 고딕" panose="020B0503020000020004" pitchFamily="50" charset="-127"/>
+              </a:rPr>
+              <a:t>컴퓨터</a:t>
+            </a:r>
+            <a:endParaRPr lang="ko-KR" altLang="en-US" sz="1200" dirty="0">
+              <a:solidFill>
+                <a:schemeClr val="tx1">
+                  <a:lumMod val="85000"/>
+                  <a:lumOff val="15000"/>
+                </a:schemeClr>
+              </a:solidFill>
+            </a:endParaRPr>
+          </a:p>
+        </p:txBody>
+      </p:sp>
+      <p:sp>
+        <p:nvSpPr>
+          <p:cNvPr id="14" name="TextBox 13">
+            <a:extLst>
+              <a:ext uri="{FF2B5EF4-FFF2-40B4-BE49-F238E27FC236}">
+                <a16:creationId xmlns:a16="http://schemas.microsoft.com/office/drawing/2014/main" id="{FEC0AB54-0189-41F3-8B50-49B630B8CB6F}"/>
+              </a:ext>
+            </a:extLst>
+          </p:cNvPr>
+          <p:cNvSpPr txBox="1"/>
+          <p:nvPr/>
+        </p:nvSpPr>
+        <p:spPr>
+          <a:xfrm>
+            <a:off x="2916809" y="2700406"/>
+            <a:ext cx="685688" cy="276999"/>
+          </a:xfrm>
+          <a:prstGeom prst="rect">
+            <a:avLst/>
+          </a:prstGeom>
+          <a:noFill/>
+        </p:spPr>
+        <p:txBody>
+          <a:bodyPr wrap="square">
+            <a:spAutoFit/>
+          </a:bodyPr>
+          <a:lstStyle/>
+          <a:p>
+            <a:pPr algn="ctr"/>
+            <a:r>
+              <a:rPr lang="ko-KR" altLang="en-US" sz="1200" kern="0" dirty="0">
+                <a:solidFill>
+                  <a:schemeClr val="tx1">
+                    <a:lumMod val="85000"/>
+                    <a:lumOff val="15000"/>
+                  </a:schemeClr>
+                </a:solidFill>
+                <a:latin typeface="맑은 고딕" panose="020B0503020000020004" pitchFamily="50" charset="-127"/>
+                <a:ea typeface="맑은 고딕" panose="020B0503020000020004" pitchFamily="50" charset="-127"/>
+              </a:rPr>
+              <a:t>모니터</a:t>
+            </a:r>
+            <a:endParaRPr lang="ko-KR" altLang="en-US" sz="1200" dirty="0">
+              <a:solidFill>
+                <a:schemeClr val="tx1">
+                  <a:lumMod val="85000"/>
+                  <a:lumOff val="15000"/>
+                </a:schemeClr>
+              </a:solidFill>
+            </a:endParaRPr>
+          </a:p>
+        </p:txBody>
+      </p:sp>
+      <p:sp>
+        <p:nvSpPr>
+          <p:cNvPr id="15" name="TextBox 14">
+            <a:extLst>
+              <a:ext uri="{FF2B5EF4-FFF2-40B4-BE49-F238E27FC236}">
+                <a16:creationId xmlns:a16="http://schemas.microsoft.com/office/drawing/2014/main" id="{0EDEA092-3C44-469B-987B-BC8BD918F714}"/>
+              </a:ext>
+            </a:extLst>
+          </p:cNvPr>
+          <p:cNvSpPr txBox="1"/>
+          <p:nvPr/>
+        </p:nvSpPr>
+        <p:spPr>
+          <a:xfrm>
+            <a:off x="3602497" y="2676736"/>
+            <a:ext cx="685688" cy="276999"/>
+          </a:xfrm>
+          <a:prstGeom prst="rect">
+            <a:avLst/>
+          </a:prstGeom>
+          <a:noFill/>
+        </p:spPr>
+        <p:txBody>
+          <a:bodyPr wrap="square">
+            <a:spAutoFit/>
+          </a:bodyPr>
+          <a:lstStyle/>
+          <a:p>
+            <a:pPr algn="ctr"/>
+            <a:r>
+              <a:rPr lang="en-US" altLang="ko-KR" sz="1200" kern="0" dirty="0">
+                <a:solidFill>
+                  <a:schemeClr val="tx1">
+                    <a:lumMod val="85000"/>
+                    <a:lumOff val="15000"/>
+                  </a:schemeClr>
+                </a:solidFill>
+                <a:latin typeface="맑은 고딕" panose="020B0503020000020004" pitchFamily="50" charset="-127"/>
+                <a:ea typeface="맑은 고딕" panose="020B0503020000020004" pitchFamily="50" charset="-127"/>
+              </a:rPr>
+              <a:t>TV</a:t>
+            </a:r>
+            <a:endParaRPr lang="ko-KR" altLang="en-US" sz="1200" dirty="0">
+              <a:solidFill>
+                <a:schemeClr val="tx1">
+                  <a:lumMod val="85000"/>
+                  <a:lumOff val="15000"/>
+                </a:schemeClr>
+              </a:solidFill>
+            </a:endParaRPr>
+          </a:p>
+        </p:txBody>
+      </p:sp>
+      <p:sp>
+        <p:nvSpPr>
+          <p:cNvPr id="16" name="TextBox 15">
+            <a:extLst>
+              <a:ext uri="{FF2B5EF4-FFF2-40B4-BE49-F238E27FC236}">
+                <a16:creationId xmlns:a16="http://schemas.microsoft.com/office/drawing/2014/main" id="{51BDC28C-7B66-441D-A916-543D85746BC9}"/>
+              </a:ext>
+            </a:extLst>
+          </p:cNvPr>
+          <p:cNvSpPr txBox="1"/>
+          <p:nvPr/>
+        </p:nvSpPr>
+        <p:spPr>
+          <a:xfrm>
+            <a:off x="7131382" y="3453339"/>
+            <a:ext cx="685688" cy="276999"/>
+          </a:xfrm>
+          <a:prstGeom prst="rect">
+            <a:avLst/>
+          </a:prstGeom>
+          <a:noFill/>
+        </p:spPr>
+        <p:txBody>
+          <a:bodyPr wrap="square">
+            <a:spAutoFit/>
+          </a:bodyPr>
+          <a:lstStyle/>
+          <a:p>
+            <a:pPr algn="ctr"/>
+            <a:r>
+              <a:rPr lang="ko-KR" altLang="en-US" sz="1200" kern="0" dirty="0">
+                <a:solidFill>
+                  <a:schemeClr val="tx1">
+                    <a:lumMod val="85000"/>
+                    <a:lumOff val="15000"/>
+                  </a:schemeClr>
+                </a:solidFill>
+                <a:latin typeface="맑은 고딕" panose="020B0503020000020004" pitchFamily="50" charset="-127"/>
+                <a:ea typeface="맑은 고딕" panose="020B0503020000020004" pitchFamily="50" charset="-127"/>
+              </a:rPr>
+              <a:t>체험단</a:t>
+            </a:r>
+            <a:endParaRPr lang="ko-KR" altLang="en-US" sz="1200" dirty="0">
+              <a:solidFill>
+                <a:schemeClr val="tx1">
+                  <a:lumMod val="85000"/>
+                  <a:lumOff val="15000"/>
+                </a:schemeClr>
+              </a:solidFill>
+            </a:endParaRPr>
+          </a:p>
+        </p:txBody>
+      </p:sp>
+      <p:sp>
+        <p:nvSpPr>
+          <p:cNvPr id="17" name="TextBox 16">
+            <a:extLst>
+              <a:ext uri="{FF2B5EF4-FFF2-40B4-BE49-F238E27FC236}">
+                <a16:creationId xmlns:a16="http://schemas.microsoft.com/office/drawing/2014/main" id="{70B06F2F-F948-4124-80E6-CF30F95D7E02}"/>
+              </a:ext>
+            </a:extLst>
+          </p:cNvPr>
+          <p:cNvSpPr txBox="1"/>
+          <p:nvPr/>
+        </p:nvSpPr>
+        <p:spPr>
+          <a:xfrm>
+            <a:off x="2962561" y="2986510"/>
+            <a:ext cx="685688" cy="276999"/>
+          </a:xfrm>
+          <a:prstGeom prst="rect">
+            <a:avLst/>
+          </a:prstGeom>
+          <a:noFill/>
+        </p:spPr>
+        <p:txBody>
+          <a:bodyPr wrap="square">
+            <a:spAutoFit/>
+          </a:bodyPr>
+          <a:lstStyle/>
+          <a:p>
+            <a:pPr algn="ctr"/>
+            <a:r>
+              <a:rPr lang="ko-KR" altLang="en-US" sz="1200" kern="0" dirty="0">
+                <a:solidFill>
+                  <a:schemeClr val="tx1">
+                    <a:lumMod val="85000"/>
+                    <a:lumOff val="15000"/>
+                  </a:schemeClr>
+                </a:solidFill>
+                <a:latin typeface="맑은 고딕" panose="020B0503020000020004" pitchFamily="50" charset="-127"/>
+                <a:ea typeface="맑은 고딕" panose="020B0503020000020004" pitchFamily="50" charset="-127"/>
+              </a:rPr>
+              <a:t>자동차</a:t>
+            </a:r>
+            <a:endParaRPr lang="ko-KR" altLang="en-US" sz="1200" dirty="0">
+              <a:solidFill>
+                <a:schemeClr val="tx1">
+                  <a:lumMod val="85000"/>
+                  <a:lumOff val="15000"/>
+                </a:schemeClr>
+              </a:solidFill>
+            </a:endParaRPr>
+          </a:p>
+        </p:txBody>
+      </p:sp>
+      <p:sp>
+        <p:nvSpPr>
+          <p:cNvPr id="18" name="TextBox 17">
+            <a:extLst>
+              <a:ext uri="{FF2B5EF4-FFF2-40B4-BE49-F238E27FC236}">
+                <a16:creationId xmlns:a16="http://schemas.microsoft.com/office/drawing/2014/main" id="{892F1045-C41E-488C-8161-1BA6C2434372}"/>
+              </a:ext>
+            </a:extLst>
+          </p:cNvPr>
+          <p:cNvSpPr txBox="1"/>
+          <p:nvPr/>
+        </p:nvSpPr>
+        <p:spPr>
+          <a:xfrm>
+            <a:off x="2962560" y="3314840"/>
+            <a:ext cx="946500" cy="276999"/>
+          </a:xfrm>
+          <a:prstGeom prst="rect">
+            <a:avLst/>
+          </a:prstGeom>
+          <a:noFill/>
+        </p:spPr>
+        <p:txBody>
+          <a:bodyPr wrap="square">
+            <a:spAutoFit/>
+          </a:bodyPr>
+          <a:lstStyle/>
+          <a:p>
+            <a:pPr algn="ctr"/>
+            <a:r>
+              <a:rPr lang="ko-KR" altLang="en-US" sz="1200" kern="0" dirty="0">
+                <a:solidFill>
+                  <a:schemeClr val="tx1">
+                    <a:lumMod val="85000"/>
+                    <a:lumOff val="15000"/>
+                  </a:schemeClr>
+                </a:solidFill>
+                <a:latin typeface="맑은 고딕" panose="020B0503020000020004" pitchFamily="50" charset="-127"/>
+                <a:ea typeface="맑은 고딕" panose="020B0503020000020004" pitchFamily="50" charset="-127"/>
+              </a:rPr>
+              <a:t>아웃도어</a:t>
+            </a:r>
+            <a:endParaRPr lang="ko-KR" altLang="en-US" sz="1200" dirty="0">
+              <a:solidFill>
+                <a:schemeClr val="tx1">
+                  <a:lumMod val="85000"/>
+                  <a:lumOff val="15000"/>
+                </a:schemeClr>
+              </a:solidFill>
+            </a:endParaRPr>
+          </a:p>
+        </p:txBody>
+      </p:sp>
+      <p:sp>
+        <p:nvSpPr>
+          <p:cNvPr id="19" name="TextBox 18">
+            <a:extLst>
+              <a:ext uri="{FF2B5EF4-FFF2-40B4-BE49-F238E27FC236}">
+                <a16:creationId xmlns:a16="http://schemas.microsoft.com/office/drawing/2014/main" id="{32DB229F-2CEF-4DC7-897F-3B02AD7007C3}"/>
+              </a:ext>
+            </a:extLst>
+          </p:cNvPr>
+          <p:cNvSpPr txBox="1"/>
+          <p:nvPr/>
+        </p:nvSpPr>
+        <p:spPr>
+          <a:xfrm>
+            <a:off x="2962560" y="3694469"/>
+            <a:ext cx="946500" cy="276999"/>
+          </a:xfrm>
+          <a:prstGeom prst="rect">
+            <a:avLst/>
+          </a:prstGeom>
+          <a:noFill/>
+        </p:spPr>
+        <p:txBody>
+          <a:bodyPr wrap="square">
+            <a:spAutoFit/>
+          </a:bodyPr>
+          <a:lstStyle/>
+          <a:p>
+            <a:pPr algn="ctr"/>
+            <a:r>
+              <a:rPr lang="ko-KR" altLang="en-US" sz="1200" kern="0" dirty="0">
+                <a:solidFill>
+                  <a:schemeClr val="tx1">
+                    <a:lumMod val="85000"/>
+                    <a:lumOff val="15000"/>
+                  </a:schemeClr>
+                </a:solidFill>
+                <a:latin typeface="맑은 고딕" panose="020B0503020000020004" pitchFamily="50" charset="-127"/>
+                <a:ea typeface="맑은 고딕" panose="020B0503020000020004" pitchFamily="50" charset="-127"/>
+              </a:rPr>
+              <a:t>가전</a:t>
+            </a:r>
+            <a:endParaRPr lang="ko-KR" altLang="en-US" sz="1200" dirty="0">
+              <a:solidFill>
+                <a:schemeClr val="tx1">
+                  <a:lumMod val="85000"/>
+                  <a:lumOff val="15000"/>
+                </a:schemeClr>
+              </a:solidFill>
+            </a:endParaRPr>
+          </a:p>
+        </p:txBody>
+      </p:sp>
+      <p:sp>
+        <p:nvSpPr>
+          <p:cNvPr id="21" name="TextBox 20">
+            <a:extLst>
+              <a:ext uri="{FF2B5EF4-FFF2-40B4-BE49-F238E27FC236}">
+                <a16:creationId xmlns:a16="http://schemas.microsoft.com/office/drawing/2014/main" id="{D38F9F42-1DEC-4D9E-B746-CCAFAB649256}"/>
+              </a:ext>
+            </a:extLst>
+          </p:cNvPr>
+          <p:cNvSpPr txBox="1"/>
+          <p:nvPr/>
+        </p:nvSpPr>
+        <p:spPr>
+          <a:xfrm>
+            <a:off x="2962560" y="4163799"/>
+            <a:ext cx="946500" cy="276999"/>
+          </a:xfrm>
+          <a:prstGeom prst="rect">
+            <a:avLst/>
+          </a:prstGeom>
+          <a:noFill/>
+        </p:spPr>
+        <p:txBody>
+          <a:bodyPr wrap="square">
+            <a:spAutoFit/>
+          </a:bodyPr>
+          <a:lstStyle/>
+          <a:p>
+            <a:pPr algn="ctr"/>
+            <a:r>
+              <a:rPr lang="ko-KR" altLang="en-US" sz="1200" dirty="0">
+                <a:solidFill>
+                  <a:schemeClr val="tx1">
+                    <a:lumMod val="85000"/>
+                    <a:lumOff val="15000"/>
+                  </a:schemeClr>
+                </a:solidFill>
+              </a:rPr>
+              <a:t>쇼핑몰</a:t>
+            </a:r>
+          </a:p>
+        </p:txBody>
+      </p:sp>
+      <p:sp>
+        <p:nvSpPr>
+          <p:cNvPr id="22" name="TextBox 21">
+            <a:extLst>
+              <a:ext uri="{FF2B5EF4-FFF2-40B4-BE49-F238E27FC236}">
+                <a16:creationId xmlns:a16="http://schemas.microsoft.com/office/drawing/2014/main" id="{97783EB1-29BD-4928-BB4B-B43555F1F1B9}"/>
+              </a:ext>
+            </a:extLst>
+          </p:cNvPr>
+          <p:cNvSpPr txBox="1"/>
+          <p:nvPr/>
+        </p:nvSpPr>
+        <p:spPr>
+          <a:xfrm>
+            <a:off x="2962560" y="4494629"/>
+            <a:ext cx="946500" cy="276999"/>
+          </a:xfrm>
+          <a:prstGeom prst="rect">
+            <a:avLst/>
+          </a:prstGeom>
+          <a:noFill/>
+        </p:spPr>
+        <p:txBody>
+          <a:bodyPr wrap="square">
+            <a:spAutoFit/>
+          </a:bodyPr>
+          <a:lstStyle/>
+          <a:p>
+            <a:pPr algn="ctr"/>
+            <a:r>
+              <a:rPr lang="ko-KR" altLang="en-US" sz="1200">
+                <a:solidFill>
+                  <a:schemeClr val="tx1">
+                    <a:lumMod val="85000"/>
+                    <a:lumOff val="15000"/>
+                  </a:schemeClr>
+                </a:solidFill>
+              </a:rPr>
+              <a:t>가격비교</a:t>
+            </a:r>
+            <a:endParaRPr lang="ko-KR" altLang="en-US" sz="1200" dirty="0">
+              <a:solidFill>
+                <a:schemeClr val="tx1">
+                  <a:lumMod val="85000"/>
+                  <a:lumOff val="15000"/>
+                </a:schemeClr>
+              </a:solidFill>
+            </a:endParaRPr>
+          </a:p>
+        </p:txBody>
+      </p:sp>
+      <p:sp>
+        <p:nvSpPr>
+          <p:cNvPr id="23" name="TextBox 22">
+            <a:extLst>
+              <a:ext uri="{FF2B5EF4-FFF2-40B4-BE49-F238E27FC236}">
+                <a16:creationId xmlns:a16="http://schemas.microsoft.com/office/drawing/2014/main" id="{64FC632A-4BE3-47AE-AA2F-8FF162F08D90}"/>
+              </a:ext>
+            </a:extLst>
+          </p:cNvPr>
+          <p:cNvSpPr txBox="1"/>
+          <p:nvPr/>
+        </p:nvSpPr>
+        <p:spPr>
+          <a:xfrm>
+            <a:off x="8923020" y="4163799"/>
+            <a:ext cx="417184" cy="276999"/>
+          </a:xfrm>
+          <a:prstGeom prst="rect">
+            <a:avLst/>
+          </a:prstGeom>
+          <a:noFill/>
+        </p:spPr>
+        <p:txBody>
+          <a:bodyPr wrap="square">
+            <a:spAutoFit/>
+          </a:bodyPr>
+          <a:lstStyle/>
+          <a:p>
+            <a:pPr algn="ctr"/>
+            <a:r>
+              <a:rPr lang="en-US" altLang="ko-KR" sz="1200" kern="0" dirty="0">
+                <a:solidFill>
+                  <a:schemeClr val="tx1">
+                    <a:lumMod val="85000"/>
+                    <a:lumOff val="15000"/>
+                  </a:schemeClr>
+                </a:solidFill>
+                <a:latin typeface="맑은 고딕" panose="020B0503020000020004" pitchFamily="50" charset="-127"/>
+                <a:ea typeface="맑은 고딕" panose="020B0503020000020004" pitchFamily="50" charset="-127"/>
+              </a:rPr>
+              <a:t>IT</a:t>
+            </a:r>
+            <a:endParaRPr lang="ko-KR" altLang="en-US" sz="1200" dirty="0">
+              <a:solidFill>
+                <a:schemeClr val="tx1">
+                  <a:lumMod val="85000"/>
+                  <a:lumOff val="15000"/>
+                </a:schemeClr>
+              </a:solidFill>
+            </a:endParaRPr>
+          </a:p>
+        </p:txBody>
+      </p:sp>
+      <p:sp>
+        <p:nvSpPr>
+          <p:cNvPr id="24" name="TextBox 23">
+            <a:extLst>
+              <a:ext uri="{FF2B5EF4-FFF2-40B4-BE49-F238E27FC236}">
+                <a16:creationId xmlns:a16="http://schemas.microsoft.com/office/drawing/2014/main" id="{3A7F2AD5-EAF1-4753-9155-E13C65F280B7}"/>
+              </a:ext>
+            </a:extLst>
+          </p:cNvPr>
+          <p:cNvSpPr txBox="1"/>
+          <p:nvPr/>
+        </p:nvSpPr>
+        <p:spPr>
+          <a:xfrm>
+            <a:off x="8334517" y="4160974"/>
+            <a:ext cx="685688" cy="276999"/>
+          </a:xfrm>
+          <a:prstGeom prst="rect">
+            <a:avLst/>
+          </a:prstGeom>
+          <a:noFill/>
+        </p:spPr>
+        <p:txBody>
+          <a:bodyPr wrap="square">
+            <a:spAutoFit/>
+          </a:bodyPr>
+          <a:lstStyle/>
+          <a:p>
+            <a:pPr algn="ctr"/>
+            <a:r>
+              <a:rPr lang="en-US" altLang="ko-KR" sz="1200" kern="0" dirty="0">
+                <a:solidFill>
+                  <a:schemeClr val="tx1">
+                    <a:lumMod val="85000"/>
+                    <a:lumOff val="15000"/>
+                  </a:schemeClr>
+                </a:solidFill>
+                <a:latin typeface="맑은 고딕" panose="020B0503020000020004" pitchFamily="50" charset="-127"/>
+                <a:ea typeface="맑은 고딕" panose="020B0503020000020004" pitchFamily="50" charset="-127"/>
+              </a:rPr>
+              <a:t>TV</a:t>
+            </a:r>
+            <a:endParaRPr lang="ko-KR" altLang="en-US" sz="1200" dirty="0">
+              <a:solidFill>
+                <a:schemeClr val="tx1">
+                  <a:lumMod val="85000"/>
+                  <a:lumOff val="15000"/>
+                </a:schemeClr>
+              </a:solidFill>
+            </a:endParaRPr>
+          </a:p>
+        </p:txBody>
+      </p:sp>
+      <p:sp>
+        <p:nvSpPr>
+          <p:cNvPr id="25" name="TextBox 24">
+            <a:extLst>
+              <a:ext uri="{FF2B5EF4-FFF2-40B4-BE49-F238E27FC236}">
+                <a16:creationId xmlns:a16="http://schemas.microsoft.com/office/drawing/2014/main" id="{73A1099F-FC18-4F39-BA4D-C10FFCAD09A0}"/>
+              </a:ext>
+            </a:extLst>
+          </p:cNvPr>
+          <p:cNvSpPr txBox="1"/>
+          <p:nvPr/>
+        </p:nvSpPr>
+        <p:spPr>
+          <a:xfrm>
+            <a:off x="6315360" y="3919768"/>
+            <a:ext cx="946500" cy="276999"/>
+          </a:xfrm>
+          <a:prstGeom prst="rect">
+            <a:avLst/>
+          </a:prstGeom>
+          <a:noFill/>
+        </p:spPr>
+        <p:txBody>
+          <a:bodyPr wrap="square">
+            <a:spAutoFit/>
+          </a:bodyPr>
+          <a:lstStyle/>
+          <a:p>
+            <a:pPr algn="ctr"/>
+            <a:r>
+              <a:rPr lang="ko-KR" altLang="en-US" sz="1200" kern="0" dirty="0">
+                <a:solidFill>
+                  <a:schemeClr val="tx1">
+                    <a:lumMod val="85000"/>
+                    <a:lumOff val="15000"/>
+                  </a:schemeClr>
+                </a:solidFill>
+                <a:latin typeface="맑은 고딕" panose="020B0503020000020004" pitchFamily="50" charset="-127"/>
+                <a:ea typeface="맑은 고딕" panose="020B0503020000020004" pitchFamily="50" charset="-127"/>
+              </a:rPr>
+              <a:t>아웃도어</a:t>
+            </a:r>
+            <a:endParaRPr lang="ko-KR" altLang="en-US" sz="1200" dirty="0">
+              <a:solidFill>
+                <a:schemeClr val="tx1">
+                  <a:lumMod val="85000"/>
+                  <a:lumOff val="15000"/>
+                </a:schemeClr>
+              </a:solidFill>
+            </a:endParaRPr>
+          </a:p>
+        </p:txBody>
+      </p:sp>
+      <p:sp>
+        <p:nvSpPr>
+          <p:cNvPr id="26" name="TextBox 25">
+            <a:extLst>
+              <a:ext uri="{FF2B5EF4-FFF2-40B4-BE49-F238E27FC236}">
+                <a16:creationId xmlns:a16="http://schemas.microsoft.com/office/drawing/2014/main" id="{B76E9001-CAE4-4B41-866E-ADC9096EA585}"/>
+              </a:ext>
+            </a:extLst>
+          </p:cNvPr>
+          <p:cNvSpPr txBox="1"/>
+          <p:nvPr/>
+        </p:nvSpPr>
+        <p:spPr>
+          <a:xfrm>
+            <a:off x="8204111" y="3891655"/>
+            <a:ext cx="946500" cy="276999"/>
+          </a:xfrm>
+          <a:prstGeom prst="rect">
+            <a:avLst/>
+          </a:prstGeom>
+          <a:noFill/>
+        </p:spPr>
+        <p:txBody>
+          <a:bodyPr wrap="square">
+            <a:spAutoFit/>
+          </a:bodyPr>
+          <a:lstStyle/>
+          <a:p>
+            <a:pPr algn="ctr"/>
+            <a:r>
+              <a:rPr lang="ko-KR" altLang="en-US" sz="1200" kern="0" dirty="0">
+                <a:solidFill>
+                  <a:schemeClr val="tx1">
+                    <a:lumMod val="85000"/>
+                    <a:lumOff val="15000"/>
+                  </a:schemeClr>
+                </a:solidFill>
+                <a:latin typeface="맑은 고딕" panose="020B0503020000020004" pitchFamily="50" charset="-127"/>
+                <a:ea typeface="맑은 고딕" panose="020B0503020000020004" pitchFamily="50" charset="-127"/>
+              </a:rPr>
+              <a:t>가전</a:t>
+            </a:r>
+            <a:endParaRPr lang="ko-KR" altLang="en-US" sz="1200" dirty="0">
+              <a:solidFill>
+                <a:schemeClr val="tx1">
+                  <a:lumMod val="85000"/>
+                  <a:lumOff val="15000"/>
+                </a:schemeClr>
+              </a:solidFill>
+            </a:endParaRPr>
+          </a:p>
+        </p:txBody>
+      </p:sp>
+      <p:sp>
+        <p:nvSpPr>
+          <p:cNvPr id="27" name="TextBox 26">
+            <a:extLst>
+              <a:ext uri="{FF2B5EF4-FFF2-40B4-BE49-F238E27FC236}">
+                <a16:creationId xmlns:a16="http://schemas.microsoft.com/office/drawing/2014/main" id="{53C8328B-7395-45DD-8957-D43CE85F4E6B}"/>
+              </a:ext>
+            </a:extLst>
+          </p:cNvPr>
+          <p:cNvSpPr txBox="1"/>
+          <p:nvPr/>
+        </p:nvSpPr>
+        <p:spPr>
+          <a:xfrm>
+            <a:off x="7645812" y="3618496"/>
+            <a:ext cx="946500" cy="276999"/>
+          </a:xfrm>
+          <a:prstGeom prst="rect">
+            <a:avLst/>
+          </a:prstGeom>
+          <a:noFill/>
+        </p:spPr>
+        <p:txBody>
+          <a:bodyPr wrap="square">
+            <a:spAutoFit/>
+          </a:bodyPr>
+          <a:lstStyle/>
+          <a:p>
+            <a:pPr algn="ctr"/>
+            <a:r>
+              <a:rPr lang="ko-KR" altLang="en-US" sz="1200" dirty="0">
+                <a:solidFill>
+                  <a:schemeClr val="tx1">
+                    <a:lumMod val="85000"/>
+                    <a:lumOff val="15000"/>
+                  </a:schemeClr>
+                </a:solidFill>
+              </a:rPr>
+              <a:t>쇼핑몰</a:t>
+            </a:r>
+          </a:p>
+        </p:txBody>
+      </p:sp>
+      <p:sp>
+        <p:nvSpPr>
+          <p:cNvPr id="28" name="TextBox 27">
+            <a:extLst>
+              <a:ext uri="{FF2B5EF4-FFF2-40B4-BE49-F238E27FC236}">
+                <a16:creationId xmlns:a16="http://schemas.microsoft.com/office/drawing/2014/main" id="{C98C8529-9719-4231-90DE-02893523F1FF}"/>
+              </a:ext>
+            </a:extLst>
+          </p:cNvPr>
+          <p:cNvSpPr txBox="1"/>
+          <p:nvPr/>
+        </p:nvSpPr>
+        <p:spPr>
+          <a:xfrm>
+            <a:off x="7976520" y="3345337"/>
+            <a:ext cx="946500" cy="276999"/>
+          </a:xfrm>
+          <a:prstGeom prst="rect">
+            <a:avLst/>
+          </a:prstGeom>
+          <a:noFill/>
+        </p:spPr>
+        <p:txBody>
+          <a:bodyPr wrap="square">
+            <a:spAutoFit/>
+          </a:bodyPr>
+          <a:lstStyle/>
+          <a:p>
+            <a:pPr algn="ctr"/>
+            <a:r>
+              <a:rPr lang="ko-KR" altLang="en-US" sz="1200">
+                <a:solidFill>
+                  <a:schemeClr val="tx1">
+                    <a:lumMod val="85000"/>
+                    <a:lumOff val="15000"/>
+                  </a:schemeClr>
+                </a:solidFill>
+              </a:rPr>
+              <a:t>가격비교</a:t>
+            </a:r>
+            <a:endParaRPr lang="ko-KR" altLang="en-US" sz="1200" dirty="0">
+              <a:solidFill>
+                <a:schemeClr val="tx1">
+                  <a:lumMod val="85000"/>
+                  <a:lumOff val="15000"/>
+                </a:schemeClr>
+              </a:solidFill>
+            </a:endParaRPr>
+          </a:p>
+        </p:txBody>
+      </p:sp>
+      <p:sp>
+        <p:nvSpPr>
+          <p:cNvPr id="29" name="TextBox 28">
+            <a:extLst>
+              <a:ext uri="{FF2B5EF4-FFF2-40B4-BE49-F238E27FC236}">
+                <a16:creationId xmlns:a16="http://schemas.microsoft.com/office/drawing/2014/main" id="{C0326F30-276B-4792-A667-6B7EE0E755D3}"/>
+              </a:ext>
+            </a:extLst>
+          </p:cNvPr>
+          <p:cNvSpPr txBox="1"/>
+          <p:nvPr/>
+        </p:nvSpPr>
+        <p:spPr>
+          <a:xfrm>
+            <a:off x="8204111" y="4480897"/>
+            <a:ext cx="685688" cy="276999"/>
+          </a:xfrm>
+          <a:prstGeom prst="rect">
+            <a:avLst/>
+          </a:prstGeom>
+          <a:noFill/>
+        </p:spPr>
+        <p:txBody>
+          <a:bodyPr wrap="square">
+            <a:spAutoFit/>
+          </a:bodyPr>
+          <a:lstStyle/>
+          <a:p>
+            <a:pPr algn="ctr"/>
+            <a:r>
+              <a:rPr lang="ko-KR" altLang="en-US" sz="1200" kern="0">
+                <a:solidFill>
+                  <a:schemeClr val="tx1">
+                    <a:lumMod val="85000"/>
+                    <a:lumOff val="15000"/>
+                  </a:schemeClr>
+                </a:solidFill>
+                <a:latin typeface="맑은 고딕" panose="020B0503020000020004" pitchFamily="50" charset="-127"/>
+                <a:ea typeface="맑은 고딕" panose="020B0503020000020004" pitchFamily="50" charset="-127"/>
+              </a:rPr>
+              <a:t>컴퓨터</a:t>
+            </a:r>
+            <a:endParaRPr lang="ko-KR" altLang="en-US" sz="1200" dirty="0">
+              <a:solidFill>
+                <a:schemeClr val="tx1">
+                  <a:lumMod val="85000"/>
+                  <a:lumOff val="15000"/>
+                </a:schemeClr>
+              </a:solidFill>
+            </a:endParaRPr>
+          </a:p>
+        </p:txBody>
+      </p:sp>
+      <p:sp>
+        <p:nvSpPr>
+          <p:cNvPr id="30" name="TextBox 29">
+            <a:extLst>
+              <a:ext uri="{FF2B5EF4-FFF2-40B4-BE49-F238E27FC236}">
+                <a16:creationId xmlns:a16="http://schemas.microsoft.com/office/drawing/2014/main" id="{B5C30294-5EC2-4A00-A8B5-1CA7B15871EE}"/>
+              </a:ext>
+            </a:extLst>
+          </p:cNvPr>
+          <p:cNvSpPr txBox="1"/>
+          <p:nvPr/>
+        </p:nvSpPr>
+        <p:spPr>
+          <a:xfrm>
+            <a:off x="8580176" y="3415212"/>
+            <a:ext cx="685688" cy="276999"/>
+          </a:xfrm>
+          <a:prstGeom prst="rect">
+            <a:avLst/>
+          </a:prstGeom>
+          <a:noFill/>
+        </p:spPr>
+        <p:txBody>
+          <a:bodyPr wrap="square">
+            <a:spAutoFit/>
+          </a:bodyPr>
+          <a:lstStyle/>
+          <a:p>
+            <a:pPr algn="ctr"/>
+            <a:r>
+              <a:rPr lang="en-US" altLang="ko-KR" sz="1200" kern="0" dirty="0">
+                <a:solidFill>
+                  <a:schemeClr val="tx1">
+                    <a:lumMod val="85000"/>
+                    <a:lumOff val="15000"/>
+                  </a:schemeClr>
+                </a:solidFill>
+                <a:latin typeface="맑은 고딕" panose="020B0503020000020004" pitchFamily="50" charset="-127"/>
+                <a:ea typeface="맑은 고딕" panose="020B0503020000020004" pitchFamily="50" charset="-127"/>
+              </a:rPr>
+              <a:t>TV</a:t>
+            </a:r>
+            <a:endParaRPr lang="ko-KR" altLang="en-US" sz="1200" dirty="0">
+              <a:solidFill>
+                <a:schemeClr val="tx1">
+                  <a:lumMod val="85000"/>
+                  <a:lumOff val="15000"/>
+                </a:schemeClr>
+              </a:solidFill>
+            </a:endParaRPr>
+          </a:p>
+        </p:txBody>
+      </p:sp>
+      <p:sp>
+        <p:nvSpPr>
+          <p:cNvPr id="31" name="TextBox 30">
+            <a:extLst>
+              <a:ext uri="{FF2B5EF4-FFF2-40B4-BE49-F238E27FC236}">
+                <a16:creationId xmlns:a16="http://schemas.microsoft.com/office/drawing/2014/main" id="{F97AA7ED-24AD-4188-8F2A-F6B71404659B}"/>
+              </a:ext>
+            </a:extLst>
+          </p:cNvPr>
+          <p:cNvSpPr txBox="1"/>
+          <p:nvPr/>
+        </p:nvSpPr>
+        <p:spPr>
+          <a:xfrm>
+            <a:off x="7224172" y="3933622"/>
+            <a:ext cx="685688" cy="276999"/>
+          </a:xfrm>
+          <a:prstGeom prst="rect">
+            <a:avLst/>
+          </a:prstGeom>
+          <a:noFill/>
+        </p:spPr>
+        <p:txBody>
+          <a:bodyPr wrap="square">
+            <a:spAutoFit/>
+          </a:bodyPr>
+          <a:lstStyle/>
+          <a:p>
+            <a:pPr algn="ctr"/>
+            <a:r>
+              <a:rPr lang="ko-KR" altLang="en-US" sz="1200" kern="0" dirty="0">
+                <a:solidFill>
+                  <a:schemeClr val="tx1">
+                    <a:lumMod val="85000"/>
+                    <a:lumOff val="15000"/>
+                  </a:schemeClr>
+                </a:solidFill>
+                <a:latin typeface="맑은 고딕" panose="020B0503020000020004" pitchFamily="50" charset="-127"/>
+                <a:ea typeface="맑은 고딕" panose="020B0503020000020004" pitchFamily="50" charset="-127"/>
+              </a:rPr>
+              <a:t>자동차</a:t>
+            </a:r>
+            <a:endParaRPr lang="ko-KR" altLang="en-US" sz="1200" dirty="0">
+              <a:solidFill>
+                <a:schemeClr val="tx1">
+                  <a:lumMod val="85000"/>
+                  <a:lumOff val="15000"/>
+                </a:schemeClr>
+              </a:solidFill>
+            </a:endParaRPr>
+          </a:p>
+        </p:txBody>
+      </p:sp>
+      <p:grpSp>
+        <p:nvGrpSpPr>
+          <p:cNvPr id="5" name="그룹 4">
+            <a:extLst>
+              <a:ext uri="{FF2B5EF4-FFF2-40B4-BE49-F238E27FC236}">
+                <a16:creationId xmlns:a16="http://schemas.microsoft.com/office/drawing/2014/main" id="{C581B18D-8D82-4C96-A4C4-A39B519A8E63}"/>
+              </a:ext>
+            </a:extLst>
+          </p:cNvPr>
+          <p:cNvGrpSpPr/>
+          <p:nvPr/>
+        </p:nvGrpSpPr>
+        <p:grpSpPr>
+          <a:xfrm>
+            <a:off x="7047843" y="2838905"/>
+            <a:ext cx="2215120" cy="2191145"/>
+            <a:chOff x="7047843" y="2838905"/>
+            <a:chExt cx="2215120" cy="2191145"/>
+          </a:xfrm>
+        </p:grpSpPr>
+        <p:sp>
+          <p:nvSpPr>
+            <p:cNvPr id="3" name="타원 2">
+              <a:extLst>
+                <a:ext uri="{FF2B5EF4-FFF2-40B4-BE49-F238E27FC236}">
+                  <a16:creationId xmlns:a16="http://schemas.microsoft.com/office/drawing/2014/main" id="{E500FF92-38C4-49B2-9639-B61E3CDAC7AF}"/>
+                </a:ext>
+              </a:extLst>
+            </p:cNvPr>
+            <p:cNvSpPr/>
+            <p:nvPr/>
+          </p:nvSpPr>
+          <p:spPr>
+            <a:xfrm>
+              <a:off x="8082969" y="3692211"/>
+              <a:ext cx="1179994" cy="1337839"/>
+            </a:xfrm>
+            <a:prstGeom prst="ellipse">
+              <a:avLst/>
+            </a:prstGeom>
+            <a:noFill/>
+          </p:spPr>
+          <p:style>
+            <a:lnRef idx="2">
+              <a:schemeClr val="accent1">
+                <a:shade val="50000"/>
+              </a:schemeClr>
+            </a:lnRef>
+            <a:fillRef idx="1">
+              <a:schemeClr val="accent1"/>
+            </a:fillRef>
+            <a:effectRef idx="0">
+              <a:schemeClr val="accent1"/>
+            </a:effectRef>
+            <a:fontRef idx="minor">
+              <a:schemeClr val="lt1"/>
+            </a:fontRef>
+          </p:style>
+          <p:txBody>
+            <a:bodyPr rtlCol="0" anchor="ctr"/>
+            <a:lstStyle/>
+            <a:p>
+              <a:pPr algn="ctr"/>
+              <a:endParaRPr lang="ko-KR" altLang="en-US"/>
+            </a:p>
+          </p:txBody>
+        </p:sp>
+        <p:sp>
+          <p:nvSpPr>
+            <p:cNvPr id="32" name="타원 31">
+              <a:extLst>
+                <a:ext uri="{FF2B5EF4-FFF2-40B4-BE49-F238E27FC236}">
+                  <a16:creationId xmlns:a16="http://schemas.microsoft.com/office/drawing/2014/main" id="{6328779D-3954-4E9E-8D38-6E3198F91BBB}"/>
+                </a:ext>
+              </a:extLst>
+            </p:cNvPr>
+            <p:cNvSpPr/>
+            <p:nvPr/>
+          </p:nvSpPr>
+          <p:spPr>
+            <a:xfrm>
+              <a:off x="7047843" y="2838905"/>
+              <a:ext cx="1179994" cy="1337839"/>
+            </a:xfrm>
+            <a:prstGeom prst="ellipse">
+              <a:avLst/>
+            </a:prstGeom>
+            <a:noFill/>
+            <a:ln w="28575">
+              <a:solidFill>
+                <a:srgbClr val="FF0000"/>
+              </a:solidFill>
+            </a:ln>
+          </p:spPr>
+          <p:style>
+            <a:lnRef idx="2">
+              <a:schemeClr val="accent1">
+                <a:shade val="50000"/>
+              </a:schemeClr>
+            </a:lnRef>
+            <a:fillRef idx="1">
+              <a:schemeClr val="accent1"/>
+            </a:fillRef>
+            <a:effectRef idx="0">
+              <a:schemeClr val="accent1"/>
+            </a:effectRef>
+            <a:fontRef idx="minor">
+              <a:schemeClr val="lt1"/>
+            </a:fontRef>
+          </p:style>
+          <p:txBody>
+            <a:bodyPr rtlCol="0" anchor="ctr"/>
+            <a:lstStyle/>
+            <a:p>
+              <a:pPr algn="ctr"/>
+              <a:endParaRPr lang="ko-KR" altLang="en-US"/>
+            </a:p>
+          </p:txBody>
+        </p:sp>
+        <p:sp>
+          <p:nvSpPr>
+            <p:cNvPr id="4" name="화살표: 아래쪽 3">
+              <a:extLst>
+                <a:ext uri="{FF2B5EF4-FFF2-40B4-BE49-F238E27FC236}">
+                  <a16:creationId xmlns:a16="http://schemas.microsoft.com/office/drawing/2014/main" id="{E3C20521-03E0-4D9F-A587-D41D7C34A6A9}"/>
+                </a:ext>
+              </a:extLst>
+            </p:cNvPr>
+            <p:cNvSpPr/>
+            <p:nvPr/>
+          </p:nvSpPr>
+          <p:spPr>
+            <a:xfrm rot="7240515">
+              <a:off x="8063404" y="3668180"/>
+              <a:ext cx="299059" cy="726784"/>
+            </a:xfrm>
+            <a:prstGeom prst="downArrow">
+              <a:avLst/>
+            </a:prstGeom>
+            <a:solidFill>
+              <a:srgbClr val="FF0000"/>
+            </a:solidFill>
+            <a:ln>
+              <a:noFill/>
+            </a:ln>
+          </p:spPr>
+          <p:style>
+            <a:lnRef idx="2">
+              <a:schemeClr val="accent1">
+                <a:shade val="50000"/>
+              </a:schemeClr>
+            </a:lnRef>
+            <a:fillRef idx="1">
+              <a:schemeClr val="accent1"/>
+            </a:fillRef>
+            <a:effectRef idx="0">
+              <a:schemeClr val="accent1"/>
+            </a:effectRef>
+            <a:fontRef idx="minor">
+              <a:schemeClr val="lt1"/>
+            </a:fontRef>
+          </p:style>
+          <p:txBody>
+            <a:bodyPr rtlCol="0" anchor="ctr"/>
+            <a:lstStyle/>
+            <a:p>
+              <a:pPr algn="ctr"/>
+              <a:endParaRPr lang="ko-KR" altLang="en-US"/>
+            </a:p>
+          </p:txBody>
+        </p:sp>
+      </p:grpSp>
     </p:spTree>
     <p:extLst>
       <p:ext uri="{BB962C8B-B14F-4D97-AF65-F5344CB8AC3E}">
@@ -14313,6 +15591,350 @@
           </a:p>
         </p:txBody>
       </p:sp>
+      <p:grpSp>
+        <p:nvGrpSpPr>
+          <p:cNvPr id="8" name="그룹 7">
+            <a:extLst>
+              <a:ext uri="{FF2B5EF4-FFF2-40B4-BE49-F238E27FC236}">
+                <a16:creationId xmlns:a16="http://schemas.microsoft.com/office/drawing/2014/main" id="{B6C1F96A-C835-49ED-9A52-161D79F1DB34}"/>
+              </a:ext>
+            </a:extLst>
+          </p:cNvPr>
+          <p:cNvGrpSpPr/>
+          <p:nvPr/>
+        </p:nvGrpSpPr>
+        <p:grpSpPr>
+          <a:xfrm>
+            <a:off x="1843383" y="2871193"/>
+            <a:ext cx="2215120" cy="2191145"/>
+            <a:chOff x="7047843" y="2838905"/>
+            <a:chExt cx="2215120" cy="2191145"/>
+          </a:xfrm>
+        </p:grpSpPr>
+        <p:sp>
+          <p:nvSpPr>
+            <p:cNvPr id="9" name="타원 8">
+              <a:extLst>
+                <a:ext uri="{FF2B5EF4-FFF2-40B4-BE49-F238E27FC236}">
+                  <a16:creationId xmlns:a16="http://schemas.microsoft.com/office/drawing/2014/main" id="{CB7BDC8F-2B01-446C-96B8-468F43213DE6}"/>
+                </a:ext>
+              </a:extLst>
+            </p:cNvPr>
+            <p:cNvSpPr/>
+            <p:nvPr/>
+          </p:nvSpPr>
+          <p:spPr>
+            <a:xfrm>
+              <a:off x="8082969" y="3692211"/>
+              <a:ext cx="1179994" cy="1337839"/>
+            </a:xfrm>
+            <a:prstGeom prst="ellipse">
+              <a:avLst/>
+            </a:prstGeom>
+            <a:noFill/>
+          </p:spPr>
+          <p:style>
+            <a:lnRef idx="2">
+              <a:schemeClr val="accent1">
+                <a:shade val="50000"/>
+              </a:schemeClr>
+            </a:lnRef>
+            <a:fillRef idx="1">
+              <a:schemeClr val="accent1"/>
+            </a:fillRef>
+            <a:effectRef idx="0">
+              <a:schemeClr val="accent1"/>
+            </a:effectRef>
+            <a:fontRef idx="minor">
+              <a:schemeClr val="lt1"/>
+            </a:fontRef>
+          </p:style>
+          <p:txBody>
+            <a:bodyPr rtlCol="0" anchor="ctr"/>
+            <a:lstStyle/>
+            <a:p>
+              <a:pPr algn="ctr"/>
+              <a:endParaRPr lang="ko-KR" altLang="en-US"/>
+            </a:p>
+          </p:txBody>
+        </p:sp>
+        <p:sp>
+          <p:nvSpPr>
+            <p:cNvPr id="10" name="타원 9">
+              <a:extLst>
+                <a:ext uri="{FF2B5EF4-FFF2-40B4-BE49-F238E27FC236}">
+                  <a16:creationId xmlns:a16="http://schemas.microsoft.com/office/drawing/2014/main" id="{A8C3A066-8851-427D-9E89-490F0E1E2FAB}"/>
+                </a:ext>
+              </a:extLst>
+            </p:cNvPr>
+            <p:cNvSpPr/>
+            <p:nvPr/>
+          </p:nvSpPr>
+          <p:spPr>
+            <a:xfrm>
+              <a:off x="7047843" y="2838905"/>
+              <a:ext cx="1179994" cy="1337839"/>
+            </a:xfrm>
+            <a:prstGeom prst="ellipse">
+              <a:avLst/>
+            </a:prstGeom>
+            <a:noFill/>
+            <a:ln w="28575">
+              <a:solidFill>
+                <a:srgbClr val="FF0000"/>
+              </a:solidFill>
+            </a:ln>
+          </p:spPr>
+          <p:style>
+            <a:lnRef idx="2">
+              <a:schemeClr val="accent1">
+                <a:shade val="50000"/>
+              </a:schemeClr>
+            </a:lnRef>
+            <a:fillRef idx="1">
+              <a:schemeClr val="accent1"/>
+            </a:fillRef>
+            <a:effectRef idx="0">
+              <a:schemeClr val="accent1"/>
+            </a:effectRef>
+            <a:fontRef idx="minor">
+              <a:schemeClr val="lt1"/>
+            </a:fontRef>
+          </p:style>
+          <p:txBody>
+            <a:bodyPr rtlCol="0" anchor="ctr"/>
+            <a:lstStyle/>
+            <a:p>
+              <a:pPr algn="ctr"/>
+              <a:endParaRPr lang="ko-KR" altLang="en-US"/>
+            </a:p>
+          </p:txBody>
+        </p:sp>
+        <p:sp>
+          <p:nvSpPr>
+            <p:cNvPr id="11" name="화살표: 아래쪽 10">
+              <a:extLst>
+                <a:ext uri="{FF2B5EF4-FFF2-40B4-BE49-F238E27FC236}">
+                  <a16:creationId xmlns:a16="http://schemas.microsoft.com/office/drawing/2014/main" id="{D9324171-8270-45F8-A07D-FA075BABD92F}"/>
+                </a:ext>
+              </a:extLst>
+            </p:cNvPr>
+            <p:cNvSpPr/>
+            <p:nvPr/>
+          </p:nvSpPr>
+          <p:spPr>
+            <a:xfrm rot="7240515">
+              <a:off x="8063404" y="3668180"/>
+              <a:ext cx="299059" cy="726784"/>
+            </a:xfrm>
+            <a:prstGeom prst="downArrow">
+              <a:avLst/>
+            </a:prstGeom>
+            <a:solidFill>
+              <a:srgbClr val="FF0000"/>
+            </a:solidFill>
+            <a:ln>
+              <a:noFill/>
+            </a:ln>
+          </p:spPr>
+          <p:style>
+            <a:lnRef idx="2">
+              <a:schemeClr val="accent1">
+                <a:shade val="50000"/>
+              </a:schemeClr>
+            </a:lnRef>
+            <a:fillRef idx="1">
+              <a:schemeClr val="accent1"/>
+            </a:fillRef>
+            <a:effectRef idx="0">
+              <a:schemeClr val="accent1"/>
+            </a:effectRef>
+            <a:fontRef idx="minor">
+              <a:schemeClr val="lt1"/>
+            </a:fontRef>
+          </p:style>
+          <p:txBody>
+            <a:bodyPr rtlCol="0" anchor="ctr"/>
+            <a:lstStyle/>
+            <a:p>
+              <a:pPr algn="ctr"/>
+              <a:endParaRPr lang="ko-KR" altLang="en-US"/>
+            </a:p>
+          </p:txBody>
+        </p:sp>
+      </p:grpSp>
+      <p:grpSp>
+        <p:nvGrpSpPr>
+          <p:cNvPr id="14" name="그룹 13">
+            <a:extLst>
+              <a:ext uri="{FF2B5EF4-FFF2-40B4-BE49-F238E27FC236}">
+                <a16:creationId xmlns:a16="http://schemas.microsoft.com/office/drawing/2014/main" id="{6A068C9F-10FF-4F2F-9395-42492FAFB905}"/>
+              </a:ext>
+            </a:extLst>
+          </p:cNvPr>
+          <p:cNvGrpSpPr/>
+          <p:nvPr/>
+        </p:nvGrpSpPr>
+        <p:grpSpPr>
+          <a:xfrm>
+            <a:off x="7357236" y="2871193"/>
+            <a:ext cx="2215120" cy="2191145"/>
+            <a:chOff x="7047843" y="2838905"/>
+            <a:chExt cx="2215120" cy="2191145"/>
+          </a:xfrm>
+        </p:grpSpPr>
+        <p:sp>
+          <p:nvSpPr>
+            <p:cNvPr id="15" name="타원 14">
+              <a:extLst>
+                <a:ext uri="{FF2B5EF4-FFF2-40B4-BE49-F238E27FC236}">
+                  <a16:creationId xmlns:a16="http://schemas.microsoft.com/office/drawing/2014/main" id="{7867C41A-3557-467E-9950-11CE4E6B06F0}"/>
+                </a:ext>
+              </a:extLst>
+            </p:cNvPr>
+            <p:cNvSpPr/>
+            <p:nvPr/>
+          </p:nvSpPr>
+          <p:spPr>
+            <a:xfrm>
+              <a:off x="8082969" y="3692211"/>
+              <a:ext cx="1179994" cy="1337839"/>
+            </a:xfrm>
+            <a:prstGeom prst="ellipse">
+              <a:avLst/>
+            </a:prstGeom>
+            <a:noFill/>
+          </p:spPr>
+          <p:style>
+            <a:lnRef idx="2">
+              <a:schemeClr val="accent1">
+                <a:shade val="50000"/>
+              </a:schemeClr>
+            </a:lnRef>
+            <a:fillRef idx="1">
+              <a:schemeClr val="accent1"/>
+            </a:fillRef>
+            <a:effectRef idx="0">
+              <a:schemeClr val="accent1"/>
+            </a:effectRef>
+            <a:fontRef idx="minor">
+              <a:schemeClr val="lt1"/>
+            </a:fontRef>
+          </p:style>
+          <p:txBody>
+            <a:bodyPr rtlCol="0" anchor="ctr"/>
+            <a:lstStyle/>
+            <a:p>
+              <a:pPr algn="ctr"/>
+              <a:endParaRPr lang="ko-KR" altLang="en-US"/>
+            </a:p>
+          </p:txBody>
+        </p:sp>
+        <p:sp>
+          <p:nvSpPr>
+            <p:cNvPr id="16" name="타원 15">
+              <a:extLst>
+                <a:ext uri="{FF2B5EF4-FFF2-40B4-BE49-F238E27FC236}">
+                  <a16:creationId xmlns:a16="http://schemas.microsoft.com/office/drawing/2014/main" id="{F9FFD1D1-DC5C-4BC9-9615-0DCC75AD3D72}"/>
+                </a:ext>
+              </a:extLst>
+            </p:cNvPr>
+            <p:cNvSpPr/>
+            <p:nvPr/>
+          </p:nvSpPr>
+          <p:spPr>
+            <a:xfrm>
+              <a:off x="7047843" y="2838905"/>
+              <a:ext cx="1179994" cy="1337839"/>
+            </a:xfrm>
+            <a:prstGeom prst="ellipse">
+              <a:avLst/>
+            </a:prstGeom>
+            <a:noFill/>
+            <a:ln w="28575">
+              <a:solidFill>
+                <a:srgbClr val="FF0000"/>
+              </a:solidFill>
+            </a:ln>
+          </p:spPr>
+          <p:style>
+            <a:lnRef idx="2">
+              <a:schemeClr val="accent1">
+                <a:shade val="50000"/>
+              </a:schemeClr>
+            </a:lnRef>
+            <a:fillRef idx="1">
+              <a:schemeClr val="accent1"/>
+            </a:fillRef>
+            <a:effectRef idx="0">
+              <a:schemeClr val="accent1"/>
+            </a:effectRef>
+            <a:fontRef idx="minor">
+              <a:schemeClr val="lt1"/>
+            </a:fontRef>
+          </p:style>
+          <p:txBody>
+            <a:bodyPr rtlCol="0" anchor="ctr"/>
+            <a:lstStyle/>
+            <a:p>
+              <a:pPr algn="ctr"/>
+              <a:endParaRPr lang="ko-KR" altLang="en-US"/>
+            </a:p>
+          </p:txBody>
+        </p:sp>
+        <p:sp>
+          <p:nvSpPr>
+            <p:cNvPr id="17" name="화살표: 아래쪽 16">
+              <a:extLst>
+                <a:ext uri="{FF2B5EF4-FFF2-40B4-BE49-F238E27FC236}">
+                  <a16:creationId xmlns:a16="http://schemas.microsoft.com/office/drawing/2014/main" id="{63DFC2A7-31D2-4844-80EF-B5D1B9D26E3B}"/>
+                </a:ext>
+              </a:extLst>
+            </p:cNvPr>
+            <p:cNvSpPr/>
+            <p:nvPr/>
+          </p:nvSpPr>
+          <p:spPr>
+            <a:xfrm rot="7240515">
+              <a:off x="8063404" y="3668180"/>
+              <a:ext cx="299059" cy="726784"/>
+            </a:xfrm>
+            <a:prstGeom prst="downArrow">
+              <a:avLst/>
+            </a:prstGeom>
+            <a:solidFill>
+              <a:srgbClr val="FF0000"/>
+            </a:solidFill>
+            <a:ln>
+              <a:noFill/>
+            </a:ln>
+          </p:spPr>
+          <p:style>
+            <a:lnRef idx="2">
+              <a:schemeClr val="accent1">
+                <a:shade val="50000"/>
+              </a:schemeClr>
+            </a:lnRef>
+            <a:fillRef idx="1">
+              <a:schemeClr val="accent1"/>
+            </a:fillRef>
+            <a:effectRef idx="0">
+              <a:schemeClr val="accent1"/>
+            </a:effectRef>
+            <a:fontRef idx="minor">
+              <a:schemeClr val="lt1"/>
+            </a:fontRef>
+          </p:style>
+          <p:txBody>
+            <a:bodyPr rtlCol="0" anchor="ctr"/>
+            <a:lstStyle/>
+            <a:p>
+              <a:pPr algn="ctr"/>
+              <a:endParaRPr lang="ko-KR" altLang="en-US"/>
+            </a:p>
+          </p:txBody>
+        </p:sp>
+      </p:grpSp>
     </p:spTree>
     <p:extLst>
       <p:ext uri="{BB962C8B-B14F-4D97-AF65-F5344CB8AC3E}">
@@ -14593,7 +16215,7 @@
           <p:nvPr>
             <p:extLst>
               <p:ext uri="{D42A27DB-BD31-4B8C-83A1-F6EECF244321}">
-                <p14:modId xmlns:p14="http://schemas.microsoft.com/office/powerpoint/2010/main" val="3220430994"/>
+                <p14:modId xmlns:p14="http://schemas.microsoft.com/office/powerpoint/2010/main" val="364921454"/>
               </p:ext>
             </p:extLst>
           </p:nvPr>
@@ -14720,15 +16342,253 @@
                           <a:spcPts val="0"/>
                         </a:spcAft>
                       </a:pPr>
-                      <a:endParaRPr lang="ko-KR" altLang="en-US" sz="1500" b="0" kern="0" spc="0" dirty="0">
-                        <a:solidFill>
-                          <a:schemeClr val="bg1">
-                            <a:lumMod val="50000"/>
-                          </a:schemeClr>
-                        </a:solidFill>
-                        <a:effectLst/>
-                        <a:latin typeface="맑은 고딕" panose="020B0503020000020004" pitchFamily="50" charset="-127"/>
-                      </a:endParaRPr>
+                      <a:r>
+                        <a:rPr lang="ko-KR" altLang="en-US" sz="1500" b="1" kern="0" spc="0" dirty="0">
+                          <a:solidFill>
+                            <a:schemeClr val="tx1">
+                              <a:lumMod val="85000"/>
+                              <a:lumOff val="15000"/>
+                            </a:schemeClr>
+                          </a:solidFill>
+                          <a:effectLst/>
+                          <a:latin typeface="맑은 고딕" panose="020B0503020000020004" pitchFamily="50" charset="-127"/>
+                        </a:rPr>
+                        <a:t>주요 핵심 키워드 방향은 대부분 정적이고</a:t>
+                      </a:r>
+                      <a:r>
+                        <a:rPr lang="en-US" altLang="ko-KR" sz="1500" b="1" kern="0" spc="0" dirty="0">
+                          <a:solidFill>
+                            <a:schemeClr val="tx1">
+                              <a:lumMod val="85000"/>
+                              <a:lumOff val="15000"/>
+                            </a:schemeClr>
+                          </a:solidFill>
+                          <a:effectLst/>
+                          <a:latin typeface="맑은 고딕" panose="020B0503020000020004" pitchFamily="50" charset="-127"/>
+                        </a:rPr>
+                        <a:t>, </a:t>
+                      </a:r>
+                      <a:r>
+                        <a:rPr lang="ko-KR" altLang="en-US" sz="1500" b="1" kern="0" spc="0" dirty="0">
+                          <a:solidFill>
+                            <a:schemeClr val="tx1">
+                              <a:lumMod val="85000"/>
+                              <a:lumOff val="15000"/>
+                            </a:schemeClr>
+                          </a:solidFill>
+                          <a:effectLst/>
+                          <a:latin typeface="맑은 고딕" panose="020B0503020000020004" pitchFamily="50" charset="-127"/>
+                        </a:rPr>
+                        <a:t>딱딱한 부분이 많았으나 새로운 제품의 홍보 및</a:t>
+                      </a:r>
+                      <a:r>
+                        <a:rPr lang="en-US" altLang="ko-KR" sz="1500" b="1" kern="0" spc="0" dirty="0">
+                          <a:solidFill>
+                            <a:schemeClr val="tx1">
+                              <a:lumMod val="85000"/>
+                              <a:lumOff val="15000"/>
+                            </a:schemeClr>
+                          </a:solidFill>
+                          <a:effectLst/>
+                          <a:latin typeface="맑은 고딕" panose="020B0503020000020004" pitchFamily="50" charset="-127"/>
+                        </a:rPr>
+                        <a:t> </a:t>
+                      </a:r>
+                      <a:r>
+                        <a:rPr lang="ko-KR" altLang="en-US" sz="1500" b="1" kern="0" spc="0" dirty="0">
+                          <a:solidFill>
+                            <a:schemeClr val="tx1">
+                              <a:lumMod val="85000"/>
+                              <a:lumOff val="15000"/>
+                            </a:schemeClr>
+                          </a:solidFill>
+                          <a:effectLst/>
+                          <a:latin typeface="맑은 고딕" panose="020B0503020000020004" pitchFamily="50" charset="-127"/>
+                        </a:rPr>
+                        <a:t>소비자참여형의 웹페이지로 재구성하기 위해</a:t>
+                      </a:r>
+                      <a:r>
+                        <a:rPr lang="en-US" altLang="ko-KR" sz="1500" b="1" kern="0" spc="0" dirty="0">
+                          <a:solidFill>
+                            <a:schemeClr val="tx1">
+                              <a:lumMod val="85000"/>
+                              <a:lumOff val="15000"/>
+                            </a:schemeClr>
+                          </a:solidFill>
+                          <a:effectLst/>
+                          <a:latin typeface="맑은 고딕" panose="020B0503020000020004" pitchFamily="50" charset="-127"/>
+                        </a:rPr>
+                        <a:t>, </a:t>
+                      </a:r>
+                      <a:r>
+                        <a:rPr lang="ko-KR" altLang="en-US" sz="1500" b="1" kern="0" spc="0" dirty="0">
+                          <a:solidFill>
+                            <a:schemeClr val="tx1">
+                              <a:lumMod val="85000"/>
+                              <a:lumOff val="15000"/>
+                            </a:schemeClr>
+                          </a:solidFill>
+                          <a:effectLst/>
+                          <a:latin typeface="맑은 고딕" panose="020B0503020000020004" pitchFamily="50" charset="-127"/>
+                        </a:rPr>
+                        <a:t>경쾌한 이미지를 얻고자</a:t>
+                      </a:r>
+                      <a:r>
+                        <a:rPr lang="en-US" altLang="ko-KR" sz="1500" b="1" kern="0" spc="0" dirty="0">
+                          <a:solidFill>
+                            <a:schemeClr val="tx1">
+                              <a:lumMod val="85000"/>
+                              <a:lumOff val="15000"/>
+                            </a:schemeClr>
+                          </a:solidFill>
+                          <a:effectLst/>
+                          <a:latin typeface="맑은 고딕" panose="020B0503020000020004" pitchFamily="50" charset="-127"/>
+                        </a:rPr>
+                        <a:t>, </a:t>
+                      </a:r>
+                      <a:r>
+                        <a:rPr lang="ko-KR" altLang="en-US" sz="1500" b="1" kern="0" spc="0" dirty="0">
+                          <a:solidFill>
+                            <a:schemeClr val="tx1">
+                              <a:lumMod val="85000"/>
+                              <a:lumOff val="15000"/>
+                            </a:schemeClr>
+                          </a:solidFill>
+                          <a:effectLst/>
+                          <a:latin typeface="맑은 고딕" panose="020B0503020000020004" pitchFamily="50" charset="-127"/>
+                        </a:rPr>
+                        <a:t>새로운 느낌과</a:t>
+                      </a:r>
+                      <a:r>
+                        <a:rPr lang="en-US" altLang="ko-KR" sz="1500" b="1" kern="0" spc="0" dirty="0">
+                          <a:solidFill>
+                            <a:schemeClr val="tx1">
+                              <a:lumMod val="85000"/>
+                              <a:lumOff val="15000"/>
+                            </a:schemeClr>
+                          </a:solidFill>
+                          <a:effectLst/>
+                          <a:latin typeface="맑은 고딕" panose="020B0503020000020004" pitchFamily="50" charset="-127"/>
+                        </a:rPr>
+                        <a:t>, </a:t>
+                      </a:r>
+                      <a:r>
+                        <a:rPr lang="ko-KR" altLang="en-US" sz="1500" b="1" kern="0" spc="0" dirty="0">
+                          <a:solidFill>
+                            <a:schemeClr val="tx1">
+                              <a:lumMod val="85000"/>
+                              <a:lumOff val="15000"/>
+                            </a:schemeClr>
+                          </a:solidFill>
+                          <a:effectLst/>
+                          <a:latin typeface="맑은 고딕" panose="020B0503020000020004" pitchFamily="50" charset="-127"/>
+                        </a:rPr>
+                        <a:t>여유를 가질 수 있는 컨셉을 도출하며</a:t>
+                      </a:r>
+                      <a:r>
+                        <a:rPr lang="en-US" altLang="ko-KR" sz="1500" b="1" kern="0" spc="0" dirty="0">
+                          <a:solidFill>
+                            <a:schemeClr val="tx1">
+                              <a:lumMod val="85000"/>
+                              <a:lumOff val="15000"/>
+                            </a:schemeClr>
+                          </a:solidFill>
+                          <a:effectLst/>
+                          <a:latin typeface="맑은 고딕" panose="020B0503020000020004" pitchFamily="50" charset="-127"/>
+                        </a:rPr>
+                        <a:t>, </a:t>
+                      </a:r>
+                      <a:r>
+                        <a:rPr lang="ko-KR" altLang="en-US" sz="1500" b="1" kern="0" spc="0" dirty="0">
+                          <a:solidFill>
+                            <a:schemeClr val="tx1">
+                              <a:lumMod val="85000"/>
+                              <a:lumOff val="15000"/>
+                            </a:schemeClr>
+                          </a:solidFill>
+                          <a:effectLst/>
+                          <a:latin typeface="맑은 고딕" panose="020B0503020000020004" pitchFamily="50" charset="-127"/>
+                        </a:rPr>
+                        <a:t>주요 컬러는 기업의 주 컬러인 그린과 함께 자주</a:t>
+                      </a:r>
+                      <a:r>
+                        <a:rPr lang="en-US" altLang="ko-KR" sz="1500" b="1" kern="0" spc="0" dirty="0">
+                          <a:solidFill>
+                            <a:schemeClr val="tx1">
+                              <a:lumMod val="85000"/>
+                              <a:lumOff val="15000"/>
+                            </a:schemeClr>
+                          </a:solidFill>
+                          <a:effectLst/>
+                          <a:latin typeface="맑은 고딕" panose="020B0503020000020004" pitchFamily="50" charset="-127"/>
+                        </a:rPr>
+                        <a:t>/</a:t>
+                      </a:r>
+                      <a:r>
+                        <a:rPr lang="ko-KR" altLang="en-US" sz="1500" b="1" kern="0" spc="0" dirty="0">
+                          <a:solidFill>
+                            <a:schemeClr val="tx1">
+                              <a:lumMod val="85000"/>
+                              <a:lumOff val="15000"/>
+                            </a:schemeClr>
+                          </a:solidFill>
+                          <a:effectLst/>
+                          <a:latin typeface="맑은 고딕" panose="020B0503020000020004" pitchFamily="50" charset="-127"/>
+                        </a:rPr>
+                        <a:t>민트의 색상을 사용하여</a:t>
+                      </a:r>
+                      <a:r>
+                        <a:rPr lang="en-US" altLang="ko-KR" sz="1500" b="1" kern="0" spc="0" dirty="0">
+                          <a:solidFill>
+                            <a:schemeClr val="tx1">
+                              <a:lumMod val="85000"/>
+                              <a:lumOff val="15000"/>
+                            </a:schemeClr>
+                          </a:solidFill>
+                          <a:effectLst/>
+                          <a:latin typeface="맑은 고딕" panose="020B0503020000020004" pitchFamily="50" charset="-127"/>
+                        </a:rPr>
+                        <a:t>, </a:t>
+                      </a:r>
+                      <a:r>
+                        <a:rPr lang="ko-KR" altLang="en-US" sz="1500" b="1" kern="0" spc="0" dirty="0">
+                          <a:solidFill>
+                            <a:schemeClr val="tx1">
+                              <a:lumMod val="85000"/>
+                              <a:lumOff val="15000"/>
+                            </a:schemeClr>
+                          </a:solidFill>
+                          <a:effectLst/>
+                          <a:latin typeface="맑은 고딕" panose="020B0503020000020004" pitchFamily="50" charset="-127"/>
+                        </a:rPr>
+                        <a:t>전반의 분위기를 젊은 사용자 위주의 방향을 잡으며 그에 따른 배색은 </a:t>
+                      </a:r>
+                      <a:r>
+                        <a:rPr lang="en-US" altLang="ko-KR" sz="1500" b="1" kern="0" spc="0" dirty="0">
+                          <a:solidFill>
+                            <a:schemeClr val="tx1">
+                              <a:lumMod val="85000"/>
+                              <a:lumOff val="15000"/>
+                            </a:schemeClr>
+                          </a:solidFill>
+                          <a:effectLst/>
+                          <a:latin typeface="맑은 고딕" panose="020B0503020000020004" pitchFamily="50" charset="-127"/>
+                        </a:rPr>
+                        <a:t>IT</a:t>
+                      </a:r>
+                      <a:r>
+                        <a:rPr lang="ko-KR" altLang="en-US" sz="1500" b="1" kern="0" spc="0" dirty="0">
+                          <a:solidFill>
+                            <a:schemeClr val="tx1">
+                              <a:lumMod val="85000"/>
+                              <a:lumOff val="15000"/>
+                            </a:schemeClr>
+                          </a:solidFill>
+                          <a:effectLst/>
+                          <a:latin typeface="맑은 고딕" panose="020B0503020000020004" pitchFamily="50" charset="-127"/>
+                        </a:rPr>
+                        <a:t>기기의 고유 특성을 살릴 수 있는 블루계통의 색상을 사용하기로 함</a:t>
+                      </a:r>
                     </a:p>
                   </a:txBody>
                   <a:tcPr marL="64771" marR="64771" marT="17907" marB="17907">
@@ -14788,6 +16648,178 @@
           </a:graphicData>
         </a:graphic>
       </p:graphicFrame>
+      <p:grpSp>
+        <p:nvGrpSpPr>
+          <p:cNvPr id="8" name="그룹 7">
+            <a:extLst>
+              <a:ext uri="{FF2B5EF4-FFF2-40B4-BE49-F238E27FC236}">
+                <a16:creationId xmlns:a16="http://schemas.microsoft.com/office/drawing/2014/main" id="{6B75DAF2-EF2F-4D5E-9A7E-5C19B3DFF06F}"/>
+              </a:ext>
+            </a:extLst>
+          </p:cNvPr>
+          <p:cNvGrpSpPr/>
+          <p:nvPr/>
+        </p:nvGrpSpPr>
+        <p:grpSpPr>
+          <a:xfrm>
+            <a:off x="1843383" y="2871193"/>
+            <a:ext cx="2215120" cy="2191145"/>
+            <a:chOff x="7047843" y="2838905"/>
+            <a:chExt cx="2215120" cy="2191145"/>
+          </a:xfrm>
+        </p:grpSpPr>
+        <p:sp>
+          <p:nvSpPr>
+            <p:cNvPr id="9" name="타원 8">
+              <a:extLst>
+                <a:ext uri="{FF2B5EF4-FFF2-40B4-BE49-F238E27FC236}">
+                  <a16:creationId xmlns:a16="http://schemas.microsoft.com/office/drawing/2014/main" id="{2C55146B-50FB-4983-9475-6F54F6D4E915}"/>
+                </a:ext>
+              </a:extLst>
+            </p:cNvPr>
+            <p:cNvSpPr/>
+            <p:nvPr/>
+          </p:nvSpPr>
+          <p:spPr>
+            <a:xfrm>
+              <a:off x="8082969" y="3692211"/>
+              <a:ext cx="1179994" cy="1337839"/>
+            </a:xfrm>
+            <a:prstGeom prst="ellipse">
+              <a:avLst/>
+            </a:prstGeom>
+            <a:noFill/>
+          </p:spPr>
+          <p:style>
+            <a:lnRef idx="2">
+              <a:schemeClr val="accent1">
+                <a:shade val="50000"/>
+              </a:schemeClr>
+            </a:lnRef>
+            <a:fillRef idx="1">
+              <a:schemeClr val="accent1"/>
+            </a:fillRef>
+            <a:effectRef idx="0">
+              <a:schemeClr val="accent1"/>
+            </a:effectRef>
+            <a:fontRef idx="minor">
+              <a:schemeClr val="lt1"/>
+            </a:fontRef>
+          </p:style>
+          <p:txBody>
+            <a:bodyPr rtlCol="0" anchor="ctr"/>
+            <a:lstStyle/>
+            <a:p>
+              <a:pPr algn="ctr"/>
+              <a:endParaRPr lang="ko-KR" altLang="en-US"/>
+            </a:p>
+          </p:txBody>
+        </p:sp>
+        <p:sp>
+          <p:nvSpPr>
+            <p:cNvPr id="10" name="타원 9">
+              <a:extLst>
+                <a:ext uri="{FF2B5EF4-FFF2-40B4-BE49-F238E27FC236}">
+                  <a16:creationId xmlns:a16="http://schemas.microsoft.com/office/drawing/2014/main" id="{4F337EAF-4779-41EF-8A73-22169CACE53E}"/>
+                </a:ext>
+              </a:extLst>
+            </p:cNvPr>
+            <p:cNvSpPr/>
+            <p:nvPr/>
+          </p:nvSpPr>
+          <p:spPr>
+            <a:xfrm>
+              <a:off x="7047843" y="2838905"/>
+              <a:ext cx="1179994" cy="1337839"/>
+            </a:xfrm>
+            <a:prstGeom prst="ellipse">
+              <a:avLst/>
+            </a:prstGeom>
+            <a:noFill/>
+            <a:ln w="28575">
+              <a:solidFill>
+                <a:srgbClr val="FF0000"/>
+              </a:solidFill>
+            </a:ln>
+          </p:spPr>
+          <p:style>
+            <a:lnRef idx="2">
+              <a:schemeClr val="accent1">
+                <a:shade val="50000"/>
+              </a:schemeClr>
+            </a:lnRef>
+            <a:fillRef idx="1">
+              <a:schemeClr val="accent1"/>
+            </a:fillRef>
+            <a:effectRef idx="0">
+              <a:schemeClr val="accent1"/>
+            </a:effectRef>
+            <a:fontRef idx="minor">
+              <a:schemeClr val="lt1"/>
+            </a:fontRef>
+          </p:style>
+          <p:txBody>
+            <a:bodyPr rtlCol="0" anchor="ctr"/>
+            <a:lstStyle/>
+            <a:p>
+              <a:pPr algn="ctr"/>
+              <a:endParaRPr lang="ko-KR" altLang="en-US"/>
+            </a:p>
+          </p:txBody>
+        </p:sp>
+        <p:sp>
+          <p:nvSpPr>
+            <p:cNvPr id="11" name="화살표: 아래쪽 10">
+              <a:extLst>
+                <a:ext uri="{FF2B5EF4-FFF2-40B4-BE49-F238E27FC236}">
+                  <a16:creationId xmlns:a16="http://schemas.microsoft.com/office/drawing/2014/main" id="{536EE388-D158-4D76-A299-F125FC893996}"/>
+                </a:ext>
+              </a:extLst>
+            </p:cNvPr>
+            <p:cNvSpPr/>
+            <p:nvPr/>
+          </p:nvSpPr>
+          <p:spPr>
+            <a:xfrm rot="7240515">
+              <a:off x="8063404" y="3668180"/>
+              <a:ext cx="299059" cy="726784"/>
+            </a:xfrm>
+            <a:prstGeom prst="downArrow">
+              <a:avLst/>
+            </a:prstGeom>
+            <a:solidFill>
+              <a:srgbClr val="FF0000"/>
+            </a:solidFill>
+            <a:ln>
+              <a:noFill/>
+            </a:ln>
+          </p:spPr>
+          <p:style>
+            <a:lnRef idx="2">
+              <a:schemeClr val="accent1">
+                <a:shade val="50000"/>
+              </a:schemeClr>
+            </a:lnRef>
+            <a:fillRef idx="1">
+              <a:schemeClr val="accent1"/>
+            </a:fillRef>
+            <a:effectRef idx="0">
+              <a:schemeClr val="accent1"/>
+            </a:effectRef>
+            <a:fontRef idx="minor">
+              <a:schemeClr val="lt1"/>
+            </a:fontRef>
+          </p:style>
+          <p:txBody>
+            <a:bodyPr rtlCol="0" anchor="ctr"/>
+            <a:lstStyle/>
+            <a:p>
+              <a:pPr algn="ctr"/>
+              <a:endParaRPr lang="ko-KR" altLang="en-US"/>
+            </a:p>
+          </p:txBody>
+        </p:sp>
+      </p:grpSp>
     </p:spTree>
     <p:extLst>
       <p:ext uri="{BB962C8B-B14F-4D97-AF65-F5344CB8AC3E}">
@@ -14981,12 +17013,92 @@
           </a:p>
         </p:txBody>
       </p:sp>
+      <p:sp>
+        <p:nvSpPr>
+          <p:cNvPr id="29" name="슬라이드 번호 개체 틀 3">
+            <a:extLst>
+              <a:ext uri="{FF2B5EF4-FFF2-40B4-BE49-F238E27FC236}">
+                <a16:creationId xmlns:a16="http://schemas.microsoft.com/office/drawing/2014/main" id="{E4CB0677-BCFD-4F92-96C5-62D4B81C7EAC}"/>
+              </a:ext>
+            </a:extLst>
+          </p:cNvPr>
+          <p:cNvSpPr>
+            <a:spLocks noGrp="1"/>
+          </p:cNvSpPr>
+          <p:nvPr>
+            <p:ph type="sldNum" sz="quarter" idx="4"/>
+          </p:nvPr>
+        </p:nvSpPr>
+        <p:spPr>
+          <a:xfrm>
+            <a:off x="10305288" y="6292343"/>
+            <a:ext cx="539496" cy="365125"/>
+          </a:xfrm>
+          <a:prstGeom prst="rect">
+            <a:avLst/>
+          </a:prstGeom>
+        </p:spPr>
+        <p:txBody>
+          <a:bodyPr/>
+          <a:lstStyle>
+            <a:lvl1pPr algn="r">
+              <a:defRPr>
+                <a:solidFill>
+                  <a:schemeClr val="bg1">
+                    <a:lumMod val="50000"/>
+                  </a:schemeClr>
+                </a:solidFill>
+              </a:defRPr>
+            </a:lvl1pPr>
+          </a:lstStyle>
+          <a:p>
+            <a:fld id="{418EBCF5-7C0D-4452-BD99-4798E1600F69}" type="slidenum">
+              <a:rPr lang="ko-KR" altLang="en-US" sz="1100"/>
+              <a:pPr/>
+              <a:t>14</a:t>
+            </a:fld>
+            <a:endParaRPr lang="ko-KR" altLang="en-US" sz="1100"/>
+          </a:p>
+        </p:txBody>
+      </p:sp>
+      <p:sp>
+        <p:nvSpPr>
+          <p:cNvPr id="5" name="부제목 4">
+            <a:extLst>
+              <a:ext uri="{FF2B5EF4-FFF2-40B4-BE49-F238E27FC236}">
+                <a16:creationId xmlns:a16="http://schemas.microsoft.com/office/drawing/2014/main" id="{29DB42F8-4170-460B-B3C1-34507037918D}"/>
+              </a:ext>
+            </a:extLst>
+          </p:cNvPr>
+          <p:cNvSpPr>
+            <a:spLocks noGrp="1"/>
+          </p:cNvSpPr>
+          <p:nvPr>
+            <p:ph type="subTitle" idx="1"/>
+          </p:nvPr>
+        </p:nvSpPr>
+        <p:spPr/>
+        <p:txBody>
+          <a:bodyPr/>
+          <a:lstStyle/>
+          <a:p>
+            <a:r>
+              <a:rPr lang="en-US" altLang="ko-KR" dirty="0"/>
+              <a:t>04-1 </a:t>
+            </a:r>
+            <a:r>
+              <a:rPr lang="ko-KR" altLang="en-US" dirty="0"/>
+              <a:t>조사 분석 내용 최종 정리</a:t>
+            </a:r>
+          </a:p>
+        </p:txBody>
+      </p:sp>
       <p:graphicFrame>
         <p:nvGraphicFramePr>
-          <p:cNvPr id="25" name="표 24">
+          <p:cNvPr id="8" name="표 7">
             <a:extLst>
               <a:ext uri="{FF2B5EF4-FFF2-40B4-BE49-F238E27FC236}">
-                <a16:creationId xmlns:a16="http://schemas.microsoft.com/office/drawing/2014/main" id="{05BF43C7-0925-41BA-AAD5-19A0804B82CF}"/>
+                <a16:creationId xmlns:a16="http://schemas.microsoft.com/office/drawing/2014/main" id="{36F9B1C6-57F6-4BC6-A842-EC0FE909E273}"/>
               </a:ext>
             </a:extLst>
           </p:cNvPr>
@@ -14996,21 +17108,21 @@
           <p:nvPr>
             <p:extLst>
               <p:ext uri="{D42A27DB-BD31-4B8C-83A1-F6EECF244321}">
-                <p14:modId xmlns:p14="http://schemas.microsoft.com/office/powerpoint/2010/main" val="304065596"/>
+                <p14:modId xmlns:p14="http://schemas.microsoft.com/office/powerpoint/2010/main" val="699801461"/>
               </p:ext>
             </p:extLst>
           </p:nvPr>
         </p:nvGraphicFramePr>
         <p:xfrm>
-          <a:off x="1561763" y="3091160"/>
-          <a:ext cx="9144000" cy="3081041"/>
+          <a:off x="1325880" y="2897124"/>
+          <a:ext cx="9212580" cy="3315602"/>
         </p:xfrm>
         <a:graphic>
           <a:graphicData uri="http://schemas.openxmlformats.org/drawingml/2006/table">
             <a:tbl>
               <a:tblPr/>
               <a:tblGrid>
-                <a:gridCol w="9144000">
+                <a:gridCol w="9212580">
                   <a:extLst>
                     <a:ext uri="{9D8B030D-6E8A-4147-A177-3AD203B41FA5}">
                       <a16:colId xmlns:a16="http://schemas.microsoft.com/office/drawing/2014/main" val="2825577889"/>
@@ -15018,7 +17130,7 @@
                   </a:extLst>
                 </a:gridCol>
               </a:tblGrid>
-              <a:tr h="324661">
+              <a:tr h="340754">
                 <a:tc>
                   <a:txBody>
                     <a:bodyPr/>
@@ -15106,7 +17218,7 @@
                   </a:ext>
                 </a:extLst>
               </a:tr>
-              <a:tr h="2756380">
+              <a:tr h="2912986">
                 <a:tc>
                   <a:txBody>
                     <a:bodyPr/>
@@ -15122,8 +17234,82 @@
                         <a:spcAft>
                           <a:spcPts val="0"/>
                         </a:spcAft>
+                        <a:buFont typeface="Arial" panose="020B0604020202020204" pitchFamily="34" charset="0"/>
+                        <a:buNone/>
                       </a:pPr>
-                      <a:endParaRPr lang="ko-KR" altLang="en-US" sz="1500" b="0" kern="0" spc="0" dirty="0">
+                      <a:r>
+                        <a:rPr lang="ko-KR" altLang="en-US" sz="1500" b="1" kern="0" spc="0" dirty="0">
+                          <a:solidFill>
+                            <a:schemeClr val="tx2">
+                              <a:lumMod val="75000"/>
+                            </a:schemeClr>
+                          </a:solidFill>
+                          <a:effectLst/>
+                          <a:latin typeface="맑은 고딕" panose="020B0503020000020004" pitchFamily="50" charset="-127"/>
+                        </a:rPr>
+                        <a:t>제작 핵심</a:t>
+                      </a:r>
+                      <a:endParaRPr lang="en-US" altLang="ko-KR" sz="1500" b="1" kern="0" spc="0" dirty="0">
+                        <a:solidFill>
+                          <a:schemeClr val="tx2">
+                            <a:lumMod val="75000"/>
+                          </a:schemeClr>
+                        </a:solidFill>
+                        <a:effectLst/>
+                        <a:latin typeface="맑은 고딕" panose="020B0503020000020004" pitchFamily="50" charset="-127"/>
+                      </a:endParaRPr>
+                    </a:p>
+                    <a:p>
+                      <a:pPr marL="285750" marR="0" indent="-285750" algn="l" fontAlgn="base" latinLnBrk="0">
+                        <a:lnSpc>
+                          <a:spcPct val="130000"/>
+                        </a:lnSpc>
+                        <a:spcBef>
+                          <a:spcPts val="0"/>
+                        </a:spcBef>
+                        <a:spcAft>
+                          <a:spcPts val="0"/>
+                        </a:spcAft>
+                        <a:buFont typeface="Arial" panose="020B0604020202020204" pitchFamily="34" charset="0"/>
+                        <a:buChar char="•"/>
+                      </a:pPr>
+                      <a:r>
+                        <a:rPr lang="ko-KR" altLang="en-US" sz="1500" b="0" kern="0" spc="0" dirty="0">
+                          <a:solidFill>
+                            <a:schemeClr val="bg1">
+                              <a:lumMod val="50000"/>
+                            </a:schemeClr>
+                          </a:solidFill>
+                          <a:effectLst/>
+                          <a:latin typeface="맑은 고딕" panose="020B0503020000020004" pitchFamily="50" charset="-127"/>
+                        </a:rPr>
+                        <a:t>찾기 편하고</a:t>
+                      </a:r>
+                      <a:r>
+                        <a:rPr lang="en-US" altLang="ko-KR" sz="1500" b="0" kern="0" spc="0" dirty="0">
+                          <a:solidFill>
+                            <a:schemeClr val="bg1">
+                              <a:lumMod val="50000"/>
+                            </a:schemeClr>
+                          </a:solidFill>
+                          <a:effectLst/>
+                          <a:latin typeface="맑은 고딕" panose="020B0503020000020004" pitchFamily="50" charset="-127"/>
+                        </a:rPr>
+                        <a:t> </a:t>
+                      </a:r>
+                      <a:r>
+                        <a:rPr lang="ko-KR" altLang="en-US" sz="1500" b="0" kern="0" spc="0" dirty="0">
+                          <a:solidFill>
+                            <a:schemeClr val="bg1">
+                              <a:lumMod val="50000"/>
+                            </a:schemeClr>
+                          </a:solidFill>
+                          <a:effectLst/>
+                          <a:latin typeface="맑은 고딕" panose="020B0503020000020004" pitchFamily="50" charset="-127"/>
+                        </a:rPr>
+                        <a:t>정돈된 페이지</a:t>
+                      </a:r>
+                      <a:endParaRPr lang="en-US" altLang="ko-KR" sz="1500" b="0" kern="0" spc="0" dirty="0">
                         <a:solidFill>
                           <a:schemeClr val="bg1">
                             <a:lumMod val="50000"/>
@@ -15132,6 +17318,585 @@
                         <a:effectLst/>
                         <a:latin typeface="맑은 고딕" panose="020B0503020000020004" pitchFamily="50" charset="-127"/>
                       </a:endParaRPr>
+                    </a:p>
+                    <a:p>
+                      <a:pPr marL="285750" marR="0" indent="-285750" algn="l" fontAlgn="base" latinLnBrk="0">
+                        <a:lnSpc>
+                          <a:spcPct val="130000"/>
+                        </a:lnSpc>
+                        <a:spcBef>
+                          <a:spcPts val="0"/>
+                        </a:spcBef>
+                        <a:spcAft>
+                          <a:spcPts val="0"/>
+                        </a:spcAft>
+                        <a:buFont typeface="Arial" panose="020B0604020202020204" pitchFamily="34" charset="0"/>
+                        <a:buChar char="•"/>
+                      </a:pPr>
+                      <a:r>
+                        <a:rPr lang="ko-KR" altLang="en-US" sz="1500" b="0" kern="0" spc="0" dirty="0">
+                          <a:solidFill>
+                            <a:schemeClr val="bg1">
+                              <a:lumMod val="50000"/>
+                            </a:schemeClr>
+                          </a:solidFill>
+                          <a:effectLst/>
+                          <a:latin typeface="맑은 고딕" panose="020B0503020000020004" pitchFamily="50" charset="-127"/>
+                        </a:rPr>
+                        <a:t>필요한 제품</a:t>
+                      </a:r>
+                      <a:r>
+                        <a:rPr lang="en-US" altLang="ko-KR" sz="1500" b="0" kern="0" spc="0" dirty="0">
+                          <a:solidFill>
+                            <a:schemeClr val="bg1">
+                              <a:lumMod val="50000"/>
+                            </a:schemeClr>
+                          </a:solidFill>
+                          <a:effectLst/>
+                          <a:latin typeface="맑은 고딕" panose="020B0503020000020004" pitchFamily="50" charset="-127"/>
+                        </a:rPr>
+                        <a:t>/</a:t>
+                      </a:r>
+                      <a:r>
+                        <a:rPr lang="ko-KR" altLang="en-US" sz="1500" b="0" kern="0" spc="0" dirty="0">
+                          <a:solidFill>
+                            <a:schemeClr val="bg1">
+                              <a:lumMod val="50000"/>
+                            </a:schemeClr>
+                          </a:solidFill>
+                          <a:effectLst/>
+                          <a:latin typeface="맑은 고딕" panose="020B0503020000020004" pitchFamily="50" charset="-127"/>
+                        </a:rPr>
+                        <a:t>자료를 검색하기 용이하게 처리</a:t>
+                      </a:r>
+                      <a:endParaRPr lang="en-US" altLang="ko-KR" sz="1500" b="0" kern="0" spc="0" dirty="0">
+                        <a:solidFill>
+                          <a:schemeClr val="bg1">
+                            <a:lumMod val="50000"/>
+                          </a:schemeClr>
+                        </a:solidFill>
+                        <a:effectLst/>
+                        <a:latin typeface="맑은 고딕" panose="020B0503020000020004" pitchFamily="50" charset="-127"/>
+                      </a:endParaRPr>
+                    </a:p>
+                    <a:p>
+                      <a:pPr marL="285750" marR="0" indent="-285750" algn="l" fontAlgn="base" latinLnBrk="0">
+                        <a:lnSpc>
+                          <a:spcPct val="130000"/>
+                        </a:lnSpc>
+                        <a:spcBef>
+                          <a:spcPts val="0"/>
+                        </a:spcBef>
+                        <a:spcAft>
+                          <a:spcPts val="0"/>
+                        </a:spcAft>
+                        <a:buFont typeface="Arial" panose="020B0604020202020204" pitchFamily="34" charset="0"/>
+                        <a:buChar char="•"/>
+                      </a:pPr>
+                      <a:r>
+                        <a:rPr lang="ko-KR" altLang="en-US" sz="1500" b="0" kern="0" spc="0" dirty="0" err="1">
+                          <a:solidFill>
+                            <a:schemeClr val="bg1">
+                              <a:lumMod val="50000"/>
+                            </a:schemeClr>
+                          </a:solidFill>
+                          <a:effectLst/>
+                          <a:latin typeface="맑은 고딕" panose="020B0503020000020004" pitchFamily="50" charset="-127"/>
+                        </a:rPr>
+                        <a:t>인플루언서들의</a:t>
+                      </a:r>
+                      <a:r>
+                        <a:rPr lang="ko-KR" altLang="en-US" sz="1500" b="0" kern="0" spc="0" dirty="0">
+                          <a:solidFill>
+                            <a:schemeClr val="bg1">
+                              <a:lumMod val="50000"/>
+                            </a:schemeClr>
+                          </a:solidFill>
+                          <a:effectLst/>
+                          <a:latin typeface="맑은 고딕" panose="020B0503020000020004" pitchFamily="50" charset="-127"/>
+                        </a:rPr>
+                        <a:t> 추천상품 홍보자료 </a:t>
+                      </a:r>
+                      <a:r>
+                        <a:rPr lang="ko-KR" altLang="en-US" sz="1500" b="0" kern="0" spc="0" dirty="0" err="1">
+                          <a:solidFill>
+                            <a:schemeClr val="bg1">
+                              <a:lumMod val="50000"/>
+                            </a:schemeClr>
+                          </a:solidFill>
+                          <a:effectLst/>
+                          <a:latin typeface="맑은 고딕" panose="020B0503020000020004" pitchFamily="50" charset="-127"/>
+                        </a:rPr>
+                        <a:t>카데고리</a:t>
+                      </a:r>
+                      <a:r>
+                        <a:rPr lang="ko-KR" altLang="en-US" sz="1500" b="0" kern="0" spc="0" dirty="0">
+                          <a:solidFill>
+                            <a:schemeClr val="bg1">
+                              <a:lumMod val="50000"/>
+                            </a:schemeClr>
+                          </a:solidFill>
+                          <a:effectLst/>
+                          <a:latin typeface="맑은 고딕" panose="020B0503020000020004" pitchFamily="50" charset="-127"/>
+                        </a:rPr>
+                        <a:t> 별도</a:t>
+                      </a:r>
+                      <a:endParaRPr lang="en-US" altLang="ko-KR" sz="1500" b="0" kern="0" spc="0" dirty="0">
+                        <a:solidFill>
+                          <a:schemeClr val="bg1">
+                            <a:lumMod val="50000"/>
+                          </a:schemeClr>
+                        </a:solidFill>
+                        <a:effectLst/>
+                        <a:latin typeface="맑은 고딕" panose="020B0503020000020004" pitchFamily="50" charset="-127"/>
+                      </a:endParaRPr>
+                    </a:p>
+                    <a:p>
+                      <a:pPr marL="0" marR="0" indent="0" algn="l" fontAlgn="base" latinLnBrk="0">
+                        <a:lnSpc>
+                          <a:spcPct val="130000"/>
+                        </a:lnSpc>
+                        <a:spcBef>
+                          <a:spcPts val="0"/>
+                        </a:spcBef>
+                        <a:spcAft>
+                          <a:spcPts val="0"/>
+                        </a:spcAft>
+                        <a:buFont typeface="Arial" panose="020B0604020202020204" pitchFamily="34" charset="0"/>
+                        <a:buNone/>
+                      </a:pPr>
+                      <a:r>
+                        <a:rPr lang="ko-KR" altLang="en-US" sz="1500" b="1" kern="0" spc="0" dirty="0">
+                          <a:solidFill>
+                            <a:schemeClr val="tx2">
+                              <a:lumMod val="75000"/>
+                            </a:schemeClr>
+                          </a:solidFill>
+                          <a:effectLst/>
+                          <a:latin typeface="맑은 고딕" panose="020B0503020000020004" pitchFamily="50" charset="-127"/>
+                        </a:rPr>
+                        <a:t>제작 방향</a:t>
+                      </a:r>
+                      <a:endParaRPr lang="en-US" altLang="ko-KR" sz="1500" b="1" kern="0" spc="0" dirty="0">
+                        <a:solidFill>
+                          <a:schemeClr val="tx2">
+                            <a:lumMod val="75000"/>
+                          </a:schemeClr>
+                        </a:solidFill>
+                        <a:effectLst/>
+                        <a:latin typeface="맑은 고딕" panose="020B0503020000020004" pitchFamily="50" charset="-127"/>
+                      </a:endParaRPr>
+                    </a:p>
+                    <a:p>
+                      <a:pPr marL="285750" marR="0" indent="-285750" algn="l" fontAlgn="base" latinLnBrk="0">
+                        <a:lnSpc>
+                          <a:spcPct val="130000"/>
+                        </a:lnSpc>
+                        <a:spcBef>
+                          <a:spcPts val="0"/>
+                        </a:spcBef>
+                        <a:spcAft>
+                          <a:spcPts val="0"/>
+                        </a:spcAft>
+                        <a:buFont typeface="Arial" panose="020B0604020202020204" pitchFamily="34" charset="0"/>
+                        <a:buChar char="•"/>
+                      </a:pPr>
+                      <a:r>
+                        <a:rPr lang="ko-KR" altLang="en-US" sz="1500" b="0" kern="0" spc="0" dirty="0" err="1">
+                          <a:solidFill>
+                            <a:schemeClr val="bg1">
+                              <a:lumMod val="50000"/>
+                            </a:schemeClr>
+                          </a:solidFill>
+                          <a:effectLst/>
+                          <a:latin typeface="맑은 고딕" panose="020B0503020000020004" pitchFamily="50" charset="-127"/>
+                        </a:rPr>
+                        <a:t>새로운제품홍보를</a:t>
+                      </a:r>
+                      <a:r>
+                        <a:rPr lang="ko-KR" altLang="en-US" sz="1500" b="0" kern="0" spc="0" dirty="0">
+                          <a:solidFill>
+                            <a:schemeClr val="bg1">
+                              <a:lumMod val="50000"/>
+                            </a:schemeClr>
+                          </a:solidFill>
+                          <a:effectLst/>
+                          <a:latin typeface="맑은 고딕" panose="020B0503020000020004" pitchFamily="50" charset="-127"/>
+                        </a:rPr>
+                        <a:t> 위한 </a:t>
+                      </a:r>
+                      <a:r>
+                        <a:rPr lang="ko-KR" altLang="en-US" sz="1500" b="0" kern="0" spc="0" dirty="0" err="1">
+                          <a:solidFill>
+                            <a:schemeClr val="bg1">
+                              <a:lumMod val="50000"/>
+                            </a:schemeClr>
+                          </a:solidFill>
+                          <a:effectLst/>
+                          <a:latin typeface="맑은 고딕" panose="020B0503020000020004" pitchFamily="50" charset="-127"/>
+                        </a:rPr>
+                        <a:t>참여형페이지로</a:t>
+                      </a:r>
+                      <a:r>
+                        <a:rPr lang="ko-KR" altLang="en-US" sz="1500" b="0" kern="0" spc="0" dirty="0">
+                          <a:solidFill>
+                            <a:schemeClr val="bg1">
+                              <a:lumMod val="50000"/>
+                            </a:schemeClr>
+                          </a:solidFill>
+                          <a:effectLst/>
+                          <a:latin typeface="맑은 고딕" panose="020B0503020000020004" pitchFamily="50" charset="-127"/>
+                        </a:rPr>
+                        <a:t> 구성</a:t>
+                      </a:r>
+                      <a:endParaRPr lang="en-US" altLang="ko-KR" sz="1500" b="0" kern="0" spc="0" dirty="0">
+                        <a:solidFill>
+                          <a:schemeClr val="bg1">
+                            <a:lumMod val="50000"/>
+                          </a:schemeClr>
+                        </a:solidFill>
+                        <a:effectLst/>
+                        <a:latin typeface="맑은 고딕" panose="020B0503020000020004" pitchFamily="50" charset="-127"/>
+                      </a:endParaRPr>
+                    </a:p>
+                    <a:p>
+                      <a:pPr marL="285750" marR="0" indent="-285750" algn="l" fontAlgn="base" latinLnBrk="0">
+                        <a:lnSpc>
+                          <a:spcPct val="130000"/>
+                        </a:lnSpc>
+                        <a:spcBef>
+                          <a:spcPts val="0"/>
+                        </a:spcBef>
+                        <a:spcAft>
+                          <a:spcPts val="0"/>
+                        </a:spcAft>
+                        <a:buFont typeface="Arial" panose="020B0604020202020204" pitchFamily="34" charset="0"/>
+                        <a:buChar char="•"/>
+                      </a:pPr>
+                      <a:r>
+                        <a:rPr lang="ko-KR" altLang="en-US" sz="1500" b="0" kern="0" spc="0" dirty="0" err="1">
+                          <a:solidFill>
+                            <a:schemeClr val="bg1">
+                              <a:lumMod val="50000"/>
+                            </a:schemeClr>
+                          </a:solidFill>
+                          <a:effectLst/>
+                          <a:latin typeface="맑은 고딕" panose="020B0503020000020004" pitchFamily="50" charset="-127"/>
+                        </a:rPr>
+                        <a:t>주요컨셉</a:t>
+                      </a:r>
+                      <a:r>
+                        <a:rPr lang="ko-KR" altLang="en-US" sz="1500" b="0" kern="0" spc="0" dirty="0">
+                          <a:solidFill>
+                            <a:schemeClr val="bg1">
+                              <a:lumMod val="50000"/>
+                            </a:schemeClr>
+                          </a:solidFill>
+                          <a:effectLst/>
+                          <a:latin typeface="맑은 고딕" panose="020B0503020000020004" pitchFamily="50" charset="-127"/>
+                        </a:rPr>
+                        <a:t> </a:t>
+                      </a:r>
+                      <a:r>
+                        <a:rPr lang="en-US" altLang="ko-KR" sz="1500" b="0" kern="0" spc="0" dirty="0">
+                          <a:solidFill>
+                            <a:schemeClr val="bg1">
+                              <a:lumMod val="50000"/>
+                            </a:schemeClr>
+                          </a:solidFill>
+                          <a:effectLst/>
+                          <a:latin typeface="맑은 고딕" panose="020B0503020000020004" pitchFamily="50" charset="-127"/>
+                        </a:rPr>
+                        <a:t>: </a:t>
+                      </a:r>
+                      <a:r>
+                        <a:rPr lang="ko-KR" altLang="en-US" sz="1500" b="0" kern="0" spc="0" dirty="0">
+                          <a:solidFill>
+                            <a:schemeClr val="bg1">
+                              <a:lumMod val="50000"/>
+                            </a:schemeClr>
+                          </a:solidFill>
+                          <a:effectLst/>
+                          <a:latin typeface="맑은 고딕" panose="020B0503020000020004" pitchFamily="50" charset="-127"/>
+                        </a:rPr>
+                        <a:t>경쾌한 느낌</a:t>
+                      </a:r>
+                      <a:r>
+                        <a:rPr lang="en-US" altLang="ko-KR" sz="1500" b="0" kern="0" spc="0" dirty="0">
+                          <a:solidFill>
+                            <a:schemeClr val="bg1">
+                              <a:lumMod val="50000"/>
+                            </a:schemeClr>
+                          </a:solidFill>
+                          <a:effectLst/>
+                          <a:latin typeface="맑은 고딕" panose="020B0503020000020004" pitchFamily="50" charset="-127"/>
+                        </a:rPr>
+                        <a:t>, </a:t>
+                      </a:r>
+                      <a:r>
+                        <a:rPr lang="ko-KR" altLang="en-US" sz="1500" b="0" kern="0" spc="0" dirty="0">
+                          <a:solidFill>
+                            <a:schemeClr val="bg1">
+                              <a:lumMod val="50000"/>
+                            </a:schemeClr>
+                          </a:solidFill>
+                          <a:effectLst/>
+                          <a:latin typeface="맑은 고딕" panose="020B0503020000020004" pitchFamily="50" charset="-127"/>
+                        </a:rPr>
+                        <a:t>새로움을 강조</a:t>
+                      </a:r>
+                      <a:r>
+                        <a:rPr lang="en-US" altLang="ko-KR" sz="1500" b="0" kern="0" spc="0" dirty="0">
+                          <a:solidFill>
+                            <a:schemeClr val="bg1">
+                              <a:lumMod val="50000"/>
+                            </a:schemeClr>
+                          </a:solidFill>
+                          <a:effectLst/>
+                          <a:latin typeface="맑은 고딕" panose="020B0503020000020004" pitchFamily="50" charset="-127"/>
+                        </a:rPr>
+                        <a:t>, </a:t>
+                      </a:r>
+                      <a:r>
+                        <a:rPr lang="ko-KR" altLang="en-US" sz="1500" b="0" kern="0" spc="0" dirty="0">
+                          <a:solidFill>
+                            <a:schemeClr val="bg1">
+                              <a:lumMod val="50000"/>
+                            </a:schemeClr>
+                          </a:solidFill>
+                          <a:effectLst/>
+                          <a:latin typeface="맑은 고딕" panose="020B0503020000020004" pitchFamily="50" charset="-127"/>
+                        </a:rPr>
+                        <a:t>여유 </a:t>
+                      </a:r>
+                      <a:endParaRPr lang="en-US" altLang="ko-KR" sz="1500" b="0" kern="0" spc="0" dirty="0">
+                        <a:solidFill>
+                          <a:schemeClr val="bg1">
+                            <a:lumMod val="50000"/>
+                          </a:schemeClr>
+                        </a:solidFill>
+                        <a:effectLst/>
+                        <a:latin typeface="맑은 고딕" panose="020B0503020000020004" pitchFamily="50" charset="-127"/>
+                      </a:endParaRPr>
+                    </a:p>
+                    <a:p>
+                      <a:pPr marL="0" marR="0" indent="0" algn="l" fontAlgn="base" latinLnBrk="0">
+                        <a:lnSpc>
+                          <a:spcPct val="130000"/>
+                        </a:lnSpc>
+                        <a:spcBef>
+                          <a:spcPts val="0"/>
+                        </a:spcBef>
+                        <a:spcAft>
+                          <a:spcPts val="0"/>
+                        </a:spcAft>
+                        <a:buFont typeface="Arial" panose="020B0604020202020204" pitchFamily="34" charset="0"/>
+                        <a:buNone/>
+                      </a:pPr>
+                      <a:r>
+                        <a:rPr lang="ko-KR" altLang="en-US" sz="1500" b="1" kern="0" spc="0" dirty="0">
+                          <a:solidFill>
+                            <a:schemeClr val="tx2">
+                              <a:lumMod val="75000"/>
+                            </a:schemeClr>
+                          </a:solidFill>
+                          <a:effectLst/>
+                          <a:latin typeface="맑은 고딕" panose="020B0503020000020004" pitchFamily="50" charset="-127"/>
+                        </a:rPr>
+                        <a:t>제작 컬러</a:t>
+                      </a:r>
+                      <a:endParaRPr lang="en-US" altLang="ko-KR" sz="1500" b="1" kern="0" spc="0" dirty="0">
+                        <a:solidFill>
+                          <a:schemeClr val="tx2">
+                            <a:lumMod val="75000"/>
+                          </a:schemeClr>
+                        </a:solidFill>
+                        <a:effectLst/>
+                        <a:latin typeface="맑은 고딕" panose="020B0503020000020004" pitchFamily="50" charset="-127"/>
+                      </a:endParaRPr>
+                    </a:p>
+                    <a:p>
+                      <a:pPr marL="285750" marR="0" indent="-285750" algn="l" fontAlgn="base" latinLnBrk="0">
+                        <a:lnSpc>
+                          <a:spcPct val="130000"/>
+                        </a:lnSpc>
+                        <a:spcBef>
+                          <a:spcPts val="0"/>
+                        </a:spcBef>
+                        <a:spcAft>
+                          <a:spcPts val="0"/>
+                        </a:spcAft>
+                        <a:buFont typeface="Arial" panose="020B0604020202020204" pitchFamily="34" charset="0"/>
+                        <a:buChar char="•"/>
+                      </a:pPr>
+                      <a:r>
+                        <a:rPr lang="ko-KR" altLang="en-US" sz="1500" b="0" kern="0" spc="0" dirty="0">
+                          <a:solidFill>
+                            <a:schemeClr val="bg1">
+                              <a:lumMod val="50000"/>
+                            </a:schemeClr>
+                          </a:solidFill>
+                          <a:effectLst/>
+                          <a:latin typeface="맑은 고딕" panose="020B0503020000020004" pitchFamily="50" charset="-127"/>
+                        </a:rPr>
+                        <a:t>주요컬러</a:t>
+                      </a:r>
+                      <a:r>
+                        <a:rPr lang="en-US" altLang="ko-KR" sz="1500" b="0" kern="0" spc="0" dirty="0">
+                          <a:solidFill>
+                            <a:schemeClr val="bg1">
+                              <a:lumMod val="50000"/>
+                            </a:schemeClr>
+                          </a:solidFill>
+                          <a:effectLst/>
+                          <a:latin typeface="맑은 고딕" panose="020B0503020000020004" pitchFamily="50" charset="-127"/>
+                        </a:rPr>
+                        <a:t>: </a:t>
+                      </a:r>
+                      <a:r>
+                        <a:rPr lang="ko-KR" altLang="en-US" sz="1500" b="0" kern="0" spc="0" dirty="0">
+                          <a:solidFill>
+                            <a:schemeClr val="bg1">
+                              <a:lumMod val="50000"/>
+                            </a:schemeClr>
+                          </a:solidFill>
+                          <a:effectLst/>
+                          <a:latin typeface="맑은 고딕" panose="020B0503020000020004" pitchFamily="50" charset="-127"/>
+                        </a:rPr>
+                        <a:t>그린</a:t>
+                      </a:r>
+                      <a:r>
+                        <a:rPr lang="en-US" altLang="ko-KR" sz="1500" b="0" kern="0" spc="0" dirty="0">
+                          <a:solidFill>
+                            <a:schemeClr val="bg1">
+                              <a:lumMod val="50000"/>
+                            </a:schemeClr>
+                          </a:solidFill>
+                          <a:effectLst/>
+                          <a:latin typeface="맑은 고딕" panose="020B0503020000020004" pitchFamily="50" charset="-127"/>
+                        </a:rPr>
+                        <a:t>/ </a:t>
+                      </a:r>
+                      <a:r>
+                        <a:rPr lang="ko-KR" altLang="en-US" sz="1500" b="0" kern="0" spc="0" dirty="0">
+                          <a:solidFill>
+                            <a:schemeClr val="bg1">
+                              <a:lumMod val="50000"/>
+                            </a:schemeClr>
+                          </a:solidFill>
+                          <a:effectLst/>
+                          <a:latin typeface="맑은 고딕" panose="020B0503020000020004" pitchFamily="50" charset="-127"/>
+                        </a:rPr>
+                        <a:t>자주</a:t>
+                      </a:r>
+                      <a:r>
+                        <a:rPr lang="en-US" altLang="ko-KR" sz="1500" b="0" kern="0" spc="0" dirty="0">
+                          <a:solidFill>
+                            <a:schemeClr val="bg1">
+                              <a:lumMod val="50000"/>
+                            </a:schemeClr>
+                          </a:solidFill>
+                          <a:effectLst/>
+                          <a:latin typeface="맑은 고딕" panose="020B0503020000020004" pitchFamily="50" charset="-127"/>
+                        </a:rPr>
+                        <a:t>/</a:t>
+                      </a:r>
+                      <a:r>
+                        <a:rPr lang="ko-KR" altLang="en-US" sz="1500" b="0" kern="0" spc="0" dirty="0">
+                          <a:solidFill>
+                            <a:schemeClr val="bg1">
+                              <a:lumMod val="50000"/>
+                            </a:schemeClr>
+                          </a:solidFill>
+                          <a:effectLst/>
+                          <a:latin typeface="맑은 고딕" panose="020B0503020000020004" pitchFamily="50" charset="-127"/>
+                        </a:rPr>
+                        <a:t>민트</a:t>
+                      </a:r>
+                      <a:endParaRPr lang="en-US" altLang="ko-KR" sz="1500" b="0" kern="0" spc="0" dirty="0">
+                        <a:solidFill>
+                          <a:schemeClr val="bg1">
+                            <a:lumMod val="50000"/>
+                          </a:schemeClr>
+                        </a:solidFill>
+                        <a:effectLst/>
+                        <a:latin typeface="맑은 고딕" panose="020B0503020000020004" pitchFamily="50" charset="-127"/>
+                      </a:endParaRPr>
+                    </a:p>
+                    <a:p>
+                      <a:pPr marL="285750" marR="0" indent="-285750" algn="l" fontAlgn="base" latinLnBrk="0">
+                        <a:lnSpc>
+                          <a:spcPct val="130000"/>
+                        </a:lnSpc>
+                        <a:spcBef>
+                          <a:spcPts val="0"/>
+                        </a:spcBef>
+                        <a:spcAft>
+                          <a:spcPts val="0"/>
+                        </a:spcAft>
+                        <a:buFont typeface="Arial" panose="020B0604020202020204" pitchFamily="34" charset="0"/>
+                        <a:buChar char="•"/>
+                      </a:pPr>
+                      <a:r>
+                        <a:rPr lang="ko-KR" altLang="en-US" sz="1500" b="0" kern="0" spc="0" dirty="0">
+                          <a:solidFill>
+                            <a:schemeClr val="bg1">
+                              <a:lumMod val="50000"/>
+                            </a:schemeClr>
+                          </a:solidFill>
+                          <a:effectLst/>
+                          <a:latin typeface="맑은 고딕" panose="020B0503020000020004" pitchFamily="50" charset="-127"/>
+                        </a:rPr>
+                        <a:t>배색</a:t>
+                      </a:r>
+                      <a:r>
+                        <a:rPr lang="en-US" altLang="ko-KR" sz="1500" b="0" kern="0" spc="0" dirty="0">
+                          <a:solidFill>
+                            <a:schemeClr val="bg1">
+                              <a:lumMod val="50000"/>
+                            </a:schemeClr>
+                          </a:solidFill>
+                          <a:effectLst/>
+                          <a:latin typeface="맑은 고딕" panose="020B0503020000020004" pitchFamily="50" charset="-127"/>
+                        </a:rPr>
+                        <a:t>: it</a:t>
+                      </a:r>
+                      <a:r>
+                        <a:rPr lang="ko-KR" altLang="en-US" sz="1500" b="0" kern="0" spc="0" dirty="0">
+                          <a:solidFill>
+                            <a:schemeClr val="bg1">
+                              <a:lumMod val="50000"/>
+                            </a:schemeClr>
+                          </a:solidFill>
+                          <a:effectLst/>
+                          <a:latin typeface="맑은 고딕" panose="020B0503020000020004" pitchFamily="50" charset="-127"/>
+                        </a:rPr>
+                        <a:t>기기의 특징을 실린 화이트</a:t>
+                      </a:r>
+                      <a:r>
+                        <a:rPr lang="en-US" altLang="ko-KR" sz="1500" b="0" kern="0" spc="0" dirty="0">
+                          <a:solidFill>
+                            <a:schemeClr val="bg1">
+                              <a:lumMod val="50000"/>
+                            </a:schemeClr>
+                          </a:solidFill>
+                          <a:effectLst/>
+                          <a:latin typeface="맑은 고딕" panose="020B0503020000020004" pitchFamily="50" charset="-127"/>
+                        </a:rPr>
+                        <a:t>/</a:t>
+                      </a:r>
+                      <a:r>
+                        <a:rPr lang="ko-KR" altLang="en-US" sz="1500" b="0" kern="0" spc="0" dirty="0">
+                          <a:solidFill>
+                            <a:schemeClr val="bg1">
+                              <a:lumMod val="50000"/>
+                            </a:schemeClr>
+                          </a:solidFill>
+                          <a:effectLst/>
+                          <a:latin typeface="맑은 고딕" panose="020B0503020000020004" pitchFamily="50" charset="-127"/>
+                        </a:rPr>
+                        <a:t>블루</a:t>
+                      </a:r>
                     </a:p>
                   </a:txBody>
                   <a:tcPr marL="64771" marR="64771" marT="17907" marB="17907">
@@ -15191,86 +17956,6 @@
           </a:graphicData>
         </a:graphic>
       </p:graphicFrame>
-      <p:sp>
-        <p:nvSpPr>
-          <p:cNvPr id="29" name="슬라이드 번호 개체 틀 3">
-            <a:extLst>
-              <a:ext uri="{FF2B5EF4-FFF2-40B4-BE49-F238E27FC236}">
-                <a16:creationId xmlns:a16="http://schemas.microsoft.com/office/drawing/2014/main" id="{E4CB0677-BCFD-4F92-96C5-62D4B81C7EAC}"/>
-              </a:ext>
-            </a:extLst>
-          </p:cNvPr>
-          <p:cNvSpPr>
-            <a:spLocks noGrp="1"/>
-          </p:cNvSpPr>
-          <p:nvPr>
-            <p:ph type="sldNum" sz="quarter" idx="4"/>
-          </p:nvPr>
-        </p:nvSpPr>
-        <p:spPr>
-          <a:xfrm>
-            <a:off x="10305288" y="6292343"/>
-            <a:ext cx="539496" cy="365125"/>
-          </a:xfrm>
-          <a:prstGeom prst="rect">
-            <a:avLst/>
-          </a:prstGeom>
-        </p:spPr>
-        <p:txBody>
-          <a:bodyPr/>
-          <a:lstStyle>
-            <a:lvl1pPr algn="r">
-              <a:defRPr>
-                <a:solidFill>
-                  <a:schemeClr val="bg1">
-                    <a:lumMod val="50000"/>
-                  </a:schemeClr>
-                </a:solidFill>
-              </a:defRPr>
-            </a:lvl1pPr>
-          </a:lstStyle>
-          <a:p>
-            <a:fld id="{418EBCF5-7C0D-4452-BD99-4798E1600F69}" type="slidenum">
-              <a:rPr lang="ko-KR" altLang="en-US" sz="1100"/>
-              <a:pPr/>
-              <a:t>14</a:t>
-            </a:fld>
-            <a:endParaRPr lang="ko-KR" altLang="en-US" sz="1100"/>
-          </a:p>
-        </p:txBody>
-      </p:sp>
-      <p:sp>
-        <p:nvSpPr>
-          <p:cNvPr id="5" name="부제목 4">
-            <a:extLst>
-              <a:ext uri="{FF2B5EF4-FFF2-40B4-BE49-F238E27FC236}">
-                <a16:creationId xmlns:a16="http://schemas.microsoft.com/office/drawing/2014/main" id="{29DB42F8-4170-460B-B3C1-34507037918D}"/>
-              </a:ext>
-            </a:extLst>
-          </p:cNvPr>
-          <p:cNvSpPr>
-            <a:spLocks noGrp="1"/>
-          </p:cNvSpPr>
-          <p:nvPr>
-            <p:ph type="subTitle" idx="1"/>
-          </p:nvPr>
-        </p:nvSpPr>
-        <p:spPr/>
-        <p:txBody>
-          <a:bodyPr/>
-          <a:lstStyle/>
-          <a:p>
-            <a:r>
-              <a:rPr lang="en-US" altLang="ko-KR" dirty="0"/>
-              <a:t>04-1 </a:t>
-            </a:r>
-            <a:r>
-              <a:rPr lang="ko-KR" altLang="en-US" dirty="0"/>
-              <a:t>조사 분석 내용 최종 정리</a:t>
-            </a:r>
-          </a:p>
-        </p:txBody>
-      </p:sp>
     </p:spTree>
     <p:extLst>
       <p:ext uri="{BB962C8B-B14F-4D97-AF65-F5344CB8AC3E}">
@@ -15833,6 +18518,69 @@
           </a:p>
         </p:txBody>
       </p:sp>
+      <p:graphicFrame>
+        <p:nvGraphicFramePr>
+          <p:cNvPr id="3" name="개체 2">
+            <a:extLst>
+              <a:ext uri="{FF2B5EF4-FFF2-40B4-BE49-F238E27FC236}">
+                <a16:creationId xmlns:a16="http://schemas.microsoft.com/office/drawing/2014/main" id="{90852060-9FCF-4ADE-9B43-3BCCEC6305BC}"/>
+              </a:ext>
+            </a:extLst>
+          </p:cNvPr>
+          <p:cNvGraphicFramePr>
+            <a:graphicFrameLocks noChangeAspect="1"/>
+          </p:cNvGraphicFramePr>
+          <p:nvPr>
+            <p:extLst>
+              <p:ext uri="{D42A27DB-BD31-4B8C-83A1-F6EECF244321}">
+                <p14:modId xmlns:p14="http://schemas.microsoft.com/office/powerpoint/2010/main" val="2004474407"/>
+              </p:ext>
+            </p:extLst>
+          </p:nvPr>
+        </p:nvGraphicFramePr>
+        <p:xfrm>
+          <a:off x="1204686" y="2457778"/>
+          <a:ext cx="4080509" cy="3232403"/>
+        </p:xfrm>
+        <a:graphic>
+          <a:graphicData uri="http://schemas.openxmlformats.org/presentationml/2006/ole">
+            <mc:AlternateContent xmlns:mc="http://schemas.openxmlformats.org/markup-compatibility/2006">
+              <mc:Choice xmlns:v="urn:schemas-microsoft-com:vml" Requires="v">
+                <p:oleObj name="Acrobat Document" r:id="rId2" imgW="4857574" imgH="3847981" progId="Acrobat.Document.DC">
+                  <p:embed/>
+                </p:oleObj>
+              </mc:Choice>
+              <mc:Fallback>
+                <p:oleObj name="Acrobat Document" r:id="rId2" imgW="4857574" imgH="3847981" progId="Acrobat.Document.DC">
+                  <p:embed/>
+                  <p:pic>
+                    <p:nvPicPr>
+                      <p:cNvPr id="0" name=""/>
+                      <p:cNvPicPr/>
+                      <p:nvPr/>
+                    </p:nvPicPr>
+                    <p:blipFill>
+                      <a:blip r:embed="rId3"/>
+                      <a:stretch>
+                        <a:fillRect/>
+                      </a:stretch>
+                    </p:blipFill>
+                    <p:spPr>
+                      <a:xfrm>
+                        <a:off x="1204686" y="2457778"/>
+                        <a:ext cx="4080509" cy="3232403"/>
+                      </a:xfrm>
+                      <a:prstGeom prst="rect">
+                        <a:avLst/>
+                      </a:prstGeom>
+                    </p:spPr>
+                  </p:pic>
+                </p:oleObj>
+              </mc:Fallback>
+            </mc:AlternateContent>
+          </a:graphicData>
+        </a:graphic>
+      </p:graphicFrame>
     </p:spTree>
     <p:extLst>
       <p:ext uri="{BB962C8B-B14F-4D97-AF65-F5344CB8AC3E}">
@@ -16556,6 +19304,42 @@
           </a:p>
         </p:txBody>
       </p:sp>
+      <p:pic>
+        <p:nvPicPr>
+          <p:cNvPr id="5" name="그림 4">
+            <a:extLst>
+              <a:ext uri="{FF2B5EF4-FFF2-40B4-BE49-F238E27FC236}">
+                <a16:creationId xmlns:a16="http://schemas.microsoft.com/office/drawing/2014/main" id="{612D61EE-A2BE-4F73-874C-B4BF494C12DB}"/>
+              </a:ext>
+            </a:extLst>
+          </p:cNvPr>
+          <p:cNvPicPr>
+            <a:picLocks noChangeAspect="1"/>
+          </p:cNvPicPr>
+          <p:nvPr/>
+        </p:nvPicPr>
+        <p:blipFill>
+          <a:blip r:embed="rId2" cstate="print">
+            <a:extLst>
+              <a:ext uri="{28A0092B-C50C-407E-A947-70E740481C1C}">
+                <a14:useLocalDpi xmlns:a14="http://schemas.microsoft.com/office/drawing/2010/main" val="0"/>
+              </a:ext>
+            </a:extLst>
+          </a:blip>
+          <a:stretch>
+            <a:fillRect/>
+          </a:stretch>
+        </p:blipFill>
+        <p:spPr>
+          <a:xfrm>
+            <a:off x="7536176" y="1200248"/>
+            <a:ext cx="1604211" cy="6858000"/>
+          </a:xfrm>
+          <a:prstGeom prst="rect">
+            <a:avLst/>
+          </a:prstGeom>
+        </p:spPr>
+      </p:pic>
     </p:spTree>
     <p:extLst>
       <p:ext uri="{BB962C8B-B14F-4D97-AF65-F5344CB8AC3E}">
@@ -17815,7 +20599,7 @@
           <p:nvPr>
             <p:extLst>
               <p:ext uri="{D42A27DB-BD31-4B8C-83A1-F6EECF244321}">
-                <p14:modId xmlns:p14="http://schemas.microsoft.com/office/powerpoint/2010/main" val="1371724733"/>
+                <p14:modId xmlns:p14="http://schemas.microsoft.com/office/powerpoint/2010/main" val="1298267715"/>
               </p:ext>
             </p:extLst>
           </p:nvPr>
@@ -18458,7 +21242,7 @@
           <p:nvPr>
             <p:extLst>
               <p:ext uri="{D42A27DB-BD31-4B8C-83A1-F6EECF244321}">
-                <p14:modId xmlns:p14="http://schemas.microsoft.com/office/powerpoint/2010/main" val="1047611559"/>
+                <p14:modId xmlns:p14="http://schemas.microsoft.com/office/powerpoint/2010/main" val="4065641167"/>
               </p:ext>
             </p:extLst>
           </p:nvPr>
@@ -18572,34 +21356,66 @@
                         <a:t>긍정요인</a:t>
                       </a:r>
                       <a:r>
-                        <a:rPr lang="en-US" altLang="ko-KR" sz="1200" b="1" dirty="0"/>
+                        <a:rPr lang="en-US" altLang="ko-KR" sz="1200" b="1" dirty="0">
+                          <a:solidFill>
+                            <a:srgbClr val="FF0000"/>
+                          </a:solidFill>
+                        </a:rPr>
                         <a:t>(</a:t>
                       </a:r>
                       <a:r>
-                        <a:rPr lang="ko-KR" altLang="en-US" sz="1200" b="1" dirty="0"/>
+                        <a:rPr lang="ko-KR" altLang="en-US" sz="1200" b="1" dirty="0">
+                          <a:solidFill>
+                            <a:srgbClr val="FF0000"/>
+                          </a:solidFill>
+                        </a:rPr>
                         <a:t>최저가비교</a:t>
                       </a:r>
                       <a:r>
-                        <a:rPr lang="en-US" altLang="ko-KR" sz="1200" b="1" dirty="0"/>
+                        <a:rPr lang="en-US" altLang="ko-KR" sz="1200" b="1" dirty="0">
+                          <a:solidFill>
+                            <a:srgbClr val="FF0000"/>
+                          </a:solidFill>
+                        </a:rPr>
                         <a:t>, </a:t>
                       </a:r>
                       <a:r>
-                        <a:rPr lang="ko-KR" altLang="en-US" sz="1200" b="1" dirty="0"/>
+                        <a:rPr lang="ko-KR" altLang="en-US" sz="1200" b="1" dirty="0">
+                          <a:solidFill>
+                            <a:srgbClr val="FF0000"/>
+                          </a:solidFill>
+                        </a:rPr>
                         <a:t>대부분상품존재</a:t>
                       </a:r>
                       <a:r>
-                        <a:rPr lang="en-US" altLang="ko-KR" sz="1200" b="1" dirty="0"/>
+                        <a:rPr lang="en-US" altLang="ko-KR" sz="1200" b="1" dirty="0">
+                          <a:solidFill>
+                            <a:srgbClr val="FF0000"/>
+                          </a:solidFill>
+                        </a:rPr>
                         <a:t>, </a:t>
                       </a:r>
                       <a:r>
-                        <a:rPr lang="ko-KR" altLang="en-US" sz="1200" b="1" dirty="0"/>
+                        <a:rPr lang="ko-KR" altLang="en-US" sz="1200" b="1" dirty="0">
+                          <a:solidFill>
+                            <a:srgbClr val="FF0000"/>
+                          </a:solidFill>
+                        </a:rPr>
                         <a:t>선택폭 증가</a:t>
                       </a:r>
                       <a:r>
-                        <a:rPr lang="en-US" altLang="ko-KR" sz="1200" b="1" dirty="0"/>
+                        <a:rPr lang="en-US" altLang="ko-KR" sz="1200" b="1" dirty="0">
+                          <a:solidFill>
+                            <a:srgbClr val="FF0000"/>
+                          </a:solidFill>
+                        </a:rPr>
                         <a:t>)</a:t>
                       </a:r>
-                      <a:endParaRPr lang="ko-KR" altLang="en-US" sz="1200" b="1" dirty="0"/>
+                      <a:endParaRPr lang="ko-KR" altLang="en-US" sz="1200" b="1" dirty="0">
+                        <a:solidFill>
+                          <a:srgbClr val="FF0000"/>
+                        </a:solidFill>
+                      </a:endParaRPr>
                     </a:p>
                   </a:txBody>
                   <a:tcPr anchor="ctr">
@@ -18667,25 +21483,53 @@
                       <a:pPr algn="ctr" latinLnBrk="1"/>
                       <a:r>
                         <a:rPr lang="ko-KR" altLang="en-US" sz="1200" b="1" dirty="0"/>
-                        <a:t>부정 요인 </a:t>
+                        <a:t>부정 요인</a:t>
                       </a:r>
                       <a:r>
-                        <a:rPr lang="en-US" altLang="ko-KR" sz="1200" b="1" dirty="0"/>
+                        <a:rPr lang="ko-KR" altLang="en-US" sz="1200" b="1" dirty="0">
+                          <a:solidFill>
+                            <a:srgbClr val="FF0000"/>
+                          </a:solidFill>
+                        </a:rPr>
+                        <a:t> </a:t>
+                      </a:r>
+                      <a:r>
+                        <a:rPr lang="en-US" altLang="ko-KR" sz="1200" b="1" dirty="0">
+                          <a:solidFill>
+                            <a:srgbClr val="FF0000"/>
+                          </a:solidFill>
+                        </a:rPr>
                         <a:t>(</a:t>
                       </a:r>
                       <a:r>
-                        <a:rPr lang="ko-KR" altLang="en-US" sz="1200" b="1" dirty="0" err="1"/>
+                        <a:rPr lang="ko-KR" altLang="en-US" sz="1200" b="1" dirty="0" err="1">
+                          <a:solidFill>
+                            <a:srgbClr val="FF0000"/>
+                          </a:solidFill>
+                        </a:rPr>
                         <a:t>상품에대한</a:t>
                       </a:r>
                       <a:r>
-                        <a:rPr lang="ko-KR" altLang="en-US" sz="1200" b="1" dirty="0"/>
+                        <a:rPr lang="ko-KR" altLang="en-US" sz="1200" b="1" dirty="0">
+                          <a:solidFill>
+                            <a:srgbClr val="FF0000"/>
+                          </a:solidFill>
+                        </a:rPr>
                         <a:t> 기준이 너무 정확성이 떨어짐</a:t>
                       </a:r>
                       <a:r>
-                        <a:rPr lang="en-US" altLang="ko-KR" sz="1200" b="1" dirty="0"/>
+                        <a:rPr lang="en-US" altLang="ko-KR" sz="1200" b="1" dirty="0">
+                          <a:solidFill>
+                            <a:srgbClr val="FF0000"/>
+                          </a:solidFill>
+                        </a:rPr>
                         <a:t>)</a:t>
                       </a:r>
-                      <a:endParaRPr lang="ko-KR" altLang="en-US" sz="1200" b="1" dirty="0"/>
+                      <a:endParaRPr lang="ko-KR" altLang="en-US" sz="1200" b="1" dirty="0">
+                        <a:solidFill>
+                          <a:srgbClr val="FF0000"/>
+                        </a:solidFill>
+                      </a:endParaRPr>
                     </a:p>
                   </a:txBody>
                   <a:tcPr anchor="ctr">
@@ -18770,14 +21614,26 @@
                         <a:t>(</a:t>
                       </a:r>
                       <a:r>
-                        <a:rPr lang="ko-KR" altLang="en-US" sz="1200" b="1" dirty="0"/>
+                        <a:rPr lang="ko-KR" altLang="en-US" sz="1200" b="1" dirty="0">
+                          <a:solidFill>
+                            <a:srgbClr val="FF0000"/>
+                          </a:solidFill>
+                        </a:rPr>
                         <a:t>상품비교가 가능</a:t>
                       </a:r>
                       <a:r>
-                        <a:rPr lang="en-US" altLang="ko-KR" sz="1200" b="1" dirty="0"/>
+                        <a:rPr lang="en-US" altLang="ko-KR" sz="1200" b="1" dirty="0">
+                          <a:solidFill>
+                            <a:srgbClr val="FF0000"/>
+                          </a:solidFill>
+                        </a:rPr>
                         <a:t>)</a:t>
                       </a:r>
-                      <a:endParaRPr lang="ko-KR" altLang="en-US" sz="1200" b="1" dirty="0"/>
+                      <a:endParaRPr lang="ko-KR" altLang="en-US" sz="1200" b="1" dirty="0">
+                        <a:solidFill>
+                          <a:srgbClr val="FF0000"/>
+                        </a:solidFill>
+                      </a:endParaRPr>
                     </a:p>
                   </a:txBody>
                   <a:tcPr anchor="ctr">
@@ -19201,22 +22057,42 @@
                         <a:t>(</a:t>
                       </a:r>
                       <a:r>
-                        <a:rPr lang="ko-KR" altLang="en-US" sz="1200" b="1" dirty="0"/>
+                        <a:rPr lang="ko-KR" altLang="en-US" sz="1200" b="1" dirty="0">
+                          <a:solidFill>
+                            <a:srgbClr val="FF0000"/>
+                          </a:solidFill>
+                        </a:rPr>
                         <a:t>댓글</a:t>
                       </a:r>
                       <a:r>
-                        <a:rPr lang="en-US" altLang="ko-KR" sz="1200" b="1" dirty="0"/>
+                        <a:rPr lang="en-US" altLang="ko-KR" sz="1200" b="1" dirty="0">
+                          <a:solidFill>
+                            <a:srgbClr val="FF0000"/>
+                          </a:solidFill>
+                        </a:rPr>
                         <a:t>, </a:t>
                       </a:r>
                       <a:r>
-                        <a:rPr lang="ko-KR" altLang="en-US" sz="1200" b="1" dirty="0"/>
+                        <a:rPr lang="ko-KR" altLang="en-US" sz="1200" b="1" dirty="0">
+                          <a:solidFill>
+                            <a:srgbClr val="FF0000"/>
+                          </a:solidFill>
+                        </a:rPr>
                         <a:t>리뷰</a:t>
                       </a:r>
                       <a:r>
-                        <a:rPr lang="en-US" altLang="ko-KR" sz="1200" b="1" dirty="0"/>
+                        <a:rPr lang="en-US" altLang="ko-KR" sz="1200" b="1" dirty="0">
+                          <a:solidFill>
+                            <a:srgbClr val="FF0000"/>
+                          </a:solidFill>
+                        </a:rPr>
                         <a:t>,….)</a:t>
                       </a:r>
-                      <a:endParaRPr lang="ko-KR" altLang="en-US" sz="1200" b="1" dirty="0"/>
+                      <a:endParaRPr lang="ko-KR" altLang="en-US" sz="1200" b="1" dirty="0">
+                        <a:solidFill>
+                          <a:srgbClr val="FF0000"/>
+                        </a:solidFill>
+                      </a:endParaRPr>
                     </a:p>
                   </a:txBody>
                   <a:tcPr anchor="ctr">
@@ -19695,7 +22571,7 @@
             <a:r>
               <a:rPr lang="ko-KR" altLang="en-US" sz="1200" dirty="0">
                 <a:solidFill>
-                  <a:srgbClr val="C00000"/>
+                  <a:srgbClr val="FF0000"/>
                 </a:solidFill>
               </a:rPr>
               <a:t>다양한 상품을 홍보할 수 있는 </a:t>
@@ -19703,7 +22579,7 @@
             <a:r>
               <a:rPr lang="ko-KR" altLang="en-US" sz="1200" dirty="0" err="1">
                 <a:solidFill>
-                  <a:srgbClr val="C00000"/>
+                  <a:srgbClr val="FF0000"/>
                 </a:solidFill>
               </a:rPr>
               <a:t>리뷰어를</a:t>
@@ -19711,7 +22587,7 @@
             <a:r>
               <a:rPr lang="ko-KR" altLang="en-US" sz="1200" dirty="0">
                 <a:solidFill>
-                  <a:srgbClr val="C00000"/>
+                  <a:srgbClr val="FF0000"/>
                 </a:solidFill>
               </a:rPr>
               <a:t> 찾아내고 이외 상품을 제휴할 수 있는 업체를 선정하여 채널의 확장</a:t>
@@ -24121,7 +26997,7 @@
           <p:nvPr>
             <p:extLst>
               <p:ext uri="{D42A27DB-BD31-4B8C-83A1-F6EECF244321}">
-                <p14:modId xmlns:p14="http://schemas.microsoft.com/office/powerpoint/2010/main" val="674230491"/>
+                <p14:modId xmlns:p14="http://schemas.microsoft.com/office/powerpoint/2010/main" val="2937618427"/>
               </p:ext>
             </p:extLst>
           </p:nvPr>
@@ -24363,7 +27239,3303 @@
                           <a:latin typeface="맑은 고딕" panose="020B0503020000020004" pitchFamily="50" charset="-127"/>
                           <a:ea typeface="맑은 고딕" panose="020B0503020000020004" pitchFamily="50" charset="-127"/>
                         </a:rPr>
-                        <a:t>:</a:t>
+                        <a:t>: </a:t>
+                      </a:r>
+                      <a:r>
+                        <a:rPr lang="ko-KR" altLang="en-US" sz="1100" b="1" kern="0" spc="0" dirty="0">
+                          <a:solidFill>
+                            <a:srgbClr val="FF0000"/>
+                          </a:solidFill>
+                          <a:effectLst/>
+                          <a:latin typeface="맑은 고딕" panose="020B0503020000020004" pitchFamily="50" charset="-127"/>
+                          <a:ea typeface="맑은 고딕" panose="020B0503020000020004" pitchFamily="50" charset="-127"/>
+                        </a:rPr>
+                        <a:t>제품을 홍보하는 </a:t>
+                      </a:r>
+                      <a:r>
+                        <a:rPr lang="ko-KR" altLang="en-US" sz="1100" b="1" kern="0" spc="0" dirty="0" err="1">
+                          <a:solidFill>
+                            <a:srgbClr val="FF0000"/>
+                          </a:solidFill>
+                          <a:effectLst/>
+                          <a:latin typeface="맑은 고딕" panose="020B0503020000020004" pitchFamily="50" charset="-127"/>
+                          <a:ea typeface="맑은 고딕" panose="020B0503020000020004" pitchFamily="50" charset="-127"/>
+                        </a:rPr>
+                        <a:t>인플루언서들의</a:t>
+                      </a:r>
+                      <a:r>
+                        <a:rPr lang="ko-KR" altLang="en-US" sz="1100" b="1" kern="0" spc="0" dirty="0">
+                          <a:solidFill>
+                            <a:srgbClr val="FF0000"/>
+                          </a:solidFill>
+                          <a:effectLst/>
+                          <a:latin typeface="맑은 고딕" panose="020B0503020000020004" pitchFamily="50" charset="-127"/>
+                          <a:ea typeface="맑은 고딕" panose="020B0503020000020004" pitchFamily="50" charset="-127"/>
+                        </a:rPr>
+                        <a:t> 홍보들이 너무 과대광고 같다 필요에 맞게 해줬으면</a:t>
+                      </a:r>
+                      <a:r>
+                        <a:rPr lang="en-US" altLang="ko-KR" sz="1100" b="1" kern="0" spc="0" dirty="0">
+                          <a:solidFill>
+                            <a:srgbClr val="FF0000"/>
+                          </a:solidFill>
+                          <a:effectLst/>
+                          <a:latin typeface="맑은 고딕" panose="020B0503020000020004" pitchFamily="50" charset="-127"/>
+                          <a:ea typeface="맑은 고딕" panose="020B0503020000020004" pitchFamily="50" charset="-127"/>
+                        </a:rPr>
+                        <a:t>….</a:t>
+                      </a:r>
+                      <a:endParaRPr lang="ko-KR" altLang="en-US" sz="1100" kern="0" spc="0" dirty="0">
+                        <a:solidFill>
+                          <a:srgbClr val="FF0000"/>
+                        </a:solidFill>
+                        <a:effectLst/>
+                        <a:latin typeface="맑은 고딕" panose="020B0503020000020004" pitchFamily="50" charset="-127"/>
+                      </a:endParaRPr>
+                    </a:p>
+                  </a:txBody>
+                  <a:tcPr marL="64771" marR="64771" marT="17907" marB="17907" anchor="ctr">
+                    <a:lnL w="12700" cap="flat" cmpd="sng" algn="ctr">
+                      <a:solidFill>
+                        <a:schemeClr val="tx1">
+                          <a:lumMod val="75000"/>
+                          <a:lumOff val="25000"/>
+                        </a:schemeClr>
+                      </a:solidFill>
+                      <a:prstDash val="solid"/>
+                      <a:round/>
+                      <a:headEnd type="none" w="med" len="med"/>
+                      <a:tailEnd type="none" w="med" len="med"/>
+                    </a:lnL>
+                    <a:lnR w="12700" cap="flat" cmpd="sng" algn="ctr">
+                      <a:solidFill>
+                        <a:schemeClr val="tx1">
+                          <a:lumMod val="75000"/>
+                          <a:lumOff val="25000"/>
+                        </a:schemeClr>
+                      </a:solidFill>
+                      <a:prstDash val="solid"/>
+                      <a:round/>
+                      <a:headEnd type="none" w="med" len="med"/>
+                      <a:tailEnd type="none" w="med" len="med"/>
+                    </a:lnR>
+                    <a:lnT w="12700" cap="flat" cmpd="sng" algn="ctr">
+                      <a:solidFill>
+                        <a:schemeClr val="tx1">
+                          <a:lumMod val="75000"/>
+                          <a:lumOff val="25000"/>
+                        </a:schemeClr>
+                      </a:solidFill>
+                      <a:prstDash val="solid"/>
+                      <a:round/>
+                      <a:headEnd type="none" w="med" len="med"/>
+                      <a:tailEnd type="none" w="med" len="med"/>
+                    </a:lnT>
+                    <a:lnB w="10795" cap="flat" cmpd="sng" algn="ctr">
+                      <a:solidFill>
+                        <a:srgbClr val="191919"/>
+                      </a:solidFill>
+                      <a:prstDash val="solid"/>
+                      <a:round/>
+                      <a:headEnd type="none" w="med" len="med"/>
+                      <a:tailEnd type="none" w="med" len="med"/>
+                    </a:lnB>
+                    <a:solidFill>
+                      <a:srgbClr val="DFE6F7"/>
+                    </a:solidFill>
+                  </a:tcPr>
+                </a:tc>
+                <a:tc hMerge="1">
+                  <a:txBody>
+                    <a:bodyPr/>
+                    <a:lstStyle/>
+                    <a:p>
+                      <a:pPr latinLnBrk="1"/>
+                      <a:endParaRPr lang="ko-KR" altLang="en-US"/>
+                    </a:p>
+                  </a:txBody>
+                  <a:tcPr/>
+                </a:tc>
+                <a:tc hMerge="1">
+                  <a:txBody>
+                    <a:bodyPr/>
+                    <a:lstStyle/>
+                    <a:p>
+                      <a:pPr latinLnBrk="1"/>
+                      <a:endParaRPr lang="ko-KR" altLang="en-US"/>
+                    </a:p>
+                  </a:txBody>
+                  <a:tcPr/>
+                </a:tc>
+                <a:tc hMerge="1">
+                  <a:txBody>
+                    <a:bodyPr/>
+                    <a:lstStyle/>
+                    <a:p>
+                      <a:pPr latinLnBrk="1"/>
+                      <a:endParaRPr lang="ko-KR" altLang="en-US"/>
+                    </a:p>
+                  </a:txBody>
+                  <a:tcPr/>
+                </a:tc>
+                <a:tc hMerge="1">
+                  <a:txBody>
+                    <a:bodyPr/>
+                    <a:lstStyle/>
+                    <a:p>
+                      <a:pPr latinLnBrk="1"/>
+                      <a:endParaRPr lang="ko-KR" altLang="en-US"/>
+                    </a:p>
+                  </a:txBody>
+                  <a:tcPr/>
+                </a:tc>
+                <a:tc hMerge="1">
+                  <a:txBody>
+                    <a:bodyPr/>
+                    <a:lstStyle/>
+                    <a:p>
+                      <a:pPr latinLnBrk="1"/>
+                      <a:endParaRPr lang="ko-KR" altLang="en-US"/>
+                    </a:p>
+                  </a:txBody>
+                  <a:tcPr/>
+                </a:tc>
+                <a:tc hMerge="1">
+                  <a:txBody>
+                    <a:bodyPr/>
+                    <a:lstStyle/>
+                    <a:p>
+                      <a:pPr latinLnBrk="1"/>
+                      <a:endParaRPr lang="ko-KR" altLang="en-US"/>
+                    </a:p>
+                  </a:txBody>
+                  <a:tcPr/>
+                </a:tc>
+                <a:tc hMerge="1">
+                  <a:txBody>
+                    <a:bodyPr/>
+                    <a:lstStyle/>
+                    <a:p>
+                      <a:pPr latinLnBrk="1"/>
+                      <a:endParaRPr lang="ko-KR" altLang="en-US"/>
+                    </a:p>
+                  </a:txBody>
+                  <a:tcPr/>
+                </a:tc>
+                <a:tc hMerge="1">
+                  <a:txBody>
+                    <a:bodyPr/>
+                    <a:lstStyle/>
+                    <a:p>
+                      <a:pPr latinLnBrk="1"/>
+                      <a:endParaRPr lang="ko-KR" altLang="en-US"/>
+                    </a:p>
+                  </a:txBody>
+                  <a:tcPr/>
+                </a:tc>
+                <a:tc hMerge="1">
+                  <a:txBody>
+                    <a:bodyPr/>
+                    <a:lstStyle/>
+                    <a:p>
+                      <a:pPr latinLnBrk="1"/>
+                      <a:endParaRPr lang="ko-KR" altLang="en-US"/>
+                    </a:p>
+                  </a:txBody>
+                  <a:tcPr/>
+                </a:tc>
+                <a:extLst>
+                  <a:ext uri="{0D108BD9-81ED-4DB2-BD59-A6C34878D82A}">
+                    <a16:rowId xmlns:a16="http://schemas.microsoft.com/office/drawing/2014/main" val="3340433091"/>
+                  </a:ext>
+                </a:extLst>
+              </a:tr>
+              <a:tr h="443677">
+                <a:tc>
+                  <a:txBody>
+                    <a:bodyPr/>
+                    <a:lstStyle/>
+                    <a:p>
+                      <a:pPr marL="0" marR="0" indent="0" algn="ctr" fontAlgn="base" latinLnBrk="0">
+                        <a:lnSpc>
+                          <a:spcPct val="130000"/>
+                        </a:lnSpc>
+                        <a:spcBef>
+                          <a:spcPts val="0"/>
+                        </a:spcBef>
+                        <a:spcAft>
+                          <a:spcPts val="0"/>
+                        </a:spcAft>
+                      </a:pPr>
+                      <a:r>
+                        <a:rPr lang="ko-KR" altLang="en-US" sz="1100" b="1" kern="0" spc="0" dirty="0">
+                          <a:solidFill>
+                            <a:srgbClr val="191919"/>
+                          </a:solidFill>
+                          <a:effectLst/>
+                          <a:latin typeface="맑은 고딕" panose="020B0503020000020004" pitchFamily="50" charset="-127"/>
+                          <a:ea typeface="맑은 고딕" panose="020B0503020000020004" pitchFamily="50" charset="-127"/>
+                        </a:rPr>
+                        <a:t>이름</a:t>
+                      </a:r>
+                      <a:endParaRPr lang="ko-KR" altLang="en-US" sz="1100" kern="0" spc="0" dirty="0">
+                        <a:solidFill>
+                          <a:srgbClr val="191919"/>
+                        </a:solidFill>
+                        <a:effectLst/>
+                        <a:latin typeface="맑은 고딕" panose="020B0503020000020004" pitchFamily="50" charset="-127"/>
+                      </a:endParaRPr>
+                    </a:p>
+                  </a:txBody>
+                  <a:tcPr marL="64771" marR="64771" marT="17907" marB="17907" anchor="ctr">
+                    <a:lnL w="12700" cap="flat" cmpd="sng" algn="ctr">
+                      <a:solidFill>
+                        <a:schemeClr val="tx1">
+                          <a:lumMod val="75000"/>
+                          <a:lumOff val="25000"/>
+                        </a:schemeClr>
+                      </a:solidFill>
+                      <a:prstDash val="solid"/>
+                      <a:round/>
+                      <a:headEnd type="none" w="med" len="med"/>
+                      <a:tailEnd type="none" w="med" len="med"/>
+                    </a:lnL>
+                    <a:lnR w="6350" cap="flat" cmpd="sng" algn="ctr">
+                      <a:solidFill>
+                        <a:schemeClr val="bg1">
+                          <a:lumMod val="50000"/>
+                        </a:schemeClr>
+                      </a:solidFill>
+                      <a:prstDash val="solid"/>
+                      <a:round/>
+                      <a:headEnd type="none" w="med" len="med"/>
+                      <a:tailEnd type="none" w="med" len="med"/>
+                    </a:lnR>
+                    <a:lnT w="10795" cap="flat" cmpd="sng" algn="ctr">
+                      <a:solidFill>
+                        <a:srgbClr val="191919"/>
+                      </a:solidFill>
+                      <a:prstDash val="solid"/>
+                      <a:round/>
+                      <a:headEnd type="none" w="med" len="med"/>
+                      <a:tailEnd type="none" w="med" len="med"/>
+                    </a:lnT>
+                    <a:lnB w="6350" cap="flat" cmpd="sng" algn="ctr">
+                      <a:solidFill>
+                        <a:schemeClr val="bg1">
+                          <a:lumMod val="50000"/>
+                        </a:schemeClr>
+                      </a:solidFill>
+                      <a:prstDash val="solid"/>
+                      <a:round/>
+                      <a:headEnd type="none" w="med" len="med"/>
+                      <a:tailEnd type="none" w="med" len="med"/>
+                    </a:lnB>
+                    <a:solidFill>
+                      <a:srgbClr val="DFE6F7"/>
+                    </a:solidFill>
+                  </a:tcPr>
+                </a:tc>
+                <a:tc gridSpan="3">
+                  <a:txBody>
+                    <a:bodyPr/>
+                    <a:lstStyle/>
+                    <a:p>
+                      <a:pPr marL="0" marR="0" indent="0" algn="ctr" fontAlgn="base" latinLnBrk="0">
+                        <a:lnSpc>
+                          <a:spcPct val="130000"/>
+                        </a:lnSpc>
+                        <a:spcBef>
+                          <a:spcPts val="0"/>
+                        </a:spcBef>
+                        <a:spcAft>
+                          <a:spcPts val="0"/>
+                        </a:spcAft>
+                      </a:pPr>
+                      <a:r>
+                        <a:rPr lang="ko-KR" altLang="en-US" sz="1100" kern="0" spc="0" dirty="0" err="1">
+                          <a:solidFill>
+                            <a:srgbClr val="191919"/>
+                          </a:solidFill>
+                          <a:effectLst/>
+                          <a:latin typeface="맑은 고딕" panose="020B0503020000020004" pitchFamily="50" charset="-127"/>
+                        </a:rPr>
+                        <a:t>김요구</a:t>
+                      </a:r>
+                      <a:endParaRPr lang="ko-KR" altLang="en-US" sz="1100" kern="0" spc="0" dirty="0">
+                        <a:solidFill>
+                          <a:srgbClr val="191919"/>
+                        </a:solidFill>
+                        <a:effectLst/>
+                        <a:latin typeface="맑은 고딕" panose="020B0503020000020004" pitchFamily="50" charset="-127"/>
+                      </a:endParaRPr>
+                    </a:p>
+                  </a:txBody>
+                  <a:tcPr marL="64771" marR="64771" marT="17907" marB="17907" anchor="ctr">
+                    <a:lnL w="6350" cap="flat" cmpd="sng" algn="ctr">
+                      <a:solidFill>
+                        <a:schemeClr val="bg1">
+                          <a:lumMod val="50000"/>
+                        </a:schemeClr>
+                      </a:solidFill>
+                      <a:prstDash val="solid"/>
+                      <a:round/>
+                      <a:headEnd type="none" w="med" len="med"/>
+                      <a:tailEnd type="none" w="med" len="med"/>
+                    </a:lnL>
+                    <a:lnR w="6350" cap="flat" cmpd="sng" algn="ctr">
+                      <a:solidFill>
+                        <a:schemeClr val="bg1">
+                          <a:lumMod val="50000"/>
+                        </a:schemeClr>
+                      </a:solidFill>
+                      <a:prstDash val="solid"/>
+                      <a:round/>
+                      <a:headEnd type="none" w="med" len="med"/>
+                      <a:tailEnd type="none" w="med" len="med"/>
+                    </a:lnR>
+                    <a:lnT w="10795" cap="flat" cmpd="sng" algn="ctr">
+                      <a:solidFill>
+                        <a:srgbClr val="191919"/>
+                      </a:solidFill>
+                      <a:prstDash val="solid"/>
+                      <a:round/>
+                      <a:headEnd type="none" w="med" len="med"/>
+                      <a:tailEnd type="none" w="med" len="med"/>
+                    </a:lnT>
+                    <a:lnB w="6350" cap="flat" cmpd="sng" algn="ctr">
+                      <a:solidFill>
+                        <a:schemeClr val="bg1">
+                          <a:lumMod val="50000"/>
+                        </a:schemeClr>
+                      </a:solidFill>
+                      <a:prstDash val="solid"/>
+                      <a:round/>
+                      <a:headEnd type="none" w="med" len="med"/>
+                      <a:tailEnd type="none" w="med" len="med"/>
+                    </a:lnB>
+                  </a:tcPr>
+                </a:tc>
+                <a:tc hMerge="1">
+                  <a:txBody>
+                    <a:bodyPr/>
+                    <a:lstStyle/>
+                    <a:p>
+                      <a:pPr latinLnBrk="1"/>
+                      <a:endParaRPr lang="ko-KR" altLang="en-US"/>
+                    </a:p>
+                  </a:txBody>
+                  <a:tcPr/>
+                </a:tc>
+                <a:tc hMerge="1">
+                  <a:txBody>
+                    <a:bodyPr/>
+                    <a:lstStyle/>
+                    <a:p>
+                      <a:pPr latinLnBrk="1"/>
+                      <a:endParaRPr lang="ko-KR" altLang="en-US"/>
+                    </a:p>
+                  </a:txBody>
+                  <a:tcPr/>
+                </a:tc>
+                <a:tc>
+                  <a:txBody>
+                    <a:bodyPr/>
+                    <a:lstStyle/>
+                    <a:p>
+                      <a:pPr marL="0" marR="0" indent="0" algn="ctr" fontAlgn="base" latinLnBrk="0">
+                        <a:lnSpc>
+                          <a:spcPct val="130000"/>
+                        </a:lnSpc>
+                        <a:spcBef>
+                          <a:spcPts val="0"/>
+                        </a:spcBef>
+                        <a:spcAft>
+                          <a:spcPts val="0"/>
+                        </a:spcAft>
+                      </a:pPr>
+                      <a:r>
+                        <a:rPr lang="ko-KR" altLang="en-US" sz="1100" b="1" kern="0" spc="0" dirty="0">
+                          <a:solidFill>
+                            <a:srgbClr val="191919"/>
+                          </a:solidFill>
+                          <a:effectLst/>
+                          <a:latin typeface="맑은 고딕" panose="020B0503020000020004" pitchFamily="50" charset="-127"/>
+                          <a:ea typeface="맑은 고딕" panose="020B0503020000020004" pitchFamily="50" charset="-127"/>
+                        </a:rPr>
+                        <a:t>나이</a:t>
+                      </a:r>
+                      <a:endParaRPr lang="ko-KR" altLang="en-US" sz="1100" kern="0" spc="0" dirty="0">
+                        <a:solidFill>
+                          <a:srgbClr val="191919"/>
+                        </a:solidFill>
+                        <a:effectLst/>
+                        <a:latin typeface="맑은 고딕" panose="020B0503020000020004" pitchFamily="50" charset="-127"/>
+                      </a:endParaRPr>
+                    </a:p>
+                  </a:txBody>
+                  <a:tcPr marL="64771" marR="64771" marT="17907" marB="17907" anchor="ctr">
+                    <a:lnL w="6350" cap="flat" cmpd="sng" algn="ctr">
+                      <a:solidFill>
+                        <a:schemeClr val="bg1">
+                          <a:lumMod val="50000"/>
+                        </a:schemeClr>
+                      </a:solidFill>
+                      <a:prstDash val="solid"/>
+                      <a:round/>
+                      <a:headEnd type="none" w="med" len="med"/>
+                      <a:tailEnd type="none" w="med" len="med"/>
+                    </a:lnL>
+                    <a:lnR w="6350" cap="flat" cmpd="sng" algn="ctr">
+                      <a:solidFill>
+                        <a:schemeClr val="bg1">
+                          <a:lumMod val="50000"/>
+                        </a:schemeClr>
+                      </a:solidFill>
+                      <a:prstDash val="solid"/>
+                      <a:round/>
+                      <a:headEnd type="none" w="med" len="med"/>
+                      <a:tailEnd type="none" w="med" len="med"/>
+                    </a:lnR>
+                    <a:lnT w="12700" cap="flat" cmpd="sng" algn="ctr">
+                      <a:solidFill>
+                        <a:schemeClr val="tx1">
+                          <a:lumMod val="75000"/>
+                          <a:lumOff val="25000"/>
+                        </a:schemeClr>
+                      </a:solidFill>
+                      <a:prstDash val="solid"/>
+                      <a:round/>
+                      <a:headEnd type="none" w="med" len="med"/>
+                      <a:tailEnd type="none" w="med" len="med"/>
+                    </a:lnT>
+                    <a:lnB w="6350" cap="flat" cmpd="sng" algn="ctr">
+                      <a:solidFill>
+                        <a:schemeClr val="bg1">
+                          <a:lumMod val="50000"/>
+                        </a:schemeClr>
+                      </a:solidFill>
+                      <a:prstDash val="solid"/>
+                      <a:round/>
+                      <a:headEnd type="none" w="med" len="med"/>
+                      <a:tailEnd type="none" w="med" len="med"/>
+                    </a:lnB>
+                    <a:solidFill>
+                      <a:srgbClr val="DFE6F7"/>
+                    </a:solidFill>
+                  </a:tcPr>
+                </a:tc>
+                <a:tc>
+                  <a:txBody>
+                    <a:bodyPr/>
+                    <a:lstStyle/>
+                    <a:p>
+                      <a:pPr marL="0" marR="0" indent="0" algn="ctr" fontAlgn="base" latinLnBrk="0">
+                        <a:lnSpc>
+                          <a:spcPct val="130000"/>
+                        </a:lnSpc>
+                        <a:spcBef>
+                          <a:spcPts val="0"/>
+                        </a:spcBef>
+                        <a:spcAft>
+                          <a:spcPts val="0"/>
+                        </a:spcAft>
+                      </a:pPr>
+                      <a:r>
+                        <a:rPr lang="en-US" altLang="ko-KR" sz="1100" kern="0" spc="0" dirty="0">
+                          <a:solidFill>
+                            <a:srgbClr val="191919"/>
+                          </a:solidFill>
+                          <a:effectLst/>
+                          <a:latin typeface="맑은 고딕" panose="020B0503020000020004" pitchFamily="50" charset="-127"/>
+                        </a:rPr>
+                        <a:t>40</a:t>
+                      </a:r>
+                      <a:endParaRPr lang="ko-KR" altLang="en-US" sz="1100" kern="0" spc="0" dirty="0">
+                        <a:solidFill>
+                          <a:srgbClr val="191919"/>
+                        </a:solidFill>
+                        <a:effectLst/>
+                        <a:latin typeface="맑은 고딕" panose="020B0503020000020004" pitchFamily="50" charset="-127"/>
+                      </a:endParaRPr>
+                    </a:p>
+                  </a:txBody>
+                  <a:tcPr marL="64771" marR="64771" marT="17907" marB="17907" anchor="ctr">
+                    <a:lnL w="6350" cap="flat" cmpd="sng" algn="ctr">
+                      <a:solidFill>
+                        <a:schemeClr val="bg1">
+                          <a:lumMod val="50000"/>
+                        </a:schemeClr>
+                      </a:solidFill>
+                      <a:prstDash val="solid"/>
+                      <a:round/>
+                      <a:headEnd type="none" w="med" len="med"/>
+                      <a:tailEnd type="none" w="med" len="med"/>
+                    </a:lnL>
+                    <a:lnR w="6350" cap="flat" cmpd="sng" algn="ctr">
+                      <a:solidFill>
+                        <a:schemeClr val="bg1">
+                          <a:lumMod val="50000"/>
+                        </a:schemeClr>
+                      </a:solidFill>
+                      <a:prstDash val="solid"/>
+                      <a:round/>
+                      <a:headEnd type="none" w="med" len="med"/>
+                      <a:tailEnd type="none" w="med" len="med"/>
+                    </a:lnR>
+                    <a:lnT w="12700" cap="flat" cmpd="sng" algn="ctr">
+                      <a:solidFill>
+                        <a:schemeClr val="tx1">
+                          <a:lumMod val="75000"/>
+                          <a:lumOff val="25000"/>
+                        </a:schemeClr>
+                      </a:solidFill>
+                      <a:prstDash val="solid"/>
+                      <a:round/>
+                      <a:headEnd type="none" w="med" len="med"/>
+                      <a:tailEnd type="none" w="med" len="med"/>
+                    </a:lnT>
+                    <a:lnB w="6350" cap="flat" cmpd="sng" algn="ctr">
+                      <a:solidFill>
+                        <a:schemeClr val="bg1">
+                          <a:lumMod val="50000"/>
+                        </a:schemeClr>
+                      </a:solidFill>
+                      <a:prstDash val="solid"/>
+                      <a:round/>
+                      <a:headEnd type="none" w="med" len="med"/>
+                      <a:tailEnd type="none" w="med" len="med"/>
+                    </a:lnB>
+                  </a:tcPr>
+                </a:tc>
+                <a:tc>
+                  <a:txBody>
+                    <a:bodyPr/>
+                    <a:lstStyle/>
+                    <a:p>
+                      <a:pPr marL="0" marR="0" indent="0" algn="ctr" fontAlgn="base" latinLnBrk="0">
+                        <a:lnSpc>
+                          <a:spcPct val="130000"/>
+                        </a:lnSpc>
+                        <a:spcBef>
+                          <a:spcPts val="0"/>
+                        </a:spcBef>
+                        <a:spcAft>
+                          <a:spcPts val="0"/>
+                        </a:spcAft>
+                      </a:pPr>
+                      <a:r>
+                        <a:rPr lang="ko-KR" altLang="en-US" sz="1100" b="1" kern="0" spc="0" dirty="0">
+                          <a:solidFill>
+                            <a:srgbClr val="191919"/>
+                          </a:solidFill>
+                          <a:effectLst/>
+                          <a:latin typeface="맑은 고딕" panose="020B0503020000020004" pitchFamily="50" charset="-127"/>
+                          <a:ea typeface="맑은 고딕" panose="020B0503020000020004" pitchFamily="50" charset="-127"/>
+                        </a:rPr>
+                        <a:t>성별</a:t>
+                      </a:r>
+                      <a:endParaRPr lang="ko-KR" altLang="en-US" sz="1100" kern="0" spc="0" dirty="0">
+                        <a:solidFill>
+                          <a:srgbClr val="191919"/>
+                        </a:solidFill>
+                        <a:effectLst/>
+                        <a:latin typeface="맑은 고딕" panose="020B0503020000020004" pitchFamily="50" charset="-127"/>
+                      </a:endParaRPr>
+                    </a:p>
+                  </a:txBody>
+                  <a:tcPr marL="64771" marR="64771" marT="17907" marB="17907" anchor="ctr">
+                    <a:lnL w="6350" cap="flat" cmpd="sng" algn="ctr">
+                      <a:solidFill>
+                        <a:schemeClr val="bg1">
+                          <a:lumMod val="50000"/>
+                        </a:schemeClr>
+                      </a:solidFill>
+                      <a:prstDash val="solid"/>
+                      <a:round/>
+                      <a:headEnd type="none" w="med" len="med"/>
+                      <a:tailEnd type="none" w="med" len="med"/>
+                    </a:lnL>
+                    <a:lnR w="12700" cap="flat" cmpd="sng" algn="ctr">
+                      <a:solidFill>
+                        <a:schemeClr val="bg1">
+                          <a:lumMod val="65000"/>
+                        </a:schemeClr>
+                      </a:solidFill>
+                      <a:prstDash val="solid"/>
+                      <a:round/>
+                      <a:headEnd type="none" w="med" len="med"/>
+                      <a:tailEnd type="none" w="med" len="med"/>
+                    </a:lnR>
+                    <a:lnT w="12700" cap="flat" cmpd="sng" algn="ctr">
+                      <a:solidFill>
+                        <a:schemeClr val="tx1">
+                          <a:lumMod val="75000"/>
+                          <a:lumOff val="25000"/>
+                        </a:schemeClr>
+                      </a:solidFill>
+                      <a:prstDash val="solid"/>
+                      <a:round/>
+                      <a:headEnd type="none" w="med" len="med"/>
+                      <a:tailEnd type="none" w="med" len="med"/>
+                    </a:lnT>
+                    <a:lnB w="6350" cap="flat" cmpd="sng" algn="ctr">
+                      <a:solidFill>
+                        <a:schemeClr val="bg1">
+                          <a:lumMod val="50000"/>
+                        </a:schemeClr>
+                      </a:solidFill>
+                      <a:prstDash val="solid"/>
+                      <a:round/>
+                      <a:headEnd type="none" w="med" len="med"/>
+                      <a:tailEnd type="none" w="med" len="med"/>
+                    </a:lnB>
+                    <a:solidFill>
+                      <a:srgbClr val="DFE6F7"/>
+                    </a:solidFill>
+                  </a:tcPr>
+                </a:tc>
+                <a:tc>
+                  <a:txBody>
+                    <a:bodyPr/>
+                    <a:lstStyle/>
+                    <a:p>
+                      <a:pPr marL="0" marR="0" indent="0" algn="ctr" fontAlgn="base" latinLnBrk="0">
+                        <a:lnSpc>
+                          <a:spcPct val="130000"/>
+                        </a:lnSpc>
+                        <a:spcBef>
+                          <a:spcPts val="0"/>
+                        </a:spcBef>
+                        <a:spcAft>
+                          <a:spcPts val="0"/>
+                        </a:spcAft>
+                      </a:pPr>
+                      <a:r>
+                        <a:rPr lang="ko-KR" altLang="en-US" sz="1100" kern="0" spc="0" dirty="0">
+                          <a:solidFill>
+                            <a:srgbClr val="191919"/>
+                          </a:solidFill>
+                          <a:effectLst/>
+                          <a:latin typeface="맑은 고딕" panose="020B0503020000020004" pitchFamily="50" charset="-127"/>
+                        </a:rPr>
+                        <a:t>남성</a:t>
+                      </a:r>
+                    </a:p>
+                  </a:txBody>
+                  <a:tcPr marL="64771" marR="64771" marT="17907" marB="17907" anchor="ctr">
+                    <a:lnL w="12700" cap="flat" cmpd="sng" algn="ctr">
+                      <a:solidFill>
+                        <a:schemeClr val="bg1">
+                          <a:lumMod val="65000"/>
+                        </a:schemeClr>
+                      </a:solidFill>
+                      <a:prstDash val="solid"/>
+                      <a:round/>
+                      <a:headEnd type="none" w="med" len="med"/>
+                      <a:tailEnd type="none" w="med" len="med"/>
+                    </a:lnL>
+                    <a:lnR w="6350" cap="flat" cmpd="sng" algn="ctr">
+                      <a:solidFill>
+                        <a:schemeClr val="bg1">
+                          <a:lumMod val="50000"/>
+                        </a:schemeClr>
+                      </a:solidFill>
+                      <a:prstDash val="solid"/>
+                      <a:round/>
+                      <a:headEnd type="none" w="med" len="med"/>
+                      <a:tailEnd type="none" w="med" len="med"/>
+                    </a:lnR>
+                    <a:lnT w="12700" cap="flat" cmpd="sng" algn="ctr">
+                      <a:solidFill>
+                        <a:schemeClr val="tx1">
+                          <a:lumMod val="75000"/>
+                          <a:lumOff val="25000"/>
+                        </a:schemeClr>
+                      </a:solidFill>
+                      <a:prstDash val="solid"/>
+                      <a:round/>
+                      <a:headEnd type="none" w="med" len="med"/>
+                      <a:tailEnd type="none" w="med" len="med"/>
+                    </a:lnT>
+                    <a:lnB w="6350" cap="flat" cmpd="sng" algn="ctr">
+                      <a:solidFill>
+                        <a:schemeClr val="bg1">
+                          <a:lumMod val="50000"/>
+                        </a:schemeClr>
+                      </a:solidFill>
+                      <a:prstDash val="solid"/>
+                      <a:round/>
+                      <a:headEnd type="none" w="med" len="med"/>
+                      <a:tailEnd type="none" w="med" len="med"/>
+                    </a:lnB>
+                  </a:tcPr>
+                </a:tc>
+                <a:tc>
+                  <a:txBody>
+                    <a:bodyPr/>
+                    <a:lstStyle/>
+                    <a:p>
+                      <a:pPr marL="0" marR="0" indent="0" algn="ctr" fontAlgn="base" latinLnBrk="0">
+                        <a:lnSpc>
+                          <a:spcPct val="130000"/>
+                        </a:lnSpc>
+                        <a:spcBef>
+                          <a:spcPts val="0"/>
+                        </a:spcBef>
+                        <a:spcAft>
+                          <a:spcPts val="0"/>
+                        </a:spcAft>
+                      </a:pPr>
+                      <a:r>
+                        <a:rPr lang="ko-KR" altLang="en-US" sz="800" b="1" kern="0" spc="0" dirty="0">
+                          <a:solidFill>
+                            <a:srgbClr val="191919"/>
+                          </a:solidFill>
+                          <a:effectLst/>
+                          <a:latin typeface="맑은 고딕" panose="020B0503020000020004" pitchFamily="50" charset="-127"/>
+                          <a:ea typeface="맑은 고딕" panose="020B0503020000020004" pitchFamily="50" charset="-127"/>
+                        </a:rPr>
+                        <a:t>국적</a:t>
+                      </a:r>
+                      <a:endParaRPr lang="ko-KR" altLang="en-US" sz="1100" kern="0" spc="0" dirty="0">
+                        <a:solidFill>
+                          <a:srgbClr val="191919"/>
+                        </a:solidFill>
+                        <a:effectLst/>
+                        <a:latin typeface="맑은 고딕" panose="020B0503020000020004" pitchFamily="50" charset="-127"/>
+                      </a:endParaRPr>
+                    </a:p>
+                  </a:txBody>
+                  <a:tcPr marL="64771" marR="64771" marT="17907" marB="17907" anchor="ctr">
+                    <a:lnL w="6350" cap="flat" cmpd="sng" algn="ctr">
+                      <a:solidFill>
+                        <a:schemeClr val="bg1">
+                          <a:lumMod val="50000"/>
+                        </a:schemeClr>
+                      </a:solidFill>
+                      <a:prstDash val="solid"/>
+                      <a:round/>
+                      <a:headEnd type="none" w="med" len="med"/>
+                      <a:tailEnd type="none" w="med" len="med"/>
+                    </a:lnL>
+                    <a:lnR w="6350" cap="flat" cmpd="sng" algn="ctr">
+                      <a:solidFill>
+                        <a:schemeClr val="bg1">
+                          <a:lumMod val="50000"/>
+                        </a:schemeClr>
+                      </a:solidFill>
+                      <a:prstDash val="solid"/>
+                      <a:round/>
+                      <a:headEnd type="none" w="med" len="med"/>
+                      <a:tailEnd type="none" w="med" len="med"/>
+                    </a:lnR>
+                    <a:lnT w="12700" cap="flat" cmpd="sng" algn="ctr">
+                      <a:solidFill>
+                        <a:schemeClr val="tx1">
+                          <a:lumMod val="75000"/>
+                          <a:lumOff val="25000"/>
+                        </a:schemeClr>
+                      </a:solidFill>
+                      <a:prstDash val="solid"/>
+                      <a:round/>
+                      <a:headEnd type="none" w="med" len="med"/>
+                      <a:tailEnd type="none" w="med" len="med"/>
+                    </a:lnT>
+                    <a:lnB w="6350" cap="flat" cmpd="sng" algn="ctr">
+                      <a:solidFill>
+                        <a:schemeClr val="bg1">
+                          <a:lumMod val="50000"/>
+                        </a:schemeClr>
+                      </a:solidFill>
+                      <a:prstDash val="solid"/>
+                      <a:round/>
+                      <a:headEnd type="none" w="med" len="med"/>
+                      <a:tailEnd type="none" w="med" len="med"/>
+                    </a:lnB>
+                    <a:solidFill>
+                      <a:srgbClr val="DFE6F7"/>
+                    </a:solidFill>
+                  </a:tcPr>
+                </a:tc>
+                <a:tc>
+                  <a:txBody>
+                    <a:bodyPr/>
+                    <a:lstStyle/>
+                    <a:p>
+                      <a:pPr marL="0" marR="0" indent="0" algn="ctr" fontAlgn="base" latinLnBrk="0">
+                        <a:lnSpc>
+                          <a:spcPct val="130000"/>
+                        </a:lnSpc>
+                        <a:spcBef>
+                          <a:spcPts val="0"/>
+                        </a:spcBef>
+                        <a:spcAft>
+                          <a:spcPts val="0"/>
+                        </a:spcAft>
+                      </a:pPr>
+                      <a:r>
+                        <a:rPr lang="ko-KR" altLang="en-US" sz="900" kern="0" spc="0" dirty="0">
+                          <a:solidFill>
+                            <a:srgbClr val="191919"/>
+                          </a:solidFill>
+                          <a:effectLst/>
+                          <a:latin typeface="맑은 고딕" panose="020B0503020000020004" pitchFamily="50" charset="-127"/>
+                        </a:rPr>
+                        <a:t>대한민국</a:t>
+                      </a:r>
+                    </a:p>
+                  </a:txBody>
+                  <a:tcPr marL="64771" marR="64771" marT="17907" marB="17907" anchor="ctr">
+                    <a:lnL w="6350" cap="flat" cmpd="sng" algn="ctr">
+                      <a:solidFill>
+                        <a:schemeClr val="bg1">
+                          <a:lumMod val="50000"/>
+                        </a:schemeClr>
+                      </a:solidFill>
+                      <a:prstDash val="solid"/>
+                      <a:round/>
+                      <a:headEnd type="none" w="med" len="med"/>
+                      <a:tailEnd type="none" w="med" len="med"/>
+                    </a:lnL>
+                    <a:lnR w="6350" cap="flat" cmpd="sng" algn="ctr">
+                      <a:solidFill>
+                        <a:schemeClr val="bg1">
+                          <a:lumMod val="50000"/>
+                        </a:schemeClr>
+                      </a:solidFill>
+                      <a:prstDash val="solid"/>
+                      <a:round/>
+                      <a:headEnd type="none" w="med" len="med"/>
+                      <a:tailEnd type="none" w="med" len="med"/>
+                    </a:lnR>
+                    <a:lnT w="12700" cap="flat" cmpd="sng" algn="ctr">
+                      <a:solidFill>
+                        <a:schemeClr val="tx1">
+                          <a:lumMod val="75000"/>
+                          <a:lumOff val="25000"/>
+                        </a:schemeClr>
+                      </a:solidFill>
+                      <a:prstDash val="solid"/>
+                      <a:round/>
+                      <a:headEnd type="none" w="med" len="med"/>
+                      <a:tailEnd type="none" w="med" len="med"/>
+                    </a:lnT>
+                    <a:lnB w="6350" cap="flat" cmpd="sng" algn="ctr">
+                      <a:solidFill>
+                        <a:schemeClr val="bg1">
+                          <a:lumMod val="50000"/>
+                        </a:schemeClr>
+                      </a:solidFill>
+                      <a:prstDash val="solid"/>
+                      <a:round/>
+                      <a:headEnd type="none" w="med" len="med"/>
+                      <a:tailEnd type="none" w="med" len="med"/>
+                    </a:lnB>
+                  </a:tcPr>
+                </a:tc>
+                <a:tc>
+                  <a:txBody>
+                    <a:bodyPr/>
+                    <a:lstStyle/>
+                    <a:p>
+                      <a:pPr marL="0" marR="0" indent="0" algn="ctr" fontAlgn="base" latinLnBrk="0">
+                        <a:lnSpc>
+                          <a:spcPct val="130000"/>
+                        </a:lnSpc>
+                        <a:spcBef>
+                          <a:spcPts val="0"/>
+                        </a:spcBef>
+                        <a:spcAft>
+                          <a:spcPts val="0"/>
+                        </a:spcAft>
+                      </a:pPr>
+                      <a:r>
+                        <a:rPr lang="ko-KR" altLang="en-US" sz="800" b="1" kern="0" spc="0" dirty="0">
+                          <a:solidFill>
+                            <a:srgbClr val="191919"/>
+                          </a:solidFill>
+                          <a:effectLst/>
+                          <a:latin typeface="맑은 고딕" panose="020B0503020000020004" pitchFamily="50" charset="-127"/>
+                          <a:ea typeface="맑은 고딕" panose="020B0503020000020004" pitchFamily="50" charset="-127"/>
+                        </a:rPr>
+                        <a:t>직업</a:t>
+                      </a:r>
+                      <a:endParaRPr lang="ko-KR" altLang="en-US" sz="1100" kern="0" spc="0" dirty="0">
+                        <a:solidFill>
+                          <a:srgbClr val="191919"/>
+                        </a:solidFill>
+                        <a:effectLst/>
+                        <a:latin typeface="맑은 고딕" panose="020B0503020000020004" pitchFamily="50" charset="-127"/>
+                      </a:endParaRPr>
+                    </a:p>
+                  </a:txBody>
+                  <a:tcPr marL="64771" marR="64771" marT="17907" marB="17907" anchor="ctr">
+                    <a:lnL w="6350" cap="flat" cmpd="sng" algn="ctr">
+                      <a:solidFill>
+                        <a:schemeClr val="bg1">
+                          <a:lumMod val="50000"/>
+                        </a:schemeClr>
+                      </a:solidFill>
+                      <a:prstDash val="solid"/>
+                      <a:round/>
+                      <a:headEnd type="none" w="med" len="med"/>
+                      <a:tailEnd type="none" w="med" len="med"/>
+                    </a:lnL>
+                    <a:lnR w="6350" cap="flat" cmpd="sng" algn="ctr">
+                      <a:solidFill>
+                        <a:schemeClr val="bg1">
+                          <a:lumMod val="50000"/>
+                        </a:schemeClr>
+                      </a:solidFill>
+                      <a:prstDash val="solid"/>
+                      <a:round/>
+                      <a:headEnd type="none" w="med" len="med"/>
+                      <a:tailEnd type="none" w="med" len="med"/>
+                    </a:lnR>
+                    <a:lnT w="12700" cap="flat" cmpd="sng" algn="ctr">
+                      <a:solidFill>
+                        <a:schemeClr val="tx1">
+                          <a:lumMod val="75000"/>
+                          <a:lumOff val="25000"/>
+                        </a:schemeClr>
+                      </a:solidFill>
+                      <a:prstDash val="solid"/>
+                      <a:round/>
+                      <a:headEnd type="none" w="med" len="med"/>
+                      <a:tailEnd type="none" w="med" len="med"/>
+                    </a:lnT>
+                    <a:lnB w="6350" cap="flat" cmpd="sng" algn="ctr">
+                      <a:solidFill>
+                        <a:schemeClr val="bg1">
+                          <a:lumMod val="50000"/>
+                        </a:schemeClr>
+                      </a:solidFill>
+                      <a:prstDash val="solid"/>
+                      <a:round/>
+                      <a:headEnd type="none" w="med" len="med"/>
+                      <a:tailEnd type="none" w="med" len="med"/>
+                    </a:lnB>
+                    <a:solidFill>
+                      <a:srgbClr val="DFE6F7"/>
+                    </a:solidFill>
+                  </a:tcPr>
+                </a:tc>
+                <a:tc>
+                  <a:txBody>
+                    <a:bodyPr/>
+                    <a:lstStyle/>
+                    <a:p>
+                      <a:pPr marL="0" marR="0" indent="0" algn="ctr" fontAlgn="base" latinLnBrk="0">
+                        <a:lnSpc>
+                          <a:spcPct val="130000"/>
+                        </a:lnSpc>
+                        <a:spcBef>
+                          <a:spcPts val="0"/>
+                        </a:spcBef>
+                        <a:spcAft>
+                          <a:spcPts val="0"/>
+                        </a:spcAft>
+                      </a:pPr>
+                      <a:r>
+                        <a:rPr lang="ko-KR" altLang="en-US" sz="800" b="1" kern="0" spc="0" dirty="0">
+                          <a:solidFill>
+                            <a:schemeClr val="tx1">
+                              <a:lumMod val="95000"/>
+                              <a:lumOff val="5000"/>
+                            </a:schemeClr>
+                          </a:solidFill>
+                          <a:effectLst/>
+                          <a:latin typeface="맑은 고딕" panose="020B0503020000020004" pitchFamily="50" charset="-127"/>
+                          <a:ea typeface="맑은 고딕" panose="020B0503020000020004" pitchFamily="50" charset="-127"/>
+                        </a:rPr>
+                        <a:t>회사원</a:t>
+                      </a:r>
+                      <a:endParaRPr lang="en-US" sz="800" b="1" kern="0" spc="0" dirty="0">
+                        <a:solidFill>
+                          <a:schemeClr val="tx1">
+                            <a:lumMod val="95000"/>
+                            <a:lumOff val="5000"/>
+                          </a:schemeClr>
+                        </a:solidFill>
+                        <a:effectLst/>
+                        <a:latin typeface="맑은 고딕" panose="020B0503020000020004" pitchFamily="50" charset="-127"/>
+                        <a:ea typeface="맑은 고딕" panose="020B0503020000020004" pitchFamily="50" charset="-127"/>
+                      </a:endParaRPr>
+                    </a:p>
+                  </a:txBody>
+                  <a:tcPr marL="64771" marR="64771" marT="17907" marB="17907" anchor="ctr">
+                    <a:lnL w="6350" cap="flat" cmpd="sng" algn="ctr">
+                      <a:solidFill>
+                        <a:schemeClr val="bg1">
+                          <a:lumMod val="50000"/>
+                        </a:schemeClr>
+                      </a:solidFill>
+                      <a:prstDash val="solid"/>
+                      <a:round/>
+                      <a:headEnd type="none" w="med" len="med"/>
+                      <a:tailEnd type="none" w="med" len="med"/>
+                    </a:lnL>
+                    <a:lnR w="12700" cap="flat" cmpd="sng" algn="ctr">
+                      <a:solidFill>
+                        <a:schemeClr val="tx1">
+                          <a:lumMod val="75000"/>
+                          <a:lumOff val="25000"/>
+                        </a:schemeClr>
+                      </a:solidFill>
+                      <a:prstDash val="solid"/>
+                      <a:round/>
+                      <a:headEnd type="none" w="med" len="med"/>
+                      <a:tailEnd type="none" w="med" len="med"/>
+                    </a:lnR>
+                    <a:lnT w="12700" cap="flat" cmpd="sng" algn="ctr">
+                      <a:solidFill>
+                        <a:schemeClr val="tx1">
+                          <a:lumMod val="75000"/>
+                          <a:lumOff val="25000"/>
+                        </a:schemeClr>
+                      </a:solidFill>
+                      <a:prstDash val="solid"/>
+                      <a:round/>
+                      <a:headEnd type="none" w="med" len="med"/>
+                      <a:tailEnd type="none" w="med" len="med"/>
+                    </a:lnT>
+                    <a:lnB w="6350" cap="flat" cmpd="sng" algn="ctr">
+                      <a:solidFill>
+                        <a:schemeClr val="bg1">
+                          <a:lumMod val="50000"/>
+                        </a:schemeClr>
+                      </a:solidFill>
+                      <a:prstDash val="solid"/>
+                      <a:round/>
+                      <a:headEnd type="none" w="med" len="med"/>
+                      <a:tailEnd type="none" w="med" len="med"/>
+                    </a:lnB>
+                  </a:tcPr>
+                </a:tc>
+                <a:extLst>
+                  <a:ext uri="{0D108BD9-81ED-4DB2-BD59-A6C34878D82A}">
+                    <a16:rowId xmlns:a16="http://schemas.microsoft.com/office/drawing/2014/main" val="3702969753"/>
+                  </a:ext>
+                </a:extLst>
+              </a:tr>
+              <a:tr h="443677">
+                <a:tc>
+                  <a:txBody>
+                    <a:bodyPr/>
+                    <a:lstStyle/>
+                    <a:p>
+                      <a:pPr marL="0" marR="0" indent="0" algn="ctr" fontAlgn="base" latinLnBrk="0">
+                        <a:lnSpc>
+                          <a:spcPct val="130000"/>
+                        </a:lnSpc>
+                        <a:spcBef>
+                          <a:spcPts val="0"/>
+                        </a:spcBef>
+                        <a:spcAft>
+                          <a:spcPts val="0"/>
+                        </a:spcAft>
+                      </a:pPr>
+                      <a:r>
+                        <a:rPr lang="ko-KR" altLang="en-US" sz="1100" b="1" kern="0" spc="0" dirty="0">
+                          <a:solidFill>
+                            <a:srgbClr val="191919"/>
+                          </a:solidFill>
+                          <a:effectLst/>
+                          <a:latin typeface="맑은 고딕" panose="020B0503020000020004" pitchFamily="50" charset="-127"/>
+                          <a:ea typeface="맑은 고딕" panose="020B0503020000020004" pitchFamily="50" charset="-127"/>
+                        </a:rPr>
+                        <a:t>취미</a:t>
+                      </a:r>
+                      <a:endParaRPr lang="ko-KR" altLang="en-US" sz="1100" kern="0" spc="0" dirty="0">
+                        <a:solidFill>
+                          <a:srgbClr val="191919"/>
+                        </a:solidFill>
+                        <a:effectLst/>
+                        <a:latin typeface="맑은 고딕" panose="020B0503020000020004" pitchFamily="50" charset="-127"/>
+                      </a:endParaRPr>
+                    </a:p>
+                  </a:txBody>
+                  <a:tcPr marL="64771" marR="64771" marT="17907" marB="17907" anchor="ctr">
+                    <a:lnL w="12700" cap="flat" cmpd="sng" algn="ctr">
+                      <a:solidFill>
+                        <a:schemeClr val="tx1">
+                          <a:lumMod val="75000"/>
+                          <a:lumOff val="25000"/>
+                        </a:schemeClr>
+                      </a:solidFill>
+                      <a:prstDash val="solid"/>
+                      <a:round/>
+                      <a:headEnd type="none" w="med" len="med"/>
+                      <a:tailEnd type="none" w="med" len="med"/>
+                    </a:lnL>
+                    <a:lnR w="6350" cap="flat" cmpd="sng" algn="ctr">
+                      <a:solidFill>
+                        <a:schemeClr val="bg1">
+                          <a:lumMod val="50000"/>
+                        </a:schemeClr>
+                      </a:solidFill>
+                      <a:prstDash val="solid"/>
+                      <a:round/>
+                      <a:headEnd type="none" w="med" len="med"/>
+                      <a:tailEnd type="none" w="med" len="med"/>
+                    </a:lnR>
+                    <a:lnT w="6350" cap="flat" cmpd="sng" algn="ctr">
+                      <a:solidFill>
+                        <a:schemeClr val="bg1">
+                          <a:lumMod val="50000"/>
+                        </a:schemeClr>
+                      </a:solidFill>
+                      <a:prstDash val="solid"/>
+                      <a:round/>
+                      <a:headEnd type="none" w="med" len="med"/>
+                      <a:tailEnd type="none" w="med" len="med"/>
+                    </a:lnT>
+                    <a:lnB w="6350" cap="flat" cmpd="sng" algn="ctr">
+                      <a:solidFill>
+                        <a:schemeClr val="bg1">
+                          <a:lumMod val="50000"/>
+                        </a:schemeClr>
+                      </a:solidFill>
+                      <a:prstDash val="solid"/>
+                      <a:round/>
+                      <a:headEnd type="none" w="med" len="med"/>
+                      <a:tailEnd type="none" w="med" len="med"/>
+                    </a:lnB>
+                    <a:solidFill>
+                      <a:srgbClr val="DFE6F7"/>
+                    </a:solidFill>
+                  </a:tcPr>
+                </a:tc>
+                <a:tc gridSpan="5">
+                  <a:txBody>
+                    <a:bodyPr/>
+                    <a:lstStyle/>
+                    <a:p>
+                      <a:pPr marL="0" marR="0" indent="0" algn="ctr" fontAlgn="base" latinLnBrk="0">
+                        <a:lnSpc>
+                          <a:spcPct val="130000"/>
+                        </a:lnSpc>
+                        <a:spcBef>
+                          <a:spcPts val="0"/>
+                        </a:spcBef>
+                        <a:spcAft>
+                          <a:spcPts val="0"/>
+                        </a:spcAft>
+                      </a:pPr>
+                      <a:r>
+                        <a:rPr lang="ko-KR" altLang="en-US" sz="1100" b="1" kern="0" spc="0" dirty="0">
+                          <a:solidFill>
+                            <a:srgbClr val="191919"/>
+                          </a:solidFill>
+                          <a:effectLst/>
+                          <a:latin typeface="맑은 고딕" panose="020B0503020000020004" pitchFamily="50" charset="-127"/>
+                        </a:rPr>
+                        <a:t>캠핑</a:t>
+                      </a:r>
+                    </a:p>
+                  </a:txBody>
+                  <a:tcPr marL="64771" marR="64771" marT="17907" marB="17907" anchor="ctr">
+                    <a:lnL w="6350" cap="flat" cmpd="sng" algn="ctr">
+                      <a:solidFill>
+                        <a:schemeClr val="bg1">
+                          <a:lumMod val="50000"/>
+                        </a:schemeClr>
+                      </a:solidFill>
+                      <a:prstDash val="solid"/>
+                      <a:round/>
+                      <a:headEnd type="none" w="med" len="med"/>
+                      <a:tailEnd type="none" w="med" len="med"/>
+                    </a:lnL>
+                    <a:lnR w="6350" cap="flat" cmpd="sng" algn="ctr">
+                      <a:solidFill>
+                        <a:schemeClr val="bg1">
+                          <a:lumMod val="50000"/>
+                        </a:schemeClr>
+                      </a:solidFill>
+                      <a:prstDash val="solid"/>
+                      <a:round/>
+                      <a:headEnd type="none" w="med" len="med"/>
+                      <a:tailEnd type="none" w="med" len="med"/>
+                    </a:lnR>
+                    <a:lnT w="6350" cap="flat" cmpd="sng" algn="ctr">
+                      <a:solidFill>
+                        <a:schemeClr val="bg1">
+                          <a:lumMod val="50000"/>
+                        </a:schemeClr>
+                      </a:solidFill>
+                      <a:prstDash val="solid"/>
+                      <a:round/>
+                      <a:headEnd type="none" w="med" len="med"/>
+                      <a:tailEnd type="none" w="med" len="med"/>
+                    </a:lnT>
+                    <a:lnB w="6350" cap="flat" cmpd="sng" algn="ctr">
+                      <a:solidFill>
+                        <a:schemeClr val="bg1">
+                          <a:lumMod val="50000"/>
+                        </a:schemeClr>
+                      </a:solidFill>
+                      <a:prstDash val="solid"/>
+                      <a:round/>
+                      <a:headEnd type="none" w="med" len="med"/>
+                      <a:tailEnd type="none" w="med" len="med"/>
+                    </a:lnB>
+                  </a:tcPr>
+                </a:tc>
+                <a:tc hMerge="1">
+                  <a:txBody>
+                    <a:bodyPr/>
+                    <a:lstStyle/>
+                    <a:p>
+                      <a:pPr latinLnBrk="1"/>
+                      <a:endParaRPr lang="ko-KR" altLang="en-US"/>
+                    </a:p>
+                  </a:txBody>
+                  <a:tcPr/>
+                </a:tc>
+                <a:tc hMerge="1">
+                  <a:txBody>
+                    <a:bodyPr/>
+                    <a:lstStyle/>
+                    <a:p>
+                      <a:pPr latinLnBrk="1"/>
+                      <a:endParaRPr lang="ko-KR" altLang="en-US"/>
+                    </a:p>
+                  </a:txBody>
+                  <a:tcPr/>
+                </a:tc>
+                <a:tc hMerge="1">
+                  <a:txBody>
+                    <a:bodyPr/>
+                    <a:lstStyle/>
+                    <a:p>
+                      <a:pPr latinLnBrk="1"/>
+                      <a:endParaRPr lang="ko-KR" altLang="en-US"/>
+                    </a:p>
+                  </a:txBody>
+                  <a:tcPr/>
+                </a:tc>
+                <a:tc hMerge="1">
+                  <a:txBody>
+                    <a:bodyPr/>
+                    <a:lstStyle/>
+                    <a:p>
+                      <a:pPr latinLnBrk="1"/>
+                      <a:endParaRPr lang="ko-KR" altLang="en-US"/>
+                    </a:p>
+                  </a:txBody>
+                  <a:tcPr/>
+                </a:tc>
+                <a:tc>
+                  <a:txBody>
+                    <a:bodyPr/>
+                    <a:lstStyle/>
+                    <a:p>
+                      <a:pPr marL="0" marR="0" indent="0" algn="ctr" fontAlgn="base" latinLnBrk="0">
+                        <a:lnSpc>
+                          <a:spcPct val="130000"/>
+                        </a:lnSpc>
+                        <a:spcBef>
+                          <a:spcPts val="0"/>
+                        </a:spcBef>
+                        <a:spcAft>
+                          <a:spcPts val="0"/>
+                        </a:spcAft>
+                      </a:pPr>
+                      <a:r>
+                        <a:rPr lang="ko-KR" altLang="en-US" sz="1100" b="1" kern="0" spc="-50" dirty="0">
+                          <a:solidFill>
+                            <a:srgbClr val="191919"/>
+                          </a:solidFill>
+                          <a:effectLst/>
+                          <a:latin typeface="맑은 고딕" panose="020B0503020000020004" pitchFamily="50" charset="-127"/>
+                          <a:ea typeface="맑은 고딕" panose="020B0503020000020004" pitchFamily="50" charset="-127"/>
+                        </a:rPr>
+                        <a:t>거주지</a:t>
+                      </a:r>
+                      <a:endParaRPr lang="ko-KR" altLang="en-US" sz="1100" kern="0" spc="0" dirty="0">
+                        <a:solidFill>
+                          <a:srgbClr val="191919"/>
+                        </a:solidFill>
+                        <a:effectLst/>
+                        <a:latin typeface="맑은 고딕" panose="020B0503020000020004" pitchFamily="50" charset="-127"/>
+                      </a:endParaRPr>
+                    </a:p>
+                  </a:txBody>
+                  <a:tcPr marL="64771" marR="64771" marT="17907" marB="17907" anchor="ctr">
+                    <a:lnL w="6350" cap="flat" cmpd="sng" algn="ctr">
+                      <a:solidFill>
+                        <a:schemeClr val="bg1">
+                          <a:lumMod val="50000"/>
+                        </a:schemeClr>
+                      </a:solidFill>
+                      <a:prstDash val="solid"/>
+                      <a:round/>
+                      <a:headEnd type="none" w="med" len="med"/>
+                      <a:tailEnd type="none" w="med" len="med"/>
+                    </a:lnL>
+                    <a:lnR w="12700" cap="flat" cmpd="sng" algn="ctr">
+                      <a:solidFill>
+                        <a:schemeClr val="bg1">
+                          <a:lumMod val="65000"/>
+                        </a:schemeClr>
+                      </a:solidFill>
+                      <a:prstDash val="solid"/>
+                      <a:round/>
+                      <a:headEnd type="none" w="med" len="med"/>
+                      <a:tailEnd type="none" w="med" len="med"/>
+                    </a:lnR>
+                    <a:lnT w="6350" cap="flat" cmpd="sng" algn="ctr">
+                      <a:solidFill>
+                        <a:schemeClr val="bg1">
+                          <a:lumMod val="50000"/>
+                        </a:schemeClr>
+                      </a:solidFill>
+                      <a:prstDash val="solid"/>
+                      <a:round/>
+                      <a:headEnd type="none" w="med" len="med"/>
+                      <a:tailEnd type="none" w="med" len="med"/>
+                    </a:lnT>
+                    <a:lnB w="6350" cap="flat" cmpd="sng" algn="ctr">
+                      <a:solidFill>
+                        <a:schemeClr val="bg1">
+                          <a:lumMod val="50000"/>
+                        </a:schemeClr>
+                      </a:solidFill>
+                      <a:prstDash val="solid"/>
+                      <a:round/>
+                      <a:headEnd type="none" w="med" len="med"/>
+                      <a:tailEnd type="none" w="med" len="med"/>
+                    </a:lnB>
+                    <a:solidFill>
+                      <a:srgbClr val="DFE6F7"/>
+                    </a:solidFill>
+                  </a:tcPr>
+                </a:tc>
+                <a:tc gridSpan="3">
+                  <a:txBody>
+                    <a:bodyPr/>
+                    <a:lstStyle/>
+                    <a:p>
+                      <a:pPr marL="0" marR="0" indent="0" algn="just" fontAlgn="base" latinLnBrk="1">
+                        <a:lnSpc>
+                          <a:spcPct val="130000"/>
+                        </a:lnSpc>
+                        <a:spcBef>
+                          <a:spcPts val="0"/>
+                        </a:spcBef>
+                        <a:spcAft>
+                          <a:spcPts val="0"/>
+                        </a:spcAft>
+                      </a:pPr>
+                      <a:r>
+                        <a:rPr lang="ko-KR" altLang="en-US" sz="1100" kern="0" spc="0" dirty="0">
+                          <a:solidFill>
+                            <a:schemeClr val="tx1">
+                              <a:lumMod val="95000"/>
+                              <a:lumOff val="5000"/>
+                            </a:schemeClr>
+                          </a:solidFill>
+                          <a:effectLst/>
+                          <a:latin typeface="맑은 고딕" panose="020B0503020000020004" pitchFamily="50" charset="-127"/>
+                        </a:rPr>
+                        <a:t>서울시 안양</a:t>
+                      </a:r>
+                    </a:p>
+                  </a:txBody>
+                  <a:tcPr marL="64771" marR="64771" marT="17907" marB="17907" anchor="ctr">
+                    <a:lnL w="12700" cap="flat" cmpd="sng" algn="ctr">
+                      <a:solidFill>
+                        <a:schemeClr val="bg1">
+                          <a:lumMod val="65000"/>
+                        </a:schemeClr>
+                      </a:solidFill>
+                      <a:prstDash val="solid"/>
+                      <a:round/>
+                      <a:headEnd type="none" w="med" len="med"/>
+                      <a:tailEnd type="none" w="med" len="med"/>
+                    </a:lnL>
+                    <a:lnR w="3556" cap="flat" cmpd="sng" algn="ctr">
+                      <a:solidFill>
+                        <a:srgbClr val="7F7F7F"/>
+                      </a:solidFill>
+                      <a:prstDash val="solid"/>
+                      <a:round/>
+                      <a:headEnd type="none" w="med" len="med"/>
+                      <a:tailEnd type="none" w="med" len="med"/>
+                    </a:lnR>
+                    <a:lnT w="6350" cap="flat" cmpd="sng" algn="ctr">
+                      <a:solidFill>
+                        <a:schemeClr val="bg1">
+                          <a:lumMod val="50000"/>
+                        </a:schemeClr>
+                      </a:solidFill>
+                      <a:prstDash val="solid"/>
+                      <a:round/>
+                      <a:headEnd type="none" w="med" len="med"/>
+                      <a:tailEnd type="none" w="med" len="med"/>
+                    </a:lnT>
+                    <a:lnB w="6350" cap="flat" cmpd="sng" algn="ctr">
+                      <a:solidFill>
+                        <a:schemeClr val="bg1">
+                          <a:lumMod val="50000"/>
+                        </a:schemeClr>
+                      </a:solidFill>
+                      <a:prstDash val="solid"/>
+                      <a:round/>
+                      <a:headEnd type="none" w="med" len="med"/>
+                      <a:tailEnd type="none" w="med" len="med"/>
+                    </a:lnB>
+                  </a:tcPr>
+                </a:tc>
+                <a:tc hMerge="1">
+                  <a:txBody>
+                    <a:bodyPr/>
+                    <a:lstStyle/>
+                    <a:p>
+                      <a:pPr latinLnBrk="1"/>
+                      <a:endParaRPr lang="ko-KR" altLang="en-US"/>
+                    </a:p>
+                  </a:txBody>
+                  <a:tcPr/>
+                </a:tc>
+                <a:tc hMerge="1">
+                  <a:txBody>
+                    <a:bodyPr/>
+                    <a:lstStyle/>
+                    <a:p>
+                      <a:pPr latinLnBrk="1"/>
+                      <a:endParaRPr lang="ko-KR" altLang="en-US"/>
+                    </a:p>
+                  </a:txBody>
+                  <a:tcPr/>
+                </a:tc>
+                <a:tc>
+                  <a:txBody>
+                    <a:bodyPr/>
+                    <a:lstStyle/>
+                    <a:p>
+                      <a:pPr marL="0" marR="0" indent="0" algn="ctr" fontAlgn="base" latinLnBrk="0">
+                        <a:lnSpc>
+                          <a:spcPct val="130000"/>
+                        </a:lnSpc>
+                        <a:spcBef>
+                          <a:spcPts val="0"/>
+                        </a:spcBef>
+                        <a:spcAft>
+                          <a:spcPts val="0"/>
+                        </a:spcAft>
+                      </a:pPr>
+                      <a:r>
+                        <a:rPr lang="ko-KR" altLang="en-US" sz="800" b="1" kern="0" spc="0" dirty="0">
+                          <a:solidFill>
+                            <a:srgbClr val="191919"/>
+                          </a:solidFill>
+                          <a:effectLst/>
+                          <a:latin typeface="맑은 고딕" panose="020B0503020000020004" pitchFamily="50" charset="-127"/>
+                          <a:ea typeface="맑은 고딕" panose="020B0503020000020004" pitchFamily="50" charset="-127"/>
+                        </a:rPr>
+                        <a:t>수입</a:t>
+                      </a:r>
+                      <a:endParaRPr lang="ko-KR" altLang="en-US" sz="1100" kern="0" spc="0" dirty="0">
+                        <a:solidFill>
+                          <a:srgbClr val="191919"/>
+                        </a:solidFill>
+                        <a:effectLst/>
+                        <a:latin typeface="맑은 고딕" panose="020B0503020000020004" pitchFamily="50" charset="-127"/>
+                      </a:endParaRPr>
+                    </a:p>
+                  </a:txBody>
+                  <a:tcPr marL="64771" marR="64771" marT="17907" marB="17907" anchor="ctr">
+                    <a:lnL w="3556" cap="flat" cmpd="sng" algn="ctr">
+                      <a:solidFill>
+                        <a:srgbClr val="7F7F7F"/>
+                      </a:solidFill>
+                      <a:prstDash val="solid"/>
+                      <a:round/>
+                      <a:headEnd type="none" w="med" len="med"/>
+                      <a:tailEnd type="none" w="med" len="med"/>
+                    </a:lnL>
+                    <a:lnR w="6350" cap="flat" cmpd="sng" algn="ctr">
+                      <a:solidFill>
+                        <a:schemeClr val="bg1">
+                          <a:lumMod val="50000"/>
+                        </a:schemeClr>
+                      </a:solidFill>
+                      <a:prstDash val="solid"/>
+                      <a:round/>
+                      <a:headEnd type="none" w="med" len="med"/>
+                      <a:tailEnd type="none" w="med" len="med"/>
+                    </a:lnR>
+                    <a:lnT w="6350" cap="flat" cmpd="sng" algn="ctr">
+                      <a:solidFill>
+                        <a:schemeClr val="bg1">
+                          <a:lumMod val="50000"/>
+                        </a:schemeClr>
+                      </a:solidFill>
+                      <a:prstDash val="solid"/>
+                      <a:round/>
+                      <a:headEnd type="none" w="med" len="med"/>
+                      <a:tailEnd type="none" w="med" len="med"/>
+                    </a:lnT>
+                    <a:lnB w="6350" cap="flat" cmpd="sng" algn="ctr">
+                      <a:solidFill>
+                        <a:schemeClr val="bg1">
+                          <a:lumMod val="50000"/>
+                        </a:schemeClr>
+                      </a:solidFill>
+                      <a:prstDash val="solid"/>
+                      <a:round/>
+                      <a:headEnd type="none" w="med" len="med"/>
+                      <a:tailEnd type="none" w="med" len="med"/>
+                    </a:lnB>
+                    <a:solidFill>
+                      <a:srgbClr val="DFE6F7"/>
+                    </a:solidFill>
+                  </a:tcPr>
+                </a:tc>
+                <a:tc>
+                  <a:txBody>
+                    <a:bodyPr/>
+                    <a:lstStyle/>
+                    <a:p>
+                      <a:pPr marL="0" marR="0" indent="0" algn="ctr" fontAlgn="base" latinLnBrk="1">
+                        <a:lnSpc>
+                          <a:spcPct val="130000"/>
+                        </a:lnSpc>
+                        <a:spcBef>
+                          <a:spcPts val="0"/>
+                        </a:spcBef>
+                        <a:spcAft>
+                          <a:spcPts val="0"/>
+                        </a:spcAft>
+                      </a:pPr>
+                      <a:r>
+                        <a:rPr lang="ko-KR" altLang="en-US" sz="900" kern="0" spc="0" dirty="0">
+                          <a:solidFill>
+                            <a:schemeClr val="tx1">
+                              <a:lumMod val="95000"/>
+                              <a:lumOff val="5000"/>
+                            </a:schemeClr>
+                          </a:solidFill>
+                          <a:effectLst/>
+                          <a:latin typeface="맑은 고딕" panose="020B0503020000020004" pitchFamily="50" charset="-127"/>
+                        </a:rPr>
+                        <a:t>연 </a:t>
+                      </a:r>
+                      <a:r>
+                        <a:rPr lang="en-US" altLang="ko-KR" sz="900" kern="0" spc="0" dirty="0">
+                          <a:solidFill>
+                            <a:schemeClr val="tx1">
+                              <a:lumMod val="95000"/>
+                              <a:lumOff val="5000"/>
+                            </a:schemeClr>
+                          </a:solidFill>
+                          <a:effectLst/>
+                          <a:latin typeface="맑은 고딕" panose="020B0503020000020004" pitchFamily="50" charset="-127"/>
+                        </a:rPr>
+                        <a:t>4000</a:t>
+                      </a:r>
+                      <a:r>
+                        <a:rPr lang="ko-KR" altLang="en-US" sz="900" kern="0" spc="0" dirty="0">
+                          <a:solidFill>
+                            <a:schemeClr val="tx1">
+                              <a:lumMod val="95000"/>
+                              <a:lumOff val="5000"/>
+                            </a:schemeClr>
+                          </a:solidFill>
+                          <a:effectLst/>
+                          <a:latin typeface="맑은 고딕" panose="020B0503020000020004" pitchFamily="50" charset="-127"/>
+                        </a:rPr>
+                        <a:t>만원</a:t>
+                      </a:r>
+                    </a:p>
+                  </a:txBody>
+                  <a:tcPr marL="64771" marR="64771" marT="17907" marB="17907" anchor="ctr">
+                    <a:lnL w="6350" cap="flat" cmpd="sng" algn="ctr">
+                      <a:solidFill>
+                        <a:schemeClr val="bg1">
+                          <a:lumMod val="50000"/>
+                        </a:schemeClr>
+                      </a:solidFill>
+                      <a:prstDash val="solid"/>
+                      <a:round/>
+                      <a:headEnd type="none" w="med" len="med"/>
+                      <a:tailEnd type="none" w="med" len="med"/>
+                    </a:lnL>
+                    <a:lnR w="12700" cap="flat" cmpd="sng" algn="ctr">
+                      <a:solidFill>
+                        <a:schemeClr val="tx1">
+                          <a:lumMod val="75000"/>
+                          <a:lumOff val="25000"/>
+                        </a:schemeClr>
+                      </a:solidFill>
+                      <a:prstDash val="solid"/>
+                      <a:round/>
+                      <a:headEnd type="none" w="med" len="med"/>
+                      <a:tailEnd type="none" w="med" len="med"/>
+                    </a:lnR>
+                    <a:lnT w="6350" cap="flat" cmpd="sng" algn="ctr">
+                      <a:solidFill>
+                        <a:schemeClr val="bg1">
+                          <a:lumMod val="50000"/>
+                        </a:schemeClr>
+                      </a:solidFill>
+                      <a:prstDash val="solid"/>
+                      <a:round/>
+                      <a:headEnd type="none" w="med" len="med"/>
+                      <a:tailEnd type="none" w="med" len="med"/>
+                    </a:lnT>
+                    <a:lnB w="6350" cap="flat" cmpd="sng" algn="ctr">
+                      <a:solidFill>
+                        <a:schemeClr val="bg1">
+                          <a:lumMod val="50000"/>
+                        </a:schemeClr>
+                      </a:solidFill>
+                      <a:prstDash val="solid"/>
+                      <a:round/>
+                      <a:headEnd type="none" w="med" len="med"/>
+                      <a:tailEnd type="none" w="med" len="med"/>
+                    </a:lnB>
+                  </a:tcPr>
+                </a:tc>
+                <a:extLst>
+                  <a:ext uri="{0D108BD9-81ED-4DB2-BD59-A6C34878D82A}">
+                    <a16:rowId xmlns:a16="http://schemas.microsoft.com/office/drawing/2014/main" val="87832763"/>
+                  </a:ext>
+                </a:extLst>
+              </a:tr>
+              <a:tr h="443677">
+                <a:tc gridSpan="3">
+                  <a:txBody>
+                    <a:bodyPr/>
+                    <a:lstStyle/>
+                    <a:p>
+                      <a:pPr marL="0" marR="0" indent="0" algn="ctr" fontAlgn="base" latinLnBrk="0">
+                        <a:lnSpc>
+                          <a:spcPct val="130000"/>
+                        </a:lnSpc>
+                        <a:spcBef>
+                          <a:spcPts val="0"/>
+                        </a:spcBef>
+                        <a:spcAft>
+                          <a:spcPts val="0"/>
+                        </a:spcAft>
+                      </a:pPr>
+                      <a:r>
+                        <a:rPr lang="ko-KR" altLang="en-US" sz="1100" b="1" kern="0" spc="-70" dirty="0">
+                          <a:solidFill>
+                            <a:srgbClr val="191919"/>
+                          </a:solidFill>
+                          <a:effectLst/>
+                          <a:latin typeface="맑은 고딕" panose="020B0503020000020004" pitchFamily="50" charset="-127"/>
+                          <a:ea typeface="맑은 고딕" panose="020B0503020000020004" pitchFamily="50" charset="-127"/>
+                        </a:rPr>
+                        <a:t>라이프스타일</a:t>
+                      </a:r>
+                      <a:endParaRPr lang="ko-KR" altLang="en-US" sz="1100" kern="0" spc="0" dirty="0">
+                        <a:solidFill>
+                          <a:srgbClr val="191919"/>
+                        </a:solidFill>
+                        <a:effectLst/>
+                        <a:latin typeface="맑은 고딕" panose="020B0503020000020004" pitchFamily="50" charset="-127"/>
+                      </a:endParaRPr>
+                    </a:p>
+                  </a:txBody>
+                  <a:tcPr marL="64771" marR="64771" marT="17907" marB="17907" anchor="ctr">
+                    <a:lnL w="12700" cap="flat" cmpd="sng" algn="ctr">
+                      <a:solidFill>
+                        <a:schemeClr val="tx1">
+                          <a:lumMod val="75000"/>
+                          <a:lumOff val="25000"/>
+                        </a:schemeClr>
+                      </a:solidFill>
+                      <a:prstDash val="solid"/>
+                      <a:round/>
+                      <a:headEnd type="none" w="med" len="med"/>
+                      <a:tailEnd type="none" w="med" len="med"/>
+                    </a:lnL>
+                    <a:lnR w="6350" cap="flat" cmpd="sng" algn="ctr">
+                      <a:solidFill>
+                        <a:schemeClr val="bg1">
+                          <a:lumMod val="50000"/>
+                        </a:schemeClr>
+                      </a:solidFill>
+                      <a:prstDash val="solid"/>
+                      <a:round/>
+                      <a:headEnd type="none" w="med" len="med"/>
+                      <a:tailEnd type="none" w="med" len="med"/>
+                    </a:lnR>
+                    <a:lnT w="6350" cap="flat" cmpd="sng" algn="ctr">
+                      <a:solidFill>
+                        <a:schemeClr val="bg1">
+                          <a:lumMod val="50000"/>
+                        </a:schemeClr>
+                      </a:solidFill>
+                      <a:prstDash val="solid"/>
+                      <a:round/>
+                      <a:headEnd type="none" w="med" len="med"/>
+                      <a:tailEnd type="none" w="med" len="med"/>
+                    </a:lnT>
+                    <a:lnB w="6350" cap="flat" cmpd="sng" algn="ctr">
+                      <a:solidFill>
+                        <a:schemeClr val="bg1">
+                          <a:lumMod val="50000"/>
+                        </a:schemeClr>
+                      </a:solidFill>
+                      <a:prstDash val="solid"/>
+                      <a:round/>
+                      <a:headEnd type="none" w="med" len="med"/>
+                      <a:tailEnd type="none" w="med" len="med"/>
+                    </a:lnB>
+                    <a:solidFill>
+                      <a:srgbClr val="DFE6F7"/>
+                    </a:solidFill>
+                  </a:tcPr>
+                </a:tc>
+                <a:tc hMerge="1">
+                  <a:txBody>
+                    <a:bodyPr/>
+                    <a:lstStyle/>
+                    <a:p>
+                      <a:pPr latinLnBrk="1"/>
+                      <a:endParaRPr lang="ko-KR" altLang="en-US"/>
+                    </a:p>
+                  </a:txBody>
+                  <a:tcPr/>
+                </a:tc>
+                <a:tc hMerge="1">
+                  <a:txBody>
+                    <a:bodyPr/>
+                    <a:lstStyle/>
+                    <a:p>
+                      <a:pPr latinLnBrk="1"/>
+                      <a:endParaRPr lang="ko-KR" altLang="en-US"/>
+                    </a:p>
+                  </a:txBody>
+                  <a:tcPr/>
+                </a:tc>
+                <a:tc gridSpan="9">
+                  <a:txBody>
+                    <a:bodyPr/>
+                    <a:lstStyle/>
+                    <a:p>
+                      <a:pPr marL="0" marR="0" indent="0" algn="l" fontAlgn="base" latinLnBrk="0">
+                        <a:lnSpc>
+                          <a:spcPct val="130000"/>
+                        </a:lnSpc>
+                        <a:spcBef>
+                          <a:spcPts val="0"/>
+                        </a:spcBef>
+                        <a:spcAft>
+                          <a:spcPts val="0"/>
+                        </a:spcAft>
+                      </a:pPr>
+                      <a:r>
+                        <a:rPr lang="ko-KR" altLang="en-US" sz="1100" kern="0" spc="0" dirty="0">
+                          <a:solidFill>
+                            <a:schemeClr val="tx1">
+                              <a:lumMod val="85000"/>
+                              <a:lumOff val="15000"/>
+                            </a:schemeClr>
+                          </a:solidFill>
+                          <a:effectLst/>
+                          <a:latin typeface="맑은 고딕" panose="020B0503020000020004" pitchFamily="50" charset="-127"/>
+                        </a:rPr>
+                        <a:t>평소 컴퓨터와 함께 하는 생활이 많은 직업을 가진 김요구씨는 나홀로 </a:t>
+                      </a:r>
+                      <a:r>
+                        <a:rPr lang="ko-KR" altLang="en-US" sz="1100" kern="0" spc="0" dirty="0" err="1">
+                          <a:solidFill>
+                            <a:schemeClr val="tx1">
+                              <a:lumMod val="85000"/>
+                              <a:lumOff val="15000"/>
+                            </a:schemeClr>
+                          </a:solidFill>
+                          <a:effectLst/>
+                          <a:latin typeface="맑은 고딕" panose="020B0503020000020004" pitchFamily="50" charset="-127"/>
+                        </a:rPr>
+                        <a:t>차박하는</a:t>
+                      </a:r>
+                      <a:r>
+                        <a:rPr lang="ko-KR" altLang="en-US" sz="1100" kern="0" spc="0" dirty="0">
+                          <a:solidFill>
+                            <a:schemeClr val="tx1">
+                              <a:lumMod val="85000"/>
+                              <a:lumOff val="15000"/>
+                            </a:schemeClr>
+                          </a:solidFill>
+                          <a:effectLst/>
+                          <a:latin typeface="맑은 고딕" panose="020B0503020000020004" pitchFamily="50" charset="-127"/>
+                        </a:rPr>
+                        <a:t> 것을 좋아한다</a:t>
+                      </a:r>
+                      <a:r>
+                        <a:rPr lang="en-US" altLang="ko-KR" sz="1100" kern="0" spc="0" dirty="0">
+                          <a:solidFill>
+                            <a:schemeClr val="tx1">
+                              <a:lumMod val="85000"/>
+                              <a:lumOff val="15000"/>
+                            </a:schemeClr>
+                          </a:solidFill>
+                          <a:effectLst/>
+                          <a:latin typeface="맑은 고딕" panose="020B0503020000020004" pitchFamily="50" charset="-127"/>
+                        </a:rPr>
+                        <a:t>.</a:t>
+                      </a:r>
+                      <a:endParaRPr lang="ko-KR" altLang="en-US" sz="1100" kern="0" spc="0" dirty="0">
+                        <a:solidFill>
+                          <a:schemeClr val="tx1">
+                            <a:lumMod val="85000"/>
+                            <a:lumOff val="15000"/>
+                          </a:schemeClr>
+                        </a:solidFill>
+                        <a:effectLst/>
+                        <a:latin typeface="맑은 고딕" panose="020B0503020000020004" pitchFamily="50" charset="-127"/>
+                      </a:endParaRPr>
+                    </a:p>
+                  </a:txBody>
+                  <a:tcPr marL="64771" marR="64771" marT="17907" marB="17907" anchor="ctr">
+                    <a:lnL w="6350" cap="flat" cmpd="sng" algn="ctr">
+                      <a:solidFill>
+                        <a:schemeClr val="bg1">
+                          <a:lumMod val="50000"/>
+                        </a:schemeClr>
+                      </a:solidFill>
+                      <a:prstDash val="solid"/>
+                      <a:round/>
+                      <a:headEnd type="none" w="med" len="med"/>
+                      <a:tailEnd type="none" w="med" len="med"/>
+                    </a:lnL>
+                    <a:lnR w="12700" cap="flat" cmpd="sng" algn="ctr">
+                      <a:solidFill>
+                        <a:schemeClr val="tx1">
+                          <a:lumMod val="75000"/>
+                          <a:lumOff val="25000"/>
+                        </a:schemeClr>
+                      </a:solidFill>
+                      <a:prstDash val="solid"/>
+                      <a:round/>
+                      <a:headEnd type="none" w="med" len="med"/>
+                      <a:tailEnd type="none" w="med" len="med"/>
+                    </a:lnR>
+                    <a:lnT w="6350" cap="flat" cmpd="sng" algn="ctr">
+                      <a:solidFill>
+                        <a:schemeClr val="bg1">
+                          <a:lumMod val="50000"/>
+                        </a:schemeClr>
+                      </a:solidFill>
+                      <a:prstDash val="solid"/>
+                      <a:round/>
+                      <a:headEnd type="none" w="med" len="med"/>
+                      <a:tailEnd type="none" w="med" len="med"/>
+                    </a:lnT>
+                    <a:lnB w="6350" cap="flat" cmpd="sng" algn="ctr">
+                      <a:solidFill>
+                        <a:schemeClr val="bg1">
+                          <a:lumMod val="50000"/>
+                        </a:schemeClr>
+                      </a:solidFill>
+                      <a:prstDash val="solid"/>
+                      <a:round/>
+                      <a:headEnd type="none" w="med" len="med"/>
+                      <a:tailEnd type="none" w="med" len="med"/>
+                    </a:lnB>
+                  </a:tcPr>
+                </a:tc>
+                <a:tc hMerge="1">
+                  <a:txBody>
+                    <a:bodyPr/>
+                    <a:lstStyle/>
+                    <a:p>
+                      <a:pPr latinLnBrk="1"/>
+                      <a:endParaRPr lang="ko-KR" altLang="en-US"/>
+                    </a:p>
+                  </a:txBody>
+                  <a:tcPr/>
+                </a:tc>
+                <a:tc hMerge="1">
+                  <a:txBody>
+                    <a:bodyPr/>
+                    <a:lstStyle/>
+                    <a:p>
+                      <a:pPr latinLnBrk="1"/>
+                      <a:endParaRPr lang="ko-KR" altLang="en-US"/>
+                    </a:p>
+                  </a:txBody>
+                  <a:tcPr/>
+                </a:tc>
+                <a:tc hMerge="1">
+                  <a:txBody>
+                    <a:bodyPr/>
+                    <a:lstStyle/>
+                    <a:p>
+                      <a:pPr latinLnBrk="1"/>
+                      <a:endParaRPr lang="ko-KR" altLang="en-US"/>
+                    </a:p>
+                  </a:txBody>
+                  <a:tcPr/>
+                </a:tc>
+                <a:tc hMerge="1">
+                  <a:txBody>
+                    <a:bodyPr/>
+                    <a:lstStyle/>
+                    <a:p>
+                      <a:pPr latinLnBrk="1"/>
+                      <a:endParaRPr lang="ko-KR" altLang="en-US"/>
+                    </a:p>
+                  </a:txBody>
+                  <a:tcPr/>
+                </a:tc>
+                <a:tc hMerge="1">
+                  <a:txBody>
+                    <a:bodyPr/>
+                    <a:lstStyle/>
+                    <a:p>
+                      <a:pPr latinLnBrk="1"/>
+                      <a:endParaRPr lang="ko-KR" altLang="en-US"/>
+                    </a:p>
+                  </a:txBody>
+                  <a:tcPr/>
+                </a:tc>
+                <a:tc hMerge="1">
+                  <a:txBody>
+                    <a:bodyPr/>
+                    <a:lstStyle/>
+                    <a:p>
+                      <a:pPr latinLnBrk="1"/>
+                      <a:endParaRPr lang="ko-KR" altLang="en-US"/>
+                    </a:p>
+                  </a:txBody>
+                  <a:tcPr/>
+                </a:tc>
+                <a:tc hMerge="1">
+                  <a:txBody>
+                    <a:bodyPr/>
+                    <a:lstStyle/>
+                    <a:p>
+                      <a:pPr latinLnBrk="1"/>
+                      <a:endParaRPr lang="ko-KR" altLang="en-US"/>
+                    </a:p>
+                  </a:txBody>
+                  <a:tcPr/>
+                </a:tc>
+                <a:tc hMerge="1">
+                  <a:txBody>
+                    <a:bodyPr/>
+                    <a:lstStyle/>
+                    <a:p>
+                      <a:pPr latinLnBrk="1"/>
+                      <a:endParaRPr lang="ko-KR" altLang="en-US"/>
+                    </a:p>
+                  </a:txBody>
+                  <a:tcPr/>
+                </a:tc>
+                <a:extLst>
+                  <a:ext uri="{0D108BD9-81ED-4DB2-BD59-A6C34878D82A}">
+                    <a16:rowId xmlns:a16="http://schemas.microsoft.com/office/drawing/2014/main" val="2882620723"/>
+                  </a:ext>
+                </a:extLst>
+              </a:tr>
+              <a:tr h="2171788">
+                <a:tc gridSpan="12">
+                  <a:txBody>
+                    <a:bodyPr/>
+                    <a:lstStyle/>
+                    <a:p>
+                      <a:pPr marL="0" marR="0" indent="0" algn="just" fontAlgn="base" latinLnBrk="1">
+                        <a:lnSpc>
+                          <a:spcPct val="130000"/>
+                        </a:lnSpc>
+                        <a:spcBef>
+                          <a:spcPts val="0"/>
+                        </a:spcBef>
+                        <a:spcAft>
+                          <a:spcPts val="0"/>
+                        </a:spcAft>
+                      </a:pPr>
+                      <a:r>
+                        <a:rPr lang="ko-KR" altLang="en-US" sz="1100" b="1" kern="0" spc="-20" dirty="0">
+                          <a:solidFill>
+                            <a:srgbClr val="4C4C4C"/>
+                          </a:solidFill>
+                          <a:effectLst/>
+                          <a:latin typeface="맑은 고딕" panose="020B0503020000020004" pitchFamily="50" charset="-127"/>
+                          <a:ea typeface="맑은 고딕" panose="020B0503020000020004" pitchFamily="50" charset="-127"/>
+                        </a:rPr>
+                        <a:t>특징</a:t>
+                      </a:r>
+                      <a:r>
+                        <a:rPr lang="ko-KR" altLang="en-US" sz="1100" b="1" kern="0" spc="-80" dirty="0">
+                          <a:solidFill>
+                            <a:srgbClr val="4C4C4C"/>
+                          </a:solidFill>
+                          <a:effectLst/>
+                          <a:latin typeface="맑은 고딕" panose="020B0503020000020004" pitchFamily="50" charset="-127"/>
+                          <a:ea typeface="맑은 고딕" panose="020B0503020000020004" pitchFamily="50" charset="-127"/>
+                        </a:rPr>
+                        <a:t> 및 스토리 </a:t>
+                      </a:r>
+                      <a:r>
+                        <a:rPr lang="en-US" altLang="ko-KR" sz="1100" b="1" kern="0" spc="-80" dirty="0">
+                          <a:solidFill>
+                            <a:srgbClr val="4C4C4C"/>
+                          </a:solidFill>
+                          <a:effectLst/>
+                          <a:latin typeface="맑은 고딕" panose="020B0503020000020004" pitchFamily="50" charset="-127"/>
+                          <a:ea typeface="맑은 고딕" panose="020B0503020000020004" pitchFamily="50" charset="-127"/>
+                        </a:rPr>
+                        <a:t>: </a:t>
+                      </a:r>
+                    </a:p>
+                    <a:p>
+                      <a:pPr marL="0" marR="0" indent="0" algn="l" fontAlgn="base" latinLnBrk="1">
+                        <a:lnSpc>
+                          <a:spcPct val="130000"/>
+                        </a:lnSpc>
+                        <a:spcBef>
+                          <a:spcPts val="0"/>
+                        </a:spcBef>
+                        <a:spcAft>
+                          <a:spcPts val="0"/>
+                        </a:spcAft>
+                      </a:pPr>
+                      <a:r>
+                        <a:rPr lang="ko-KR" altLang="en-US" sz="1100" b="0" kern="0" spc="-80" dirty="0" err="1">
+                          <a:solidFill>
+                            <a:srgbClr val="4C4C4C"/>
+                          </a:solidFill>
+                          <a:effectLst/>
+                          <a:latin typeface="맑은 고딕" panose="020B0503020000020004" pitchFamily="50" charset="-127"/>
+                          <a:ea typeface="맑은 고딕" panose="020B0503020000020004" pitchFamily="50" charset="-127"/>
+                        </a:rPr>
+                        <a:t>증권맨인</a:t>
+                      </a:r>
+                      <a:r>
+                        <a:rPr lang="ko-KR" altLang="en-US" sz="1100" b="0" kern="0" spc="-80" dirty="0">
+                          <a:solidFill>
+                            <a:srgbClr val="4C4C4C"/>
+                          </a:solidFill>
+                          <a:effectLst/>
+                          <a:latin typeface="맑은 고딕" panose="020B0503020000020004" pitchFamily="50" charset="-127"/>
+                          <a:ea typeface="맑은 고딕" panose="020B0503020000020004" pitchFamily="50" charset="-127"/>
+                        </a:rPr>
+                        <a:t> 김요구씨는 회사의 생활과 좀 다른 라이프 스타일을 원한다</a:t>
+                      </a:r>
+                      <a:r>
+                        <a:rPr lang="en-US" altLang="ko-KR" sz="1100" b="0" kern="0" spc="-80" dirty="0">
+                          <a:solidFill>
+                            <a:srgbClr val="4C4C4C"/>
+                          </a:solidFill>
+                          <a:effectLst/>
+                          <a:latin typeface="맑은 고딕" panose="020B0503020000020004" pitchFamily="50" charset="-127"/>
+                          <a:ea typeface="맑은 고딕" panose="020B0503020000020004" pitchFamily="50" charset="-127"/>
+                        </a:rPr>
+                        <a:t>. </a:t>
+                      </a:r>
+                      <a:r>
+                        <a:rPr lang="ko-KR" altLang="en-US" sz="1100" b="0" kern="0" spc="-80" dirty="0">
+                          <a:solidFill>
+                            <a:srgbClr val="4C4C4C"/>
+                          </a:solidFill>
+                          <a:effectLst/>
+                          <a:latin typeface="맑은 고딕" panose="020B0503020000020004" pitchFamily="50" charset="-127"/>
+                          <a:ea typeface="맑은 고딕" panose="020B0503020000020004" pitchFamily="50" charset="-127"/>
+                        </a:rPr>
+                        <a:t>그래서 이번에는 평상시 좋아하는 캠핑을 나홀로 </a:t>
+                      </a:r>
+                      <a:r>
+                        <a:rPr lang="ko-KR" altLang="en-US" sz="1100" b="0" kern="0" spc="-80" dirty="0" err="1">
+                          <a:solidFill>
+                            <a:srgbClr val="4C4C4C"/>
+                          </a:solidFill>
+                          <a:effectLst/>
+                          <a:latin typeface="맑은 고딕" panose="020B0503020000020004" pitchFamily="50" charset="-127"/>
+                          <a:ea typeface="맑은 고딕" panose="020B0503020000020004" pitchFamily="50" charset="-127"/>
+                        </a:rPr>
+                        <a:t>차박으로</a:t>
+                      </a:r>
+                      <a:r>
+                        <a:rPr lang="ko-KR" altLang="en-US" sz="1100" b="0" kern="0" spc="-80" dirty="0">
+                          <a:solidFill>
+                            <a:srgbClr val="4C4C4C"/>
+                          </a:solidFill>
+                          <a:effectLst/>
+                          <a:latin typeface="맑은 고딕" panose="020B0503020000020004" pitchFamily="50" charset="-127"/>
+                          <a:ea typeface="맑은 고딕" panose="020B0503020000020004" pitchFamily="50" charset="-127"/>
+                        </a:rPr>
+                        <a:t> </a:t>
+                      </a:r>
+                      <a:r>
+                        <a:rPr lang="ko-KR" altLang="en-US" sz="1100" b="0" kern="0" spc="-80" dirty="0" err="1">
+                          <a:solidFill>
+                            <a:srgbClr val="4C4C4C"/>
+                          </a:solidFill>
+                          <a:effectLst/>
+                          <a:latin typeface="맑은 고딕" panose="020B0503020000020004" pitchFamily="50" charset="-127"/>
+                          <a:ea typeface="맑은 고딕" panose="020B0503020000020004" pitchFamily="50" charset="-127"/>
+                        </a:rPr>
+                        <a:t>하려고한다</a:t>
+                      </a:r>
+                      <a:r>
+                        <a:rPr lang="en-US" altLang="ko-KR" sz="1100" b="0" kern="0" spc="-80" dirty="0">
+                          <a:solidFill>
+                            <a:srgbClr val="4C4C4C"/>
+                          </a:solidFill>
+                          <a:effectLst/>
+                          <a:latin typeface="맑은 고딕" panose="020B0503020000020004" pitchFamily="50" charset="-127"/>
+                          <a:ea typeface="맑은 고딕" panose="020B0503020000020004" pitchFamily="50" charset="-127"/>
+                        </a:rPr>
+                        <a:t>. </a:t>
+                      </a:r>
+                    </a:p>
+                    <a:p>
+                      <a:pPr marL="0" marR="0" indent="0" algn="l" fontAlgn="base" latinLnBrk="1">
+                        <a:lnSpc>
+                          <a:spcPct val="130000"/>
+                        </a:lnSpc>
+                        <a:spcBef>
+                          <a:spcPts val="0"/>
+                        </a:spcBef>
+                        <a:spcAft>
+                          <a:spcPts val="0"/>
+                        </a:spcAft>
+                      </a:pPr>
+                      <a:r>
+                        <a:rPr lang="ko-KR" altLang="en-US" sz="1100" b="0" kern="0" spc="0" dirty="0">
+                          <a:solidFill>
+                            <a:srgbClr val="191919"/>
+                          </a:solidFill>
+                          <a:effectLst/>
+                          <a:latin typeface="맑은 고딕" panose="020B0503020000020004" pitchFamily="50" charset="-127"/>
+                        </a:rPr>
+                        <a:t>최근에 랜턴과</a:t>
+                      </a:r>
+                      <a:r>
+                        <a:rPr lang="en-US" altLang="ko-KR" sz="1100" b="0" kern="0" spc="0" dirty="0">
+                          <a:solidFill>
+                            <a:srgbClr val="191919"/>
+                          </a:solidFill>
+                          <a:effectLst/>
+                          <a:latin typeface="맑은 고딕" panose="020B0503020000020004" pitchFamily="50" charset="-127"/>
+                        </a:rPr>
+                        <a:t>, </a:t>
+                      </a:r>
+                      <a:r>
+                        <a:rPr lang="ko-KR" altLang="en-US" sz="1100" b="0" kern="0" spc="0" dirty="0">
+                          <a:solidFill>
+                            <a:srgbClr val="191919"/>
+                          </a:solidFill>
+                          <a:effectLst/>
+                          <a:latin typeface="맑은 고딕" panose="020B0503020000020004" pitchFamily="50" charset="-127"/>
+                        </a:rPr>
+                        <a:t>몇가지 장비들이 </a:t>
+                      </a:r>
+                      <a:r>
+                        <a:rPr lang="ko-KR" altLang="en-US" sz="1100" b="0" kern="0" spc="0" dirty="0" err="1">
+                          <a:solidFill>
+                            <a:srgbClr val="191919"/>
+                          </a:solidFill>
+                          <a:effectLst/>
+                          <a:latin typeface="맑은 고딕" panose="020B0503020000020004" pitchFamily="50" charset="-127"/>
+                        </a:rPr>
+                        <a:t>교체해야하는</a:t>
+                      </a:r>
+                      <a:r>
+                        <a:rPr lang="ko-KR" altLang="en-US" sz="1100" b="0" kern="0" spc="0" dirty="0">
+                          <a:solidFill>
+                            <a:srgbClr val="191919"/>
+                          </a:solidFill>
+                          <a:effectLst/>
+                          <a:latin typeface="맑은 고딕" panose="020B0503020000020004" pitchFamily="50" charset="-127"/>
+                        </a:rPr>
+                        <a:t> 상황에 괜찮은 장비가 없는지 찾아보려 사이트를 방문했는데</a:t>
+                      </a:r>
+                      <a:r>
+                        <a:rPr lang="en-US" altLang="ko-KR" sz="1100" b="0" kern="0" spc="0" dirty="0">
+                          <a:solidFill>
+                            <a:srgbClr val="191919"/>
+                          </a:solidFill>
+                          <a:effectLst/>
+                          <a:latin typeface="맑은 고딕" panose="020B0503020000020004" pitchFamily="50" charset="-127"/>
+                        </a:rPr>
+                        <a:t>, </a:t>
+                      </a:r>
+                      <a:r>
+                        <a:rPr lang="ko-KR" altLang="en-US" sz="1100" b="0" kern="0" spc="0" dirty="0">
+                          <a:solidFill>
+                            <a:srgbClr val="191919"/>
+                          </a:solidFill>
+                          <a:effectLst/>
+                          <a:latin typeface="맑은 고딕" panose="020B0503020000020004" pitchFamily="50" charset="-127"/>
+                        </a:rPr>
+                        <a:t>사이트에서 홍보하는 </a:t>
+                      </a:r>
+                      <a:r>
+                        <a:rPr lang="ko-KR" altLang="en-US" sz="1100" b="0" kern="0" spc="0" dirty="0" err="1">
+                          <a:solidFill>
+                            <a:srgbClr val="191919"/>
+                          </a:solidFill>
+                          <a:effectLst/>
+                          <a:latin typeface="맑은 고딕" panose="020B0503020000020004" pitchFamily="50" charset="-127"/>
+                        </a:rPr>
+                        <a:t>인플루언서들의</a:t>
+                      </a:r>
+                      <a:r>
+                        <a:rPr lang="ko-KR" altLang="en-US" sz="1100" b="0" kern="0" spc="0" dirty="0">
+                          <a:solidFill>
+                            <a:srgbClr val="191919"/>
+                          </a:solidFill>
+                          <a:effectLst/>
+                          <a:latin typeface="맑은 고딕" panose="020B0503020000020004" pitchFamily="50" charset="-127"/>
+                        </a:rPr>
+                        <a:t> 상품들이 대부분 단점이나</a:t>
+                      </a:r>
+                      <a:r>
+                        <a:rPr lang="en-US" altLang="ko-KR" sz="1100" b="0" kern="0" spc="0" dirty="0">
+                          <a:solidFill>
+                            <a:srgbClr val="191919"/>
+                          </a:solidFill>
+                          <a:effectLst/>
+                          <a:latin typeface="맑은 고딕" panose="020B0503020000020004" pitchFamily="50" charset="-127"/>
+                        </a:rPr>
+                        <a:t>, </a:t>
+                      </a:r>
+                      <a:r>
+                        <a:rPr lang="ko-KR" altLang="en-US" sz="1100" b="0" kern="0" spc="0" dirty="0">
+                          <a:solidFill>
+                            <a:srgbClr val="191919"/>
+                          </a:solidFill>
+                          <a:effectLst/>
+                          <a:latin typeface="맑은 고딕" panose="020B0503020000020004" pitchFamily="50" charset="-127"/>
+                        </a:rPr>
+                        <a:t>사용상의 문제점보다는 과대광고를 </a:t>
+                      </a:r>
+                      <a:r>
+                        <a:rPr lang="ko-KR" altLang="en-US" sz="1100" b="0" kern="0" spc="0" dirty="0" err="1">
+                          <a:solidFill>
+                            <a:srgbClr val="191919"/>
+                          </a:solidFill>
+                          <a:effectLst/>
+                          <a:latin typeface="맑은 고딕" panose="020B0503020000020004" pitchFamily="50" charset="-127"/>
+                        </a:rPr>
+                        <a:t>하는것이</a:t>
+                      </a:r>
+                      <a:r>
+                        <a:rPr lang="ko-KR" altLang="en-US" sz="1100" b="0" kern="0" spc="0" dirty="0">
+                          <a:solidFill>
+                            <a:srgbClr val="191919"/>
+                          </a:solidFill>
+                          <a:effectLst/>
+                          <a:latin typeface="맑은 고딕" panose="020B0503020000020004" pitchFamily="50" charset="-127"/>
+                        </a:rPr>
+                        <a:t> </a:t>
+                      </a:r>
+                      <a:r>
+                        <a:rPr lang="ko-KR" altLang="en-US" sz="1100" b="0" kern="0" spc="0" dirty="0" err="1">
+                          <a:solidFill>
+                            <a:srgbClr val="191919"/>
+                          </a:solidFill>
+                          <a:effectLst/>
+                          <a:latin typeface="맑은 고딕" panose="020B0503020000020004" pitchFamily="50" charset="-127"/>
+                        </a:rPr>
+                        <a:t>많아보여</a:t>
+                      </a:r>
+                      <a:r>
+                        <a:rPr lang="en-US" altLang="ko-KR" sz="1100" b="0" kern="0" spc="0" dirty="0">
+                          <a:solidFill>
+                            <a:srgbClr val="191919"/>
+                          </a:solidFill>
+                          <a:effectLst/>
+                          <a:latin typeface="맑은 고딕" panose="020B0503020000020004" pitchFamily="50" charset="-127"/>
+                        </a:rPr>
+                        <a:t>, </a:t>
+                      </a:r>
+                      <a:r>
+                        <a:rPr lang="ko-KR" altLang="en-US" sz="1100" b="0" kern="0" spc="0" dirty="0">
+                          <a:solidFill>
+                            <a:srgbClr val="191919"/>
+                          </a:solidFill>
+                          <a:effectLst/>
+                          <a:latin typeface="맑은 고딕" panose="020B0503020000020004" pitchFamily="50" charset="-127"/>
+                        </a:rPr>
+                        <a:t>객관성이 </a:t>
+                      </a:r>
+                      <a:r>
+                        <a:rPr lang="ko-KR" altLang="en-US" sz="1100" b="0" kern="0" spc="0" dirty="0" err="1">
+                          <a:solidFill>
+                            <a:srgbClr val="191919"/>
+                          </a:solidFill>
+                          <a:effectLst/>
+                          <a:latin typeface="맑은 고딕" panose="020B0503020000020004" pitchFamily="50" charset="-127"/>
+                        </a:rPr>
+                        <a:t>떨어져보인다</a:t>
+                      </a:r>
+                      <a:r>
+                        <a:rPr lang="en-US" altLang="ko-KR" sz="1100" b="0" kern="0" spc="0" dirty="0">
+                          <a:solidFill>
+                            <a:srgbClr val="191919"/>
+                          </a:solidFill>
+                          <a:effectLst/>
+                          <a:latin typeface="맑은 고딕" panose="020B0503020000020004" pitchFamily="50" charset="-127"/>
+                        </a:rPr>
+                        <a:t>. </a:t>
+                      </a:r>
+                    </a:p>
+                    <a:p>
+                      <a:pPr marL="0" marR="0" indent="0" algn="l" fontAlgn="base" latinLnBrk="1">
+                        <a:lnSpc>
+                          <a:spcPct val="130000"/>
+                        </a:lnSpc>
+                        <a:spcBef>
+                          <a:spcPts val="0"/>
+                        </a:spcBef>
+                        <a:spcAft>
+                          <a:spcPts val="0"/>
+                        </a:spcAft>
+                      </a:pPr>
+                      <a:r>
+                        <a:rPr lang="ko-KR" altLang="en-US" sz="1100" b="0" kern="0" spc="0" dirty="0">
+                          <a:solidFill>
+                            <a:srgbClr val="191919"/>
+                          </a:solidFill>
+                          <a:effectLst/>
+                          <a:latin typeface="맑은 고딕" panose="020B0503020000020004" pitchFamily="50" charset="-127"/>
+                        </a:rPr>
+                        <a:t>더 나은 상품들을 홍보하는 </a:t>
+                      </a:r>
+                      <a:r>
+                        <a:rPr lang="ko-KR" altLang="en-US" sz="1100" b="0" kern="0" spc="0" dirty="0" err="1">
+                          <a:solidFill>
+                            <a:srgbClr val="191919"/>
+                          </a:solidFill>
+                          <a:effectLst/>
+                          <a:latin typeface="맑은 고딕" panose="020B0503020000020004" pitchFamily="50" charset="-127"/>
+                        </a:rPr>
+                        <a:t>내용이면좋을텐데</a:t>
+                      </a:r>
+                      <a:r>
+                        <a:rPr lang="en-US" altLang="ko-KR" sz="1100" b="0" kern="0" spc="0" dirty="0">
+                          <a:solidFill>
+                            <a:srgbClr val="191919"/>
+                          </a:solidFill>
+                          <a:effectLst/>
+                          <a:latin typeface="맑은 고딕" panose="020B0503020000020004" pitchFamily="50" charset="-127"/>
+                        </a:rPr>
+                        <a:t>. </a:t>
+                      </a:r>
+                      <a:r>
+                        <a:rPr lang="ko-KR" altLang="en-US" sz="1100" b="0" kern="0" spc="0" dirty="0">
+                          <a:solidFill>
+                            <a:srgbClr val="191919"/>
+                          </a:solidFill>
+                          <a:effectLst/>
+                          <a:latin typeface="맑은 고딕" panose="020B0503020000020004" pitchFamily="50" charset="-127"/>
+                        </a:rPr>
+                        <a:t>상품을 판매 비교하는 곳인지</a:t>
+                      </a:r>
+                      <a:r>
+                        <a:rPr lang="en-US" altLang="ko-KR" sz="1100" b="0" kern="0" spc="0" dirty="0">
+                          <a:solidFill>
+                            <a:srgbClr val="191919"/>
+                          </a:solidFill>
+                          <a:effectLst/>
+                          <a:latin typeface="맑은 고딕" panose="020B0503020000020004" pitchFamily="50" charset="-127"/>
+                        </a:rPr>
+                        <a:t>, </a:t>
+                      </a:r>
+                      <a:r>
+                        <a:rPr lang="ko-KR" altLang="en-US" sz="1100" b="0" kern="0" spc="0" dirty="0">
+                          <a:solidFill>
+                            <a:srgbClr val="191919"/>
+                          </a:solidFill>
+                          <a:effectLst/>
+                          <a:latin typeface="맑은 고딕" panose="020B0503020000020004" pitchFamily="50" charset="-127"/>
+                        </a:rPr>
+                        <a:t>아님 </a:t>
+                      </a:r>
+                      <a:r>
+                        <a:rPr lang="ko-KR" altLang="en-US" sz="1100" b="0" kern="0" spc="0" dirty="0" err="1">
+                          <a:solidFill>
+                            <a:srgbClr val="191919"/>
+                          </a:solidFill>
+                          <a:effectLst/>
+                          <a:latin typeface="맑은 고딕" panose="020B0503020000020004" pitchFamily="50" charset="-127"/>
+                        </a:rPr>
+                        <a:t>유튜브홍보인것인지</a:t>
+                      </a:r>
+                      <a:r>
+                        <a:rPr lang="en-US" altLang="ko-KR" sz="1100" b="0" kern="0" spc="0" dirty="0">
+                          <a:solidFill>
+                            <a:srgbClr val="191919"/>
+                          </a:solidFill>
+                          <a:effectLst/>
+                          <a:latin typeface="맑은 고딕" panose="020B0503020000020004" pitchFamily="50" charset="-127"/>
+                        </a:rPr>
+                        <a:t>…</a:t>
+                      </a:r>
+                    </a:p>
+                    <a:p>
+                      <a:pPr marL="0" marR="0" indent="0" algn="l" fontAlgn="base" latinLnBrk="1">
+                        <a:lnSpc>
+                          <a:spcPct val="130000"/>
+                        </a:lnSpc>
+                        <a:spcBef>
+                          <a:spcPts val="0"/>
+                        </a:spcBef>
+                        <a:spcAft>
+                          <a:spcPts val="0"/>
+                        </a:spcAft>
+                      </a:pPr>
+                      <a:r>
+                        <a:rPr lang="ko-KR" altLang="en-US" sz="1100" b="0" kern="0" spc="0" dirty="0">
+                          <a:solidFill>
+                            <a:srgbClr val="191919"/>
+                          </a:solidFill>
+                          <a:effectLst/>
+                          <a:latin typeface="맑은 고딕" panose="020B0503020000020004" pitchFamily="50" charset="-127"/>
+                        </a:rPr>
+                        <a:t>내가 사려하는 상품을 명확하게 </a:t>
+                      </a:r>
+                      <a:r>
+                        <a:rPr lang="ko-KR" altLang="en-US" sz="1100" b="0" kern="0" spc="0" dirty="0" err="1">
+                          <a:solidFill>
+                            <a:srgbClr val="191919"/>
+                          </a:solidFill>
+                          <a:effectLst/>
+                          <a:latin typeface="맑은 고딕" panose="020B0503020000020004" pitchFamily="50" charset="-127"/>
+                        </a:rPr>
+                        <a:t>체크할수</a:t>
+                      </a:r>
+                      <a:r>
+                        <a:rPr lang="ko-KR" altLang="en-US" sz="1100" b="0" kern="0" spc="0" dirty="0">
+                          <a:solidFill>
+                            <a:srgbClr val="191919"/>
+                          </a:solidFill>
+                          <a:effectLst/>
+                          <a:latin typeface="맑은 고딕" panose="020B0503020000020004" pitchFamily="50" charset="-127"/>
+                        </a:rPr>
+                        <a:t> 있는 내용이 있으면 좋겠다</a:t>
+                      </a:r>
+                      <a:r>
+                        <a:rPr lang="en-US" altLang="ko-KR" sz="1100" b="0" kern="0" spc="0" dirty="0">
+                          <a:solidFill>
+                            <a:srgbClr val="191919"/>
+                          </a:solidFill>
+                          <a:effectLst/>
+                          <a:latin typeface="맑은 고딕" panose="020B0503020000020004" pitchFamily="50" charset="-127"/>
+                        </a:rPr>
+                        <a:t>.</a:t>
+                      </a:r>
+                      <a:endParaRPr lang="ko-KR" altLang="en-US" sz="1100" b="0" kern="0" spc="0" dirty="0">
+                        <a:solidFill>
+                          <a:srgbClr val="191919"/>
+                        </a:solidFill>
+                        <a:effectLst/>
+                        <a:latin typeface="맑은 고딕" panose="020B0503020000020004" pitchFamily="50" charset="-127"/>
+                      </a:endParaRPr>
+                    </a:p>
+                  </a:txBody>
+                  <a:tcPr marL="64771" marR="64771" marT="17907" marB="17907">
+                    <a:lnL w="12700" cap="flat" cmpd="sng" algn="ctr">
+                      <a:solidFill>
+                        <a:schemeClr val="tx1">
+                          <a:lumMod val="75000"/>
+                          <a:lumOff val="25000"/>
+                        </a:schemeClr>
+                      </a:solidFill>
+                      <a:prstDash val="solid"/>
+                      <a:round/>
+                      <a:headEnd type="none" w="med" len="med"/>
+                      <a:tailEnd type="none" w="med" len="med"/>
+                    </a:lnL>
+                    <a:lnR w="12700" cap="flat" cmpd="sng" algn="ctr">
+                      <a:solidFill>
+                        <a:schemeClr val="tx1">
+                          <a:lumMod val="75000"/>
+                          <a:lumOff val="25000"/>
+                        </a:schemeClr>
+                      </a:solidFill>
+                      <a:prstDash val="solid"/>
+                      <a:round/>
+                      <a:headEnd type="none" w="med" len="med"/>
+                      <a:tailEnd type="none" w="med" len="med"/>
+                    </a:lnR>
+                    <a:lnT w="6350" cap="flat" cmpd="sng" algn="ctr">
+                      <a:solidFill>
+                        <a:schemeClr val="bg1">
+                          <a:lumMod val="50000"/>
+                        </a:schemeClr>
+                      </a:solidFill>
+                      <a:prstDash val="solid"/>
+                      <a:round/>
+                      <a:headEnd type="none" w="med" len="med"/>
+                      <a:tailEnd type="none" w="med" len="med"/>
+                    </a:lnT>
+                    <a:lnB w="12700" cap="flat" cmpd="sng" algn="ctr">
+                      <a:solidFill>
+                        <a:schemeClr val="tx1">
+                          <a:lumMod val="75000"/>
+                          <a:lumOff val="25000"/>
+                        </a:schemeClr>
+                      </a:solidFill>
+                      <a:prstDash val="solid"/>
+                      <a:round/>
+                      <a:headEnd type="none" w="med" len="med"/>
+                      <a:tailEnd type="none" w="med" len="med"/>
+                    </a:lnB>
+                  </a:tcPr>
+                </a:tc>
+                <a:tc hMerge="1">
+                  <a:txBody>
+                    <a:bodyPr/>
+                    <a:lstStyle/>
+                    <a:p>
+                      <a:pPr latinLnBrk="1"/>
+                      <a:endParaRPr lang="ko-KR" altLang="en-US"/>
+                    </a:p>
+                  </a:txBody>
+                  <a:tcPr/>
+                </a:tc>
+                <a:tc hMerge="1">
+                  <a:txBody>
+                    <a:bodyPr/>
+                    <a:lstStyle/>
+                    <a:p>
+                      <a:pPr latinLnBrk="1"/>
+                      <a:endParaRPr lang="ko-KR" altLang="en-US"/>
+                    </a:p>
+                  </a:txBody>
+                  <a:tcPr/>
+                </a:tc>
+                <a:tc hMerge="1">
+                  <a:txBody>
+                    <a:bodyPr/>
+                    <a:lstStyle/>
+                    <a:p>
+                      <a:pPr latinLnBrk="1"/>
+                      <a:endParaRPr lang="ko-KR" altLang="en-US"/>
+                    </a:p>
+                  </a:txBody>
+                  <a:tcPr/>
+                </a:tc>
+                <a:tc hMerge="1">
+                  <a:txBody>
+                    <a:bodyPr/>
+                    <a:lstStyle/>
+                    <a:p>
+                      <a:pPr latinLnBrk="1"/>
+                      <a:endParaRPr lang="ko-KR" altLang="en-US"/>
+                    </a:p>
+                  </a:txBody>
+                  <a:tcPr/>
+                </a:tc>
+                <a:tc hMerge="1">
+                  <a:txBody>
+                    <a:bodyPr/>
+                    <a:lstStyle/>
+                    <a:p>
+                      <a:pPr latinLnBrk="1"/>
+                      <a:endParaRPr lang="ko-KR" altLang="en-US"/>
+                    </a:p>
+                  </a:txBody>
+                  <a:tcPr/>
+                </a:tc>
+                <a:tc hMerge="1">
+                  <a:txBody>
+                    <a:bodyPr/>
+                    <a:lstStyle/>
+                    <a:p>
+                      <a:pPr latinLnBrk="1"/>
+                      <a:endParaRPr lang="ko-KR" altLang="en-US"/>
+                    </a:p>
+                  </a:txBody>
+                  <a:tcPr/>
+                </a:tc>
+                <a:tc hMerge="1">
+                  <a:txBody>
+                    <a:bodyPr/>
+                    <a:lstStyle/>
+                    <a:p>
+                      <a:pPr latinLnBrk="1"/>
+                      <a:endParaRPr lang="ko-KR" altLang="en-US"/>
+                    </a:p>
+                  </a:txBody>
+                  <a:tcPr/>
+                </a:tc>
+                <a:tc hMerge="1">
+                  <a:txBody>
+                    <a:bodyPr/>
+                    <a:lstStyle/>
+                    <a:p>
+                      <a:pPr latinLnBrk="1"/>
+                      <a:endParaRPr lang="ko-KR" altLang="en-US"/>
+                    </a:p>
+                  </a:txBody>
+                  <a:tcPr/>
+                </a:tc>
+                <a:tc hMerge="1">
+                  <a:txBody>
+                    <a:bodyPr/>
+                    <a:lstStyle/>
+                    <a:p>
+                      <a:pPr latinLnBrk="1"/>
+                      <a:endParaRPr lang="ko-KR" altLang="en-US"/>
+                    </a:p>
+                  </a:txBody>
+                  <a:tcPr/>
+                </a:tc>
+                <a:tc hMerge="1">
+                  <a:txBody>
+                    <a:bodyPr/>
+                    <a:lstStyle/>
+                    <a:p>
+                      <a:pPr latinLnBrk="1"/>
+                      <a:endParaRPr lang="ko-KR" altLang="en-US"/>
+                    </a:p>
+                  </a:txBody>
+                  <a:tcPr/>
+                </a:tc>
+                <a:tc hMerge="1">
+                  <a:txBody>
+                    <a:bodyPr/>
+                    <a:lstStyle/>
+                    <a:p>
+                      <a:pPr latinLnBrk="1"/>
+                      <a:endParaRPr lang="ko-KR" altLang="en-US"/>
+                    </a:p>
+                  </a:txBody>
+                  <a:tcPr/>
+                </a:tc>
+                <a:extLst>
+                  <a:ext uri="{0D108BD9-81ED-4DB2-BD59-A6C34878D82A}">
+                    <a16:rowId xmlns:a16="http://schemas.microsoft.com/office/drawing/2014/main" val="1128258594"/>
+                  </a:ext>
+                </a:extLst>
+              </a:tr>
+            </a:tbl>
+          </a:graphicData>
+        </a:graphic>
+      </p:graphicFrame>
+      <p:sp>
+        <p:nvSpPr>
+          <p:cNvPr id="17" name="슬라이드 번호 개체 틀 3">
+            <a:extLst>
+              <a:ext uri="{FF2B5EF4-FFF2-40B4-BE49-F238E27FC236}">
+                <a16:creationId xmlns:a16="http://schemas.microsoft.com/office/drawing/2014/main" id="{CB038CF3-C276-45A8-9583-DEAAFD8485F0}"/>
+              </a:ext>
+            </a:extLst>
+          </p:cNvPr>
+          <p:cNvSpPr>
+            <a:spLocks noGrp="1"/>
+          </p:cNvSpPr>
+          <p:nvPr>
+            <p:ph type="sldNum" sz="quarter" idx="4"/>
+          </p:nvPr>
+        </p:nvSpPr>
+        <p:spPr>
+          <a:xfrm>
+            <a:off x="10305288" y="6292343"/>
+            <a:ext cx="539496" cy="365125"/>
+          </a:xfrm>
+          <a:prstGeom prst="rect">
+            <a:avLst/>
+          </a:prstGeom>
+        </p:spPr>
+        <p:txBody>
+          <a:bodyPr/>
+          <a:lstStyle>
+            <a:lvl1pPr algn="r">
+              <a:defRPr>
+                <a:solidFill>
+                  <a:schemeClr val="bg1">
+                    <a:lumMod val="50000"/>
+                  </a:schemeClr>
+                </a:solidFill>
+              </a:defRPr>
+            </a:lvl1pPr>
+          </a:lstStyle>
+          <a:p>
+            <a:fld id="{418EBCF5-7C0D-4452-BD99-4798E1600F69}" type="slidenum">
+              <a:rPr lang="ko-KR" altLang="en-US" sz="1100"/>
+              <a:pPr/>
+              <a:t>8</a:t>
+            </a:fld>
+            <a:endParaRPr lang="ko-KR" altLang="en-US" sz="1100"/>
+          </a:p>
+        </p:txBody>
+      </p:sp>
+    </p:spTree>
+    <p:extLst>
+      <p:ext uri="{BB962C8B-B14F-4D97-AF65-F5344CB8AC3E}">
+        <p14:creationId xmlns:p14="http://schemas.microsoft.com/office/powerpoint/2010/main" val="2198933492"/>
+      </p:ext>
+    </p:extLst>
+  </p:cSld>
+  <p:clrMapOvr>
+    <a:masterClrMapping/>
+  </p:clrMapOvr>
+</p:sld>
+</file>
+
+<file path=ppt/slides/slide9.xml><?xml version="1.0" encoding="utf-8"?>
+<p:sld xmlns:a="http://schemas.openxmlformats.org/drawingml/2006/main" xmlns:r="http://schemas.openxmlformats.org/officeDocument/2006/relationships" xmlns:p="http://schemas.openxmlformats.org/presentationml/2006/main">
+  <p:cSld>
+    <p:spTree>
+      <p:nvGrpSpPr>
+        <p:cNvPr id="1" name=""/>
+        <p:cNvGrpSpPr/>
+        <p:nvPr/>
+      </p:nvGrpSpPr>
+      <p:grpSpPr>
+        <a:xfrm>
+          <a:off x="0" y="0"/>
+          <a:ext cx="0" cy="0"/>
+          <a:chOff x="0" y="0"/>
+          <a:chExt cx="0" cy="0"/>
+        </a:xfrm>
+      </p:grpSpPr>
+      <p:sp>
+        <p:nvSpPr>
+          <p:cNvPr id="2" name="제목 1">
+            <a:extLst>
+              <a:ext uri="{FF2B5EF4-FFF2-40B4-BE49-F238E27FC236}">
+                <a16:creationId xmlns:a16="http://schemas.microsoft.com/office/drawing/2014/main" id="{4E1E60AE-5AB9-4B0F-A0D8-2339BA34DD09}"/>
+              </a:ext>
+            </a:extLst>
+          </p:cNvPr>
+          <p:cNvSpPr>
+            <a:spLocks noGrp="1"/>
+          </p:cNvSpPr>
+          <p:nvPr>
+            <p:ph type="ctrTitle"/>
+          </p:nvPr>
+        </p:nvSpPr>
+        <p:spPr/>
+        <p:txBody>
+          <a:bodyPr/>
+          <a:lstStyle/>
+          <a:p>
+            <a:r>
+              <a:rPr lang="en-US" altLang="ko-KR" b="1" dirty="0">
+                <a:solidFill>
+                  <a:srgbClr val="2AB9C7"/>
+                </a:solidFill>
+                <a:latin typeface="맑은 고딕" panose="020B0503020000020004" pitchFamily="50" charset="-127"/>
+                <a:ea typeface="맑은 고딕" panose="020B0503020000020004" pitchFamily="50" charset="-127"/>
+              </a:rPr>
+              <a:t>3.</a:t>
+            </a:r>
+            <a:r>
+              <a:rPr lang="ko-KR" altLang="en-US" b="1" dirty="0">
+                <a:solidFill>
+                  <a:srgbClr val="2AB9C7"/>
+                </a:solidFill>
+                <a:latin typeface="맑은 고딕" panose="020B0503020000020004" pitchFamily="50" charset="-127"/>
+                <a:ea typeface="맑은 고딕" panose="020B0503020000020004" pitchFamily="50" charset="-127"/>
+              </a:rPr>
+              <a:t> 프로젝트 분석 내용 방향성 선정</a:t>
+            </a:r>
+            <a:endParaRPr lang="ko-KR" altLang="en-US" dirty="0"/>
+          </a:p>
+        </p:txBody>
+      </p:sp>
+      <p:sp>
+        <p:nvSpPr>
+          <p:cNvPr id="12" name="부제목 3">
+            <a:extLst>
+              <a:ext uri="{FF2B5EF4-FFF2-40B4-BE49-F238E27FC236}">
+                <a16:creationId xmlns:a16="http://schemas.microsoft.com/office/drawing/2014/main" id="{9BDE5150-D116-4748-8159-831FAA8ABF6E}"/>
+              </a:ext>
+            </a:extLst>
+          </p:cNvPr>
+          <p:cNvSpPr>
+            <a:spLocks noGrp="1"/>
+          </p:cNvSpPr>
+          <p:nvPr>
+            <p:ph type="subTitle" idx="1"/>
+          </p:nvPr>
+        </p:nvSpPr>
+        <p:spPr/>
+        <p:txBody>
+          <a:bodyPr/>
+          <a:lstStyle/>
+          <a:p>
+            <a:r>
+              <a:rPr lang="en-US" altLang="ko-KR" dirty="0"/>
+              <a:t>03-1 </a:t>
+            </a:r>
+            <a:r>
+              <a:rPr lang="ko-KR" altLang="en-US" dirty="0"/>
+              <a:t>분석 자료 정리</a:t>
+            </a:r>
+          </a:p>
+        </p:txBody>
+      </p:sp>
+      <p:sp>
+        <p:nvSpPr>
+          <p:cNvPr id="13" name="텍스트 개체 틀 11">
+            <a:extLst>
+              <a:ext uri="{FF2B5EF4-FFF2-40B4-BE49-F238E27FC236}">
+                <a16:creationId xmlns:a16="http://schemas.microsoft.com/office/drawing/2014/main" id="{77A760DD-A22E-4893-8886-C3EF30F0E801}"/>
+              </a:ext>
+            </a:extLst>
+          </p:cNvPr>
+          <p:cNvSpPr>
+            <a:spLocks noGrp="1"/>
+          </p:cNvSpPr>
+          <p:nvPr>
+            <p:ph type="body" sz="half" idx="2"/>
+          </p:nvPr>
+        </p:nvSpPr>
+        <p:spPr/>
+        <p:txBody>
+          <a:bodyPr/>
+          <a:lstStyle/>
+          <a:p>
+            <a:r>
+              <a:rPr lang="ko-KR" altLang="en-US" dirty="0">
+                <a:solidFill>
+                  <a:prstClr val="black">
+                    <a:lumMod val="65000"/>
+                    <a:lumOff val="35000"/>
+                  </a:prstClr>
+                </a:solidFill>
+                <a:latin typeface="맑은 고딕" panose="020B0503020000020004" pitchFamily="50" charset="-127"/>
+                <a:ea typeface="맑은 고딕" panose="020B0503020000020004" pitchFamily="50" charset="-127"/>
+              </a:rPr>
+              <a:t>페르소나 </a:t>
+            </a:r>
+            <a:r>
+              <a:rPr lang="en-US" altLang="ko-KR" dirty="0">
+                <a:solidFill>
+                  <a:prstClr val="black">
+                    <a:lumMod val="65000"/>
+                    <a:lumOff val="35000"/>
+                  </a:prstClr>
+                </a:solidFill>
+                <a:latin typeface="맑은 고딕" panose="020B0503020000020004" pitchFamily="50" charset="-127"/>
+                <a:ea typeface="맑은 고딕" panose="020B0503020000020004" pitchFamily="50" charset="-127"/>
+              </a:rPr>
+              <a:t>: </a:t>
+            </a:r>
+            <a:r>
+              <a:rPr lang="ko-KR" altLang="en-US" dirty="0">
+                <a:solidFill>
+                  <a:prstClr val="black">
+                    <a:lumMod val="65000"/>
+                    <a:lumOff val="35000"/>
+                  </a:prstClr>
+                </a:solidFill>
+                <a:latin typeface="맑은 고딕" panose="020B0503020000020004" pitchFamily="50" charset="-127"/>
+                <a:ea typeface="맑은 고딕" panose="020B0503020000020004" pitchFamily="50" charset="-127"/>
+              </a:rPr>
+              <a:t>개발 방향성 정리 </a:t>
+            </a:r>
+            <a:r>
+              <a:rPr lang="en-US" altLang="ko-KR" dirty="0">
+                <a:solidFill>
+                  <a:prstClr val="black">
+                    <a:lumMod val="65000"/>
+                    <a:lumOff val="35000"/>
+                  </a:prstClr>
+                </a:solidFill>
+                <a:latin typeface="맑은 고딕" panose="020B0503020000020004" pitchFamily="50" charset="-127"/>
+                <a:ea typeface="맑은 고딕" panose="020B0503020000020004" pitchFamily="50" charset="-127"/>
+              </a:rPr>
+              <a:t>B</a:t>
+            </a:r>
+            <a:r>
+              <a:rPr lang="ko-KR" altLang="en-US" dirty="0">
+                <a:solidFill>
+                  <a:prstClr val="black">
+                    <a:lumMod val="65000"/>
+                    <a:lumOff val="35000"/>
+                  </a:prstClr>
+                </a:solidFill>
+                <a:latin typeface="맑은 고딕" panose="020B0503020000020004" pitchFamily="50" charset="-127"/>
+                <a:ea typeface="맑은 고딕" panose="020B0503020000020004" pitchFamily="50" charset="-127"/>
+              </a:rPr>
+              <a:t>타입</a:t>
+            </a:r>
+            <a:endParaRPr lang="ko-KR" altLang="en-US" dirty="0"/>
+          </a:p>
+        </p:txBody>
+      </p:sp>
+      <p:sp>
+        <p:nvSpPr>
+          <p:cNvPr id="20" name="직사각형 19">
+            <a:extLst>
+              <a:ext uri="{FF2B5EF4-FFF2-40B4-BE49-F238E27FC236}">
+                <a16:creationId xmlns:a16="http://schemas.microsoft.com/office/drawing/2014/main" id="{E3EF3568-F942-C94E-926B-6416379CD47C}"/>
+              </a:ext>
+            </a:extLst>
+          </p:cNvPr>
+          <p:cNvSpPr/>
+          <p:nvPr/>
+        </p:nvSpPr>
+        <p:spPr>
+          <a:xfrm>
+            <a:off x="7062565" y="422029"/>
+            <a:ext cx="654635" cy="553998"/>
+          </a:xfrm>
+          <a:prstGeom prst="rect">
+            <a:avLst/>
+          </a:prstGeom>
+        </p:spPr>
+        <p:txBody>
+          <a:bodyPr wrap="square">
+            <a:spAutoFit/>
+          </a:bodyPr>
+          <a:lstStyle/>
+          <a:p>
+            <a:pPr>
+              <a:defRPr/>
+            </a:pPr>
+            <a:r>
+              <a:rPr lang="en-US" altLang="ko-KR" sz="3000" b="1" dirty="0">
+                <a:solidFill>
+                  <a:prstClr val="white"/>
+                </a:solidFill>
+                <a:latin typeface="맑은 고딕" panose="020B0503020000020004" pitchFamily="50" charset="-127"/>
+                <a:ea typeface="맑은 고딕" panose="020B0503020000020004" pitchFamily="50" charset="-127"/>
+              </a:rPr>
+              <a:t>02</a:t>
+            </a:r>
+            <a:endParaRPr lang="ko-KR" altLang="en-US" sz="3000" b="1" dirty="0">
+              <a:solidFill>
+                <a:prstClr val="white"/>
+              </a:solidFill>
+              <a:latin typeface="맑은 고딕" panose="020B0503020000020004" pitchFamily="50" charset="-127"/>
+              <a:ea typeface="맑은 고딕" panose="020B0503020000020004" pitchFamily="50" charset="-127"/>
+            </a:endParaRPr>
+          </a:p>
+        </p:txBody>
+      </p:sp>
+      <p:graphicFrame>
+        <p:nvGraphicFramePr>
+          <p:cNvPr id="9" name="표 8">
+            <a:extLst>
+              <a:ext uri="{FF2B5EF4-FFF2-40B4-BE49-F238E27FC236}">
+                <a16:creationId xmlns:a16="http://schemas.microsoft.com/office/drawing/2014/main" id="{CAA12A27-DF1A-434C-99F6-A077860D06EF}"/>
+              </a:ext>
+            </a:extLst>
+          </p:cNvPr>
+          <p:cNvGraphicFramePr>
+            <a:graphicFrameLocks noGrp="1"/>
+          </p:cNvGraphicFramePr>
+          <p:nvPr>
+            <p:extLst>
+              <p:ext uri="{D42A27DB-BD31-4B8C-83A1-F6EECF244321}">
+                <p14:modId xmlns:p14="http://schemas.microsoft.com/office/powerpoint/2010/main" val="1989797410"/>
+              </p:ext>
+            </p:extLst>
+          </p:nvPr>
+        </p:nvGraphicFramePr>
+        <p:xfrm>
+          <a:off x="1260094" y="2109109"/>
+          <a:ext cx="9491994" cy="3968498"/>
+        </p:xfrm>
+        <a:graphic>
+          <a:graphicData uri="http://schemas.openxmlformats.org/drawingml/2006/table">
+            <a:tbl>
+              <a:tblPr/>
+              <a:tblGrid>
+                <a:gridCol w="590747">
+                  <a:extLst>
+                    <a:ext uri="{9D8B030D-6E8A-4147-A177-3AD203B41FA5}">
+                      <a16:colId xmlns:a16="http://schemas.microsoft.com/office/drawing/2014/main" val="2825577889"/>
+                    </a:ext>
+                  </a:extLst>
+                </a:gridCol>
+                <a:gridCol w="271773">
+                  <a:extLst>
+                    <a:ext uri="{9D8B030D-6E8A-4147-A177-3AD203B41FA5}">
+                      <a16:colId xmlns:a16="http://schemas.microsoft.com/office/drawing/2014/main" val="2575371145"/>
+                    </a:ext>
+                  </a:extLst>
+                </a:gridCol>
+                <a:gridCol w="271773">
+                  <a:extLst>
+                    <a:ext uri="{9D8B030D-6E8A-4147-A177-3AD203B41FA5}">
+                      <a16:colId xmlns:a16="http://schemas.microsoft.com/office/drawing/2014/main" val="2460392279"/>
+                    </a:ext>
+                  </a:extLst>
+                </a:gridCol>
+                <a:gridCol w="1168621">
+                  <a:extLst>
+                    <a:ext uri="{9D8B030D-6E8A-4147-A177-3AD203B41FA5}">
+                      <a16:colId xmlns:a16="http://schemas.microsoft.com/office/drawing/2014/main" val="2618226828"/>
+                    </a:ext>
+                  </a:extLst>
+                </a:gridCol>
+                <a:gridCol w="559676">
+                  <a:extLst>
+                    <a:ext uri="{9D8B030D-6E8A-4147-A177-3AD203B41FA5}">
+                      <a16:colId xmlns:a16="http://schemas.microsoft.com/office/drawing/2014/main" val="1969063327"/>
+                    </a:ext>
+                  </a:extLst>
+                </a:gridCol>
+                <a:gridCol w="851339">
+                  <a:extLst>
+                    <a:ext uri="{9D8B030D-6E8A-4147-A177-3AD203B41FA5}">
+                      <a16:colId xmlns:a16="http://schemas.microsoft.com/office/drawing/2014/main" val="3189108789"/>
+                    </a:ext>
+                  </a:extLst>
+                </a:gridCol>
+                <a:gridCol w="614855">
+                  <a:extLst>
+                    <a:ext uri="{9D8B030D-6E8A-4147-A177-3AD203B41FA5}">
+                      <a16:colId xmlns:a16="http://schemas.microsoft.com/office/drawing/2014/main" val="2696593972"/>
+                    </a:ext>
+                  </a:extLst>
+                </a:gridCol>
+                <a:gridCol w="1174531">
+                  <a:extLst>
+                    <a:ext uri="{9D8B030D-6E8A-4147-A177-3AD203B41FA5}">
+                      <a16:colId xmlns:a16="http://schemas.microsoft.com/office/drawing/2014/main" val="3670021084"/>
+                    </a:ext>
+                  </a:extLst>
+                </a:gridCol>
+                <a:gridCol w="449317">
+                  <a:extLst>
+                    <a:ext uri="{9D8B030D-6E8A-4147-A177-3AD203B41FA5}">
+                      <a16:colId xmlns:a16="http://schemas.microsoft.com/office/drawing/2014/main" val="141499677"/>
+                    </a:ext>
+                  </a:extLst>
+                </a:gridCol>
+                <a:gridCol w="1371600">
+                  <a:extLst>
+                    <a:ext uri="{9D8B030D-6E8A-4147-A177-3AD203B41FA5}">
+                      <a16:colId xmlns:a16="http://schemas.microsoft.com/office/drawing/2014/main" val="935067537"/>
+                    </a:ext>
+                  </a:extLst>
+                </a:gridCol>
+                <a:gridCol w="622739">
+                  <a:extLst>
+                    <a:ext uri="{9D8B030D-6E8A-4147-A177-3AD203B41FA5}">
+                      <a16:colId xmlns:a16="http://schemas.microsoft.com/office/drawing/2014/main" val="2779693455"/>
+                    </a:ext>
+                  </a:extLst>
+                </a:gridCol>
+                <a:gridCol w="1545023">
+                  <a:extLst>
+                    <a:ext uri="{9D8B030D-6E8A-4147-A177-3AD203B41FA5}">
+                      <a16:colId xmlns:a16="http://schemas.microsoft.com/office/drawing/2014/main" val="732168727"/>
+                    </a:ext>
+                  </a:extLst>
+                </a:gridCol>
+              </a:tblGrid>
+              <a:tr h="465679">
+                <a:tc gridSpan="2">
+                  <a:txBody>
+                    <a:bodyPr/>
+                    <a:lstStyle/>
+                    <a:p>
+                      <a:pPr marL="0" marR="0" indent="0" algn="ctr" fontAlgn="base" latinLnBrk="0">
+                        <a:lnSpc>
+                          <a:spcPct val="130000"/>
+                        </a:lnSpc>
+                        <a:spcBef>
+                          <a:spcPts val="0"/>
+                        </a:spcBef>
+                        <a:spcAft>
+                          <a:spcPts val="0"/>
+                        </a:spcAft>
+                      </a:pPr>
+                      <a:r>
+                        <a:rPr lang="ko-KR" altLang="en-US" sz="1200" b="1" kern="0" spc="0" dirty="0">
+                          <a:solidFill>
+                            <a:srgbClr val="2AB9C7"/>
+                          </a:solidFill>
+                          <a:effectLst/>
+                          <a:latin typeface="맑은 고딕" panose="020B0503020000020004" pitchFamily="50" charset="-127"/>
+                          <a:ea typeface="맑은 고딕" panose="020B0503020000020004" pitchFamily="50" charset="-127"/>
+                        </a:rPr>
+                        <a:t>인물 </a:t>
+                      </a:r>
+                      <a:r>
+                        <a:rPr lang="en-US" sz="1200" b="1" kern="0" spc="0" dirty="0">
+                          <a:solidFill>
+                            <a:srgbClr val="2AB9C7"/>
+                          </a:solidFill>
+                          <a:effectLst/>
+                          <a:latin typeface="맑은 고딕" panose="020B0503020000020004" pitchFamily="50" charset="-127"/>
+                          <a:ea typeface="맑은 고딕" panose="020B0503020000020004" pitchFamily="50" charset="-127"/>
+                        </a:rPr>
+                        <a:t>B</a:t>
+                      </a:r>
+                      <a:endParaRPr lang="en-US" sz="1200" b="1" kern="0" spc="0" dirty="0">
+                        <a:solidFill>
+                          <a:srgbClr val="2AB9C7"/>
+                        </a:solidFill>
+                        <a:effectLst/>
+                        <a:latin typeface="맑은 고딕" panose="020B0503020000020004" pitchFamily="50" charset="-127"/>
+                      </a:endParaRPr>
+                    </a:p>
+                  </a:txBody>
+                  <a:tcPr marL="64771" marR="64771" marT="17907" marB="17907" anchor="ctr">
+                    <a:lnL w="12700" cap="flat" cmpd="sng" algn="ctr">
+                      <a:solidFill>
+                        <a:schemeClr val="tx1">
+                          <a:lumMod val="75000"/>
+                          <a:lumOff val="25000"/>
+                        </a:schemeClr>
+                      </a:solidFill>
+                      <a:prstDash val="solid"/>
+                      <a:round/>
+                      <a:headEnd type="none" w="med" len="med"/>
+                      <a:tailEnd type="none" w="med" len="med"/>
+                    </a:lnL>
+                    <a:lnR w="12700" cap="flat" cmpd="sng" algn="ctr">
+                      <a:solidFill>
+                        <a:schemeClr val="tx1">
+                          <a:lumMod val="75000"/>
+                          <a:lumOff val="25000"/>
+                        </a:schemeClr>
+                      </a:solidFill>
+                      <a:prstDash val="solid"/>
+                      <a:round/>
+                      <a:headEnd type="none" w="med" len="med"/>
+                      <a:tailEnd type="none" w="med" len="med"/>
+                    </a:lnR>
+                    <a:lnT w="12700" cap="flat" cmpd="sng" algn="ctr">
+                      <a:solidFill>
+                        <a:schemeClr val="tx1">
+                          <a:lumMod val="75000"/>
+                          <a:lumOff val="25000"/>
+                        </a:schemeClr>
+                      </a:solidFill>
+                      <a:prstDash val="solid"/>
+                      <a:round/>
+                      <a:headEnd type="none" w="med" len="med"/>
+                      <a:tailEnd type="none" w="med" len="med"/>
+                    </a:lnT>
+                    <a:lnB w="10795" cap="flat" cmpd="sng" algn="ctr">
+                      <a:solidFill>
+                        <a:srgbClr val="191919"/>
+                      </a:solidFill>
+                      <a:prstDash val="solid"/>
+                      <a:round/>
+                      <a:headEnd type="none" w="med" len="med"/>
+                      <a:tailEnd type="none" w="med" len="med"/>
+                    </a:lnB>
+                  </a:tcPr>
+                </a:tc>
+                <a:tc hMerge="1">
+                  <a:txBody>
+                    <a:bodyPr/>
+                    <a:lstStyle/>
+                    <a:p>
+                      <a:pPr latinLnBrk="1"/>
+                      <a:endParaRPr lang="ko-KR" altLang="en-US"/>
+                    </a:p>
+                  </a:txBody>
+                  <a:tcPr/>
+                </a:tc>
+                <a:tc gridSpan="10">
+                  <a:txBody>
+                    <a:bodyPr/>
+                    <a:lstStyle/>
+                    <a:p>
+                      <a:pPr marL="0" marR="0" indent="0" algn="just" fontAlgn="base" latinLnBrk="1">
+                        <a:lnSpc>
+                          <a:spcPct val="130000"/>
+                        </a:lnSpc>
+                        <a:spcBef>
+                          <a:spcPts val="0"/>
+                        </a:spcBef>
+                        <a:spcAft>
+                          <a:spcPts val="0"/>
+                        </a:spcAft>
+                      </a:pPr>
+                      <a:r>
+                        <a:rPr lang="ko-KR" altLang="en-US" sz="1100" b="1" kern="0" spc="0" dirty="0">
+                          <a:solidFill>
+                            <a:srgbClr val="191919"/>
+                          </a:solidFill>
+                          <a:effectLst/>
+                          <a:latin typeface="맑은 고딕" panose="020B0503020000020004" pitchFamily="50" charset="-127"/>
+                          <a:ea typeface="맑은 고딕" panose="020B0503020000020004" pitchFamily="50" charset="-127"/>
+                        </a:rPr>
+                        <a:t>요구사항 요약</a:t>
+                      </a:r>
+                      <a:r>
+                        <a:rPr lang="en-US" altLang="ko-KR" sz="1100" b="1" kern="0" spc="0" dirty="0">
+                          <a:solidFill>
+                            <a:srgbClr val="191919"/>
+                          </a:solidFill>
+                          <a:effectLst/>
+                          <a:latin typeface="맑은 고딕" panose="020B0503020000020004" pitchFamily="50" charset="-127"/>
+                          <a:ea typeface="맑은 고딕" panose="020B0503020000020004" pitchFamily="50" charset="-127"/>
+                        </a:rPr>
+                        <a:t>: </a:t>
+                      </a:r>
+                      <a:r>
+                        <a:rPr lang="ko-KR" altLang="en-US" sz="1100" b="1" kern="0" spc="0" dirty="0">
+                          <a:solidFill>
+                            <a:srgbClr val="191919"/>
+                          </a:solidFill>
+                          <a:effectLst/>
+                          <a:latin typeface="맑은 고딕" panose="020B0503020000020004" pitchFamily="50" charset="-127"/>
+                          <a:ea typeface="맑은 고딕" panose="020B0503020000020004" pitchFamily="50" charset="-127"/>
+                        </a:rPr>
+                        <a:t>페이지에 </a:t>
+                      </a:r>
+                      <a:r>
+                        <a:rPr lang="ko-KR" altLang="en-US" sz="1100" b="1" kern="0" spc="0" dirty="0" err="1">
+                          <a:solidFill>
+                            <a:srgbClr val="191919"/>
+                          </a:solidFill>
+                          <a:effectLst/>
+                          <a:latin typeface="맑은 고딕" panose="020B0503020000020004" pitchFamily="50" charset="-127"/>
+                          <a:ea typeface="맑은 고딕" panose="020B0503020000020004" pitchFamily="50" charset="-127"/>
+                        </a:rPr>
+                        <a:t>내가원하는</a:t>
+                      </a:r>
+                      <a:r>
+                        <a:rPr lang="ko-KR" altLang="en-US" sz="1100" b="1" kern="0" spc="0" dirty="0">
+                          <a:solidFill>
+                            <a:srgbClr val="191919"/>
+                          </a:solidFill>
+                          <a:effectLst/>
+                          <a:latin typeface="맑은 고딕" panose="020B0503020000020004" pitchFamily="50" charset="-127"/>
+                          <a:ea typeface="맑은 고딕" panose="020B0503020000020004" pitchFamily="50" charset="-127"/>
+                        </a:rPr>
+                        <a:t> 상품은 대체 어떻게 파악하나요</a:t>
+                      </a:r>
+                      <a:r>
+                        <a:rPr lang="en-US" altLang="ko-KR" sz="1100" b="1" kern="0" spc="0" dirty="0">
+                          <a:solidFill>
+                            <a:srgbClr val="191919"/>
+                          </a:solidFill>
+                          <a:effectLst/>
+                          <a:latin typeface="맑은 고딕" panose="020B0503020000020004" pitchFamily="50" charset="-127"/>
+                          <a:ea typeface="맑은 고딕" panose="020B0503020000020004" pitchFamily="50" charset="-127"/>
+                        </a:rPr>
+                        <a:t>? </a:t>
+                      </a:r>
+                      <a:r>
+                        <a:rPr lang="ko-KR" altLang="en-US" sz="1100" b="1" kern="0" spc="0" dirty="0">
+                          <a:solidFill>
+                            <a:srgbClr val="191919"/>
+                          </a:solidFill>
+                          <a:effectLst/>
+                          <a:latin typeface="맑은 고딕" panose="020B0503020000020004" pitchFamily="50" charset="-127"/>
+                          <a:ea typeface="맑은 고딕" panose="020B0503020000020004" pitchFamily="50" charset="-127"/>
+                        </a:rPr>
+                        <a:t>너무 복잡해요</a:t>
+                      </a:r>
+                      <a:r>
+                        <a:rPr lang="en-US" altLang="ko-KR" sz="1100" b="1" kern="0" spc="0" dirty="0">
+                          <a:solidFill>
+                            <a:srgbClr val="191919"/>
+                          </a:solidFill>
+                          <a:effectLst/>
+                          <a:latin typeface="맑은 고딕" panose="020B0503020000020004" pitchFamily="50" charset="-127"/>
+                          <a:ea typeface="맑은 고딕" panose="020B0503020000020004" pitchFamily="50" charset="-127"/>
+                        </a:rPr>
+                        <a:t>.</a:t>
                       </a:r>
                       <a:endParaRPr lang="ko-KR" altLang="en-US" sz="1100" kern="0" spc="0" dirty="0">
                         <a:solidFill>
@@ -24971,2620 +31143,16 @@
                           <a:spcPts val="0"/>
                         </a:spcAft>
                       </a:pPr>
-                      <a:endParaRPr lang="ko-KR" altLang="en-US" sz="1100" kern="0" spc="0" dirty="0">
-                        <a:solidFill>
-                          <a:srgbClr val="191919"/>
-                        </a:solidFill>
-                        <a:effectLst/>
-                        <a:latin typeface="맑은 고딕" panose="020B0503020000020004" pitchFamily="50" charset="-127"/>
-                      </a:endParaRPr>
-                    </a:p>
-                  </a:txBody>
-                  <a:tcPr marL="64771" marR="64771" marT="17907" marB="17907" anchor="ctr">
-                    <a:lnL w="12700" cap="flat" cmpd="sng" algn="ctr">
-                      <a:solidFill>
-                        <a:schemeClr val="bg1">
-                          <a:lumMod val="65000"/>
-                        </a:schemeClr>
-                      </a:solidFill>
-                      <a:prstDash val="solid"/>
-                      <a:round/>
-                      <a:headEnd type="none" w="med" len="med"/>
-                      <a:tailEnd type="none" w="med" len="med"/>
-                    </a:lnL>
-                    <a:lnR w="6350" cap="flat" cmpd="sng" algn="ctr">
-                      <a:solidFill>
-                        <a:schemeClr val="bg1">
-                          <a:lumMod val="50000"/>
-                        </a:schemeClr>
-                      </a:solidFill>
-                      <a:prstDash val="solid"/>
-                      <a:round/>
-                      <a:headEnd type="none" w="med" len="med"/>
-                      <a:tailEnd type="none" w="med" len="med"/>
-                    </a:lnR>
-                    <a:lnT w="12700" cap="flat" cmpd="sng" algn="ctr">
-                      <a:solidFill>
-                        <a:schemeClr val="tx1">
-                          <a:lumMod val="75000"/>
-                          <a:lumOff val="25000"/>
-                        </a:schemeClr>
-                      </a:solidFill>
-                      <a:prstDash val="solid"/>
-                      <a:round/>
-                      <a:headEnd type="none" w="med" len="med"/>
-                      <a:tailEnd type="none" w="med" len="med"/>
-                    </a:lnT>
-                    <a:lnB w="6350" cap="flat" cmpd="sng" algn="ctr">
-                      <a:solidFill>
-                        <a:schemeClr val="bg1">
-                          <a:lumMod val="50000"/>
-                        </a:schemeClr>
-                      </a:solidFill>
-                      <a:prstDash val="solid"/>
-                      <a:round/>
-                      <a:headEnd type="none" w="med" len="med"/>
-                      <a:tailEnd type="none" w="med" len="med"/>
-                    </a:lnB>
-                  </a:tcPr>
-                </a:tc>
-                <a:tc>
-                  <a:txBody>
-                    <a:bodyPr/>
-                    <a:lstStyle/>
-                    <a:p>
-                      <a:pPr marL="0" marR="0" indent="0" algn="ctr" fontAlgn="base" latinLnBrk="0">
-                        <a:lnSpc>
-                          <a:spcPct val="130000"/>
-                        </a:lnSpc>
-                        <a:spcBef>
-                          <a:spcPts val="0"/>
-                        </a:spcBef>
-                        <a:spcAft>
-                          <a:spcPts val="0"/>
-                        </a:spcAft>
-                      </a:pPr>
                       <a:r>
-                        <a:rPr lang="ko-KR" altLang="en-US" sz="800" b="1" kern="0" spc="0" dirty="0">
+                        <a:rPr lang="ko-KR" altLang="en-US" sz="1100" kern="0" spc="0" dirty="0">
                           <a:solidFill>
                             <a:srgbClr val="191919"/>
                           </a:solidFill>
                           <a:effectLst/>
                           <a:latin typeface="맑은 고딕" panose="020B0503020000020004" pitchFamily="50" charset="-127"/>
-                          <a:ea typeface="맑은 고딕" panose="020B0503020000020004" pitchFamily="50" charset="-127"/>
                         </a:rPr>
-                        <a:t>국적</a:t>
+                        <a:t>남</a:t>
                       </a:r>
-                      <a:endParaRPr lang="ko-KR" altLang="en-US" sz="1100" kern="0" spc="0" dirty="0">
-                        <a:solidFill>
-                          <a:srgbClr val="191919"/>
-                        </a:solidFill>
-                        <a:effectLst/>
-                        <a:latin typeface="맑은 고딕" panose="020B0503020000020004" pitchFamily="50" charset="-127"/>
-                      </a:endParaRPr>
-                    </a:p>
-                  </a:txBody>
-                  <a:tcPr marL="64771" marR="64771" marT="17907" marB="17907" anchor="ctr">
-                    <a:lnL w="6350" cap="flat" cmpd="sng" algn="ctr">
-                      <a:solidFill>
-                        <a:schemeClr val="bg1">
-                          <a:lumMod val="50000"/>
-                        </a:schemeClr>
-                      </a:solidFill>
-                      <a:prstDash val="solid"/>
-                      <a:round/>
-                      <a:headEnd type="none" w="med" len="med"/>
-                      <a:tailEnd type="none" w="med" len="med"/>
-                    </a:lnL>
-                    <a:lnR w="6350" cap="flat" cmpd="sng" algn="ctr">
-                      <a:solidFill>
-                        <a:schemeClr val="bg1">
-                          <a:lumMod val="50000"/>
-                        </a:schemeClr>
-                      </a:solidFill>
-                      <a:prstDash val="solid"/>
-                      <a:round/>
-                      <a:headEnd type="none" w="med" len="med"/>
-                      <a:tailEnd type="none" w="med" len="med"/>
-                    </a:lnR>
-                    <a:lnT w="12700" cap="flat" cmpd="sng" algn="ctr">
-                      <a:solidFill>
-                        <a:schemeClr val="tx1">
-                          <a:lumMod val="75000"/>
-                          <a:lumOff val="25000"/>
-                        </a:schemeClr>
-                      </a:solidFill>
-                      <a:prstDash val="solid"/>
-                      <a:round/>
-                      <a:headEnd type="none" w="med" len="med"/>
-                      <a:tailEnd type="none" w="med" len="med"/>
-                    </a:lnT>
-                    <a:lnB w="6350" cap="flat" cmpd="sng" algn="ctr">
-                      <a:solidFill>
-                        <a:schemeClr val="bg1">
-                          <a:lumMod val="50000"/>
-                        </a:schemeClr>
-                      </a:solidFill>
-                      <a:prstDash val="solid"/>
-                      <a:round/>
-                      <a:headEnd type="none" w="med" len="med"/>
-                      <a:tailEnd type="none" w="med" len="med"/>
-                    </a:lnB>
-                    <a:solidFill>
-                      <a:srgbClr val="DFE6F7"/>
-                    </a:solidFill>
-                  </a:tcPr>
-                </a:tc>
-                <a:tc>
-                  <a:txBody>
-                    <a:bodyPr/>
-                    <a:lstStyle/>
-                    <a:p>
-                      <a:pPr marL="0" marR="0" indent="0" algn="ctr" fontAlgn="base" latinLnBrk="0">
-                        <a:lnSpc>
-                          <a:spcPct val="130000"/>
-                        </a:lnSpc>
-                        <a:spcBef>
-                          <a:spcPts val="0"/>
-                        </a:spcBef>
-                        <a:spcAft>
-                          <a:spcPts val="0"/>
-                        </a:spcAft>
-                      </a:pPr>
-                      <a:endParaRPr lang="ko-KR" altLang="en-US" sz="900" kern="0" spc="0" dirty="0">
-                        <a:solidFill>
-                          <a:srgbClr val="191919"/>
-                        </a:solidFill>
-                        <a:effectLst/>
-                        <a:latin typeface="맑은 고딕" panose="020B0503020000020004" pitchFamily="50" charset="-127"/>
-                      </a:endParaRPr>
-                    </a:p>
-                  </a:txBody>
-                  <a:tcPr marL="64771" marR="64771" marT="17907" marB="17907" anchor="ctr">
-                    <a:lnL w="6350" cap="flat" cmpd="sng" algn="ctr">
-                      <a:solidFill>
-                        <a:schemeClr val="bg1">
-                          <a:lumMod val="50000"/>
-                        </a:schemeClr>
-                      </a:solidFill>
-                      <a:prstDash val="solid"/>
-                      <a:round/>
-                      <a:headEnd type="none" w="med" len="med"/>
-                      <a:tailEnd type="none" w="med" len="med"/>
-                    </a:lnL>
-                    <a:lnR w="6350" cap="flat" cmpd="sng" algn="ctr">
-                      <a:solidFill>
-                        <a:schemeClr val="bg1">
-                          <a:lumMod val="50000"/>
-                        </a:schemeClr>
-                      </a:solidFill>
-                      <a:prstDash val="solid"/>
-                      <a:round/>
-                      <a:headEnd type="none" w="med" len="med"/>
-                      <a:tailEnd type="none" w="med" len="med"/>
-                    </a:lnR>
-                    <a:lnT w="12700" cap="flat" cmpd="sng" algn="ctr">
-                      <a:solidFill>
-                        <a:schemeClr val="tx1">
-                          <a:lumMod val="75000"/>
-                          <a:lumOff val="25000"/>
-                        </a:schemeClr>
-                      </a:solidFill>
-                      <a:prstDash val="solid"/>
-                      <a:round/>
-                      <a:headEnd type="none" w="med" len="med"/>
-                      <a:tailEnd type="none" w="med" len="med"/>
-                    </a:lnT>
-                    <a:lnB w="6350" cap="flat" cmpd="sng" algn="ctr">
-                      <a:solidFill>
-                        <a:schemeClr val="bg1">
-                          <a:lumMod val="50000"/>
-                        </a:schemeClr>
-                      </a:solidFill>
-                      <a:prstDash val="solid"/>
-                      <a:round/>
-                      <a:headEnd type="none" w="med" len="med"/>
-                      <a:tailEnd type="none" w="med" len="med"/>
-                    </a:lnB>
-                  </a:tcPr>
-                </a:tc>
-                <a:tc>
-                  <a:txBody>
-                    <a:bodyPr/>
-                    <a:lstStyle/>
-                    <a:p>
-                      <a:pPr marL="0" marR="0" indent="0" algn="ctr" fontAlgn="base" latinLnBrk="0">
-                        <a:lnSpc>
-                          <a:spcPct val="130000"/>
-                        </a:lnSpc>
-                        <a:spcBef>
-                          <a:spcPts val="0"/>
-                        </a:spcBef>
-                        <a:spcAft>
-                          <a:spcPts val="0"/>
-                        </a:spcAft>
-                      </a:pPr>
-                      <a:r>
-                        <a:rPr lang="ko-KR" altLang="en-US" sz="800" b="1" kern="0" spc="0" dirty="0">
-                          <a:solidFill>
-                            <a:srgbClr val="191919"/>
-                          </a:solidFill>
-                          <a:effectLst/>
-                          <a:latin typeface="맑은 고딕" panose="020B0503020000020004" pitchFamily="50" charset="-127"/>
-                          <a:ea typeface="맑은 고딕" panose="020B0503020000020004" pitchFamily="50" charset="-127"/>
-                        </a:rPr>
-                        <a:t>직업</a:t>
-                      </a:r>
-                      <a:endParaRPr lang="ko-KR" altLang="en-US" sz="1100" kern="0" spc="0" dirty="0">
-                        <a:solidFill>
-                          <a:srgbClr val="191919"/>
-                        </a:solidFill>
-                        <a:effectLst/>
-                        <a:latin typeface="맑은 고딕" panose="020B0503020000020004" pitchFamily="50" charset="-127"/>
-                      </a:endParaRPr>
-                    </a:p>
-                  </a:txBody>
-                  <a:tcPr marL="64771" marR="64771" marT="17907" marB="17907" anchor="ctr">
-                    <a:lnL w="6350" cap="flat" cmpd="sng" algn="ctr">
-                      <a:solidFill>
-                        <a:schemeClr val="bg1">
-                          <a:lumMod val="50000"/>
-                        </a:schemeClr>
-                      </a:solidFill>
-                      <a:prstDash val="solid"/>
-                      <a:round/>
-                      <a:headEnd type="none" w="med" len="med"/>
-                      <a:tailEnd type="none" w="med" len="med"/>
-                    </a:lnL>
-                    <a:lnR w="6350" cap="flat" cmpd="sng" algn="ctr">
-                      <a:solidFill>
-                        <a:schemeClr val="bg1">
-                          <a:lumMod val="50000"/>
-                        </a:schemeClr>
-                      </a:solidFill>
-                      <a:prstDash val="solid"/>
-                      <a:round/>
-                      <a:headEnd type="none" w="med" len="med"/>
-                      <a:tailEnd type="none" w="med" len="med"/>
-                    </a:lnR>
-                    <a:lnT w="12700" cap="flat" cmpd="sng" algn="ctr">
-                      <a:solidFill>
-                        <a:schemeClr val="tx1">
-                          <a:lumMod val="75000"/>
-                          <a:lumOff val="25000"/>
-                        </a:schemeClr>
-                      </a:solidFill>
-                      <a:prstDash val="solid"/>
-                      <a:round/>
-                      <a:headEnd type="none" w="med" len="med"/>
-                      <a:tailEnd type="none" w="med" len="med"/>
-                    </a:lnT>
-                    <a:lnB w="6350" cap="flat" cmpd="sng" algn="ctr">
-                      <a:solidFill>
-                        <a:schemeClr val="bg1">
-                          <a:lumMod val="50000"/>
-                        </a:schemeClr>
-                      </a:solidFill>
-                      <a:prstDash val="solid"/>
-                      <a:round/>
-                      <a:headEnd type="none" w="med" len="med"/>
-                      <a:tailEnd type="none" w="med" len="med"/>
-                    </a:lnB>
-                    <a:solidFill>
-                      <a:srgbClr val="DFE6F7"/>
-                    </a:solidFill>
-                  </a:tcPr>
-                </a:tc>
-                <a:tc>
-                  <a:txBody>
-                    <a:bodyPr/>
-                    <a:lstStyle/>
-                    <a:p>
-                      <a:pPr marL="0" marR="0" indent="0" algn="ctr" fontAlgn="base" latinLnBrk="0">
-                        <a:lnSpc>
-                          <a:spcPct val="130000"/>
-                        </a:lnSpc>
-                        <a:spcBef>
-                          <a:spcPts val="0"/>
-                        </a:spcBef>
-                        <a:spcAft>
-                          <a:spcPts val="0"/>
-                        </a:spcAft>
-                      </a:pPr>
-                      <a:endParaRPr lang="en-US" sz="800" b="1" kern="0" spc="0" dirty="0">
-                        <a:solidFill>
-                          <a:srgbClr val="191919"/>
-                        </a:solidFill>
-                        <a:effectLst/>
-                        <a:latin typeface="맑은 고딕" panose="020B0503020000020004" pitchFamily="50" charset="-127"/>
-                        <a:ea typeface="맑은 고딕" panose="020B0503020000020004" pitchFamily="50" charset="-127"/>
-                      </a:endParaRPr>
-                    </a:p>
-                  </a:txBody>
-                  <a:tcPr marL="64771" marR="64771" marT="17907" marB="17907" anchor="ctr">
-                    <a:lnL w="6350" cap="flat" cmpd="sng" algn="ctr">
-                      <a:solidFill>
-                        <a:schemeClr val="bg1">
-                          <a:lumMod val="50000"/>
-                        </a:schemeClr>
-                      </a:solidFill>
-                      <a:prstDash val="solid"/>
-                      <a:round/>
-                      <a:headEnd type="none" w="med" len="med"/>
-                      <a:tailEnd type="none" w="med" len="med"/>
-                    </a:lnL>
-                    <a:lnR w="12700" cap="flat" cmpd="sng" algn="ctr">
-                      <a:solidFill>
-                        <a:schemeClr val="tx1">
-                          <a:lumMod val="75000"/>
-                          <a:lumOff val="25000"/>
-                        </a:schemeClr>
-                      </a:solidFill>
-                      <a:prstDash val="solid"/>
-                      <a:round/>
-                      <a:headEnd type="none" w="med" len="med"/>
-                      <a:tailEnd type="none" w="med" len="med"/>
-                    </a:lnR>
-                    <a:lnT w="12700" cap="flat" cmpd="sng" algn="ctr">
-                      <a:solidFill>
-                        <a:schemeClr val="tx1">
-                          <a:lumMod val="75000"/>
-                          <a:lumOff val="25000"/>
-                        </a:schemeClr>
-                      </a:solidFill>
-                      <a:prstDash val="solid"/>
-                      <a:round/>
-                      <a:headEnd type="none" w="med" len="med"/>
-                      <a:tailEnd type="none" w="med" len="med"/>
-                    </a:lnT>
-                    <a:lnB w="6350" cap="flat" cmpd="sng" algn="ctr">
-                      <a:solidFill>
-                        <a:schemeClr val="bg1">
-                          <a:lumMod val="50000"/>
-                        </a:schemeClr>
-                      </a:solidFill>
-                      <a:prstDash val="solid"/>
-                      <a:round/>
-                      <a:headEnd type="none" w="med" len="med"/>
-                      <a:tailEnd type="none" w="med" len="med"/>
-                    </a:lnB>
-                  </a:tcPr>
-                </a:tc>
-                <a:extLst>
-                  <a:ext uri="{0D108BD9-81ED-4DB2-BD59-A6C34878D82A}">
-                    <a16:rowId xmlns:a16="http://schemas.microsoft.com/office/drawing/2014/main" val="3702969753"/>
-                  </a:ext>
-                </a:extLst>
-              </a:tr>
-              <a:tr h="443677">
-                <a:tc>
-                  <a:txBody>
-                    <a:bodyPr/>
-                    <a:lstStyle/>
-                    <a:p>
-                      <a:pPr marL="0" marR="0" indent="0" algn="ctr" fontAlgn="base" latinLnBrk="0">
-                        <a:lnSpc>
-                          <a:spcPct val="130000"/>
-                        </a:lnSpc>
-                        <a:spcBef>
-                          <a:spcPts val="0"/>
-                        </a:spcBef>
-                        <a:spcAft>
-                          <a:spcPts val="0"/>
-                        </a:spcAft>
-                      </a:pPr>
-                      <a:r>
-                        <a:rPr lang="ko-KR" altLang="en-US" sz="1100" b="1" kern="0" spc="0" dirty="0">
-                          <a:solidFill>
-                            <a:srgbClr val="191919"/>
-                          </a:solidFill>
-                          <a:effectLst/>
-                          <a:latin typeface="맑은 고딕" panose="020B0503020000020004" pitchFamily="50" charset="-127"/>
-                          <a:ea typeface="맑은 고딕" panose="020B0503020000020004" pitchFamily="50" charset="-127"/>
-                        </a:rPr>
-                        <a:t>취미</a:t>
-                      </a:r>
-                      <a:endParaRPr lang="ko-KR" altLang="en-US" sz="1100" kern="0" spc="0" dirty="0">
-                        <a:solidFill>
-                          <a:srgbClr val="191919"/>
-                        </a:solidFill>
-                        <a:effectLst/>
-                        <a:latin typeface="맑은 고딕" panose="020B0503020000020004" pitchFamily="50" charset="-127"/>
-                      </a:endParaRPr>
-                    </a:p>
-                  </a:txBody>
-                  <a:tcPr marL="64771" marR="64771" marT="17907" marB="17907" anchor="ctr">
-                    <a:lnL w="12700" cap="flat" cmpd="sng" algn="ctr">
-                      <a:solidFill>
-                        <a:schemeClr val="tx1">
-                          <a:lumMod val="75000"/>
-                          <a:lumOff val="25000"/>
-                        </a:schemeClr>
-                      </a:solidFill>
-                      <a:prstDash val="solid"/>
-                      <a:round/>
-                      <a:headEnd type="none" w="med" len="med"/>
-                      <a:tailEnd type="none" w="med" len="med"/>
-                    </a:lnL>
-                    <a:lnR w="6350" cap="flat" cmpd="sng" algn="ctr">
-                      <a:solidFill>
-                        <a:schemeClr val="bg1">
-                          <a:lumMod val="50000"/>
-                        </a:schemeClr>
-                      </a:solidFill>
-                      <a:prstDash val="solid"/>
-                      <a:round/>
-                      <a:headEnd type="none" w="med" len="med"/>
-                      <a:tailEnd type="none" w="med" len="med"/>
-                    </a:lnR>
-                    <a:lnT w="6350" cap="flat" cmpd="sng" algn="ctr">
-                      <a:solidFill>
-                        <a:schemeClr val="bg1">
-                          <a:lumMod val="50000"/>
-                        </a:schemeClr>
-                      </a:solidFill>
-                      <a:prstDash val="solid"/>
-                      <a:round/>
-                      <a:headEnd type="none" w="med" len="med"/>
-                      <a:tailEnd type="none" w="med" len="med"/>
-                    </a:lnT>
-                    <a:lnB w="6350" cap="flat" cmpd="sng" algn="ctr">
-                      <a:solidFill>
-                        <a:schemeClr val="bg1">
-                          <a:lumMod val="50000"/>
-                        </a:schemeClr>
-                      </a:solidFill>
-                      <a:prstDash val="solid"/>
-                      <a:round/>
-                      <a:headEnd type="none" w="med" len="med"/>
-                      <a:tailEnd type="none" w="med" len="med"/>
-                    </a:lnB>
-                    <a:solidFill>
-                      <a:srgbClr val="DFE6F7"/>
-                    </a:solidFill>
-                  </a:tcPr>
-                </a:tc>
-                <a:tc gridSpan="5">
-                  <a:txBody>
-                    <a:bodyPr/>
-                    <a:lstStyle/>
-                    <a:p>
-                      <a:pPr marL="0" marR="0" indent="0" algn="ctr" fontAlgn="base" latinLnBrk="0">
-                        <a:lnSpc>
-                          <a:spcPct val="130000"/>
-                        </a:lnSpc>
-                        <a:spcBef>
-                          <a:spcPts val="0"/>
-                        </a:spcBef>
-                        <a:spcAft>
-                          <a:spcPts val="0"/>
-                        </a:spcAft>
-                      </a:pPr>
-                      <a:endParaRPr lang="ko-KR" altLang="en-US" sz="1100" b="1" kern="0" spc="0" dirty="0">
-                        <a:solidFill>
-                          <a:srgbClr val="191919"/>
-                        </a:solidFill>
-                        <a:effectLst/>
-                        <a:latin typeface="맑은 고딕" panose="020B0503020000020004" pitchFamily="50" charset="-127"/>
-                      </a:endParaRPr>
-                    </a:p>
-                  </a:txBody>
-                  <a:tcPr marL="64771" marR="64771" marT="17907" marB="17907" anchor="ctr">
-                    <a:lnL w="6350" cap="flat" cmpd="sng" algn="ctr">
-                      <a:solidFill>
-                        <a:schemeClr val="bg1">
-                          <a:lumMod val="50000"/>
-                        </a:schemeClr>
-                      </a:solidFill>
-                      <a:prstDash val="solid"/>
-                      <a:round/>
-                      <a:headEnd type="none" w="med" len="med"/>
-                      <a:tailEnd type="none" w="med" len="med"/>
-                    </a:lnL>
-                    <a:lnR w="6350" cap="flat" cmpd="sng" algn="ctr">
-                      <a:solidFill>
-                        <a:schemeClr val="bg1">
-                          <a:lumMod val="50000"/>
-                        </a:schemeClr>
-                      </a:solidFill>
-                      <a:prstDash val="solid"/>
-                      <a:round/>
-                      <a:headEnd type="none" w="med" len="med"/>
-                      <a:tailEnd type="none" w="med" len="med"/>
-                    </a:lnR>
-                    <a:lnT w="6350" cap="flat" cmpd="sng" algn="ctr">
-                      <a:solidFill>
-                        <a:schemeClr val="bg1">
-                          <a:lumMod val="50000"/>
-                        </a:schemeClr>
-                      </a:solidFill>
-                      <a:prstDash val="solid"/>
-                      <a:round/>
-                      <a:headEnd type="none" w="med" len="med"/>
-                      <a:tailEnd type="none" w="med" len="med"/>
-                    </a:lnT>
-                    <a:lnB w="6350" cap="flat" cmpd="sng" algn="ctr">
-                      <a:solidFill>
-                        <a:schemeClr val="bg1">
-                          <a:lumMod val="50000"/>
-                        </a:schemeClr>
-                      </a:solidFill>
-                      <a:prstDash val="solid"/>
-                      <a:round/>
-                      <a:headEnd type="none" w="med" len="med"/>
-                      <a:tailEnd type="none" w="med" len="med"/>
-                    </a:lnB>
-                  </a:tcPr>
-                </a:tc>
-                <a:tc hMerge="1">
-                  <a:txBody>
-                    <a:bodyPr/>
-                    <a:lstStyle/>
-                    <a:p>
-                      <a:pPr latinLnBrk="1"/>
-                      <a:endParaRPr lang="ko-KR" altLang="en-US"/>
-                    </a:p>
-                  </a:txBody>
-                  <a:tcPr/>
-                </a:tc>
-                <a:tc hMerge="1">
-                  <a:txBody>
-                    <a:bodyPr/>
-                    <a:lstStyle/>
-                    <a:p>
-                      <a:pPr latinLnBrk="1"/>
-                      <a:endParaRPr lang="ko-KR" altLang="en-US"/>
-                    </a:p>
-                  </a:txBody>
-                  <a:tcPr/>
-                </a:tc>
-                <a:tc hMerge="1">
-                  <a:txBody>
-                    <a:bodyPr/>
-                    <a:lstStyle/>
-                    <a:p>
-                      <a:pPr latinLnBrk="1"/>
-                      <a:endParaRPr lang="ko-KR" altLang="en-US"/>
-                    </a:p>
-                  </a:txBody>
-                  <a:tcPr/>
-                </a:tc>
-                <a:tc hMerge="1">
-                  <a:txBody>
-                    <a:bodyPr/>
-                    <a:lstStyle/>
-                    <a:p>
-                      <a:pPr latinLnBrk="1"/>
-                      <a:endParaRPr lang="ko-KR" altLang="en-US"/>
-                    </a:p>
-                  </a:txBody>
-                  <a:tcPr/>
-                </a:tc>
-                <a:tc>
-                  <a:txBody>
-                    <a:bodyPr/>
-                    <a:lstStyle/>
-                    <a:p>
-                      <a:pPr marL="0" marR="0" indent="0" algn="ctr" fontAlgn="base" latinLnBrk="0">
-                        <a:lnSpc>
-                          <a:spcPct val="130000"/>
-                        </a:lnSpc>
-                        <a:spcBef>
-                          <a:spcPts val="0"/>
-                        </a:spcBef>
-                        <a:spcAft>
-                          <a:spcPts val="0"/>
-                        </a:spcAft>
-                      </a:pPr>
-                      <a:r>
-                        <a:rPr lang="ko-KR" altLang="en-US" sz="1100" b="1" kern="0" spc="-50" dirty="0">
-                          <a:solidFill>
-                            <a:srgbClr val="191919"/>
-                          </a:solidFill>
-                          <a:effectLst/>
-                          <a:latin typeface="맑은 고딕" panose="020B0503020000020004" pitchFamily="50" charset="-127"/>
-                          <a:ea typeface="맑은 고딕" panose="020B0503020000020004" pitchFamily="50" charset="-127"/>
-                        </a:rPr>
-                        <a:t>거주지</a:t>
-                      </a:r>
-                      <a:endParaRPr lang="ko-KR" altLang="en-US" sz="1100" kern="0" spc="0" dirty="0">
-                        <a:solidFill>
-                          <a:srgbClr val="191919"/>
-                        </a:solidFill>
-                        <a:effectLst/>
-                        <a:latin typeface="맑은 고딕" panose="020B0503020000020004" pitchFamily="50" charset="-127"/>
-                      </a:endParaRPr>
-                    </a:p>
-                  </a:txBody>
-                  <a:tcPr marL="64771" marR="64771" marT="17907" marB="17907" anchor="ctr">
-                    <a:lnL w="6350" cap="flat" cmpd="sng" algn="ctr">
-                      <a:solidFill>
-                        <a:schemeClr val="bg1">
-                          <a:lumMod val="50000"/>
-                        </a:schemeClr>
-                      </a:solidFill>
-                      <a:prstDash val="solid"/>
-                      <a:round/>
-                      <a:headEnd type="none" w="med" len="med"/>
-                      <a:tailEnd type="none" w="med" len="med"/>
-                    </a:lnL>
-                    <a:lnR w="12700" cap="flat" cmpd="sng" algn="ctr">
-                      <a:solidFill>
-                        <a:schemeClr val="bg1">
-                          <a:lumMod val="65000"/>
-                        </a:schemeClr>
-                      </a:solidFill>
-                      <a:prstDash val="solid"/>
-                      <a:round/>
-                      <a:headEnd type="none" w="med" len="med"/>
-                      <a:tailEnd type="none" w="med" len="med"/>
-                    </a:lnR>
-                    <a:lnT w="6350" cap="flat" cmpd="sng" algn="ctr">
-                      <a:solidFill>
-                        <a:schemeClr val="bg1">
-                          <a:lumMod val="50000"/>
-                        </a:schemeClr>
-                      </a:solidFill>
-                      <a:prstDash val="solid"/>
-                      <a:round/>
-                      <a:headEnd type="none" w="med" len="med"/>
-                      <a:tailEnd type="none" w="med" len="med"/>
-                    </a:lnT>
-                    <a:lnB w="6350" cap="flat" cmpd="sng" algn="ctr">
-                      <a:solidFill>
-                        <a:schemeClr val="bg1">
-                          <a:lumMod val="50000"/>
-                        </a:schemeClr>
-                      </a:solidFill>
-                      <a:prstDash val="solid"/>
-                      <a:round/>
-                      <a:headEnd type="none" w="med" len="med"/>
-                      <a:tailEnd type="none" w="med" len="med"/>
-                    </a:lnB>
-                    <a:solidFill>
-                      <a:srgbClr val="DFE6F7"/>
-                    </a:solidFill>
-                  </a:tcPr>
-                </a:tc>
-                <a:tc gridSpan="3">
-                  <a:txBody>
-                    <a:bodyPr/>
-                    <a:lstStyle/>
-                    <a:p>
-                      <a:pPr marL="0" marR="0" indent="0" algn="just" fontAlgn="base" latinLnBrk="1">
-                        <a:lnSpc>
-                          <a:spcPct val="130000"/>
-                        </a:lnSpc>
-                        <a:spcBef>
-                          <a:spcPts val="0"/>
-                        </a:spcBef>
-                        <a:spcAft>
-                          <a:spcPts val="0"/>
-                        </a:spcAft>
-                      </a:pPr>
-                      <a:endParaRPr lang="ko-KR" altLang="en-US" sz="1100" kern="0" spc="0" dirty="0">
-                        <a:solidFill>
-                          <a:srgbClr val="B2B2B2"/>
-                        </a:solidFill>
-                        <a:effectLst/>
-                        <a:latin typeface="맑은 고딕" panose="020B0503020000020004" pitchFamily="50" charset="-127"/>
-                      </a:endParaRPr>
-                    </a:p>
-                  </a:txBody>
-                  <a:tcPr marL="64771" marR="64771" marT="17907" marB="17907" anchor="ctr">
-                    <a:lnL w="12700" cap="flat" cmpd="sng" algn="ctr">
-                      <a:solidFill>
-                        <a:schemeClr val="bg1">
-                          <a:lumMod val="65000"/>
-                        </a:schemeClr>
-                      </a:solidFill>
-                      <a:prstDash val="solid"/>
-                      <a:round/>
-                      <a:headEnd type="none" w="med" len="med"/>
-                      <a:tailEnd type="none" w="med" len="med"/>
-                    </a:lnL>
-                    <a:lnR w="3556" cap="flat" cmpd="sng" algn="ctr">
-                      <a:solidFill>
-                        <a:srgbClr val="7F7F7F"/>
-                      </a:solidFill>
-                      <a:prstDash val="solid"/>
-                      <a:round/>
-                      <a:headEnd type="none" w="med" len="med"/>
-                      <a:tailEnd type="none" w="med" len="med"/>
-                    </a:lnR>
-                    <a:lnT w="6350" cap="flat" cmpd="sng" algn="ctr">
-                      <a:solidFill>
-                        <a:schemeClr val="bg1">
-                          <a:lumMod val="50000"/>
-                        </a:schemeClr>
-                      </a:solidFill>
-                      <a:prstDash val="solid"/>
-                      <a:round/>
-                      <a:headEnd type="none" w="med" len="med"/>
-                      <a:tailEnd type="none" w="med" len="med"/>
-                    </a:lnT>
-                    <a:lnB w="6350" cap="flat" cmpd="sng" algn="ctr">
-                      <a:solidFill>
-                        <a:schemeClr val="bg1">
-                          <a:lumMod val="50000"/>
-                        </a:schemeClr>
-                      </a:solidFill>
-                      <a:prstDash val="solid"/>
-                      <a:round/>
-                      <a:headEnd type="none" w="med" len="med"/>
-                      <a:tailEnd type="none" w="med" len="med"/>
-                    </a:lnB>
-                  </a:tcPr>
-                </a:tc>
-                <a:tc hMerge="1">
-                  <a:txBody>
-                    <a:bodyPr/>
-                    <a:lstStyle/>
-                    <a:p>
-                      <a:pPr latinLnBrk="1"/>
-                      <a:endParaRPr lang="ko-KR" altLang="en-US"/>
-                    </a:p>
-                  </a:txBody>
-                  <a:tcPr/>
-                </a:tc>
-                <a:tc hMerge="1">
-                  <a:txBody>
-                    <a:bodyPr/>
-                    <a:lstStyle/>
-                    <a:p>
-                      <a:pPr latinLnBrk="1"/>
-                      <a:endParaRPr lang="ko-KR" altLang="en-US"/>
-                    </a:p>
-                  </a:txBody>
-                  <a:tcPr/>
-                </a:tc>
-                <a:tc>
-                  <a:txBody>
-                    <a:bodyPr/>
-                    <a:lstStyle/>
-                    <a:p>
-                      <a:pPr marL="0" marR="0" indent="0" algn="ctr" fontAlgn="base" latinLnBrk="0">
-                        <a:lnSpc>
-                          <a:spcPct val="130000"/>
-                        </a:lnSpc>
-                        <a:spcBef>
-                          <a:spcPts val="0"/>
-                        </a:spcBef>
-                        <a:spcAft>
-                          <a:spcPts val="0"/>
-                        </a:spcAft>
-                      </a:pPr>
-                      <a:r>
-                        <a:rPr lang="ko-KR" altLang="en-US" sz="800" b="1" kern="0" spc="0" dirty="0">
-                          <a:solidFill>
-                            <a:srgbClr val="191919"/>
-                          </a:solidFill>
-                          <a:effectLst/>
-                          <a:latin typeface="맑은 고딕" panose="020B0503020000020004" pitchFamily="50" charset="-127"/>
-                          <a:ea typeface="맑은 고딕" panose="020B0503020000020004" pitchFamily="50" charset="-127"/>
-                        </a:rPr>
-                        <a:t>수입</a:t>
-                      </a:r>
-                      <a:endParaRPr lang="ko-KR" altLang="en-US" sz="1100" kern="0" spc="0" dirty="0">
-                        <a:solidFill>
-                          <a:srgbClr val="191919"/>
-                        </a:solidFill>
-                        <a:effectLst/>
-                        <a:latin typeface="맑은 고딕" panose="020B0503020000020004" pitchFamily="50" charset="-127"/>
-                      </a:endParaRPr>
-                    </a:p>
-                  </a:txBody>
-                  <a:tcPr marL="64771" marR="64771" marT="17907" marB="17907" anchor="ctr">
-                    <a:lnL w="3556" cap="flat" cmpd="sng" algn="ctr">
-                      <a:solidFill>
-                        <a:srgbClr val="7F7F7F"/>
-                      </a:solidFill>
-                      <a:prstDash val="solid"/>
-                      <a:round/>
-                      <a:headEnd type="none" w="med" len="med"/>
-                      <a:tailEnd type="none" w="med" len="med"/>
-                    </a:lnL>
-                    <a:lnR w="6350" cap="flat" cmpd="sng" algn="ctr">
-                      <a:solidFill>
-                        <a:schemeClr val="bg1">
-                          <a:lumMod val="50000"/>
-                        </a:schemeClr>
-                      </a:solidFill>
-                      <a:prstDash val="solid"/>
-                      <a:round/>
-                      <a:headEnd type="none" w="med" len="med"/>
-                      <a:tailEnd type="none" w="med" len="med"/>
-                    </a:lnR>
-                    <a:lnT w="6350" cap="flat" cmpd="sng" algn="ctr">
-                      <a:solidFill>
-                        <a:schemeClr val="bg1">
-                          <a:lumMod val="50000"/>
-                        </a:schemeClr>
-                      </a:solidFill>
-                      <a:prstDash val="solid"/>
-                      <a:round/>
-                      <a:headEnd type="none" w="med" len="med"/>
-                      <a:tailEnd type="none" w="med" len="med"/>
-                    </a:lnT>
-                    <a:lnB w="6350" cap="flat" cmpd="sng" algn="ctr">
-                      <a:solidFill>
-                        <a:schemeClr val="bg1">
-                          <a:lumMod val="50000"/>
-                        </a:schemeClr>
-                      </a:solidFill>
-                      <a:prstDash val="solid"/>
-                      <a:round/>
-                      <a:headEnd type="none" w="med" len="med"/>
-                      <a:tailEnd type="none" w="med" len="med"/>
-                    </a:lnB>
-                    <a:solidFill>
-                      <a:srgbClr val="DFE6F7"/>
-                    </a:solidFill>
-                  </a:tcPr>
-                </a:tc>
-                <a:tc>
-                  <a:txBody>
-                    <a:bodyPr/>
-                    <a:lstStyle/>
-                    <a:p>
-                      <a:pPr marL="0" marR="0" indent="0" algn="just" fontAlgn="base" latinLnBrk="1">
-                        <a:lnSpc>
-                          <a:spcPct val="130000"/>
-                        </a:lnSpc>
-                        <a:spcBef>
-                          <a:spcPts val="0"/>
-                        </a:spcBef>
-                        <a:spcAft>
-                          <a:spcPts val="0"/>
-                        </a:spcAft>
-                      </a:pPr>
-                      <a:endParaRPr lang="ko-KR" altLang="en-US" sz="900" kern="0" spc="0" dirty="0">
-                        <a:solidFill>
-                          <a:srgbClr val="B2B2B2"/>
-                        </a:solidFill>
-                        <a:effectLst/>
-                        <a:latin typeface="맑은 고딕" panose="020B0503020000020004" pitchFamily="50" charset="-127"/>
-                      </a:endParaRPr>
-                    </a:p>
-                  </a:txBody>
-                  <a:tcPr marL="64771" marR="64771" marT="17907" marB="17907" anchor="ctr">
-                    <a:lnL w="6350" cap="flat" cmpd="sng" algn="ctr">
-                      <a:solidFill>
-                        <a:schemeClr val="bg1">
-                          <a:lumMod val="50000"/>
-                        </a:schemeClr>
-                      </a:solidFill>
-                      <a:prstDash val="solid"/>
-                      <a:round/>
-                      <a:headEnd type="none" w="med" len="med"/>
-                      <a:tailEnd type="none" w="med" len="med"/>
-                    </a:lnL>
-                    <a:lnR w="12700" cap="flat" cmpd="sng" algn="ctr">
-                      <a:solidFill>
-                        <a:schemeClr val="tx1">
-                          <a:lumMod val="75000"/>
-                          <a:lumOff val="25000"/>
-                        </a:schemeClr>
-                      </a:solidFill>
-                      <a:prstDash val="solid"/>
-                      <a:round/>
-                      <a:headEnd type="none" w="med" len="med"/>
-                      <a:tailEnd type="none" w="med" len="med"/>
-                    </a:lnR>
-                    <a:lnT w="6350" cap="flat" cmpd="sng" algn="ctr">
-                      <a:solidFill>
-                        <a:schemeClr val="bg1">
-                          <a:lumMod val="50000"/>
-                        </a:schemeClr>
-                      </a:solidFill>
-                      <a:prstDash val="solid"/>
-                      <a:round/>
-                      <a:headEnd type="none" w="med" len="med"/>
-                      <a:tailEnd type="none" w="med" len="med"/>
-                    </a:lnT>
-                    <a:lnB w="6350" cap="flat" cmpd="sng" algn="ctr">
-                      <a:solidFill>
-                        <a:schemeClr val="bg1">
-                          <a:lumMod val="50000"/>
-                        </a:schemeClr>
-                      </a:solidFill>
-                      <a:prstDash val="solid"/>
-                      <a:round/>
-                      <a:headEnd type="none" w="med" len="med"/>
-                      <a:tailEnd type="none" w="med" len="med"/>
-                    </a:lnB>
-                  </a:tcPr>
-                </a:tc>
-                <a:extLst>
-                  <a:ext uri="{0D108BD9-81ED-4DB2-BD59-A6C34878D82A}">
-                    <a16:rowId xmlns:a16="http://schemas.microsoft.com/office/drawing/2014/main" val="87832763"/>
-                  </a:ext>
-                </a:extLst>
-              </a:tr>
-              <a:tr h="443677">
-                <a:tc gridSpan="3">
-                  <a:txBody>
-                    <a:bodyPr/>
-                    <a:lstStyle/>
-                    <a:p>
-                      <a:pPr marL="0" marR="0" indent="0" algn="ctr" fontAlgn="base" latinLnBrk="0">
-                        <a:lnSpc>
-                          <a:spcPct val="130000"/>
-                        </a:lnSpc>
-                        <a:spcBef>
-                          <a:spcPts val="0"/>
-                        </a:spcBef>
-                        <a:spcAft>
-                          <a:spcPts val="0"/>
-                        </a:spcAft>
-                      </a:pPr>
-                      <a:r>
-                        <a:rPr lang="ko-KR" altLang="en-US" sz="1100" b="1" kern="0" spc="-70" dirty="0">
-                          <a:solidFill>
-                            <a:srgbClr val="191919"/>
-                          </a:solidFill>
-                          <a:effectLst/>
-                          <a:latin typeface="맑은 고딕" panose="020B0503020000020004" pitchFamily="50" charset="-127"/>
-                          <a:ea typeface="맑은 고딕" panose="020B0503020000020004" pitchFamily="50" charset="-127"/>
-                        </a:rPr>
-                        <a:t>라이프스타일</a:t>
-                      </a:r>
-                      <a:endParaRPr lang="ko-KR" altLang="en-US" sz="1100" kern="0" spc="0" dirty="0">
-                        <a:solidFill>
-                          <a:srgbClr val="191919"/>
-                        </a:solidFill>
-                        <a:effectLst/>
-                        <a:latin typeface="맑은 고딕" panose="020B0503020000020004" pitchFamily="50" charset="-127"/>
-                      </a:endParaRPr>
-                    </a:p>
-                  </a:txBody>
-                  <a:tcPr marL="64771" marR="64771" marT="17907" marB="17907" anchor="ctr">
-                    <a:lnL w="12700" cap="flat" cmpd="sng" algn="ctr">
-                      <a:solidFill>
-                        <a:schemeClr val="tx1">
-                          <a:lumMod val="75000"/>
-                          <a:lumOff val="25000"/>
-                        </a:schemeClr>
-                      </a:solidFill>
-                      <a:prstDash val="solid"/>
-                      <a:round/>
-                      <a:headEnd type="none" w="med" len="med"/>
-                      <a:tailEnd type="none" w="med" len="med"/>
-                    </a:lnL>
-                    <a:lnR w="6350" cap="flat" cmpd="sng" algn="ctr">
-                      <a:solidFill>
-                        <a:schemeClr val="bg1">
-                          <a:lumMod val="50000"/>
-                        </a:schemeClr>
-                      </a:solidFill>
-                      <a:prstDash val="solid"/>
-                      <a:round/>
-                      <a:headEnd type="none" w="med" len="med"/>
-                      <a:tailEnd type="none" w="med" len="med"/>
-                    </a:lnR>
-                    <a:lnT w="6350" cap="flat" cmpd="sng" algn="ctr">
-                      <a:solidFill>
-                        <a:schemeClr val="bg1">
-                          <a:lumMod val="50000"/>
-                        </a:schemeClr>
-                      </a:solidFill>
-                      <a:prstDash val="solid"/>
-                      <a:round/>
-                      <a:headEnd type="none" w="med" len="med"/>
-                      <a:tailEnd type="none" w="med" len="med"/>
-                    </a:lnT>
-                    <a:lnB w="6350" cap="flat" cmpd="sng" algn="ctr">
-                      <a:solidFill>
-                        <a:schemeClr val="bg1">
-                          <a:lumMod val="50000"/>
-                        </a:schemeClr>
-                      </a:solidFill>
-                      <a:prstDash val="solid"/>
-                      <a:round/>
-                      <a:headEnd type="none" w="med" len="med"/>
-                      <a:tailEnd type="none" w="med" len="med"/>
-                    </a:lnB>
-                    <a:solidFill>
-                      <a:srgbClr val="DFE6F7"/>
-                    </a:solidFill>
-                  </a:tcPr>
-                </a:tc>
-                <a:tc hMerge="1">
-                  <a:txBody>
-                    <a:bodyPr/>
-                    <a:lstStyle/>
-                    <a:p>
-                      <a:pPr latinLnBrk="1"/>
-                      <a:endParaRPr lang="ko-KR" altLang="en-US"/>
-                    </a:p>
-                  </a:txBody>
-                  <a:tcPr/>
-                </a:tc>
-                <a:tc hMerge="1">
-                  <a:txBody>
-                    <a:bodyPr/>
-                    <a:lstStyle/>
-                    <a:p>
-                      <a:pPr latinLnBrk="1"/>
-                      <a:endParaRPr lang="ko-KR" altLang="en-US"/>
-                    </a:p>
-                  </a:txBody>
-                  <a:tcPr/>
-                </a:tc>
-                <a:tc gridSpan="9">
-                  <a:txBody>
-                    <a:bodyPr/>
-                    <a:lstStyle/>
-                    <a:p>
-                      <a:pPr marL="0" marR="0" indent="0" algn="ctr" fontAlgn="base" latinLnBrk="0">
-                        <a:lnSpc>
-                          <a:spcPct val="130000"/>
-                        </a:lnSpc>
-                        <a:spcBef>
-                          <a:spcPts val="0"/>
-                        </a:spcBef>
-                        <a:spcAft>
-                          <a:spcPts val="0"/>
-                        </a:spcAft>
-                      </a:pPr>
-                      <a:endParaRPr lang="ko-KR" altLang="en-US" sz="1100" kern="0" spc="0" dirty="0">
-                        <a:solidFill>
-                          <a:srgbClr val="B2B2B2"/>
-                        </a:solidFill>
-                        <a:effectLst/>
-                        <a:latin typeface="맑은 고딕" panose="020B0503020000020004" pitchFamily="50" charset="-127"/>
-                      </a:endParaRPr>
-                    </a:p>
-                  </a:txBody>
-                  <a:tcPr marL="64771" marR="64771" marT="17907" marB="17907" anchor="ctr">
-                    <a:lnL w="6350" cap="flat" cmpd="sng" algn="ctr">
-                      <a:solidFill>
-                        <a:schemeClr val="bg1">
-                          <a:lumMod val="50000"/>
-                        </a:schemeClr>
-                      </a:solidFill>
-                      <a:prstDash val="solid"/>
-                      <a:round/>
-                      <a:headEnd type="none" w="med" len="med"/>
-                      <a:tailEnd type="none" w="med" len="med"/>
-                    </a:lnL>
-                    <a:lnR w="12700" cap="flat" cmpd="sng" algn="ctr">
-                      <a:solidFill>
-                        <a:schemeClr val="tx1">
-                          <a:lumMod val="75000"/>
-                          <a:lumOff val="25000"/>
-                        </a:schemeClr>
-                      </a:solidFill>
-                      <a:prstDash val="solid"/>
-                      <a:round/>
-                      <a:headEnd type="none" w="med" len="med"/>
-                      <a:tailEnd type="none" w="med" len="med"/>
-                    </a:lnR>
-                    <a:lnT w="6350" cap="flat" cmpd="sng" algn="ctr">
-                      <a:solidFill>
-                        <a:schemeClr val="bg1">
-                          <a:lumMod val="50000"/>
-                        </a:schemeClr>
-                      </a:solidFill>
-                      <a:prstDash val="solid"/>
-                      <a:round/>
-                      <a:headEnd type="none" w="med" len="med"/>
-                      <a:tailEnd type="none" w="med" len="med"/>
-                    </a:lnT>
-                    <a:lnB w="6350" cap="flat" cmpd="sng" algn="ctr">
-                      <a:solidFill>
-                        <a:schemeClr val="bg1">
-                          <a:lumMod val="50000"/>
-                        </a:schemeClr>
-                      </a:solidFill>
-                      <a:prstDash val="solid"/>
-                      <a:round/>
-                      <a:headEnd type="none" w="med" len="med"/>
-                      <a:tailEnd type="none" w="med" len="med"/>
-                    </a:lnB>
-                  </a:tcPr>
-                </a:tc>
-                <a:tc hMerge="1">
-                  <a:txBody>
-                    <a:bodyPr/>
-                    <a:lstStyle/>
-                    <a:p>
-                      <a:pPr latinLnBrk="1"/>
-                      <a:endParaRPr lang="ko-KR" altLang="en-US"/>
-                    </a:p>
-                  </a:txBody>
-                  <a:tcPr/>
-                </a:tc>
-                <a:tc hMerge="1">
-                  <a:txBody>
-                    <a:bodyPr/>
-                    <a:lstStyle/>
-                    <a:p>
-                      <a:pPr latinLnBrk="1"/>
-                      <a:endParaRPr lang="ko-KR" altLang="en-US"/>
-                    </a:p>
-                  </a:txBody>
-                  <a:tcPr/>
-                </a:tc>
-                <a:tc hMerge="1">
-                  <a:txBody>
-                    <a:bodyPr/>
-                    <a:lstStyle/>
-                    <a:p>
-                      <a:pPr latinLnBrk="1"/>
-                      <a:endParaRPr lang="ko-KR" altLang="en-US"/>
-                    </a:p>
-                  </a:txBody>
-                  <a:tcPr/>
-                </a:tc>
-                <a:tc hMerge="1">
-                  <a:txBody>
-                    <a:bodyPr/>
-                    <a:lstStyle/>
-                    <a:p>
-                      <a:pPr latinLnBrk="1"/>
-                      <a:endParaRPr lang="ko-KR" altLang="en-US"/>
-                    </a:p>
-                  </a:txBody>
-                  <a:tcPr/>
-                </a:tc>
-                <a:tc hMerge="1">
-                  <a:txBody>
-                    <a:bodyPr/>
-                    <a:lstStyle/>
-                    <a:p>
-                      <a:pPr latinLnBrk="1"/>
-                      <a:endParaRPr lang="ko-KR" altLang="en-US"/>
-                    </a:p>
-                  </a:txBody>
-                  <a:tcPr/>
-                </a:tc>
-                <a:tc hMerge="1">
-                  <a:txBody>
-                    <a:bodyPr/>
-                    <a:lstStyle/>
-                    <a:p>
-                      <a:pPr latinLnBrk="1"/>
-                      <a:endParaRPr lang="ko-KR" altLang="en-US"/>
-                    </a:p>
-                  </a:txBody>
-                  <a:tcPr/>
-                </a:tc>
-                <a:tc hMerge="1">
-                  <a:txBody>
-                    <a:bodyPr/>
-                    <a:lstStyle/>
-                    <a:p>
-                      <a:pPr latinLnBrk="1"/>
-                      <a:endParaRPr lang="ko-KR" altLang="en-US"/>
-                    </a:p>
-                  </a:txBody>
-                  <a:tcPr/>
-                </a:tc>
-                <a:tc hMerge="1">
-                  <a:txBody>
-                    <a:bodyPr/>
-                    <a:lstStyle/>
-                    <a:p>
-                      <a:pPr latinLnBrk="1"/>
-                      <a:endParaRPr lang="ko-KR" altLang="en-US"/>
-                    </a:p>
-                  </a:txBody>
-                  <a:tcPr/>
-                </a:tc>
-                <a:extLst>
-                  <a:ext uri="{0D108BD9-81ED-4DB2-BD59-A6C34878D82A}">
-                    <a16:rowId xmlns:a16="http://schemas.microsoft.com/office/drawing/2014/main" val="2882620723"/>
-                  </a:ext>
-                </a:extLst>
-              </a:tr>
-              <a:tr h="2171788">
-                <a:tc gridSpan="12">
-                  <a:txBody>
-                    <a:bodyPr/>
-                    <a:lstStyle/>
-                    <a:p>
-                      <a:pPr marL="0" marR="0" indent="0" algn="just" fontAlgn="base" latinLnBrk="1">
-                        <a:lnSpc>
-                          <a:spcPct val="130000"/>
-                        </a:lnSpc>
-                        <a:spcBef>
-                          <a:spcPts val="0"/>
-                        </a:spcBef>
-                        <a:spcAft>
-                          <a:spcPts val="0"/>
-                        </a:spcAft>
-                      </a:pPr>
-                      <a:r>
-                        <a:rPr lang="ko-KR" altLang="en-US" sz="1100" b="1" kern="0" spc="-20" dirty="0">
-                          <a:solidFill>
-                            <a:srgbClr val="4C4C4C"/>
-                          </a:solidFill>
-                          <a:effectLst/>
-                          <a:latin typeface="맑은 고딕" panose="020B0503020000020004" pitchFamily="50" charset="-127"/>
-                          <a:ea typeface="맑은 고딕" panose="020B0503020000020004" pitchFamily="50" charset="-127"/>
-                        </a:rPr>
-                        <a:t>특징</a:t>
-                      </a:r>
-                      <a:r>
-                        <a:rPr lang="ko-KR" altLang="en-US" sz="1100" b="1" kern="0" spc="-80" dirty="0">
-                          <a:solidFill>
-                            <a:srgbClr val="4C4C4C"/>
-                          </a:solidFill>
-                          <a:effectLst/>
-                          <a:latin typeface="맑은 고딕" panose="020B0503020000020004" pitchFamily="50" charset="-127"/>
-                          <a:ea typeface="맑은 고딕" panose="020B0503020000020004" pitchFamily="50" charset="-127"/>
-                        </a:rPr>
-                        <a:t> 및 스토리 </a:t>
-                      </a:r>
-                      <a:r>
-                        <a:rPr lang="en-US" altLang="ko-KR" sz="1100" b="1" kern="0" spc="-80" dirty="0">
-                          <a:solidFill>
-                            <a:srgbClr val="4C4C4C"/>
-                          </a:solidFill>
-                          <a:effectLst/>
-                          <a:latin typeface="맑은 고딕" panose="020B0503020000020004" pitchFamily="50" charset="-127"/>
-                          <a:ea typeface="맑은 고딕" panose="020B0503020000020004" pitchFamily="50" charset="-127"/>
-                        </a:rPr>
-                        <a:t>:</a:t>
-                      </a:r>
-                      <a:endParaRPr lang="ko-KR" altLang="en-US" sz="1100" kern="0" spc="0" dirty="0">
-                        <a:solidFill>
-                          <a:srgbClr val="191919"/>
-                        </a:solidFill>
-                        <a:effectLst/>
-                        <a:latin typeface="맑은 고딕" panose="020B0503020000020004" pitchFamily="50" charset="-127"/>
-                      </a:endParaRPr>
-                    </a:p>
-                  </a:txBody>
-                  <a:tcPr marL="64771" marR="64771" marT="17907" marB="17907">
-                    <a:lnL w="12700" cap="flat" cmpd="sng" algn="ctr">
-                      <a:solidFill>
-                        <a:schemeClr val="tx1">
-                          <a:lumMod val="75000"/>
-                          <a:lumOff val="25000"/>
-                        </a:schemeClr>
-                      </a:solidFill>
-                      <a:prstDash val="solid"/>
-                      <a:round/>
-                      <a:headEnd type="none" w="med" len="med"/>
-                      <a:tailEnd type="none" w="med" len="med"/>
-                    </a:lnL>
-                    <a:lnR w="12700" cap="flat" cmpd="sng" algn="ctr">
-                      <a:solidFill>
-                        <a:schemeClr val="tx1">
-                          <a:lumMod val="75000"/>
-                          <a:lumOff val="25000"/>
-                        </a:schemeClr>
-                      </a:solidFill>
-                      <a:prstDash val="solid"/>
-                      <a:round/>
-                      <a:headEnd type="none" w="med" len="med"/>
-                      <a:tailEnd type="none" w="med" len="med"/>
-                    </a:lnR>
-                    <a:lnT w="6350" cap="flat" cmpd="sng" algn="ctr">
-                      <a:solidFill>
-                        <a:schemeClr val="bg1">
-                          <a:lumMod val="50000"/>
-                        </a:schemeClr>
-                      </a:solidFill>
-                      <a:prstDash val="solid"/>
-                      <a:round/>
-                      <a:headEnd type="none" w="med" len="med"/>
-                      <a:tailEnd type="none" w="med" len="med"/>
-                    </a:lnT>
-                    <a:lnB w="12700" cap="flat" cmpd="sng" algn="ctr">
-                      <a:solidFill>
-                        <a:schemeClr val="tx1">
-                          <a:lumMod val="75000"/>
-                          <a:lumOff val="25000"/>
-                        </a:schemeClr>
-                      </a:solidFill>
-                      <a:prstDash val="solid"/>
-                      <a:round/>
-                      <a:headEnd type="none" w="med" len="med"/>
-                      <a:tailEnd type="none" w="med" len="med"/>
-                    </a:lnB>
-                  </a:tcPr>
-                </a:tc>
-                <a:tc hMerge="1">
-                  <a:txBody>
-                    <a:bodyPr/>
-                    <a:lstStyle/>
-                    <a:p>
-                      <a:pPr latinLnBrk="1"/>
-                      <a:endParaRPr lang="ko-KR" altLang="en-US"/>
-                    </a:p>
-                  </a:txBody>
-                  <a:tcPr/>
-                </a:tc>
-                <a:tc hMerge="1">
-                  <a:txBody>
-                    <a:bodyPr/>
-                    <a:lstStyle/>
-                    <a:p>
-                      <a:pPr latinLnBrk="1"/>
-                      <a:endParaRPr lang="ko-KR" altLang="en-US"/>
-                    </a:p>
-                  </a:txBody>
-                  <a:tcPr/>
-                </a:tc>
-                <a:tc hMerge="1">
-                  <a:txBody>
-                    <a:bodyPr/>
-                    <a:lstStyle/>
-                    <a:p>
-                      <a:pPr latinLnBrk="1"/>
-                      <a:endParaRPr lang="ko-KR" altLang="en-US"/>
-                    </a:p>
-                  </a:txBody>
-                  <a:tcPr/>
-                </a:tc>
-                <a:tc hMerge="1">
-                  <a:txBody>
-                    <a:bodyPr/>
-                    <a:lstStyle/>
-                    <a:p>
-                      <a:pPr latinLnBrk="1"/>
-                      <a:endParaRPr lang="ko-KR" altLang="en-US"/>
-                    </a:p>
-                  </a:txBody>
-                  <a:tcPr/>
-                </a:tc>
-                <a:tc hMerge="1">
-                  <a:txBody>
-                    <a:bodyPr/>
-                    <a:lstStyle/>
-                    <a:p>
-                      <a:pPr latinLnBrk="1"/>
-                      <a:endParaRPr lang="ko-KR" altLang="en-US"/>
-                    </a:p>
-                  </a:txBody>
-                  <a:tcPr/>
-                </a:tc>
-                <a:tc hMerge="1">
-                  <a:txBody>
-                    <a:bodyPr/>
-                    <a:lstStyle/>
-                    <a:p>
-                      <a:pPr latinLnBrk="1"/>
-                      <a:endParaRPr lang="ko-KR" altLang="en-US"/>
-                    </a:p>
-                  </a:txBody>
-                  <a:tcPr/>
-                </a:tc>
-                <a:tc hMerge="1">
-                  <a:txBody>
-                    <a:bodyPr/>
-                    <a:lstStyle/>
-                    <a:p>
-                      <a:pPr latinLnBrk="1"/>
-                      <a:endParaRPr lang="ko-KR" altLang="en-US"/>
-                    </a:p>
-                  </a:txBody>
-                  <a:tcPr/>
-                </a:tc>
-                <a:tc hMerge="1">
-                  <a:txBody>
-                    <a:bodyPr/>
-                    <a:lstStyle/>
-                    <a:p>
-                      <a:pPr latinLnBrk="1"/>
-                      <a:endParaRPr lang="ko-KR" altLang="en-US"/>
-                    </a:p>
-                  </a:txBody>
-                  <a:tcPr/>
-                </a:tc>
-                <a:tc hMerge="1">
-                  <a:txBody>
-                    <a:bodyPr/>
-                    <a:lstStyle/>
-                    <a:p>
-                      <a:pPr latinLnBrk="1"/>
-                      <a:endParaRPr lang="ko-KR" altLang="en-US"/>
-                    </a:p>
-                  </a:txBody>
-                  <a:tcPr/>
-                </a:tc>
-                <a:tc hMerge="1">
-                  <a:txBody>
-                    <a:bodyPr/>
-                    <a:lstStyle/>
-                    <a:p>
-                      <a:pPr latinLnBrk="1"/>
-                      <a:endParaRPr lang="ko-KR" altLang="en-US"/>
-                    </a:p>
-                  </a:txBody>
-                  <a:tcPr/>
-                </a:tc>
-                <a:tc hMerge="1">
-                  <a:txBody>
-                    <a:bodyPr/>
-                    <a:lstStyle/>
-                    <a:p>
-                      <a:pPr latinLnBrk="1"/>
-                      <a:endParaRPr lang="ko-KR" altLang="en-US"/>
-                    </a:p>
-                  </a:txBody>
-                  <a:tcPr/>
-                </a:tc>
-                <a:extLst>
-                  <a:ext uri="{0D108BD9-81ED-4DB2-BD59-A6C34878D82A}">
-                    <a16:rowId xmlns:a16="http://schemas.microsoft.com/office/drawing/2014/main" val="1128258594"/>
-                  </a:ext>
-                </a:extLst>
-              </a:tr>
-            </a:tbl>
-          </a:graphicData>
-        </a:graphic>
-      </p:graphicFrame>
-      <p:sp>
-        <p:nvSpPr>
-          <p:cNvPr id="17" name="슬라이드 번호 개체 틀 3">
-            <a:extLst>
-              <a:ext uri="{FF2B5EF4-FFF2-40B4-BE49-F238E27FC236}">
-                <a16:creationId xmlns:a16="http://schemas.microsoft.com/office/drawing/2014/main" id="{CB038CF3-C276-45A8-9583-DEAAFD8485F0}"/>
-              </a:ext>
-            </a:extLst>
-          </p:cNvPr>
-          <p:cNvSpPr>
-            <a:spLocks noGrp="1"/>
-          </p:cNvSpPr>
-          <p:nvPr>
-            <p:ph type="sldNum" sz="quarter" idx="4"/>
-          </p:nvPr>
-        </p:nvSpPr>
-        <p:spPr>
-          <a:xfrm>
-            <a:off x="10305288" y="6292343"/>
-            <a:ext cx="539496" cy="365125"/>
-          </a:xfrm>
-          <a:prstGeom prst="rect">
-            <a:avLst/>
-          </a:prstGeom>
-        </p:spPr>
-        <p:txBody>
-          <a:bodyPr/>
-          <a:lstStyle>
-            <a:lvl1pPr algn="r">
-              <a:defRPr>
-                <a:solidFill>
-                  <a:schemeClr val="bg1">
-                    <a:lumMod val="50000"/>
-                  </a:schemeClr>
-                </a:solidFill>
-              </a:defRPr>
-            </a:lvl1pPr>
-          </a:lstStyle>
-          <a:p>
-            <a:fld id="{418EBCF5-7C0D-4452-BD99-4798E1600F69}" type="slidenum">
-              <a:rPr lang="ko-KR" altLang="en-US" sz="1100"/>
-              <a:pPr/>
-              <a:t>8</a:t>
-            </a:fld>
-            <a:endParaRPr lang="ko-KR" altLang="en-US" sz="1100"/>
-          </a:p>
-        </p:txBody>
-      </p:sp>
-    </p:spTree>
-    <p:extLst>
-      <p:ext uri="{BB962C8B-B14F-4D97-AF65-F5344CB8AC3E}">
-        <p14:creationId xmlns:p14="http://schemas.microsoft.com/office/powerpoint/2010/main" val="2198933492"/>
-      </p:ext>
-    </p:extLst>
-  </p:cSld>
-  <p:clrMapOvr>
-    <a:masterClrMapping/>
-  </p:clrMapOvr>
-</p:sld>
-</file>
-
-<file path=ppt/slides/slide9.xml><?xml version="1.0" encoding="utf-8"?>
-<p:sld xmlns:a="http://schemas.openxmlformats.org/drawingml/2006/main" xmlns:r="http://schemas.openxmlformats.org/officeDocument/2006/relationships" xmlns:p="http://schemas.openxmlformats.org/presentationml/2006/main">
-  <p:cSld>
-    <p:spTree>
-      <p:nvGrpSpPr>
-        <p:cNvPr id="1" name=""/>
-        <p:cNvGrpSpPr/>
-        <p:nvPr/>
-      </p:nvGrpSpPr>
-      <p:grpSpPr>
-        <a:xfrm>
-          <a:off x="0" y="0"/>
-          <a:ext cx="0" cy="0"/>
-          <a:chOff x="0" y="0"/>
-          <a:chExt cx="0" cy="0"/>
-        </a:xfrm>
-      </p:grpSpPr>
-      <p:sp>
-        <p:nvSpPr>
-          <p:cNvPr id="2" name="제목 1">
-            <a:extLst>
-              <a:ext uri="{FF2B5EF4-FFF2-40B4-BE49-F238E27FC236}">
-                <a16:creationId xmlns:a16="http://schemas.microsoft.com/office/drawing/2014/main" id="{4E1E60AE-5AB9-4B0F-A0D8-2339BA34DD09}"/>
-              </a:ext>
-            </a:extLst>
-          </p:cNvPr>
-          <p:cNvSpPr>
-            <a:spLocks noGrp="1"/>
-          </p:cNvSpPr>
-          <p:nvPr>
-            <p:ph type="ctrTitle"/>
-          </p:nvPr>
-        </p:nvSpPr>
-        <p:spPr/>
-        <p:txBody>
-          <a:bodyPr/>
-          <a:lstStyle/>
-          <a:p>
-            <a:r>
-              <a:rPr lang="en-US" altLang="ko-KR" b="1" dirty="0">
-                <a:solidFill>
-                  <a:srgbClr val="2AB9C7"/>
-                </a:solidFill>
-                <a:latin typeface="맑은 고딕" panose="020B0503020000020004" pitchFamily="50" charset="-127"/>
-                <a:ea typeface="맑은 고딕" panose="020B0503020000020004" pitchFamily="50" charset="-127"/>
-              </a:rPr>
-              <a:t>3.</a:t>
-            </a:r>
-            <a:r>
-              <a:rPr lang="ko-KR" altLang="en-US" b="1" dirty="0">
-                <a:solidFill>
-                  <a:srgbClr val="2AB9C7"/>
-                </a:solidFill>
-                <a:latin typeface="맑은 고딕" panose="020B0503020000020004" pitchFamily="50" charset="-127"/>
-                <a:ea typeface="맑은 고딕" panose="020B0503020000020004" pitchFamily="50" charset="-127"/>
-              </a:rPr>
-              <a:t> 프로젝트 분석 내용 방향성 선정</a:t>
-            </a:r>
-            <a:endParaRPr lang="ko-KR" altLang="en-US" dirty="0"/>
-          </a:p>
-        </p:txBody>
-      </p:sp>
-      <p:sp>
-        <p:nvSpPr>
-          <p:cNvPr id="12" name="부제목 3">
-            <a:extLst>
-              <a:ext uri="{FF2B5EF4-FFF2-40B4-BE49-F238E27FC236}">
-                <a16:creationId xmlns:a16="http://schemas.microsoft.com/office/drawing/2014/main" id="{9BDE5150-D116-4748-8159-831FAA8ABF6E}"/>
-              </a:ext>
-            </a:extLst>
-          </p:cNvPr>
-          <p:cNvSpPr>
-            <a:spLocks noGrp="1"/>
-          </p:cNvSpPr>
-          <p:nvPr>
-            <p:ph type="subTitle" idx="1"/>
-          </p:nvPr>
-        </p:nvSpPr>
-        <p:spPr/>
-        <p:txBody>
-          <a:bodyPr/>
-          <a:lstStyle/>
-          <a:p>
-            <a:r>
-              <a:rPr lang="en-US" altLang="ko-KR" dirty="0"/>
-              <a:t>03-1 </a:t>
-            </a:r>
-            <a:r>
-              <a:rPr lang="ko-KR" altLang="en-US" dirty="0"/>
-              <a:t>분석 자료 정리</a:t>
-            </a:r>
-          </a:p>
-        </p:txBody>
-      </p:sp>
-      <p:sp>
-        <p:nvSpPr>
-          <p:cNvPr id="13" name="텍스트 개체 틀 11">
-            <a:extLst>
-              <a:ext uri="{FF2B5EF4-FFF2-40B4-BE49-F238E27FC236}">
-                <a16:creationId xmlns:a16="http://schemas.microsoft.com/office/drawing/2014/main" id="{77A760DD-A22E-4893-8886-C3EF30F0E801}"/>
-              </a:ext>
-            </a:extLst>
-          </p:cNvPr>
-          <p:cNvSpPr>
-            <a:spLocks noGrp="1"/>
-          </p:cNvSpPr>
-          <p:nvPr>
-            <p:ph type="body" sz="half" idx="2"/>
-          </p:nvPr>
-        </p:nvSpPr>
-        <p:spPr/>
-        <p:txBody>
-          <a:bodyPr/>
-          <a:lstStyle/>
-          <a:p>
-            <a:r>
-              <a:rPr lang="ko-KR" altLang="en-US" dirty="0">
-                <a:solidFill>
-                  <a:prstClr val="black">
-                    <a:lumMod val="65000"/>
-                    <a:lumOff val="35000"/>
-                  </a:prstClr>
-                </a:solidFill>
-                <a:latin typeface="맑은 고딕" panose="020B0503020000020004" pitchFamily="50" charset="-127"/>
-                <a:ea typeface="맑은 고딕" panose="020B0503020000020004" pitchFamily="50" charset="-127"/>
-              </a:rPr>
-              <a:t>페르소나 </a:t>
-            </a:r>
-            <a:r>
-              <a:rPr lang="en-US" altLang="ko-KR" dirty="0">
-                <a:solidFill>
-                  <a:prstClr val="black">
-                    <a:lumMod val="65000"/>
-                    <a:lumOff val="35000"/>
-                  </a:prstClr>
-                </a:solidFill>
-                <a:latin typeface="맑은 고딕" panose="020B0503020000020004" pitchFamily="50" charset="-127"/>
-                <a:ea typeface="맑은 고딕" panose="020B0503020000020004" pitchFamily="50" charset="-127"/>
-              </a:rPr>
-              <a:t>: </a:t>
-            </a:r>
-            <a:r>
-              <a:rPr lang="ko-KR" altLang="en-US" dirty="0">
-                <a:solidFill>
-                  <a:prstClr val="black">
-                    <a:lumMod val="65000"/>
-                    <a:lumOff val="35000"/>
-                  </a:prstClr>
-                </a:solidFill>
-                <a:latin typeface="맑은 고딕" panose="020B0503020000020004" pitchFamily="50" charset="-127"/>
-                <a:ea typeface="맑은 고딕" panose="020B0503020000020004" pitchFamily="50" charset="-127"/>
-              </a:rPr>
-              <a:t>개발 방향성 정리 </a:t>
-            </a:r>
-            <a:r>
-              <a:rPr lang="en-US" altLang="ko-KR" dirty="0">
-                <a:solidFill>
-                  <a:prstClr val="black">
-                    <a:lumMod val="65000"/>
-                    <a:lumOff val="35000"/>
-                  </a:prstClr>
-                </a:solidFill>
-                <a:latin typeface="맑은 고딕" panose="020B0503020000020004" pitchFamily="50" charset="-127"/>
-                <a:ea typeface="맑은 고딕" panose="020B0503020000020004" pitchFamily="50" charset="-127"/>
-              </a:rPr>
-              <a:t>B</a:t>
-            </a:r>
-            <a:r>
-              <a:rPr lang="ko-KR" altLang="en-US" dirty="0">
-                <a:solidFill>
-                  <a:prstClr val="black">
-                    <a:lumMod val="65000"/>
-                    <a:lumOff val="35000"/>
-                  </a:prstClr>
-                </a:solidFill>
-                <a:latin typeface="맑은 고딕" panose="020B0503020000020004" pitchFamily="50" charset="-127"/>
-                <a:ea typeface="맑은 고딕" panose="020B0503020000020004" pitchFamily="50" charset="-127"/>
-              </a:rPr>
-              <a:t>타입</a:t>
-            </a:r>
-            <a:endParaRPr lang="ko-KR" altLang="en-US" dirty="0"/>
-          </a:p>
-        </p:txBody>
-      </p:sp>
-      <p:sp>
-        <p:nvSpPr>
-          <p:cNvPr id="20" name="직사각형 19">
-            <a:extLst>
-              <a:ext uri="{FF2B5EF4-FFF2-40B4-BE49-F238E27FC236}">
-                <a16:creationId xmlns:a16="http://schemas.microsoft.com/office/drawing/2014/main" id="{E3EF3568-F942-C94E-926B-6416379CD47C}"/>
-              </a:ext>
-            </a:extLst>
-          </p:cNvPr>
-          <p:cNvSpPr/>
-          <p:nvPr/>
-        </p:nvSpPr>
-        <p:spPr>
-          <a:xfrm>
-            <a:off x="7062565" y="422029"/>
-            <a:ext cx="654635" cy="553998"/>
-          </a:xfrm>
-          <a:prstGeom prst="rect">
-            <a:avLst/>
-          </a:prstGeom>
-        </p:spPr>
-        <p:txBody>
-          <a:bodyPr wrap="square">
-            <a:spAutoFit/>
-          </a:bodyPr>
-          <a:lstStyle/>
-          <a:p>
-            <a:pPr>
-              <a:defRPr/>
-            </a:pPr>
-            <a:r>
-              <a:rPr lang="en-US" altLang="ko-KR" sz="3000" b="1" dirty="0">
-                <a:solidFill>
-                  <a:prstClr val="white"/>
-                </a:solidFill>
-                <a:latin typeface="맑은 고딕" panose="020B0503020000020004" pitchFamily="50" charset="-127"/>
-                <a:ea typeface="맑은 고딕" panose="020B0503020000020004" pitchFamily="50" charset="-127"/>
-              </a:rPr>
-              <a:t>02</a:t>
-            </a:r>
-            <a:endParaRPr lang="ko-KR" altLang="en-US" sz="3000" b="1" dirty="0">
-              <a:solidFill>
-                <a:prstClr val="white"/>
-              </a:solidFill>
-              <a:latin typeface="맑은 고딕" panose="020B0503020000020004" pitchFamily="50" charset="-127"/>
-              <a:ea typeface="맑은 고딕" panose="020B0503020000020004" pitchFamily="50" charset="-127"/>
-            </a:endParaRPr>
-          </a:p>
-        </p:txBody>
-      </p:sp>
-      <p:graphicFrame>
-        <p:nvGraphicFramePr>
-          <p:cNvPr id="9" name="표 8">
-            <a:extLst>
-              <a:ext uri="{FF2B5EF4-FFF2-40B4-BE49-F238E27FC236}">
-                <a16:creationId xmlns:a16="http://schemas.microsoft.com/office/drawing/2014/main" id="{CAA12A27-DF1A-434C-99F6-A077860D06EF}"/>
-              </a:ext>
-            </a:extLst>
-          </p:cNvPr>
-          <p:cNvGraphicFramePr>
-            <a:graphicFrameLocks noGrp="1"/>
-          </p:cNvGraphicFramePr>
-          <p:nvPr>
-            <p:extLst>
-              <p:ext uri="{D42A27DB-BD31-4B8C-83A1-F6EECF244321}">
-                <p14:modId xmlns:p14="http://schemas.microsoft.com/office/powerpoint/2010/main" val="1372071194"/>
-              </p:ext>
-            </p:extLst>
-          </p:nvPr>
-        </p:nvGraphicFramePr>
-        <p:xfrm>
-          <a:off x="1260094" y="2109109"/>
-          <a:ext cx="9491994" cy="3968498"/>
-        </p:xfrm>
-        <a:graphic>
-          <a:graphicData uri="http://schemas.openxmlformats.org/drawingml/2006/table">
-            <a:tbl>
-              <a:tblPr/>
-              <a:tblGrid>
-                <a:gridCol w="590747">
-                  <a:extLst>
-                    <a:ext uri="{9D8B030D-6E8A-4147-A177-3AD203B41FA5}">
-                      <a16:colId xmlns:a16="http://schemas.microsoft.com/office/drawing/2014/main" val="2825577889"/>
-                    </a:ext>
-                  </a:extLst>
-                </a:gridCol>
-                <a:gridCol w="271773">
-                  <a:extLst>
-                    <a:ext uri="{9D8B030D-6E8A-4147-A177-3AD203B41FA5}">
-                      <a16:colId xmlns:a16="http://schemas.microsoft.com/office/drawing/2014/main" val="2575371145"/>
-                    </a:ext>
-                  </a:extLst>
-                </a:gridCol>
-                <a:gridCol w="271773">
-                  <a:extLst>
-                    <a:ext uri="{9D8B030D-6E8A-4147-A177-3AD203B41FA5}">
-                      <a16:colId xmlns:a16="http://schemas.microsoft.com/office/drawing/2014/main" val="2460392279"/>
-                    </a:ext>
-                  </a:extLst>
-                </a:gridCol>
-                <a:gridCol w="1168621">
-                  <a:extLst>
-                    <a:ext uri="{9D8B030D-6E8A-4147-A177-3AD203B41FA5}">
-                      <a16:colId xmlns:a16="http://schemas.microsoft.com/office/drawing/2014/main" val="2618226828"/>
-                    </a:ext>
-                  </a:extLst>
-                </a:gridCol>
-                <a:gridCol w="559676">
-                  <a:extLst>
-                    <a:ext uri="{9D8B030D-6E8A-4147-A177-3AD203B41FA5}">
-                      <a16:colId xmlns:a16="http://schemas.microsoft.com/office/drawing/2014/main" val="1969063327"/>
-                    </a:ext>
-                  </a:extLst>
-                </a:gridCol>
-                <a:gridCol w="851339">
-                  <a:extLst>
-                    <a:ext uri="{9D8B030D-6E8A-4147-A177-3AD203B41FA5}">
-                      <a16:colId xmlns:a16="http://schemas.microsoft.com/office/drawing/2014/main" val="3189108789"/>
-                    </a:ext>
-                  </a:extLst>
-                </a:gridCol>
-                <a:gridCol w="614855">
-                  <a:extLst>
-                    <a:ext uri="{9D8B030D-6E8A-4147-A177-3AD203B41FA5}">
-                      <a16:colId xmlns:a16="http://schemas.microsoft.com/office/drawing/2014/main" val="2696593972"/>
-                    </a:ext>
-                  </a:extLst>
-                </a:gridCol>
-                <a:gridCol w="1174531">
-                  <a:extLst>
-                    <a:ext uri="{9D8B030D-6E8A-4147-A177-3AD203B41FA5}">
-                      <a16:colId xmlns:a16="http://schemas.microsoft.com/office/drawing/2014/main" val="3670021084"/>
-                    </a:ext>
-                  </a:extLst>
-                </a:gridCol>
-                <a:gridCol w="449317">
-                  <a:extLst>
-                    <a:ext uri="{9D8B030D-6E8A-4147-A177-3AD203B41FA5}">
-                      <a16:colId xmlns:a16="http://schemas.microsoft.com/office/drawing/2014/main" val="141499677"/>
-                    </a:ext>
-                  </a:extLst>
-                </a:gridCol>
-                <a:gridCol w="1371600">
-                  <a:extLst>
-                    <a:ext uri="{9D8B030D-6E8A-4147-A177-3AD203B41FA5}">
-                      <a16:colId xmlns:a16="http://schemas.microsoft.com/office/drawing/2014/main" val="935067537"/>
-                    </a:ext>
-                  </a:extLst>
-                </a:gridCol>
-                <a:gridCol w="622739">
-                  <a:extLst>
-                    <a:ext uri="{9D8B030D-6E8A-4147-A177-3AD203B41FA5}">
-                      <a16:colId xmlns:a16="http://schemas.microsoft.com/office/drawing/2014/main" val="2779693455"/>
-                    </a:ext>
-                  </a:extLst>
-                </a:gridCol>
-                <a:gridCol w="1545023">
-                  <a:extLst>
-                    <a:ext uri="{9D8B030D-6E8A-4147-A177-3AD203B41FA5}">
-                      <a16:colId xmlns:a16="http://schemas.microsoft.com/office/drawing/2014/main" val="732168727"/>
-                    </a:ext>
-                  </a:extLst>
-                </a:gridCol>
-              </a:tblGrid>
-              <a:tr h="465679">
-                <a:tc gridSpan="2">
-                  <a:txBody>
-                    <a:bodyPr/>
-                    <a:lstStyle/>
-                    <a:p>
-                      <a:pPr marL="0" marR="0" indent="0" algn="ctr" fontAlgn="base" latinLnBrk="0">
-                        <a:lnSpc>
-                          <a:spcPct val="130000"/>
-                        </a:lnSpc>
-                        <a:spcBef>
-                          <a:spcPts val="0"/>
-                        </a:spcBef>
-                        <a:spcAft>
-                          <a:spcPts val="0"/>
-                        </a:spcAft>
-                      </a:pPr>
-                      <a:r>
-                        <a:rPr lang="ko-KR" altLang="en-US" sz="1200" b="1" kern="0" spc="0" dirty="0">
-                          <a:solidFill>
-                            <a:srgbClr val="2AB9C7"/>
-                          </a:solidFill>
-                          <a:effectLst/>
-                          <a:latin typeface="맑은 고딕" panose="020B0503020000020004" pitchFamily="50" charset="-127"/>
-                          <a:ea typeface="맑은 고딕" panose="020B0503020000020004" pitchFamily="50" charset="-127"/>
-                        </a:rPr>
-                        <a:t>인물 </a:t>
-                      </a:r>
-                      <a:r>
-                        <a:rPr lang="en-US" sz="1200" b="1" kern="0" spc="0" dirty="0">
-                          <a:solidFill>
-                            <a:srgbClr val="2AB9C7"/>
-                          </a:solidFill>
-                          <a:effectLst/>
-                          <a:latin typeface="맑은 고딕" panose="020B0503020000020004" pitchFamily="50" charset="-127"/>
-                          <a:ea typeface="맑은 고딕" panose="020B0503020000020004" pitchFamily="50" charset="-127"/>
-                        </a:rPr>
-                        <a:t>B</a:t>
-                      </a:r>
-                      <a:endParaRPr lang="en-US" sz="1200" b="1" kern="0" spc="0" dirty="0">
-                        <a:solidFill>
-                          <a:srgbClr val="2AB9C7"/>
-                        </a:solidFill>
-                        <a:effectLst/>
-                        <a:latin typeface="맑은 고딕" panose="020B0503020000020004" pitchFamily="50" charset="-127"/>
-                      </a:endParaRPr>
-                    </a:p>
-                  </a:txBody>
-                  <a:tcPr marL="64771" marR="64771" marT="17907" marB="17907" anchor="ctr">
-                    <a:lnL w="12700" cap="flat" cmpd="sng" algn="ctr">
-                      <a:solidFill>
-                        <a:schemeClr val="tx1">
-                          <a:lumMod val="75000"/>
-                          <a:lumOff val="25000"/>
-                        </a:schemeClr>
-                      </a:solidFill>
-                      <a:prstDash val="solid"/>
-                      <a:round/>
-                      <a:headEnd type="none" w="med" len="med"/>
-                      <a:tailEnd type="none" w="med" len="med"/>
-                    </a:lnL>
-                    <a:lnR w="12700" cap="flat" cmpd="sng" algn="ctr">
-                      <a:solidFill>
-                        <a:schemeClr val="tx1">
-                          <a:lumMod val="75000"/>
-                          <a:lumOff val="25000"/>
-                        </a:schemeClr>
-                      </a:solidFill>
-                      <a:prstDash val="solid"/>
-                      <a:round/>
-                      <a:headEnd type="none" w="med" len="med"/>
-                      <a:tailEnd type="none" w="med" len="med"/>
-                    </a:lnR>
-                    <a:lnT w="12700" cap="flat" cmpd="sng" algn="ctr">
-                      <a:solidFill>
-                        <a:schemeClr val="tx1">
-                          <a:lumMod val="75000"/>
-                          <a:lumOff val="25000"/>
-                        </a:schemeClr>
-                      </a:solidFill>
-                      <a:prstDash val="solid"/>
-                      <a:round/>
-                      <a:headEnd type="none" w="med" len="med"/>
-                      <a:tailEnd type="none" w="med" len="med"/>
-                    </a:lnT>
-                    <a:lnB w="10795" cap="flat" cmpd="sng" algn="ctr">
-                      <a:solidFill>
-                        <a:srgbClr val="191919"/>
-                      </a:solidFill>
-                      <a:prstDash val="solid"/>
-                      <a:round/>
-                      <a:headEnd type="none" w="med" len="med"/>
-                      <a:tailEnd type="none" w="med" len="med"/>
-                    </a:lnB>
-                  </a:tcPr>
-                </a:tc>
-                <a:tc hMerge="1">
-                  <a:txBody>
-                    <a:bodyPr/>
-                    <a:lstStyle/>
-                    <a:p>
-                      <a:pPr latinLnBrk="1"/>
-                      <a:endParaRPr lang="ko-KR" altLang="en-US"/>
-                    </a:p>
-                  </a:txBody>
-                  <a:tcPr/>
-                </a:tc>
-                <a:tc gridSpan="10">
-                  <a:txBody>
-                    <a:bodyPr/>
-                    <a:lstStyle/>
-                    <a:p>
-                      <a:pPr marL="0" marR="0" indent="0" algn="just" fontAlgn="base" latinLnBrk="1">
-                        <a:lnSpc>
-                          <a:spcPct val="130000"/>
-                        </a:lnSpc>
-                        <a:spcBef>
-                          <a:spcPts val="0"/>
-                        </a:spcBef>
-                        <a:spcAft>
-                          <a:spcPts val="0"/>
-                        </a:spcAft>
-                      </a:pPr>
-                      <a:r>
-                        <a:rPr lang="ko-KR" altLang="en-US" sz="1100" b="1" kern="0" spc="0" dirty="0">
-                          <a:solidFill>
-                            <a:srgbClr val="191919"/>
-                          </a:solidFill>
-                          <a:effectLst/>
-                          <a:latin typeface="맑은 고딕" panose="020B0503020000020004" pitchFamily="50" charset="-127"/>
-                          <a:ea typeface="맑은 고딕" panose="020B0503020000020004" pitchFamily="50" charset="-127"/>
-                        </a:rPr>
-                        <a:t>요구사항 요약</a:t>
-                      </a:r>
-                      <a:r>
-                        <a:rPr lang="en-US" altLang="ko-KR" sz="1100" b="1" kern="0" spc="0" dirty="0">
-                          <a:solidFill>
-                            <a:srgbClr val="191919"/>
-                          </a:solidFill>
-                          <a:effectLst/>
-                          <a:latin typeface="맑은 고딕" panose="020B0503020000020004" pitchFamily="50" charset="-127"/>
-                          <a:ea typeface="맑은 고딕" panose="020B0503020000020004" pitchFamily="50" charset="-127"/>
-                        </a:rPr>
-                        <a:t>:</a:t>
-                      </a:r>
-                      <a:endParaRPr lang="ko-KR" altLang="en-US" sz="1100" kern="0" spc="0" dirty="0">
-                        <a:solidFill>
-                          <a:srgbClr val="191919"/>
-                        </a:solidFill>
-                        <a:effectLst/>
-                        <a:latin typeface="맑은 고딕" panose="020B0503020000020004" pitchFamily="50" charset="-127"/>
-                      </a:endParaRPr>
-                    </a:p>
-                  </a:txBody>
-                  <a:tcPr marL="64771" marR="64771" marT="17907" marB="17907" anchor="ctr">
-                    <a:lnL w="12700" cap="flat" cmpd="sng" algn="ctr">
-                      <a:solidFill>
-                        <a:schemeClr val="tx1">
-                          <a:lumMod val="75000"/>
-                          <a:lumOff val="25000"/>
-                        </a:schemeClr>
-                      </a:solidFill>
-                      <a:prstDash val="solid"/>
-                      <a:round/>
-                      <a:headEnd type="none" w="med" len="med"/>
-                      <a:tailEnd type="none" w="med" len="med"/>
-                    </a:lnL>
-                    <a:lnR w="12700" cap="flat" cmpd="sng" algn="ctr">
-                      <a:solidFill>
-                        <a:schemeClr val="tx1">
-                          <a:lumMod val="75000"/>
-                          <a:lumOff val="25000"/>
-                        </a:schemeClr>
-                      </a:solidFill>
-                      <a:prstDash val="solid"/>
-                      <a:round/>
-                      <a:headEnd type="none" w="med" len="med"/>
-                      <a:tailEnd type="none" w="med" len="med"/>
-                    </a:lnR>
-                    <a:lnT w="12700" cap="flat" cmpd="sng" algn="ctr">
-                      <a:solidFill>
-                        <a:schemeClr val="tx1">
-                          <a:lumMod val="75000"/>
-                          <a:lumOff val="25000"/>
-                        </a:schemeClr>
-                      </a:solidFill>
-                      <a:prstDash val="solid"/>
-                      <a:round/>
-                      <a:headEnd type="none" w="med" len="med"/>
-                      <a:tailEnd type="none" w="med" len="med"/>
-                    </a:lnT>
-                    <a:lnB w="10795" cap="flat" cmpd="sng" algn="ctr">
-                      <a:solidFill>
-                        <a:srgbClr val="191919"/>
-                      </a:solidFill>
-                      <a:prstDash val="solid"/>
-                      <a:round/>
-                      <a:headEnd type="none" w="med" len="med"/>
-                      <a:tailEnd type="none" w="med" len="med"/>
-                    </a:lnB>
-                    <a:solidFill>
-                      <a:srgbClr val="DFE6F7"/>
-                    </a:solidFill>
-                  </a:tcPr>
-                </a:tc>
-                <a:tc hMerge="1">
-                  <a:txBody>
-                    <a:bodyPr/>
-                    <a:lstStyle/>
-                    <a:p>
-                      <a:pPr latinLnBrk="1"/>
-                      <a:endParaRPr lang="ko-KR" altLang="en-US"/>
-                    </a:p>
-                  </a:txBody>
-                  <a:tcPr/>
-                </a:tc>
-                <a:tc hMerge="1">
-                  <a:txBody>
-                    <a:bodyPr/>
-                    <a:lstStyle/>
-                    <a:p>
-                      <a:pPr latinLnBrk="1"/>
-                      <a:endParaRPr lang="ko-KR" altLang="en-US"/>
-                    </a:p>
-                  </a:txBody>
-                  <a:tcPr/>
-                </a:tc>
-                <a:tc hMerge="1">
-                  <a:txBody>
-                    <a:bodyPr/>
-                    <a:lstStyle/>
-                    <a:p>
-                      <a:pPr latinLnBrk="1"/>
-                      <a:endParaRPr lang="ko-KR" altLang="en-US"/>
-                    </a:p>
-                  </a:txBody>
-                  <a:tcPr/>
-                </a:tc>
-                <a:tc hMerge="1">
-                  <a:txBody>
-                    <a:bodyPr/>
-                    <a:lstStyle/>
-                    <a:p>
-                      <a:pPr latinLnBrk="1"/>
-                      <a:endParaRPr lang="ko-KR" altLang="en-US"/>
-                    </a:p>
-                  </a:txBody>
-                  <a:tcPr/>
-                </a:tc>
-                <a:tc hMerge="1">
-                  <a:txBody>
-                    <a:bodyPr/>
-                    <a:lstStyle/>
-                    <a:p>
-                      <a:pPr latinLnBrk="1"/>
-                      <a:endParaRPr lang="ko-KR" altLang="en-US"/>
-                    </a:p>
-                  </a:txBody>
-                  <a:tcPr/>
-                </a:tc>
-                <a:tc hMerge="1">
-                  <a:txBody>
-                    <a:bodyPr/>
-                    <a:lstStyle/>
-                    <a:p>
-                      <a:pPr latinLnBrk="1"/>
-                      <a:endParaRPr lang="ko-KR" altLang="en-US"/>
-                    </a:p>
-                  </a:txBody>
-                  <a:tcPr/>
-                </a:tc>
-                <a:tc hMerge="1">
-                  <a:txBody>
-                    <a:bodyPr/>
-                    <a:lstStyle/>
-                    <a:p>
-                      <a:pPr latinLnBrk="1"/>
-                      <a:endParaRPr lang="ko-KR" altLang="en-US"/>
-                    </a:p>
-                  </a:txBody>
-                  <a:tcPr/>
-                </a:tc>
-                <a:tc hMerge="1">
-                  <a:txBody>
-                    <a:bodyPr/>
-                    <a:lstStyle/>
-                    <a:p>
-                      <a:pPr latinLnBrk="1"/>
-                      <a:endParaRPr lang="ko-KR" altLang="en-US"/>
-                    </a:p>
-                  </a:txBody>
-                  <a:tcPr/>
-                </a:tc>
-                <a:tc hMerge="1">
-                  <a:txBody>
-                    <a:bodyPr/>
-                    <a:lstStyle/>
-                    <a:p>
-                      <a:pPr latinLnBrk="1"/>
-                      <a:endParaRPr lang="ko-KR" altLang="en-US"/>
-                    </a:p>
-                  </a:txBody>
-                  <a:tcPr/>
-                </a:tc>
-                <a:extLst>
-                  <a:ext uri="{0D108BD9-81ED-4DB2-BD59-A6C34878D82A}">
-                    <a16:rowId xmlns:a16="http://schemas.microsoft.com/office/drawing/2014/main" val="3340433091"/>
-                  </a:ext>
-                </a:extLst>
-              </a:tr>
-              <a:tr h="443677">
-                <a:tc>
-                  <a:txBody>
-                    <a:bodyPr/>
-                    <a:lstStyle/>
-                    <a:p>
-                      <a:pPr marL="0" marR="0" indent="0" algn="ctr" fontAlgn="base" latinLnBrk="0">
-                        <a:lnSpc>
-                          <a:spcPct val="130000"/>
-                        </a:lnSpc>
-                        <a:spcBef>
-                          <a:spcPts val="0"/>
-                        </a:spcBef>
-                        <a:spcAft>
-                          <a:spcPts val="0"/>
-                        </a:spcAft>
-                      </a:pPr>
-                      <a:r>
-                        <a:rPr lang="ko-KR" altLang="en-US" sz="1100" b="1" kern="0" spc="0" dirty="0">
-                          <a:solidFill>
-                            <a:srgbClr val="191919"/>
-                          </a:solidFill>
-                          <a:effectLst/>
-                          <a:latin typeface="맑은 고딕" panose="020B0503020000020004" pitchFamily="50" charset="-127"/>
-                          <a:ea typeface="맑은 고딕" panose="020B0503020000020004" pitchFamily="50" charset="-127"/>
-                        </a:rPr>
-                        <a:t>이름</a:t>
-                      </a:r>
-                      <a:endParaRPr lang="ko-KR" altLang="en-US" sz="1100" kern="0" spc="0" dirty="0">
-                        <a:solidFill>
-                          <a:srgbClr val="191919"/>
-                        </a:solidFill>
-                        <a:effectLst/>
-                        <a:latin typeface="맑은 고딕" panose="020B0503020000020004" pitchFamily="50" charset="-127"/>
-                      </a:endParaRPr>
-                    </a:p>
-                  </a:txBody>
-                  <a:tcPr marL="64771" marR="64771" marT="17907" marB="17907" anchor="ctr">
-                    <a:lnL w="12700" cap="flat" cmpd="sng" algn="ctr">
-                      <a:solidFill>
-                        <a:schemeClr val="tx1">
-                          <a:lumMod val="75000"/>
-                          <a:lumOff val="25000"/>
-                        </a:schemeClr>
-                      </a:solidFill>
-                      <a:prstDash val="solid"/>
-                      <a:round/>
-                      <a:headEnd type="none" w="med" len="med"/>
-                      <a:tailEnd type="none" w="med" len="med"/>
-                    </a:lnL>
-                    <a:lnR w="6350" cap="flat" cmpd="sng" algn="ctr">
-                      <a:solidFill>
-                        <a:schemeClr val="bg1">
-                          <a:lumMod val="50000"/>
-                        </a:schemeClr>
-                      </a:solidFill>
-                      <a:prstDash val="solid"/>
-                      <a:round/>
-                      <a:headEnd type="none" w="med" len="med"/>
-                      <a:tailEnd type="none" w="med" len="med"/>
-                    </a:lnR>
-                    <a:lnT w="10795" cap="flat" cmpd="sng" algn="ctr">
-                      <a:solidFill>
-                        <a:srgbClr val="191919"/>
-                      </a:solidFill>
-                      <a:prstDash val="solid"/>
-                      <a:round/>
-                      <a:headEnd type="none" w="med" len="med"/>
-                      <a:tailEnd type="none" w="med" len="med"/>
-                    </a:lnT>
-                    <a:lnB w="6350" cap="flat" cmpd="sng" algn="ctr">
-                      <a:solidFill>
-                        <a:schemeClr val="bg1">
-                          <a:lumMod val="50000"/>
-                        </a:schemeClr>
-                      </a:solidFill>
-                      <a:prstDash val="solid"/>
-                      <a:round/>
-                      <a:headEnd type="none" w="med" len="med"/>
-                      <a:tailEnd type="none" w="med" len="med"/>
-                    </a:lnB>
-                    <a:solidFill>
-                      <a:srgbClr val="DFE6F7"/>
-                    </a:solidFill>
-                  </a:tcPr>
-                </a:tc>
-                <a:tc gridSpan="3">
-                  <a:txBody>
-                    <a:bodyPr/>
-                    <a:lstStyle/>
-                    <a:p>
-                      <a:pPr marL="0" marR="0" indent="0" algn="ctr" fontAlgn="base" latinLnBrk="0">
-                        <a:lnSpc>
-                          <a:spcPct val="130000"/>
-                        </a:lnSpc>
-                        <a:spcBef>
-                          <a:spcPts val="0"/>
-                        </a:spcBef>
-                        <a:spcAft>
-                          <a:spcPts val="0"/>
-                        </a:spcAft>
-                      </a:pPr>
-                      <a:endParaRPr lang="ko-KR" altLang="en-US" sz="1100" kern="0" spc="0" dirty="0">
-                        <a:solidFill>
-                          <a:srgbClr val="191919"/>
-                        </a:solidFill>
-                        <a:effectLst/>
-                        <a:latin typeface="맑은 고딕" panose="020B0503020000020004" pitchFamily="50" charset="-127"/>
-                      </a:endParaRPr>
-                    </a:p>
-                  </a:txBody>
-                  <a:tcPr marL="64771" marR="64771" marT="17907" marB="17907" anchor="ctr">
-                    <a:lnL w="6350" cap="flat" cmpd="sng" algn="ctr">
-                      <a:solidFill>
-                        <a:schemeClr val="bg1">
-                          <a:lumMod val="50000"/>
-                        </a:schemeClr>
-                      </a:solidFill>
-                      <a:prstDash val="solid"/>
-                      <a:round/>
-                      <a:headEnd type="none" w="med" len="med"/>
-                      <a:tailEnd type="none" w="med" len="med"/>
-                    </a:lnL>
-                    <a:lnR w="6350" cap="flat" cmpd="sng" algn="ctr">
-                      <a:solidFill>
-                        <a:schemeClr val="bg1">
-                          <a:lumMod val="50000"/>
-                        </a:schemeClr>
-                      </a:solidFill>
-                      <a:prstDash val="solid"/>
-                      <a:round/>
-                      <a:headEnd type="none" w="med" len="med"/>
-                      <a:tailEnd type="none" w="med" len="med"/>
-                    </a:lnR>
-                    <a:lnT w="10795" cap="flat" cmpd="sng" algn="ctr">
-                      <a:solidFill>
-                        <a:srgbClr val="191919"/>
-                      </a:solidFill>
-                      <a:prstDash val="solid"/>
-                      <a:round/>
-                      <a:headEnd type="none" w="med" len="med"/>
-                      <a:tailEnd type="none" w="med" len="med"/>
-                    </a:lnT>
-                    <a:lnB w="6350" cap="flat" cmpd="sng" algn="ctr">
-                      <a:solidFill>
-                        <a:schemeClr val="bg1">
-                          <a:lumMod val="50000"/>
-                        </a:schemeClr>
-                      </a:solidFill>
-                      <a:prstDash val="solid"/>
-                      <a:round/>
-                      <a:headEnd type="none" w="med" len="med"/>
-                      <a:tailEnd type="none" w="med" len="med"/>
-                    </a:lnB>
-                  </a:tcPr>
-                </a:tc>
-                <a:tc hMerge="1">
-                  <a:txBody>
-                    <a:bodyPr/>
-                    <a:lstStyle/>
-                    <a:p>
-                      <a:pPr latinLnBrk="1"/>
-                      <a:endParaRPr lang="ko-KR" altLang="en-US"/>
-                    </a:p>
-                  </a:txBody>
-                  <a:tcPr/>
-                </a:tc>
-                <a:tc hMerge="1">
-                  <a:txBody>
-                    <a:bodyPr/>
-                    <a:lstStyle/>
-                    <a:p>
-                      <a:pPr latinLnBrk="1"/>
-                      <a:endParaRPr lang="ko-KR" altLang="en-US"/>
-                    </a:p>
-                  </a:txBody>
-                  <a:tcPr/>
-                </a:tc>
-                <a:tc>
-                  <a:txBody>
-                    <a:bodyPr/>
-                    <a:lstStyle/>
-                    <a:p>
-                      <a:pPr marL="0" marR="0" indent="0" algn="ctr" fontAlgn="base" latinLnBrk="0">
-                        <a:lnSpc>
-                          <a:spcPct val="130000"/>
-                        </a:lnSpc>
-                        <a:spcBef>
-                          <a:spcPts val="0"/>
-                        </a:spcBef>
-                        <a:spcAft>
-                          <a:spcPts val="0"/>
-                        </a:spcAft>
-                      </a:pPr>
-                      <a:r>
-                        <a:rPr lang="ko-KR" altLang="en-US" sz="1100" b="1" kern="0" spc="0" dirty="0">
-                          <a:solidFill>
-                            <a:srgbClr val="191919"/>
-                          </a:solidFill>
-                          <a:effectLst/>
-                          <a:latin typeface="맑은 고딕" panose="020B0503020000020004" pitchFamily="50" charset="-127"/>
-                          <a:ea typeface="맑은 고딕" panose="020B0503020000020004" pitchFamily="50" charset="-127"/>
-                        </a:rPr>
-                        <a:t>나이</a:t>
-                      </a:r>
-                      <a:endParaRPr lang="ko-KR" altLang="en-US" sz="1100" kern="0" spc="0" dirty="0">
-                        <a:solidFill>
-                          <a:srgbClr val="191919"/>
-                        </a:solidFill>
-                        <a:effectLst/>
-                        <a:latin typeface="맑은 고딕" panose="020B0503020000020004" pitchFamily="50" charset="-127"/>
-                      </a:endParaRPr>
-                    </a:p>
-                  </a:txBody>
-                  <a:tcPr marL="64771" marR="64771" marT="17907" marB="17907" anchor="ctr">
-                    <a:lnL w="6350" cap="flat" cmpd="sng" algn="ctr">
-                      <a:solidFill>
-                        <a:schemeClr val="bg1">
-                          <a:lumMod val="50000"/>
-                        </a:schemeClr>
-                      </a:solidFill>
-                      <a:prstDash val="solid"/>
-                      <a:round/>
-                      <a:headEnd type="none" w="med" len="med"/>
-                      <a:tailEnd type="none" w="med" len="med"/>
-                    </a:lnL>
-                    <a:lnR w="6350" cap="flat" cmpd="sng" algn="ctr">
-                      <a:solidFill>
-                        <a:schemeClr val="bg1">
-                          <a:lumMod val="50000"/>
-                        </a:schemeClr>
-                      </a:solidFill>
-                      <a:prstDash val="solid"/>
-                      <a:round/>
-                      <a:headEnd type="none" w="med" len="med"/>
-                      <a:tailEnd type="none" w="med" len="med"/>
-                    </a:lnR>
-                    <a:lnT w="12700" cap="flat" cmpd="sng" algn="ctr">
-                      <a:solidFill>
-                        <a:schemeClr val="tx1">
-                          <a:lumMod val="75000"/>
-                          <a:lumOff val="25000"/>
-                        </a:schemeClr>
-                      </a:solidFill>
-                      <a:prstDash val="solid"/>
-                      <a:round/>
-                      <a:headEnd type="none" w="med" len="med"/>
-                      <a:tailEnd type="none" w="med" len="med"/>
-                    </a:lnT>
-                    <a:lnB w="6350" cap="flat" cmpd="sng" algn="ctr">
-                      <a:solidFill>
-                        <a:schemeClr val="bg1">
-                          <a:lumMod val="50000"/>
-                        </a:schemeClr>
-                      </a:solidFill>
-                      <a:prstDash val="solid"/>
-                      <a:round/>
-                      <a:headEnd type="none" w="med" len="med"/>
-                      <a:tailEnd type="none" w="med" len="med"/>
-                    </a:lnB>
-                    <a:solidFill>
-                      <a:srgbClr val="DFE6F7"/>
-                    </a:solidFill>
-                  </a:tcPr>
-                </a:tc>
-                <a:tc>
-                  <a:txBody>
-                    <a:bodyPr/>
-                    <a:lstStyle/>
-                    <a:p>
-                      <a:pPr marL="0" marR="0" indent="0" algn="ctr" fontAlgn="base" latinLnBrk="0">
-                        <a:lnSpc>
-                          <a:spcPct val="130000"/>
-                        </a:lnSpc>
-                        <a:spcBef>
-                          <a:spcPts val="0"/>
-                        </a:spcBef>
-                        <a:spcAft>
-                          <a:spcPts val="0"/>
-                        </a:spcAft>
-                      </a:pPr>
-                      <a:endParaRPr lang="ko-KR" altLang="en-US" sz="1100" kern="0" spc="0" dirty="0">
-                        <a:solidFill>
-                          <a:srgbClr val="191919"/>
-                        </a:solidFill>
-                        <a:effectLst/>
-                        <a:latin typeface="맑은 고딕" panose="020B0503020000020004" pitchFamily="50" charset="-127"/>
-                      </a:endParaRPr>
-                    </a:p>
-                  </a:txBody>
-                  <a:tcPr marL="64771" marR="64771" marT="17907" marB="17907" anchor="ctr">
-                    <a:lnL w="6350" cap="flat" cmpd="sng" algn="ctr">
-                      <a:solidFill>
-                        <a:schemeClr val="bg1">
-                          <a:lumMod val="50000"/>
-                        </a:schemeClr>
-                      </a:solidFill>
-                      <a:prstDash val="solid"/>
-                      <a:round/>
-                      <a:headEnd type="none" w="med" len="med"/>
-                      <a:tailEnd type="none" w="med" len="med"/>
-                    </a:lnL>
-                    <a:lnR w="6350" cap="flat" cmpd="sng" algn="ctr">
-                      <a:solidFill>
-                        <a:schemeClr val="bg1">
-                          <a:lumMod val="50000"/>
-                        </a:schemeClr>
-                      </a:solidFill>
-                      <a:prstDash val="solid"/>
-                      <a:round/>
-                      <a:headEnd type="none" w="med" len="med"/>
-                      <a:tailEnd type="none" w="med" len="med"/>
-                    </a:lnR>
-                    <a:lnT w="12700" cap="flat" cmpd="sng" algn="ctr">
-                      <a:solidFill>
-                        <a:schemeClr val="tx1">
-                          <a:lumMod val="75000"/>
-                          <a:lumOff val="25000"/>
-                        </a:schemeClr>
-                      </a:solidFill>
-                      <a:prstDash val="solid"/>
-                      <a:round/>
-                      <a:headEnd type="none" w="med" len="med"/>
-                      <a:tailEnd type="none" w="med" len="med"/>
-                    </a:lnT>
-                    <a:lnB w="6350" cap="flat" cmpd="sng" algn="ctr">
-                      <a:solidFill>
-                        <a:schemeClr val="bg1">
-                          <a:lumMod val="50000"/>
-                        </a:schemeClr>
-                      </a:solidFill>
-                      <a:prstDash val="solid"/>
-                      <a:round/>
-                      <a:headEnd type="none" w="med" len="med"/>
-                      <a:tailEnd type="none" w="med" len="med"/>
-                    </a:lnB>
-                  </a:tcPr>
-                </a:tc>
-                <a:tc>
-                  <a:txBody>
-                    <a:bodyPr/>
-                    <a:lstStyle/>
-                    <a:p>
-                      <a:pPr marL="0" marR="0" indent="0" algn="ctr" fontAlgn="base" latinLnBrk="0">
-                        <a:lnSpc>
-                          <a:spcPct val="130000"/>
-                        </a:lnSpc>
-                        <a:spcBef>
-                          <a:spcPts val="0"/>
-                        </a:spcBef>
-                        <a:spcAft>
-                          <a:spcPts val="0"/>
-                        </a:spcAft>
-                      </a:pPr>
-                      <a:r>
-                        <a:rPr lang="ko-KR" altLang="en-US" sz="1100" b="1" kern="0" spc="0" dirty="0">
-                          <a:solidFill>
-                            <a:srgbClr val="191919"/>
-                          </a:solidFill>
-                          <a:effectLst/>
-                          <a:latin typeface="맑은 고딕" panose="020B0503020000020004" pitchFamily="50" charset="-127"/>
-                          <a:ea typeface="맑은 고딕" panose="020B0503020000020004" pitchFamily="50" charset="-127"/>
-                        </a:rPr>
-                        <a:t>성별</a:t>
-                      </a:r>
-                      <a:endParaRPr lang="ko-KR" altLang="en-US" sz="1100" kern="0" spc="0" dirty="0">
-                        <a:solidFill>
-                          <a:srgbClr val="191919"/>
-                        </a:solidFill>
-                        <a:effectLst/>
-                        <a:latin typeface="맑은 고딕" panose="020B0503020000020004" pitchFamily="50" charset="-127"/>
-                      </a:endParaRPr>
-                    </a:p>
-                  </a:txBody>
-                  <a:tcPr marL="64771" marR="64771" marT="17907" marB="17907" anchor="ctr">
-                    <a:lnL w="6350" cap="flat" cmpd="sng" algn="ctr">
-                      <a:solidFill>
-                        <a:schemeClr val="bg1">
-                          <a:lumMod val="50000"/>
-                        </a:schemeClr>
-                      </a:solidFill>
-                      <a:prstDash val="solid"/>
-                      <a:round/>
-                      <a:headEnd type="none" w="med" len="med"/>
-                      <a:tailEnd type="none" w="med" len="med"/>
-                    </a:lnL>
-                    <a:lnR w="12700" cap="flat" cmpd="sng" algn="ctr">
-                      <a:solidFill>
-                        <a:schemeClr val="bg1">
-                          <a:lumMod val="65000"/>
-                        </a:schemeClr>
-                      </a:solidFill>
-                      <a:prstDash val="solid"/>
-                      <a:round/>
-                      <a:headEnd type="none" w="med" len="med"/>
-                      <a:tailEnd type="none" w="med" len="med"/>
-                    </a:lnR>
-                    <a:lnT w="12700" cap="flat" cmpd="sng" algn="ctr">
-                      <a:solidFill>
-                        <a:schemeClr val="tx1">
-                          <a:lumMod val="75000"/>
-                          <a:lumOff val="25000"/>
-                        </a:schemeClr>
-                      </a:solidFill>
-                      <a:prstDash val="solid"/>
-                      <a:round/>
-                      <a:headEnd type="none" w="med" len="med"/>
-                      <a:tailEnd type="none" w="med" len="med"/>
-                    </a:lnT>
-                    <a:lnB w="6350" cap="flat" cmpd="sng" algn="ctr">
-                      <a:solidFill>
-                        <a:schemeClr val="bg1">
-                          <a:lumMod val="50000"/>
-                        </a:schemeClr>
-                      </a:solidFill>
-                      <a:prstDash val="solid"/>
-                      <a:round/>
-                      <a:headEnd type="none" w="med" len="med"/>
-                      <a:tailEnd type="none" w="med" len="med"/>
-                    </a:lnB>
-                    <a:solidFill>
-                      <a:srgbClr val="DFE6F7"/>
-                    </a:solidFill>
-                  </a:tcPr>
-                </a:tc>
-                <a:tc>
-                  <a:txBody>
-                    <a:bodyPr/>
-                    <a:lstStyle/>
-                    <a:p>
-                      <a:pPr marL="0" marR="0" indent="0" algn="ctr" fontAlgn="base" latinLnBrk="0">
-                        <a:lnSpc>
-                          <a:spcPct val="130000"/>
-                        </a:lnSpc>
-                        <a:spcBef>
-                          <a:spcPts val="0"/>
-                        </a:spcBef>
-                        <a:spcAft>
-                          <a:spcPts val="0"/>
-                        </a:spcAft>
-                      </a:pPr>
-                      <a:endParaRPr lang="ko-KR" altLang="en-US" sz="1100" kern="0" spc="0" dirty="0">
-                        <a:solidFill>
-                          <a:srgbClr val="191919"/>
-                        </a:solidFill>
-                        <a:effectLst/>
-                        <a:latin typeface="맑은 고딕" panose="020B0503020000020004" pitchFamily="50" charset="-127"/>
-                      </a:endParaRPr>
                     </a:p>
                   </a:txBody>
                   <a:tcPr marL="64771" marR="64771" marT="17907" marB="17907" anchor="ctr">
@@ -28269,6 +31837,16 @@
                           <a:spcPts val="0"/>
                         </a:spcAft>
                       </a:pPr>
+                      <a:r>
+                        <a:rPr lang="en-US" altLang="ko-KR" sz="1100" kern="0" spc="0" dirty="0">
+                          <a:solidFill>
+                            <a:srgbClr val="B2B2B2"/>
+                          </a:solidFill>
+                          <a:effectLst/>
+                          <a:latin typeface="맑은 고딕" panose="020B0503020000020004" pitchFamily="50" charset="-127"/>
+                        </a:rPr>
+                        <a:t> </a:t>
+                      </a:r>
                       <a:endParaRPr lang="ko-KR" altLang="en-US" sz="1100" kern="0" spc="0" dirty="0">
                         <a:solidFill>
                           <a:srgbClr val="B2B2B2"/>
